--- a/Performance Evaluation of MLT in Web Page Load Time Prediction - Datasets and Scripts.pptx
+++ b/Performance Evaluation of MLT in Web Page Load Time Prediction - Datasets and Scripts.pptx
@@ -6,31 +6,33 @@
   </p:sldMasterIdLst>
   <p:sldIdLst>
     <p:sldId id="256" r:id="rId2"/>
-    <p:sldId id="262" r:id="rId3"/>
-    <p:sldId id="261" r:id="rId4"/>
-    <p:sldId id="258" r:id="rId5"/>
-    <p:sldId id="260" r:id="rId6"/>
-    <p:sldId id="282" r:id="rId7"/>
-    <p:sldId id="259" r:id="rId8"/>
-    <p:sldId id="265" r:id="rId9"/>
-    <p:sldId id="271" r:id="rId10"/>
-    <p:sldId id="263" r:id="rId11"/>
-    <p:sldId id="264" r:id="rId12"/>
-    <p:sldId id="266" r:id="rId13"/>
-    <p:sldId id="267" r:id="rId14"/>
-    <p:sldId id="268" r:id="rId15"/>
-    <p:sldId id="269" r:id="rId16"/>
-    <p:sldId id="275" r:id="rId17"/>
-    <p:sldId id="272" r:id="rId18"/>
-    <p:sldId id="276" r:id="rId19"/>
-    <p:sldId id="270" r:id="rId20"/>
-    <p:sldId id="283" r:id="rId21"/>
-    <p:sldId id="281" r:id="rId22"/>
-    <p:sldId id="277" r:id="rId23"/>
-    <p:sldId id="278" r:id="rId24"/>
-    <p:sldId id="284" r:id="rId25"/>
-    <p:sldId id="279" r:id="rId26"/>
-    <p:sldId id="280" r:id="rId27"/>
+    <p:sldId id="286" r:id="rId3"/>
+    <p:sldId id="262" r:id="rId4"/>
+    <p:sldId id="261" r:id="rId5"/>
+    <p:sldId id="258" r:id="rId6"/>
+    <p:sldId id="260" r:id="rId7"/>
+    <p:sldId id="282" r:id="rId8"/>
+    <p:sldId id="259" r:id="rId9"/>
+    <p:sldId id="265" r:id="rId10"/>
+    <p:sldId id="271" r:id="rId11"/>
+    <p:sldId id="263" r:id="rId12"/>
+    <p:sldId id="264" r:id="rId13"/>
+    <p:sldId id="266" r:id="rId14"/>
+    <p:sldId id="267" r:id="rId15"/>
+    <p:sldId id="268" r:id="rId16"/>
+    <p:sldId id="269" r:id="rId17"/>
+    <p:sldId id="275" r:id="rId18"/>
+    <p:sldId id="272" r:id="rId19"/>
+    <p:sldId id="276" r:id="rId20"/>
+    <p:sldId id="270" r:id="rId21"/>
+    <p:sldId id="283" r:id="rId22"/>
+    <p:sldId id="281" r:id="rId23"/>
+    <p:sldId id="277" r:id="rId24"/>
+    <p:sldId id="278" r:id="rId25"/>
+    <p:sldId id="284" r:id="rId26"/>
+    <p:sldId id="285" r:id="rId27"/>
+    <p:sldId id="279" r:id="rId28"/>
+    <p:sldId id="280" r:id="rId29"/>
   </p:sldIdLst>
   <p:sldSz cx="12192000" cy="6858000"/>
   <p:notesSz cx="6858000" cy="9144000"/>
@@ -3408,6 +3410,14 @@
             </a:r>
             <a:r>
               <a:rPr lang="en-IN" sz="3200" dirty="0"/>
+              <a:t>Part 1</a:t>
+            </a:r>
+            <a:r>
+              <a:rPr lang="en-IN" sz="4000" dirty="0"/>
+              <a:t>: </a:t>
+            </a:r>
+            <a:r>
+              <a:rPr lang="en-IN" sz="3200" dirty="0"/>
               <a:t>datasets and scripts used</a:t>
             </a:r>
             <a:r>
@@ -3435,12 +3445,47 @@
         </p:nvSpPr>
         <p:spPr/>
         <p:txBody>
-          <a:bodyPr/>
+          <a:bodyPr>
+            <a:normAutofit lnSpcReduction="10000"/>
+          </a:bodyPr>
           <a:lstStyle/>
           <a:p>
             <a:r>
               <a:rPr lang="en-IN" dirty="0"/>
               <a:t>Raghu Ramakrishnan</a:t>
+            </a:r>
+          </a:p>
+          <a:p>
+            <a:r>
+              <a:rPr lang="en-IN" dirty="0"/>
+              <a:t>(You can reach me at </a:t>
+            </a:r>
+            <a:r>
+              <a:rPr lang="en-IN" dirty="0">
+                <a:solidFill>
+                  <a:schemeClr val="accent1"/>
+                </a:solidFill>
+                <a:hlinkClick r:id="rId2"/>
+              </a:rPr>
+              <a:t>raghuramakrishnan71@gmail.com</a:t>
+            </a:r>
+            <a:r>
+              <a:rPr lang="en-IN" dirty="0">
+                <a:solidFill>
+                  <a:schemeClr val="accent1"/>
+                </a:solidFill>
+              </a:rPr>
+              <a:t> </a:t>
+            </a:r>
+            <a:r>
+              <a:rPr lang="en-IN" dirty="0"/>
+              <a:t>for queries or help with the scripts)</a:t>
+            </a:r>
+          </a:p>
+          <a:p>
+            <a:r>
+              <a:rPr lang="en-IN" dirty="0"/>
+              <a:t>Arvinder Kaur</a:t>
             </a:r>
           </a:p>
         </p:txBody>
@@ -3459,6 +3504,228 @@
 </file>
 
 <file path=ppt/slides/slide10.xml><?xml version="1.0" encoding="utf-8"?>
+<p:sld xmlns:a="http://schemas.openxmlformats.org/drawingml/2006/main" xmlns:r="http://schemas.openxmlformats.org/officeDocument/2006/relationships" xmlns:p="http://schemas.openxmlformats.org/presentationml/2006/main">
+  <p:cSld>
+    <p:spTree>
+      <p:nvGrpSpPr>
+        <p:cNvPr id="1" name=""/>
+        <p:cNvGrpSpPr/>
+        <p:nvPr/>
+      </p:nvGrpSpPr>
+      <p:grpSpPr>
+        <a:xfrm>
+          <a:off x="0" y="0"/>
+          <a:ext cx="0" cy="0"/>
+          <a:chOff x="0" y="0"/>
+          <a:chExt cx="0" cy="0"/>
+        </a:xfrm>
+      </p:grpSpPr>
+      <p:sp>
+        <p:nvSpPr>
+          <p:cNvPr id="2" name="Title 1">
+            <a:extLst>
+              <a:ext uri="{FF2B5EF4-FFF2-40B4-BE49-F238E27FC236}">
+                <a16:creationId xmlns:a16="http://schemas.microsoft.com/office/drawing/2014/main" id="{771FA61A-2BA4-485A-8AE8-DB17B19874F3}"/>
+              </a:ext>
+            </a:extLst>
+          </p:cNvPr>
+          <p:cNvSpPr>
+            <a:spLocks noGrp="1"/>
+          </p:cNvSpPr>
+          <p:nvPr>
+            <p:ph type="title"/>
+          </p:nvPr>
+        </p:nvSpPr>
+        <p:spPr/>
+        <p:txBody>
+          <a:bodyPr/>
+          <a:lstStyle/>
+          <a:p>
+            <a:r>
+              <a:rPr lang="en-IN" dirty="0"/>
+              <a:t>Input to all scripts: step1-datacreation-list.txt</a:t>
+            </a:r>
+          </a:p>
+        </p:txBody>
+      </p:sp>
+      <p:sp>
+        <p:nvSpPr>
+          <p:cNvPr id="3" name="Content Placeholder 2">
+            <a:extLst>
+              <a:ext uri="{FF2B5EF4-FFF2-40B4-BE49-F238E27FC236}">
+                <a16:creationId xmlns:a16="http://schemas.microsoft.com/office/drawing/2014/main" id="{9D8AA3D5-F986-4550-A7FF-B47A49670AEC}"/>
+              </a:ext>
+            </a:extLst>
+          </p:cNvPr>
+          <p:cNvSpPr>
+            <a:spLocks noGrp="1"/>
+          </p:cNvSpPr>
+          <p:nvPr>
+            <p:ph idx="1"/>
+          </p:nvPr>
+        </p:nvSpPr>
+        <p:spPr>
+          <a:solidFill>
+            <a:schemeClr val="accent1">
+              <a:lumMod val="20000"/>
+              <a:lumOff val="80000"/>
+            </a:schemeClr>
+          </a:solidFill>
+        </p:spPr>
+        <p:txBody>
+          <a:bodyPr>
+            <a:normAutofit/>
+          </a:bodyPr>
+          <a:lstStyle/>
+          <a:p>
+            <a:pPr marL="0" indent="0">
+              <a:buNone/>
+            </a:pPr>
+            <a:r>
+              <a:rPr lang="en-IN" sz="1600" dirty="0">
+                <a:latin typeface="Arial" panose="020B0604020202020204" pitchFamily="34" charset="0"/>
+                <a:cs typeface="Arial" panose="020B0604020202020204" pitchFamily="34" charset="0"/>
+              </a:rPr>
+              <a:t>pages_informationtechnology99</a:t>
+            </a:r>
+          </a:p>
+          <a:p>
+            <a:pPr marL="0" indent="0">
+              <a:buNone/>
+            </a:pPr>
+            <a:r>
+              <a:rPr lang="en-IN" sz="1600" dirty="0">
+                <a:latin typeface="Arial" panose="020B0604020202020204" pitchFamily="34" charset="0"/>
+                <a:cs typeface="Arial" panose="020B0604020202020204" pitchFamily="34" charset="0"/>
+              </a:rPr>
+              <a:t>pages_newsnmedia99</a:t>
+            </a:r>
+          </a:p>
+          <a:p>
+            <a:pPr marL="0" indent="0">
+              <a:buNone/>
+            </a:pPr>
+            <a:r>
+              <a:rPr lang="en-IN" sz="1600" dirty="0">
+                <a:latin typeface="Arial" panose="020B0604020202020204" pitchFamily="34" charset="0"/>
+                <a:cs typeface="Arial" panose="020B0604020202020204" pitchFamily="34" charset="0"/>
+              </a:rPr>
+              <a:t>pages_business99</a:t>
+            </a:r>
+          </a:p>
+          <a:p>
+            <a:pPr marL="0" indent="0">
+              <a:buNone/>
+            </a:pPr>
+            <a:r>
+              <a:rPr lang="en-IN" sz="1600" dirty="0">
+                <a:latin typeface="Arial" panose="020B0604020202020204" pitchFamily="34" charset="0"/>
+                <a:cs typeface="Arial" panose="020B0604020202020204" pitchFamily="34" charset="0"/>
+              </a:rPr>
+              <a:t>pages_shopping99</a:t>
+            </a:r>
+          </a:p>
+          <a:p>
+            <a:pPr marL="0" indent="0">
+              <a:buNone/>
+            </a:pPr>
+            <a:r>
+              <a:rPr lang="en-IN" sz="1600" dirty="0">
+                <a:latin typeface="Arial" panose="020B0604020202020204" pitchFamily="34" charset="0"/>
+                <a:cs typeface="Arial" panose="020B0604020202020204" pitchFamily="34" charset="0"/>
+              </a:rPr>
+              <a:t>pages_education99</a:t>
+            </a:r>
+          </a:p>
+          <a:p>
+            <a:pPr marL="0" indent="0">
+              <a:buNone/>
+            </a:pPr>
+            <a:r>
+              <a:rPr lang="en-IN" sz="1600" dirty="0">
+                <a:latin typeface="Arial" panose="020B0604020202020204" pitchFamily="34" charset="0"/>
+                <a:cs typeface="Arial" panose="020B0604020202020204" pitchFamily="34" charset="0"/>
+              </a:rPr>
+              <a:t>pages_entertainment99</a:t>
+            </a:r>
+          </a:p>
+          <a:p>
+            <a:pPr marL="0" indent="0">
+              <a:buNone/>
+            </a:pPr>
+            <a:r>
+              <a:rPr lang="en-IN" sz="1600" dirty="0">
+                <a:latin typeface="Arial" panose="020B0604020202020204" pitchFamily="34" charset="0"/>
+                <a:cs typeface="Arial" panose="020B0604020202020204" pitchFamily="34" charset="0"/>
+              </a:rPr>
+              <a:t>pages_financenbanking99</a:t>
+            </a:r>
+          </a:p>
+          <a:p>
+            <a:pPr marL="0" indent="0">
+              <a:buNone/>
+            </a:pPr>
+            <a:r>
+              <a:rPr lang="en-IN" sz="1600" dirty="0">
+                <a:latin typeface="Arial" panose="020B0604020202020204" pitchFamily="34" charset="0"/>
+                <a:cs typeface="Arial" panose="020B0604020202020204" pitchFamily="34" charset="0"/>
+              </a:rPr>
+              <a:t>pages_searchenginesnportals99</a:t>
+            </a:r>
+          </a:p>
+          <a:p>
+            <a:pPr marL="0" indent="0">
+              <a:buNone/>
+            </a:pPr>
+            <a:r>
+              <a:rPr lang="en-IN" sz="1600" dirty="0">
+                <a:latin typeface="Arial" panose="020B0604020202020204" pitchFamily="34" charset="0"/>
+                <a:cs typeface="Arial" panose="020B0604020202020204" pitchFamily="34" charset="0"/>
+              </a:rPr>
+              <a:t>pages_travel99</a:t>
+            </a:r>
+          </a:p>
+          <a:p>
+            <a:pPr marL="0" indent="0">
+              <a:buNone/>
+            </a:pPr>
+            <a:r>
+              <a:rPr lang="en-IN" sz="1600" dirty="0">
+                <a:latin typeface="Arial" panose="020B0604020202020204" pitchFamily="34" charset="0"/>
+                <a:cs typeface="Arial" panose="020B0604020202020204" pitchFamily="34" charset="0"/>
+              </a:rPr>
+              <a:t>pages_governmentnlegal99</a:t>
+            </a:r>
+          </a:p>
+          <a:p>
+            <a:pPr marL="0" indent="0">
+              <a:buNone/>
+            </a:pPr>
+            <a:r>
+              <a:rPr lang="en-IN" sz="1600" dirty="0">
+                <a:latin typeface="Arial" panose="020B0604020202020204" pitchFamily="34" charset="0"/>
+                <a:cs typeface="Arial" panose="020B0604020202020204" pitchFamily="34" charset="0"/>
+              </a:rPr>
+              <a:t>pages_all99</a:t>
+            </a:r>
+            <a:endParaRPr lang="en-IN" dirty="0"/>
+          </a:p>
+        </p:txBody>
+      </p:sp>
+    </p:spTree>
+    <p:extLst>
+      <p:ext uri="{BB962C8B-B14F-4D97-AF65-F5344CB8AC3E}">
+        <p14:creationId xmlns:p14="http://schemas.microsoft.com/office/powerpoint/2010/main" val="2751448985"/>
+      </p:ext>
+    </p:extLst>
+  </p:cSld>
+  <p:clrMapOvr>
+    <a:masterClrMapping/>
+  </p:clrMapOvr>
+</p:sld>
+</file>
+
+<file path=ppt/slides/slide11.xml><?xml version="1.0" encoding="utf-8"?>
 <p:sld xmlns:a="http://schemas.openxmlformats.org/drawingml/2006/main" xmlns:r="http://schemas.openxmlformats.org/officeDocument/2006/relationships" xmlns:p="http://schemas.openxmlformats.org/presentationml/2006/main">
   <p:cSld>
     <p:spTree>
@@ -4927,7 +5194,7 @@
 </p:sld>
 </file>
 
-<file path=ppt/slides/slide11.xml><?xml version="1.0" encoding="utf-8"?>
+<file path=ppt/slides/slide12.xml><?xml version="1.0" encoding="utf-8"?>
 <p:sld xmlns:a="http://schemas.openxmlformats.org/drawingml/2006/main" xmlns:r="http://schemas.openxmlformats.org/officeDocument/2006/relationships" xmlns:p="http://schemas.openxmlformats.org/presentationml/2006/main">
   <p:cSld>
     <p:spTree>
@@ -6191,7 +6458,7 @@
 </p:sld>
 </file>
 
-<file path=ppt/slides/slide12.xml><?xml version="1.0" encoding="utf-8"?>
+<file path=ppt/slides/slide13.xml><?xml version="1.0" encoding="utf-8"?>
 <p:sld xmlns:a="http://schemas.openxmlformats.org/drawingml/2006/main" xmlns:r="http://schemas.openxmlformats.org/officeDocument/2006/relationships" xmlns:p="http://schemas.openxmlformats.org/presentationml/2006/main">
   <p:cSld>
     <p:spTree>
@@ -7475,7 +7742,7 @@
 </p:sld>
 </file>
 
-<file path=ppt/slides/slide13.xml><?xml version="1.0" encoding="utf-8"?>
+<file path=ppt/slides/slide14.xml><?xml version="1.0" encoding="utf-8"?>
 <p:sld xmlns:a="http://schemas.openxmlformats.org/drawingml/2006/main" xmlns:r="http://schemas.openxmlformats.org/officeDocument/2006/relationships" xmlns:p="http://schemas.openxmlformats.org/presentationml/2006/main">
   <p:cSld>
     <p:spTree>
@@ -9283,7 +9550,7 @@
 </p:sld>
 </file>
 
-<file path=ppt/slides/slide14.xml><?xml version="1.0" encoding="utf-8"?>
+<file path=ppt/slides/slide15.xml><?xml version="1.0" encoding="utf-8"?>
 <p:sld xmlns:a="http://schemas.openxmlformats.org/drawingml/2006/main" xmlns:r="http://schemas.openxmlformats.org/officeDocument/2006/relationships" xmlns:p="http://schemas.openxmlformats.org/presentationml/2006/main">
   <p:cSld>
     <p:spTree>
@@ -10517,7 +10784,7 @@
 </p:sld>
 </file>
 
-<file path=ppt/slides/slide15.xml><?xml version="1.0" encoding="utf-8"?>
+<file path=ppt/slides/slide16.xml><?xml version="1.0" encoding="utf-8"?>
 <p:sld xmlns:a="http://schemas.openxmlformats.org/drawingml/2006/main" xmlns:r="http://schemas.openxmlformats.org/officeDocument/2006/relationships" xmlns:p="http://schemas.openxmlformats.org/presentationml/2006/main">
   <p:cSld>
     <p:spTree>
@@ -12021,7 +12288,7 @@
 </p:sld>
 </file>
 
-<file path=ppt/slides/slide16.xml><?xml version="1.0" encoding="utf-8"?>
+<file path=ppt/slides/slide17.xml><?xml version="1.0" encoding="utf-8"?>
 <p:sld xmlns:a="http://schemas.openxmlformats.org/drawingml/2006/main" xmlns:r="http://schemas.openxmlformats.org/officeDocument/2006/relationships" xmlns:p="http://schemas.openxmlformats.org/presentationml/2006/main">
   <p:cSld>
     <p:spTree>
@@ -12984,384 +13251,6 @@
 </p:sld>
 </file>
 
-<file path=ppt/slides/slide17.xml><?xml version="1.0" encoding="utf-8"?>
-<p:sld xmlns:a="http://schemas.openxmlformats.org/drawingml/2006/main" xmlns:r="http://schemas.openxmlformats.org/officeDocument/2006/relationships" xmlns:p="http://schemas.openxmlformats.org/presentationml/2006/main">
-  <p:cSld>
-    <p:spTree>
-      <p:nvGrpSpPr>
-        <p:cNvPr id="1" name=""/>
-        <p:cNvGrpSpPr/>
-        <p:nvPr/>
-      </p:nvGrpSpPr>
-      <p:grpSpPr>
-        <a:xfrm>
-          <a:off x="0" y="0"/>
-          <a:ext cx="0" cy="0"/>
-          <a:chOff x="0" y="0"/>
-          <a:chExt cx="0" cy="0"/>
-        </a:xfrm>
-      </p:grpSpPr>
-      <p:sp>
-        <p:nvSpPr>
-          <p:cNvPr id="2" name="Title 1">
-            <a:extLst>
-              <a:ext uri="{FF2B5EF4-FFF2-40B4-BE49-F238E27FC236}">
-                <a16:creationId xmlns:a16="http://schemas.microsoft.com/office/drawing/2014/main" id="{771FA61A-2BA4-485A-8AE8-DB17B19874F3}"/>
-              </a:ext>
-            </a:extLst>
-          </p:cNvPr>
-          <p:cNvSpPr>
-            <a:spLocks noGrp="1"/>
-          </p:cNvSpPr>
-          <p:nvPr>
-            <p:ph type="title"/>
-          </p:nvPr>
-        </p:nvSpPr>
-        <p:spPr/>
-        <p:txBody>
-          <a:bodyPr/>
-          <a:lstStyle/>
-          <a:p>
-            <a:r>
-              <a:rPr lang="en-IN" dirty="0"/>
-              <a:t>model.evaluation.ModelPerformance</a:t>
-            </a:r>
-            <a:br>
-              <a:rPr lang="en-IN" dirty="0"/>
-            </a:br>
-            <a:r>
-              <a:rPr lang="en-IN" sz="3200" dirty="0"/>
-              <a:t>(model-eval.jar) (inputs)</a:t>
-            </a:r>
-            <a:endParaRPr lang="en-IN" dirty="0"/>
-          </a:p>
-        </p:txBody>
-      </p:sp>
-      <p:sp>
-        <p:nvSpPr>
-          <p:cNvPr id="3" name="Content Placeholder 2">
-            <a:extLst>
-              <a:ext uri="{FF2B5EF4-FFF2-40B4-BE49-F238E27FC236}">
-                <a16:creationId xmlns:a16="http://schemas.microsoft.com/office/drawing/2014/main" id="{9D8AA3D5-F986-4550-A7FF-B47A49670AEC}"/>
-              </a:ext>
-            </a:extLst>
-          </p:cNvPr>
-          <p:cNvSpPr>
-            <a:spLocks noGrp="1"/>
-          </p:cNvSpPr>
-          <p:nvPr>
-            <p:ph idx="1"/>
-          </p:nvPr>
-        </p:nvSpPr>
-        <p:spPr>
-          <a:xfrm>
-            <a:off x="838200" y="1690688"/>
-            <a:ext cx="10515600" cy="4802187"/>
-          </a:xfrm>
-        </p:spPr>
-        <p:txBody>
-          <a:bodyPr>
-            <a:normAutofit fontScale="85000" lnSpcReduction="20000"/>
-          </a:bodyPr>
-          <a:lstStyle/>
-          <a:p>
-            <a:r>
-              <a:rPr lang="en-IN" sz="1500" dirty="0">
-                <a:latin typeface="Arial" panose="020B0604020202020204" pitchFamily="34" charset="0"/>
-                <a:cs typeface="Arial" panose="020B0604020202020204" pitchFamily="34" charset="0"/>
-              </a:rPr>
-              <a:t>Full qualified actual vs predicted input file (of the model of interest like ds, </a:t>
-            </a:r>
-            <a:r>
-              <a:rPr lang="en-IN" sz="1500" dirty="0" err="1">
-                <a:latin typeface="Arial" panose="020B0604020202020204" pitchFamily="34" charset="0"/>
-                <a:cs typeface="Arial" panose="020B0604020202020204" pitchFamily="34" charset="0"/>
-              </a:rPr>
-              <a:t>rbf</a:t>
-            </a:r>
-            <a:r>
-              <a:rPr lang="en-IN" sz="1500" dirty="0">
-                <a:latin typeface="Arial" panose="020B0604020202020204" pitchFamily="34" charset="0"/>
-                <a:cs typeface="Arial" panose="020B0604020202020204" pitchFamily="34" charset="0"/>
-              </a:rPr>
-              <a:t>)</a:t>
-            </a:r>
-          </a:p>
-          <a:p>
-            <a:pPr lvl="1"/>
-            <a:r>
-              <a:rPr lang="en-IN" sz="1400" dirty="0">
-                <a:solidFill>
-                  <a:schemeClr val="accent1"/>
-                </a:solidFill>
-                <a:latin typeface="Arial" panose="020B0604020202020204" pitchFamily="34" charset="0"/>
-                <a:cs typeface="Arial" panose="020B0604020202020204" pitchFamily="34" charset="0"/>
-              </a:rPr>
-              <a:t>-i {input file path}		(e.g. –i /pagetime2/set1/output/pages_all99_avp_ds.csv)</a:t>
-            </a:r>
-          </a:p>
-          <a:p>
-            <a:r>
-              <a:rPr lang="en-IN" sz="1500" dirty="0">
-                <a:latin typeface="Arial" panose="020B0604020202020204" pitchFamily="34" charset="0"/>
-                <a:cs typeface="Arial" panose="020B0604020202020204" pitchFamily="34" charset="0"/>
-              </a:rPr>
-              <a:t>Full qualified actual vs predicted input file (of the ZeroR model)</a:t>
-            </a:r>
-          </a:p>
-          <a:p>
-            <a:pPr lvl="1"/>
-            <a:r>
-              <a:rPr lang="en-IN" sz="1400" dirty="0">
-                <a:solidFill>
-                  <a:schemeClr val="accent1"/>
-                </a:solidFill>
-                <a:latin typeface="Arial" panose="020B0604020202020204" pitchFamily="34" charset="0"/>
-                <a:cs typeface="Arial" panose="020B0604020202020204" pitchFamily="34" charset="0"/>
-              </a:rPr>
-              <a:t>-i {input file path}		(e.g. –i /pagetime2/set1/output/pages_all99_avp_zr.csv)</a:t>
-            </a:r>
-          </a:p>
-          <a:p>
-            <a:r>
-              <a:rPr lang="en-IN" sz="1500" dirty="0">
-                <a:latin typeface="Arial" panose="020B0604020202020204" pitchFamily="34" charset="0"/>
-                <a:cs typeface="Arial" panose="020B0604020202020204" pitchFamily="34" charset="0"/>
-              </a:rPr>
-              <a:t>Fully qualified output file </a:t>
-            </a:r>
-          </a:p>
-          <a:p>
-            <a:pPr lvl="1"/>
-            <a:r>
-              <a:rPr lang="en-IN" sz="1500" dirty="0">
-                <a:solidFill>
-                  <a:schemeClr val="accent1"/>
-                </a:solidFill>
-                <a:latin typeface="Arial" panose="020B0604020202020204" pitchFamily="34" charset="0"/>
-                <a:cs typeface="Arial" panose="020B0604020202020204" pitchFamily="34" charset="0"/>
-              </a:rPr>
-              <a:t>-o {output file path} 	</a:t>
-            </a:r>
-            <a:r>
-              <a:rPr lang="en-IN" sz="1600" dirty="0">
-                <a:solidFill>
-                  <a:schemeClr val="accent1"/>
-                </a:solidFill>
-                <a:latin typeface="Arial" panose="020B0604020202020204" pitchFamily="34" charset="0"/>
-                <a:cs typeface="Arial" panose="020B0604020202020204" pitchFamily="34" charset="0"/>
-              </a:rPr>
-              <a:t>(</a:t>
-            </a:r>
-            <a:r>
-              <a:rPr lang="en-IN" sz="1400" dirty="0">
-                <a:solidFill>
-                  <a:schemeClr val="accent1"/>
-                </a:solidFill>
-                <a:latin typeface="Arial" panose="020B0604020202020204" pitchFamily="34" charset="0"/>
-                <a:cs typeface="Arial" panose="020B0604020202020204" pitchFamily="34" charset="0"/>
-              </a:rPr>
-              <a:t>e.g. -o /pagetime2/set1/results/evaluation.csv)</a:t>
-            </a:r>
-          </a:p>
-          <a:p>
-            <a:r>
-              <a:rPr lang="en-IN" sz="1500" dirty="0">
-                <a:latin typeface="Arial" panose="020B0604020202020204" pitchFamily="34" charset="0"/>
-                <a:cs typeface="Arial" panose="020B0604020202020204" pitchFamily="34" charset="0"/>
-              </a:rPr>
-              <a:t>The proportion of predicted values that have magnitude of residual error (MRE) less than equal to a stated value</a:t>
-            </a:r>
-          </a:p>
-          <a:p>
-            <a:pPr lvl="1"/>
-            <a:r>
-              <a:rPr lang="en-IN" sz="1400" dirty="0">
-                <a:solidFill>
-                  <a:schemeClr val="accent1"/>
-                </a:solidFill>
-                <a:latin typeface="Arial" panose="020B0604020202020204" pitchFamily="34" charset="0"/>
-                <a:cs typeface="Arial" panose="020B0604020202020204" pitchFamily="34" charset="0"/>
-              </a:rPr>
-              <a:t>-p1 {p1value}		(e.g. –p1 0.25)</a:t>
-            </a:r>
-          </a:p>
-          <a:p>
-            <a:pPr lvl="1"/>
-            <a:r>
-              <a:rPr lang="en-IN" sz="1400" dirty="0">
-                <a:solidFill>
-                  <a:schemeClr val="accent1"/>
-                </a:solidFill>
-                <a:latin typeface="Arial" panose="020B0604020202020204" pitchFamily="34" charset="0"/>
-                <a:cs typeface="Arial" panose="020B0604020202020204" pitchFamily="34" charset="0"/>
-              </a:rPr>
-              <a:t>-p2 {p2value}		(e.g. –p2 0.30)</a:t>
-            </a:r>
-          </a:p>
-          <a:p>
-            <a:r>
-              <a:rPr lang="en-IN" sz="1500" dirty="0">
-                <a:latin typeface="Arial" panose="020B0604020202020204" pitchFamily="34" charset="0"/>
-                <a:cs typeface="Arial" panose="020B0604020202020204" pitchFamily="34" charset="0"/>
-              </a:rPr>
-              <a:t>Text label to attach at the starting of every line in the output file</a:t>
-            </a:r>
-          </a:p>
-          <a:p>
-            <a:pPr lvl="1"/>
-            <a:r>
-              <a:rPr lang="en-IN" sz="1400" dirty="0">
-                <a:solidFill>
-                  <a:schemeClr val="accent1"/>
-                </a:solidFill>
-                <a:latin typeface="Arial" panose="020B0604020202020204" pitchFamily="34" charset="0"/>
-                <a:cs typeface="Arial" panose="020B0604020202020204" pitchFamily="34" charset="0"/>
-              </a:rPr>
-              <a:t>-label {label name}	(e.g. –label /pagetime2/input/pages_all99_ds</a:t>
-            </a:r>
-          </a:p>
-          <a:p>
-            <a:r>
-              <a:rPr lang="en-IN" sz="1500" dirty="0">
-                <a:latin typeface="Arial" panose="020B0604020202020204" pitchFamily="34" charset="0"/>
-                <a:cs typeface="Arial" panose="020B0604020202020204" pitchFamily="34" charset="0"/>
-              </a:rPr>
-              <a:t>Append to the output file or create a new file</a:t>
-            </a:r>
-          </a:p>
-          <a:p>
-            <a:pPr lvl="1"/>
-            <a:r>
-              <a:rPr lang="en-IN" sz="1400" dirty="0">
-                <a:solidFill>
-                  <a:schemeClr val="accent1"/>
-                </a:solidFill>
-                <a:latin typeface="Arial" panose="020B0604020202020204" pitchFamily="34" charset="0"/>
-                <a:cs typeface="Arial" panose="020B0604020202020204" pitchFamily="34" charset="0"/>
-              </a:rPr>
-              <a:t>-append {true|false}	(e.g. –append true)</a:t>
-            </a:r>
-          </a:p>
-          <a:p>
-            <a:r>
-              <a:rPr lang="en-IN" sz="1500" dirty="0">
-                <a:latin typeface="Arial" panose="020B0604020202020204" pitchFamily="34" charset="0"/>
-                <a:cs typeface="Arial" panose="020B0604020202020204" pitchFamily="34" charset="0"/>
-              </a:rPr>
-              <a:t>Execution time (in secs) of the machine learning technique </a:t>
-            </a:r>
-          </a:p>
-          <a:p>
-            <a:pPr lvl="1"/>
-            <a:r>
-              <a:rPr lang="en-IN" sz="1100" dirty="0">
-                <a:latin typeface="Arial" panose="020B0604020202020204" pitchFamily="34" charset="0"/>
-                <a:cs typeface="Arial" panose="020B0604020202020204" pitchFamily="34" charset="0"/>
-              </a:rPr>
-              <a:t>-</a:t>
-            </a:r>
-            <a:r>
-              <a:rPr lang="en-IN" sz="1400" dirty="0">
-                <a:solidFill>
-                  <a:schemeClr val="accent1"/>
-                </a:solidFill>
-                <a:latin typeface="Arial" panose="020B0604020202020204" pitchFamily="34" charset="0"/>
-                <a:cs typeface="Arial" panose="020B0604020202020204" pitchFamily="34" charset="0"/>
-              </a:rPr>
-              <a:t>etime {value}		(e.g. –etime 20)</a:t>
-            </a:r>
-          </a:p>
-          <a:p>
-            <a:r>
-              <a:rPr lang="en-IN" sz="1500" dirty="0">
-                <a:latin typeface="Arial" panose="020B0604020202020204" pitchFamily="34" charset="0"/>
-                <a:cs typeface="Arial" panose="020B0604020202020204" pitchFamily="34" charset="0"/>
-              </a:rPr>
-              <a:t>Print debug statements</a:t>
-            </a:r>
-          </a:p>
-          <a:p>
-            <a:pPr lvl="1"/>
-            <a:r>
-              <a:rPr lang="en-IN" sz="1400" dirty="0">
-                <a:solidFill>
-                  <a:schemeClr val="accent1"/>
-                </a:solidFill>
-                <a:latin typeface="Arial" panose="020B0604020202020204" pitchFamily="34" charset="0"/>
-                <a:cs typeface="Arial" panose="020B0604020202020204" pitchFamily="34" charset="0"/>
-              </a:rPr>
-              <a:t>-debug {true|false}		(e.g. –debug false)</a:t>
-            </a:r>
-          </a:p>
-          <a:p>
-            <a:r>
-              <a:rPr lang="en-IN" sz="1500" dirty="0">
-                <a:latin typeface="Arial" panose="020B0604020202020204" pitchFamily="34" charset="0"/>
-                <a:cs typeface="Arial" panose="020B0604020202020204" pitchFamily="34" charset="0"/>
-              </a:rPr>
-              <a:t>Name of the machine learning technique</a:t>
-            </a:r>
-          </a:p>
-          <a:p>
-            <a:pPr lvl="1"/>
-            <a:r>
-              <a:rPr lang="en-IN" sz="1400" dirty="0">
-                <a:solidFill>
-                  <a:schemeClr val="accent1"/>
-                </a:solidFill>
-                <a:latin typeface="Arial" panose="020B0604020202020204" pitchFamily="34" charset="0"/>
-                <a:cs typeface="Arial" panose="020B0604020202020204" pitchFamily="34" charset="0"/>
-              </a:rPr>
-              <a:t>-technique {technique name}	(e.g. –technique ds)</a:t>
-            </a:r>
-          </a:p>
-          <a:p>
-            <a:r>
-              <a:rPr lang="en-IN" sz="1500" dirty="0">
-                <a:latin typeface="Arial" panose="020B0604020202020204" pitchFamily="34" charset="0"/>
-                <a:cs typeface="Arial" panose="020B0604020202020204" pitchFamily="34" charset="0"/>
-              </a:rPr>
-              <a:t>For applicable fields take mean of means of all k-fold validation sets or mean of all k-fold validation sets</a:t>
-            </a:r>
-          </a:p>
-          <a:p>
-            <a:pPr lvl="1"/>
-            <a:r>
-              <a:rPr lang="en-IN" sz="1400" dirty="0">
-                <a:solidFill>
-                  <a:schemeClr val="accent1"/>
-                </a:solidFill>
-                <a:latin typeface="Arial" panose="020B0604020202020204" pitchFamily="34" charset="0"/>
-                <a:cs typeface="Arial" panose="020B0604020202020204" pitchFamily="34" charset="0"/>
-              </a:rPr>
-              <a:t>-v {true|false}</a:t>
-            </a:r>
-          </a:p>
-          <a:p>
-            <a:endParaRPr lang="en-IN" dirty="0">
-              <a:latin typeface="Arial" panose="020B0604020202020204" pitchFamily="34" charset="0"/>
-              <a:cs typeface="Arial" panose="020B0604020202020204" pitchFamily="34" charset="0"/>
-            </a:endParaRPr>
-          </a:p>
-          <a:p>
-            <a:endParaRPr lang="en-IN" dirty="0"/>
-          </a:p>
-        </p:txBody>
-      </p:sp>
-    </p:spTree>
-    <p:extLst>
-      <p:ext uri="{BB962C8B-B14F-4D97-AF65-F5344CB8AC3E}">
-        <p14:creationId xmlns:p14="http://schemas.microsoft.com/office/powerpoint/2010/main" val="4128565620"/>
-      </p:ext>
-    </p:extLst>
-  </p:cSld>
-  <p:clrMapOvr>
-    <a:masterClrMapping/>
-  </p:clrMapOvr>
-</p:sld>
-</file>
-
 <file path=ppt/slides/slide18.xml><?xml version="1.0" encoding="utf-8"?>
 <p:sld xmlns:a="http://schemas.openxmlformats.org/drawingml/2006/main" xmlns:r="http://schemas.openxmlformats.org/officeDocument/2006/relationships" xmlns:p="http://schemas.openxmlformats.org/presentationml/2006/main">
   <p:cSld>
@@ -13409,7 +13298,7 @@
             </a:br>
             <a:r>
               <a:rPr lang="en-IN" sz="3200" dirty="0"/>
-              <a:t>(model-eval.jar) (output file format)</a:t>
+              <a:t>(model-eval.jar) (inputs)</a:t>
             </a:r>
             <a:endParaRPr lang="en-IN" dirty="0"/>
           </a:p>
@@ -13431,7 +13320,392 @@
             <p:ph idx="1"/>
           </p:nvPr>
         </p:nvSpPr>
+        <p:spPr>
+          <a:xfrm>
+            <a:off x="838200" y="1690688"/>
+            <a:ext cx="10515600" cy="4802187"/>
+          </a:xfrm>
+        </p:spPr>
+        <p:txBody>
+          <a:bodyPr>
+            <a:normAutofit fontScale="85000" lnSpcReduction="20000"/>
+          </a:bodyPr>
+          <a:lstStyle/>
+          <a:p>
+            <a:r>
+              <a:rPr lang="en-IN" sz="1500" dirty="0">
+                <a:latin typeface="Arial" panose="020B0604020202020204" pitchFamily="34" charset="0"/>
+                <a:cs typeface="Arial" panose="020B0604020202020204" pitchFamily="34" charset="0"/>
+              </a:rPr>
+              <a:t>Full qualified actual vs predicted input file (of the model of interest like ds, </a:t>
+            </a:r>
+            <a:r>
+              <a:rPr lang="en-IN" sz="1500" dirty="0" err="1">
+                <a:latin typeface="Arial" panose="020B0604020202020204" pitchFamily="34" charset="0"/>
+                <a:cs typeface="Arial" panose="020B0604020202020204" pitchFamily="34" charset="0"/>
+              </a:rPr>
+              <a:t>rbf</a:t>
+            </a:r>
+            <a:r>
+              <a:rPr lang="en-IN" sz="1500" dirty="0">
+                <a:latin typeface="Arial" panose="020B0604020202020204" pitchFamily="34" charset="0"/>
+                <a:cs typeface="Arial" panose="020B0604020202020204" pitchFamily="34" charset="0"/>
+              </a:rPr>
+              <a:t>)</a:t>
+            </a:r>
+          </a:p>
+          <a:p>
+            <a:pPr lvl="1"/>
+            <a:r>
+              <a:rPr lang="en-IN" sz="1400" dirty="0">
+                <a:solidFill>
+                  <a:schemeClr val="accent1"/>
+                </a:solidFill>
+                <a:latin typeface="Arial" panose="020B0604020202020204" pitchFamily="34" charset="0"/>
+                <a:cs typeface="Arial" panose="020B0604020202020204" pitchFamily="34" charset="0"/>
+              </a:rPr>
+              <a:t>-i {input file path}		(e.g. –i /pagetime2/set1/output/pages_all99_avp_ds.csv)</a:t>
+            </a:r>
+          </a:p>
+          <a:p>
+            <a:r>
+              <a:rPr lang="en-IN" sz="1500" dirty="0">
+                <a:latin typeface="Arial" panose="020B0604020202020204" pitchFamily="34" charset="0"/>
+                <a:cs typeface="Arial" panose="020B0604020202020204" pitchFamily="34" charset="0"/>
+              </a:rPr>
+              <a:t>Full qualified actual vs predicted input file (of the ZeroR model)</a:t>
+            </a:r>
+          </a:p>
+          <a:p>
+            <a:pPr lvl="1"/>
+            <a:r>
+              <a:rPr lang="en-IN" sz="1400" dirty="0">
+                <a:solidFill>
+                  <a:schemeClr val="accent1"/>
+                </a:solidFill>
+                <a:latin typeface="Arial" panose="020B0604020202020204" pitchFamily="34" charset="0"/>
+                <a:cs typeface="Arial" panose="020B0604020202020204" pitchFamily="34" charset="0"/>
+              </a:rPr>
+              <a:t>-i {input file path}		(e.g. –i /pagetime2/set1/output/pages_all99_avp_zr.csv)</a:t>
+            </a:r>
+          </a:p>
+          <a:p>
+            <a:r>
+              <a:rPr lang="en-IN" sz="1500" dirty="0">
+                <a:latin typeface="Arial" panose="020B0604020202020204" pitchFamily="34" charset="0"/>
+                <a:cs typeface="Arial" panose="020B0604020202020204" pitchFamily="34" charset="0"/>
+              </a:rPr>
+              <a:t>Fully qualified output file </a:t>
+            </a:r>
+          </a:p>
+          <a:p>
+            <a:pPr lvl="1"/>
+            <a:r>
+              <a:rPr lang="en-IN" sz="1500" dirty="0">
+                <a:solidFill>
+                  <a:schemeClr val="accent1"/>
+                </a:solidFill>
+                <a:latin typeface="Arial" panose="020B0604020202020204" pitchFamily="34" charset="0"/>
+                <a:cs typeface="Arial" panose="020B0604020202020204" pitchFamily="34" charset="0"/>
+              </a:rPr>
+              <a:t>-o {output file path} 	</a:t>
+            </a:r>
+            <a:r>
+              <a:rPr lang="en-IN" sz="1600" dirty="0">
+                <a:solidFill>
+                  <a:schemeClr val="accent1"/>
+                </a:solidFill>
+                <a:latin typeface="Arial" panose="020B0604020202020204" pitchFamily="34" charset="0"/>
+                <a:cs typeface="Arial" panose="020B0604020202020204" pitchFamily="34" charset="0"/>
+              </a:rPr>
+              <a:t>(</a:t>
+            </a:r>
+            <a:r>
+              <a:rPr lang="en-IN" sz="1400" dirty="0">
+                <a:solidFill>
+                  <a:schemeClr val="accent1"/>
+                </a:solidFill>
+                <a:latin typeface="Arial" panose="020B0604020202020204" pitchFamily="34" charset="0"/>
+                <a:cs typeface="Arial" panose="020B0604020202020204" pitchFamily="34" charset="0"/>
+              </a:rPr>
+              <a:t>e.g. -o /pagetime2/set1/results/evaluation.csv)</a:t>
+            </a:r>
+          </a:p>
+          <a:p>
+            <a:r>
+              <a:rPr lang="en-IN" sz="1500" dirty="0">
+                <a:latin typeface="Arial" panose="020B0604020202020204" pitchFamily="34" charset="0"/>
+                <a:cs typeface="Arial" panose="020B0604020202020204" pitchFamily="34" charset="0"/>
+              </a:rPr>
+              <a:t>The proportion of predicted values that have magnitude of residual error (MRE) less than equal to a stated value</a:t>
+            </a:r>
+          </a:p>
+          <a:p>
+            <a:pPr lvl="1"/>
+            <a:r>
+              <a:rPr lang="en-IN" sz="1400" dirty="0">
+                <a:solidFill>
+                  <a:schemeClr val="accent1"/>
+                </a:solidFill>
+                <a:latin typeface="Arial" panose="020B0604020202020204" pitchFamily="34" charset="0"/>
+                <a:cs typeface="Arial" panose="020B0604020202020204" pitchFamily="34" charset="0"/>
+              </a:rPr>
+              <a:t>-p1 {p1value}		(e.g. –p1 0.25)</a:t>
+            </a:r>
+          </a:p>
+          <a:p>
+            <a:pPr lvl="1"/>
+            <a:r>
+              <a:rPr lang="en-IN" sz="1400" dirty="0">
+                <a:solidFill>
+                  <a:schemeClr val="accent1"/>
+                </a:solidFill>
+                <a:latin typeface="Arial" panose="020B0604020202020204" pitchFamily="34" charset="0"/>
+                <a:cs typeface="Arial" panose="020B0604020202020204" pitchFamily="34" charset="0"/>
+              </a:rPr>
+              <a:t>-p2 {p2value}		(e.g. –p2 0.30)</a:t>
+            </a:r>
+          </a:p>
+          <a:p>
+            <a:r>
+              <a:rPr lang="en-IN" sz="1500" dirty="0">
+                <a:latin typeface="Arial" panose="020B0604020202020204" pitchFamily="34" charset="0"/>
+                <a:cs typeface="Arial" panose="020B0604020202020204" pitchFamily="34" charset="0"/>
+              </a:rPr>
+              <a:t>Text label to attach at the starting of every line in the output file</a:t>
+            </a:r>
+          </a:p>
+          <a:p>
+            <a:pPr lvl="1"/>
+            <a:r>
+              <a:rPr lang="en-IN" sz="1400" dirty="0">
+                <a:solidFill>
+                  <a:schemeClr val="accent1"/>
+                </a:solidFill>
+                <a:latin typeface="Arial" panose="020B0604020202020204" pitchFamily="34" charset="0"/>
+                <a:cs typeface="Arial" panose="020B0604020202020204" pitchFamily="34" charset="0"/>
+              </a:rPr>
+              <a:t>-label {label name}	(e.g. –label /pagetime2/input/pages_all99_ds</a:t>
+            </a:r>
+          </a:p>
+          <a:p>
+            <a:r>
+              <a:rPr lang="en-IN" sz="1500" dirty="0">
+                <a:latin typeface="Arial" panose="020B0604020202020204" pitchFamily="34" charset="0"/>
+                <a:cs typeface="Arial" panose="020B0604020202020204" pitchFamily="34" charset="0"/>
+              </a:rPr>
+              <a:t>Append to the output file or create a new file</a:t>
+            </a:r>
+          </a:p>
+          <a:p>
+            <a:pPr lvl="1"/>
+            <a:r>
+              <a:rPr lang="en-IN" sz="1400" dirty="0">
+                <a:solidFill>
+                  <a:schemeClr val="accent1"/>
+                </a:solidFill>
+                <a:latin typeface="Arial" panose="020B0604020202020204" pitchFamily="34" charset="0"/>
+                <a:cs typeface="Arial" panose="020B0604020202020204" pitchFamily="34" charset="0"/>
+              </a:rPr>
+              <a:t>-append {true|false}	(e.g. –append true)</a:t>
+            </a:r>
+          </a:p>
+          <a:p>
+            <a:r>
+              <a:rPr lang="en-IN" sz="1500" dirty="0">
+                <a:latin typeface="Arial" panose="020B0604020202020204" pitchFamily="34" charset="0"/>
+                <a:cs typeface="Arial" panose="020B0604020202020204" pitchFamily="34" charset="0"/>
+              </a:rPr>
+              <a:t>Execution time (in secs) of the machine learning technique </a:t>
+            </a:r>
+          </a:p>
+          <a:p>
+            <a:pPr lvl="1"/>
+            <a:r>
+              <a:rPr lang="en-IN" sz="1100" dirty="0">
+                <a:latin typeface="Arial" panose="020B0604020202020204" pitchFamily="34" charset="0"/>
+                <a:cs typeface="Arial" panose="020B0604020202020204" pitchFamily="34" charset="0"/>
+              </a:rPr>
+              <a:t>-</a:t>
+            </a:r>
+            <a:r>
+              <a:rPr lang="en-IN" sz="1400" dirty="0">
+                <a:solidFill>
+                  <a:schemeClr val="accent1"/>
+                </a:solidFill>
+                <a:latin typeface="Arial" panose="020B0604020202020204" pitchFamily="34" charset="0"/>
+                <a:cs typeface="Arial" panose="020B0604020202020204" pitchFamily="34" charset="0"/>
+              </a:rPr>
+              <a:t>etime {value}		(e.g. –etime 20)</a:t>
+            </a:r>
+          </a:p>
+          <a:p>
+            <a:r>
+              <a:rPr lang="en-IN" sz="1500" dirty="0">
+                <a:latin typeface="Arial" panose="020B0604020202020204" pitchFamily="34" charset="0"/>
+                <a:cs typeface="Arial" panose="020B0604020202020204" pitchFamily="34" charset="0"/>
+              </a:rPr>
+              <a:t>Print debug statements</a:t>
+            </a:r>
+          </a:p>
+          <a:p>
+            <a:pPr lvl="1"/>
+            <a:r>
+              <a:rPr lang="en-IN" sz="1400" dirty="0">
+                <a:solidFill>
+                  <a:schemeClr val="accent1"/>
+                </a:solidFill>
+                <a:latin typeface="Arial" panose="020B0604020202020204" pitchFamily="34" charset="0"/>
+                <a:cs typeface="Arial" panose="020B0604020202020204" pitchFamily="34" charset="0"/>
+              </a:rPr>
+              <a:t>-debug {true|false}		(e.g. –debug false)</a:t>
+            </a:r>
+          </a:p>
+          <a:p>
+            <a:r>
+              <a:rPr lang="en-IN" sz="1500" dirty="0">
+                <a:latin typeface="Arial" panose="020B0604020202020204" pitchFamily="34" charset="0"/>
+                <a:cs typeface="Arial" panose="020B0604020202020204" pitchFamily="34" charset="0"/>
+              </a:rPr>
+              <a:t>Name of the machine learning technique</a:t>
+            </a:r>
+          </a:p>
+          <a:p>
+            <a:pPr lvl="1"/>
+            <a:r>
+              <a:rPr lang="en-IN" sz="1400" dirty="0">
+                <a:solidFill>
+                  <a:schemeClr val="accent1"/>
+                </a:solidFill>
+                <a:latin typeface="Arial" panose="020B0604020202020204" pitchFamily="34" charset="0"/>
+                <a:cs typeface="Arial" panose="020B0604020202020204" pitchFamily="34" charset="0"/>
+              </a:rPr>
+              <a:t>-technique {technique name}	(e.g. –technique ds)</a:t>
+            </a:r>
+          </a:p>
+          <a:p>
+            <a:r>
+              <a:rPr lang="en-IN" sz="1500" dirty="0">
+                <a:latin typeface="Arial" panose="020B0604020202020204" pitchFamily="34" charset="0"/>
+                <a:cs typeface="Arial" panose="020B0604020202020204" pitchFamily="34" charset="0"/>
+              </a:rPr>
+              <a:t>For applicable fields take mean of means of all k-fold validation sets or mean of all k-fold validation sets</a:t>
+            </a:r>
+          </a:p>
+          <a:p>
+            <a:pPr lvl="1"/>
+            <a:r>
+              <a:rPr lang="en-IN" sz="1400" dirty="0">
+                <a:solidFill>
+                  <a:schemeClr val="accent1"/>
+                </a:solidFill>
+                <a:latin typeface="Arial" panose="020B0604020202020204" pitchFamily="34" charset="0"/>
+                <a:cs typeface="Arial" panose="020B0604020202020204" pitchFamily="34" charset="0"/>
+              </a:rPr>
+              <a:t>-v {true|false}</a:t>
+            </a:r>
+          </a:p>
+          <a:p>
+            <a:endParaRPr lang="en-IN" dirty="0">
+              <a:latin typeface="Arial" panose="020B0604020202020204" pitchFamily="34" charset="0"/>
+              <a:cs typeface="Arial" panose="020B0604020202020204" pitchFamily="34" charset="0"/>
+            </a:endParaRPr>
+          </a:p>
+          <a:p>
+            <a:endParaRPr lang="en-IN" dirty="0"/>
+          </a:p>
+        </p:txBody>
+      </p:sp>
+    </p:spTree>
+    <p:extLst>
+      <p:ext uri="{BB962C8B-B14F-4D97-AF65-F5344CB8AC3E}">
+        <p14:creationId xmlns:p14="http://schemas.microsoft.com/office/powerpoint/2010/main" val="4128565620"/>
+      </p:ext>
+    </p:extLst>
+  </p:cSld>
+  <p:clrMapOvr>
+    <a:masterClrMapping/>
+  </p:clrMapOvr>
+</p:sld>
+</file>
+
+<file path=ppt/slides/slide19.xml><?xml version="1.0" encoding="utf-8"?>
+<p:sld xmlns:a="http://schemas.openxmlformats.org/drawingml/2006/main" xmlns:r="http://schemas.openxmlformats.org/officeDocument/2006/relationships" xmlns:p="http://schemas.openxmlformats.org/presentationml/2006/main">
+  <p:cSld>
+    <p:spTree>
+      <p:nvGrpSpPr>
+        <p:cNvPr id="1" name=""/>
+        <p:cNvGrpSpPr/>
+        <p:nvPr/>
+      </p:nvGrpSpPr>
+      <p:grpSpPr>
+        <a:xfrm>
+          <a:off x="0" y="0"/>
+          <a:ext cx="0" cy="0"/>
+          <a:chOff x="0" y="0"/>
+          <a:chExt cx="0" cy="0"/>
+        </a:xfrm>
+      </p:grpSpPr>
+      <p:sp>
+        <p:nvSpPr>
+          <p:cNvPr id="2" name="Title 1">
+            <a:extLst>
+              <a:ext uri="{FF2B5EF4-FFF2-40B4-BE49-F238E27FC236}">
+                <a16:creationId xmlns:a16="http://schemas.microsoft.com/office/drawing/2014/main" id="{771FA61A-2BA4-485A-8AE8-DB17B19874F3}"/>
+              </a:ext>
+            </a:extLst>
+          </p:cNvPr>
+          <p:cNvSpPr>
+            <a:spLocks noGrp="1"/>
+          </p:cNvSpPr>
+          <p:nvPr>
+            <p:ph type="title"/>
+          </p:nvPr>
+        </p:nvSpPr>
         <p:spPr/>
+        <p:txBody>
+          <a:bodyPr/>
+          <a:lstStyle/>
+          <a:p>
+            <a:r>
+              <a:rPr lang="en-IN" dirty="0"/>
+              <a:t>model.evaluation.ModelPerformance</a:t>
+            </a:r>
+            <a:br>
+              <a:rPr lang="en-IN" dirty="0"/>
+            </a:br>
+            <a:r>
+              <a:rPr lang="en-IN" sz="3200" dirty="0"/>
+              <a:t>(model-eval.jar) (output file format)</a:t>
+            </a:r>
+            <a:endParaRPr lang="en-IN" dirty="0"/>
+          </a:p>
+        </p:txBody>
+      </p:sp>
+      <p:sp>
+        <p:nvSpPr>
+          <p:cNvPr id="3" name="Content Placeholder 2">
+            <a:extLst>
+              <a:ext uri="{FF2B5EF4-FFF2-40B4-BE49-F238E27FC236}">
+                <a16:creationId xmlns:a16="http://schemas.microsoft.com/office/drawing/2014/main" id="{9D8AA3D5-F986-4550-A7FF-B47A49670AEC}"/>
+              </a:ext>
+            </a:extLst>
+          </p:cNvPr>
+          <p:cNvSpPr>
+            <a:spLocks noGrp="1"/>
+          </p:cNvSpPr>
+          <p:nvPr>
+            <p:ph idx="1"/>
+          </p:nvPr>
+        </p:nvSpPr>
+        <p:spPr>
+          <a:solidFill>
+            <a:schemeClr val="accent1">
+              <a:lumMod val="20000"/>
+              <a:lumOff val="80000"/>
+            </a:schemeClr>
+          </a:solidFill>
+        </p:spPr>
         <p:txBody>
           <a:bodyPr>
             <a:noAutofit/>
@@ -13762,7 +14036,125 @@
 </p:sld>
 </file>
 
-<file path=ppt/slides/slide19.xml><?xml version="1.0" encoding="utf-8"?>
+<file path=ppt/slides/slide2.xml><?xml version="1.0" encoding="utf-8"?>
+<p:sld xmlns:a="http://schemas.openxmlformats.org/drawingml/2006/main" xmlns:r="http://schemas.openxmlformats.org/officeDocument/2006/relationships" xmlns:p="http://schemas.openxmlformats.org/presentationml/2006/main">
+  <p:cSld>
+    <p:spTree>
+      <p:nvGrpSpPr>
+        <p:cNvPr id="1" name=""/>
+        <p:cNvGrpSpPr/>
+        <p:nvPr/>
+      </p:nvGrpSpPr>
+      <p:grpSpPr>
+        <a:xfrm>
+          <a:off x="0" y="0"/>
+          <a:ext cx="0" cy="0"/>
+          <a:chOff x="0" y="0"/>
+          <a:chExt cx="0" cy="0"/>
+        </a:xfrm>
+      </p:grpSpPr>
+      <p:sp>
+        <p:nvSpPr>
+          <p:cNvPr id="2" name="Title 1">
+            <a:extLst>
+              <a:ext uri="{FF2B5EF4-FFF2-40B4-BE49-F238E27FC236}">
+                <a16:creationId xmlns:a16="http://schemas.microsoft.com/office/drawing/2014/main" id="{BA6F841B-1336-4EB4-8DB1-CEF025B09A56}"/>
+              </a:ext>
+            </a:extLst>
+          </p:cNvPr>
+          <p:cNvSpPr>
+            <a:spLocks noGrp="1"/>
+          </p:cNvSpPr>
+          <p:nvPr>
+            <p:ph type="title"/>
+          </p:nvPr>
+        </p:nvSpPr>
+        <p:spPr/>
+        <p:txBody>
+          <a:bodyPr/>
+          <a:lstStyle/>
+          <a:p>
+            <a:r>
+              <a:rPr lang="en-IN" dirty="0"/>
+              <a:t>Note</a:t>
+            </a:r>
+          </a:p>
+        </p:txBody>
+      </p:sp>
+      <p:sp>
+        <p:nvSpPr>
+          <p:cNvPr id="3" name="Content Placeholder 2">
+            <a:extLst>
+              <a:ext uri="{FF2B5EF4-FFF2-40B4-BE49-F238E27FC236}">
+                <a16:creationId xmlns:a16="http://schemas.microsoft.com/office/drawing/2014/main" id="{CB78A74E-51BF-4199-A66C-0AC8DCE97985}"/>
+              </a:ext>
+            </a:extLst>
+          </p:cNvPr>
+          <p:cNvSpPr>
+            <a:spLocks noGrp="1"/>
+          </p:cNvSpPr>
+          <p:nvPr>
+            <p:ph idx="1"/>
+          </p:nvPr>
+        </p:nvSpPr>
+        <p:spPr/>
+        <p:txBody>
+          <a:bodyPr/>
+          <a:lstStyle/>
+          <a:p>
+            <a:r>
+              <a:rPr lang="en-IN" dirty="0">
+                <a:latin typeface="Arial" panose="020B0604020202020204" pitchFamily="34" charset="0"/>
+                <a:cs typeface="Arial" panose="020B0604020202020204" pitchFamily="34" charset="0"/>
+              </a:rPr>
+              <a:t>The scripts developed as part of this work are generic in nature and can be easily applied to other problem statements requiring evaluation of predictions made by the used machine learning techniques i.e. y = f(x1, x2, …, </a:t>
+            </a:r>
+            <a:r>
+              <a:rPr lang="en-IN" dirty="0" err="1">
+                <a:latin typeface="Arial" panose="020B0604020202020204" pitchFamily="34" charset="0"/>
+                <a:cs typeface="Arial" panose="020B0604020202020204" pitchFamily="34" charset="0"/>
+              </a:rPr>
+              <a:t>xn</a:t>
+            </a:r>
+            <a:r>
+              <a:rPr lang="en-IN" dirty="0">
+                <a:latin typeface="Arial" panose="020B0604020202020204" pitchFamily="34" charset="0"/>
+                <a:cs typeface="Arial" panose="020B0604020202020204" pitchFamily="34" charset="0"/>
+              </a:rPr>
+              <a:t>) where f is a machine learning technique.</a:t>
+            </a:r>
+          </a:p>
+          <a:p>
+            <a:endParaRPr lang="en-IN" dirty="0">
+              <a:latin typeface="Arial" panose="020B0604020202020204" pitchFamily="34" charset="0"/>
+              <a:cs typeface="Arial" panose="020B0604020202020204" pitchFamily="34" charset="0"/>
+            </a:endParaRPr>
+          </a:p>
+          <a:p>
+            <a:r>
+              <a:rPr lang="en-IN" dirty="0">
+                <a:latin typeface="Arial" panose="020B0604020202020204" pitchFamily="34" charset="0"/>
+                <a:cs typeface="Arial" panose="020B0604020202020204" pitchFamily="34" charset="0"/>
+              </a:rPr>
+              <a:t>Other machine learning techniques can be easily added as long a Weka package exists for the same.</a:t>
+            </a:r>
+          </a:p>
+        </p:txBody>
+      </p:sp>
+    </p:spTree>
+    <p:extLst>
+      <p:ext uri="{BB962C8B-B14F-4D97-AF65-F5344CB8AC3E}">
+        <p14:creationId xmlns:p14="http://schemas.microsoft.com/office/powerpoint/2010/main" val="107003714"/>
+      </p:ext>
+    </p:extLst>
+  </p:cSld>
+  <p:clrMapOvr>
+    <a:masterClrMapping/>
+  </p:clrMapOvr>
+</p:sld>
+</file>
+
+<file path=ppt/slides/slide20.xml><?xml version="1.0" encoding="utf-8"?>
 <p:sld xmlns:a="http://schemas.openxmlformats.org/drawingml/2006/main" xmlns:r="http://schemas.openxmlformats.org/officeDocument/2006/relationships" xmlns:p="http://schemas.openxmlformats.org/presentationml/2006/main">
   <p:cSld>
     <p:spTree>
@@ -14773,208 +15165,7 @@
 </p:sld>
 </file>
 
-<file path=ppt/slides/slide2.xml><?xml version="1.0" encoding="utf-8"?>
-<p:sld xmlns:a="http://schemas.openxmlformats.org/drawingml/2006/main" xmlns:r="http://schemas.openxmlformats.org/officeDocument/2006/relationships" xmlns:p="http://schemas.openxmlformats.org/presentationml/2006/main">
-  <p:cSld>
-    <p:spTree>
-      <p:nvGrpSpPr>
-        <p:cNvPr id="1" name=""/>
-        <p:cNvGrpSpPr/>
-        <p:nvPr/>
-      </p:nvGrpSpPr>
-      <p:grpSpPr>
-        <a:xfrm>
-          <a:off x="0" y="0"/>
-          <a:ext cx="0" cy="0"/>
-          <a:chOff x="0" y="0"/>
-          <a:chExt cx="0" cy="0"/>
-        </a:xfrm>
-      </p:grpSpPr>
-      <p:sp>
-        <p:nvSpPr>
-          <p:cNvPr id="2" name="Title 1">
-            <a:extLst>
-              <a:ext uri="{FF2B5EF4-FFF2-40B4-BE49-F238E27FC236}">
-                <a16:creationId xmlns:a16="http://schemas.microsoft.com/office/drawing/2014/main" id="{99168A74-B2EB-45E0-96BB-DFDFE2CA06A4}"/>
-              </a:ext>
-            </a:extLst>
-          </p:cNvPr>
-          <p:cNvSpPr>
-            <a:spLocks noGrp="1"/>
-          </p:cNvSpPr>
-          <p:nvPr>
-            <p:ph type="title"/>
-          </p:nvPr>
-        </p:nvSpPr>
-        <p:spPr/>
-        <p:txBody>
-          <a:bodyPr/>
-          <a:lstStyle/>
-          <a:p>
-            <a:r>
-              <a:rPr lang="en-IN" dirty="0"/>
-              <a:t>Contents</a:t>
-            </a:r>
-          </a:p>
-        </p:txBody>
-      </p:sp>
-      <p:sp>
-        <p:nvSpPr>
-          <p:cNvPr id="3" name="Content Placeholder 2">
-            <a:extLst>
-              <a:ext uri="{FF2B5EF4-FFF2-40B4-BE49-F238E27FC236}">
-                <a16:creationId xmlns:a16="http://schemas.microsoft.com/office/drawing/2014/main" id="{AE1F1409-D1DD-4D27-AAD8-3E406AD9B262}"/>
-              </a:ext>
-            </a:extLst>
-          </p:cNvPr>
-          <p:cNvSpPr>
-            <a:spLocks noGrp="1"/>
-          </p:cNvSpPr>
-          <p:nvPr>
-            <p:ph idx="1"/>
-          </p:nvPr>
-        </p:nvSpPr>
-        <p:spPr/>
-        <p:txBody>
-          <a:bodyPr>
-            <a:normAutofit fontScale="62500" lnSpcReduction="20000"/>
-          </a:bodyPr>
-          <a:lstStyle/>
-          <a:p>
-            <a:r>
-              <a:rPr lang="en-IN" dirty="0"/>
-              <a:t>Directory Structure</a:t>
-            </a:r>
-          </a:p>
-          <a:p>
-            <a:r>
-              <a:rPr lang="en-IN" dirty="0"/>
-              <a:t>Directory Contents</a:t>
-            </a:r>
-          </a:p>
-          <a:p>
-            <a:r>
-              <a:rPr lang="en-IN" dirty="0"/>
-              <a:t>Dependent Files</a:t>
-            </a:r>
-          </a:p>
-          <a:p>
-            <a:r>
-              <a:rPr lang="en-IN" dirty="0"/>
-              <a:t>Input to all scripts: step1-datacreation-list.txt</a:t>
-            </a:r>
-          </a:p>
-          <a:p>
-            <a:r>
-              <a:rPr lang="en-IN" dirty="0"/>
-              <a:t>Design and usage of scripts (data preparation, training, validation and model accuracy calculation)</a:t>
-            </a:r>
-          </a:p>
-          <a:p>
-            <a:pPr lvl="1"/>
-            <a:r>
-              <a:rPr lang="en-IN" dirty="0"/>
-              <a:t>step1.bash</a:t>
-            </a:r>
-          </a:p>
-          <a:p>
-            <a:pPr lvl="1"/>
-            <a:r>
-              <a:rPr lang="en-IN" dirty="0"/>
-              <a:t>step2a.bash</a:t>
-            </a:r>
-          </a:p>
-          <a:p>
-            <a:pPr lvl="1"/>
-            <a:r>
-              <a:rPr lang="en-IN" dirty="0"/>
-              <a:t>step2b.bash</a:t>
-            </a:r>
-          </a:p>
-          <a:p>
-            <a:pPr lvl="1"/>
-            <a:r>
-              <a:rPr lang="en-IN" dirty="0"/>
-              <a:t>step2c.bash</a:t>
-            </a:r>
-          </a:p>
-          <a:p>
-            <a:pPr lvl="1"/>
-            <a:r>
-              <a:rPr lang="en-IN" dirty="0"/>
-              <a:t>step2d.bash</a:t>
-            </a:r>
-          </a:p>
-          <a:p>
-            <a:pPr lvl="1"/>
-            <a:r>
-              <a:rPr lang="en-IN" dirty="0"/>
-              <a:t>step3.bash</a:t>
-            </a:r>
-          </a:p>
-          <a:p>
-            <a:pPr lvl="1"/>
-            <a:r>
-              <a:rPr lang="en-IN" dirty="0"/>
-              <a:t>step4.bash</a:t>
-            </a:r>
-          </a:p>
-          <a:p>
-            <a:pPr lvl="1"/>
-            <a:r>
-              <a:rPr lang="en-IN" dirty="0"/>
-              <a:t>model.evaluation.ModelPerformance</a:t>
-            </a:r>
-          </a:p>
-          <a:p>
-            <a:pPr lvl="1"/>
-            <a:r>
-              <a:rPr lang="en-IN" dirty="0"/>
-              <a:t>step4forset0.bash </a:t>
-            </a:r>
-          </a:p>
-          <a:p>
-            <a:pPr lvl="1"/>
-            <a:r>
-              <a:rPr lang="en-IN" dirty="0"/>
-              <a:t>step5.bash</a:t>
-            </a:r>
-          </a:p>
-          <a:p>
-            <a:pPr lvl="1"/>
-            <a:r>
-              <a:rPr lang="en-IN" dirty="0"/>
-              <a:t>modelsummary.evaluation.ModelAccuracy</a:t>
-            </a:r>
-          </a:p>
-          <a:p>
-            <a:r>
-              <a:rPr lang="en-IN" dirty="0"/>
-              <a:t>Design and usage of scripts (data preparation and execution of Friedman and PostHoc tests)</a:t>
-            </a:r>
-          </a:p>
-          <a:p>
-            <a:pPr marL="0" indent="0">
-              <a:buNone/>
-            </a:pPr>
-            <a:endParaRPr lang="en-IN" dirty="0"/>
-          </a:p>
-        </p:txBody>
-      </p:sp>
-    </p:spTree>
-    <p:extLst>
-      <p:ext uri="{BB962C8B-B14F-4D97-AF65-F5344CB8AC3E}">
-        <p14:creationId xmlns:p14="http://schemas.microsoft.com/office/powerpoint/2010/main" val="3591450882"/>
-      </p:ext>
-    </p:extLst>
-  </p:cSld>
-  <p:clrMapOvr>
-    <a:masterClrMapping/>
-  </p:clrMapOvr>
-</p:sld>
-</file>
-
-<file path=ppt/slides/slide20.xml><?xml version="1.0" encoding="utf-8"?>
+<file path=ppt/slides/slide21.xml><?xml version="1.0" encoding="utf-8"?>
 <p:sld xmlns:a="http://schemas.openxmlformats.org/drawingml/2006/main" xmlns:r="http://schemas.openxmlformats.org/officeDocument/2006/relationships" xmlns:p="http://schemas.openxmlformats.org/presentationml/2006/main">
   <p:cSld>
     <p:spTree>
@@ -15043,6 +15234,12 @@
           <a:prstGeom prst="rect">
             <a:avLst/>
           </a:prstGeom>
+          <a:solidFill>
+            <a:schemeClr val="accent1">
+              <a:lumMod val="20000"/>
+              <a:lumOff val="80000"/>
+            </a:schemeClr>
+          </a:solidFill>
         </p:spPr>
         <p:txBody>
           <a:bodyPr>
@@ -15262,7 +15459,7 @@
 </p:sld>
 </file>
 
-<file path=ppt/slides/slide21.xml><?xml version="1.0" encoding="utf-8"?>
+<file path=ppt/slides/slide22.xml><?xml version="1.0" encoding="utf-8"?>
 <p:sld xmlns:a="http://schemas.openxmlformats.org/drawingml/2006/main" xmlns:r="http://schemas.openxmlformats.org/officeDocument/2006/relationships" xmlns:p="http://schemas.openxmlformats.org/presentationml/2006/main">
   <p:cSld>
     <p:spTree>
@@ -15302,7 +15499,7 @@
           <a:p>
             <a:r>
               <a:rPr lang="en-IN" dirty="0"/>
-              <a:t>###step5.bash</a:t>
+              <a:t>step5.bash</a:t>
             </a:r>
           </a:p>
         </p:txBody>
@@ -15323,232 +15520,39 @@
             <p:ph idx="1"/>
           </p:nvPr>
         </p:nvSpPr>
-        <p:spPr/>
+        <p:spPr>
+          <a:xfrm>
+            <a:off x="838200" y="1275197"/>
+            <a:ext cx="10515600" cy="468668"/>
+          </a:xfrm>
+        </p:spPr>
         <p:txBody>
-          <a:bodyPr/>
+          <a:bodyPr>
+            <a:noAutofit/>
+          </a:bodyPr>
           <a:lstStyle/>
           <a:p>
-            <a:r>
-              <a:rPr lang="en-IN" dirty="0"/>
-              <a:t>Calculates the best machine learning technique for each accuracy measure </a:t>
-            </a:r>
-          </a:p>
-        </p:txBody>
-      </p:sp>
-    </p:spTree>
-    <p:extLst>
-      <p:ext uri="{BB962C8B-B14F-4D97-AF65-F5344CB8AC3E}">
-        <p14:creationId xmlns:p14="http://schemas.microsoft.com/office/powerpoint/2010/main" val="303104044"/>
-      </p:ext>
-    </p:extLst>
-  </p:cSld>
-  <p:clrMapOvr>
-    <a:masterClrMapping/>
-  </p:clrMapOvr>
-</p:sld>
-</file>
-
-<file path=ppt/slides/slide22.xml><?xml version="1.0" encoding="utf-8"?>
-<p:sld xmlns:a="http://schemas.openxmlformats.org/drawingml/2006/main" xmlns:r="http://schemas.openxmlformats.org/officeDocument/2006/relationships" xmlns:p="http://schemas.openxmlformats.org/presentationml/2006/main">
-  <p:cSld>
-    <p:spTree>
-      <p:nvGrpSpPr>
-        <p:cNvPr id="1" name=""/>
-        <p:cNvGrpSpPr/>
-        <p:nvPr/>
-      </p:nvGrpSpPr>
-      <p:grpSpPr>
-        <a:xfrm>
-          <a:off x="0" y="0"/>
-          <a:ext cx="0" cy="0"/>
-          <a:chOff x="0" y="0"/>
-          <a:chExt cx="0" cy="0"/>
-        </a:xfrm>
-      </p:grpSpPr>
-      <p:sp>
-        <p:nvSpPr>
-          <p:cNvPr id="2" name="Title 1">
-            <a:extLst>
-              <a:ext uri="{FF2B5EF4-FFF2-40B4-BE49-F238E27FC236}">
-                <a16:creationId xmlns:a16="http://schemas.microsoft.com/office/drawing/2014/main" id="{DEF76AC9-EE7E-4B3B-9B8C-4B7C0B03A9B3}"/>
-              </a:ext>
-            </a:extLst>
-          </p:cNvPr>
-          <p:cNvSpPr>
-            <a:spLocks noGrp="1"/>
-          </p:cNvSpPr>
-          <p:nvPr>
-            <p:ph type="title"/>
-          </p:nvPr>
-        </p:nvSpPr>
-        <p:spPr/>
-        <p:txBody>
-          <a:bodyPr/>
-          <a:lstStyle/>
-          <a:p>
-            <a:r>
-              <a:rPr lang="en-IN" dirty="0"/>
-              <a:t>modelsummary.evaluation.</a:t>
-            </a:r>
-            <a:r>
-              <a:rPr lang="en-IN" dirty="0">
-                <a:solidFill>
-                  <a:srgbClr val="990000"/>
-                </a:solidFill>
-              </a:rPr>
-              <a:t>ModelAccuracy</a:t>
-            </a:r>
-            <a:r>
-              <a:rPr lang="en-IN" baseline="30000" dirty="0">
-                <a:solidFill>
-                  <a:srgbClr val="990000"/>
-                </a:solidFill>
-              </a:rPr>
-              <a:t>#</a:t>
+            <a:pPr>
+              <a:lnSpc>
+                <a:spcPct val="170000"/>
+              </a:lnSpc>
+            </a:pPr>
+            <a:r>
+              <a:rPr lang="en-IN" sz="1400" dirty="0">
+                <a:latin typeface="Arial" panose="020B0604020202020204" pitchFamily="34" charset="0"/>
+                <a:cs typeface="Arial" panose="020B0604020202020204" pitchFamily="34" charset="0"/>
+              </a:rPr>
+              <a:t>Calculates the best machine learning technique for each accuracy measure. The output file contains lines with the following attribute for each dataset.</a:t>
             </a:r>
           </a:p>
         </p:txBody>
       </p:sp>
       <p:sp>
         <p:nvSpPr>
-          <p:cNvPr id="4" name="Content Placeholder 2">
+          <p:cNvPr id="4" name="Rectangle 3">
             <a:extLst>
               <a:ext uri="{FF2B5EF4-FFF2-40B4-BE49-F238E27FC236}">
-                <a16:creationId xmlns:a16="http://schemas.microsoft.com/office/drawing/2014/main" id="{05090EAD-9D97-4888-8F3B-B2B049B5299E}"/>
-              </a:ext>
-            </a:extLst>
-          </p:cNvPr>
-          <p:cNvSpPr>
-            <a:spLocks noGrp="1"/>
-          </p:cNvSpPr>
-          <p:nvPr>
-            <p:ph idx="1"/>
-          </p:nvPr>
-        </p:nvSpPr>
-        <p:spPr>
-          <a:xfrm>
-            <a:off x="838200" y="1825625"/>
-            <a:ext cx="10515600" cy="2428323"/>
-          </a:xfrm>
-        </p:spPr>
-        <p:txBody>
-          <a:bodyPr>
-            <a:normAutofit/>
-          </a:bodyPr>
-          <a:lstStyle/>
-          <a:p>
-            <a:r>
-              <a:rPr lang="en-IN" sz="1500" dirty="0">
-                <a:latin typeface="Arial" panose="020B0604020202020204" pitchFamily="34" charset="0"/>
-                <a:cs typeface="Arial" panose="020B0604020202020204" pitchFamily="34" charset="0"/>
-              </a:rPr>
-              <a:t>Full qualified input file (evaluation.csv)</a:t>
-            </a:r>
-          </a:p>
-          <a:p>
-            <a:pPr lvl="1"/>
-            <a:r>
-              <a:rPr lang="en-IN" sz="1400" dirty="0">
-                <a:solidFill>
-                  <a:schemeClr val="accent1"/>
-                </a:solidFill>
-                <a:latin typeface="Arial" panose="020B0604020202020204" pitchFamily="34" charset="0"/>
-                <a:cs typeface="Arial" panose="020B0604020202020204" pitchFamily="34" charset="0"/>
-              </a:rPr>
-              <a:t>-i {input file path}	(e.g. –i /pagetime2/set1/results/evaluation.csv)</a:t>
-            </a:r>
-          </a:p>
-          <a:p>
-            <a:r>
-              <a:rPr lang="en-IN" sz="1500" dirty="0">
-                <a:latin typeface="Arial" panose="020B0604020202020204" pitchFamily="34" charset="0"/>
-                <a:cs typeface="Arial" panose="020B0604020202020204" pitchFamily="34" charset="0"/>
-              </a:rPr>
-              <a:t>Fully qualified output file </a:t>
-            </a:r>
-          </a:p>
-          <a:p>
-            <a:pPr lvl="1"/>
-            <a:r>
-              <a:rPr lang="en-IN" sz="1500" dirty="0">
-                <a:solidFill>
-                  <a:schemeClr val="accent1"/>
-                </a:solidFill>
-                <a:latin typeface="Arial" panose="020B0604020202020204" pitchFamily="34" charset="0"/>
-                <a:cs typeface="Arial" panose="020B0604020202020204" pitchFamily="34" charset="0"/>
-              </a:rPr>
-              <a:t>-o {output file path} 	</a:t>
-            </a:r>
-            <a:r>
-              <a:rPr lang="en-IN" sz="1400" dirty="0">
-                <a:solidFill>
-                  <a:schemeClr val="accent1"/>
-                </a:solidFill>
-                <a:latin typeface="Arial" panose="020B0604020202020204" pitchFamily="34" charset="0"/>
-                <a:cs typeface="Arial" panose="020B0604020202020204" pitchFamily="34" charset="0"/>
-              </a:rPr>
-              <a:t>(e.g. -o /pagetime2/set1/results/summary.csv)</a:t>
-            </a:r>
-          </a:p>
-          <a:p>
-            <a:r>
-              <a:rPr lang="en-IN" sz="1500" dirty="0">
-                <a:latin typeface="Arial" panose="020B0604020202020204" pitchFamily="34" charset="0"/>
-                <a:cs typeface="Arial" panose="020B0604020202020204" pitchFamily="34" charset="0"/>
-              </a:rPr>
-              <a:t>Append to the output file or create a new file</a:t>
-            </a:r>
-          </a:p>
-          <a:p>
-            <a:pPr lvl="1"/>
-            <a:r>
-              <a:rPr lang="en-IN" sz="1400" dirty="0">
-                <a:solidFill>
-                  <a:schemeClr val="accent1"/>
-                </a:solidFill>
-                <a:latin typeface="Arial" panose="020B0604020202020204" pitchFamily="34" charset="0"/>
-                <a:cs typeface="Arial" panose="020B0604020202020204" pitchFamily="34" charset="0"/>
-              </a:rPr>
-              <a:t>-append {true|false}	(e.g. –append false)</a:t>
-            </a:r>
-          </a:p>
-          <a:p>
-            <a:r>
-              <a:rPr lang="en-IN" sz="1500" dirty="0">
-                <a:latin typeface="Arial" panose="020B0604020202020204" pitchFamily="34" charset="0"/>
-                <a:cs typeface="Arial" panose="020B0604020202020204" pitchFamily="34" charset="0"/>
-              </a:rPr>
-              <a:t>Print debug statements</a:t>
-            </a:r>
-          </a:p>
-          <a:p>
-            <a:pPr lvl="1"/>
-            <a:r>
-              <a:rPr lang="en-IN" sz="1400" dirty="0">
-                <a:solidFill>
-                  <a:schemeClr val="accent1"/>
-                </a:solidFill>
-                <a:latin typeface="Arial" panose="020B0604020202020204" pitchFamily="34" charset="0"/>
-                <a:cs typeface="Arial" panose="020B0604020202020204" pitchFamily="34" charset="0"/>
-              </a:rPr>
-              <a:t>-debug {true|false}	(e.g. –debug false)</a:t>
-            </a:r>
-            <a:endParaRPr lang="en-IN" dirty="0">
-              <a:latin typeface="Arial" panose="020B0604020202020204" pitchFamily="34" charset="0"/>
-              <a:cs typeface="Arial" panose="020B0604020202020204" pitchFamily="34" charset="0"/>
-            </a:endParaRPr>
-          </a:p>
-          <a:p>
-            <a:endParaRPr lang="en-IN" dirty="0"/>
-          </a:p>
-        </p:txBody>
-      </p:sp>
-      <p:sp>
-        <p:nvSpPr>
-          <p:cNvPr id="5" name="Rectangle 4">
-            <a:extLst>
-              <a:ext uri="{FF2B5EF4-FFF2-40B4-BE49-F238E27FC236}">
-                <a16:creationId xmlns:a16="http://schemas.microsoft.com/office/drawing/2014/main" id="{26BF23D9-C9CF-4878-84AA-6CA125D03CAF}"/>
+                <a16:creationId xmlns:a16="http://schemas.microsoft.com/office/drawing/2014/main" id="{6AFC622F-B75C-4F59-B115-13D701330EEC}"/>
               </a:ext>
             </a:extLst>
           </p:cNvPr>
@@ -15557,8 +15561,8 @@
         </p:nvSpPr>
         <p:spPr>
           <a:xfrm>
-            <a:off x="838200" y="5496382"/>
-            <a:ext cx="10866603" cy="646331"/>
+            <a:off x="838200" y="5279273"/>
+            <a:ext cx="10866603" cy="1477328"/>
           </a:xfrm>
           <a:prstGeom prst="rect">
             <a:avLst/>
@@ -15587,17 +15591,100 @@
                 <a:latin typeface="Arial" panose="020B0604020202020204" pitchFamily="34" charset="0"/>
                 <a:cs typeface="Arial" panose="020B0604020202020204" pitchFamily="34" charset="0"/>
               </a:rPr>
-              <a:t>./step2d.bash -i step1-datacreation-list.txt -r ../datasets/randomized -s ../set4</a:t>
+              <a:t>./step5.bash –</a:t>
+            </a:r>
+            <a:r>
+              <a:rPr lang="en-IN" dirty="0" err="1">
+                <a:latin typeface="Arial" panose="020B0604020202020204" pitchFamily="34" charset="0"/>
+                <a:cs typeface="Arial" panose="020B0604020202020204" pitchFamily="34" charset="0"/>
+              </a:rPr>
+              <a:t>i</a:t>
+            </a:r>
+            <a:r>
+              <a:rPr lang="en-IN" dirty="0">
+                <a:latin typeface="Arial" panose="020B0604020202020204" pitchFamily="34" charset="0"/>
+                <a:cs typeface="Arial" panose="020B0604020202020204" pitchFamily="34" charset="0"/>
+              </a:rPr>
+              <a:t> ../set1/results/evaluation.csv –o ../set1/results/perf_summary.csv --a false –d true</a:t>
+            </a:r>
+          </a:p>
+          <a:p>
+            <a:r>
+              <a:rPr lang="en-IN" dirty="0">
+                <a:latin typeface="Arial" panose="020B0604020202020204" pitchFamily="34" charset="0"/>
+                <a:cs typeface="Arial" panose="020B0604020202020204" pitchFamily="34" charset="0"/>
+              </a:rPr>
+              <a:t>./step5.bash –</a:t>
+            </a:r>
+            <a:r>
+              <a:rPr lang="en-IN" dirty="0" err="1">
+                <a:latin typeface="Arial" panose="020B0604020202020204" pitchFamily="34" charset="0"/>
+                <a:cs typeface="Arial" panose="020B0604020202020204" pitchFamily="34" charset="0"/>
+              </a:rPr>
+              <a:t>i</a:t>
+            </a:r>
+            <a:r>
+              <a:rPr lang="en-IN" dirty="0">
+                <a:latin typeface="Arial" panose="020B0604020202020204" pitchFamily="34" charset="0"/>
+                <a:cs typeface="Arial" panose="020B0604020202020204" pitchFamily="34" charset="0"/>
+              </a:rPr>
+              <a:t> ../set2/results/evaluation.csv –o ../set2/results/perf_summary.csv --a false –d true</a:t>
+            </a:r>
+          </a:p>
+          <a:p>
+            <a:r>
+              <a:rPr lang="en-IN" dirty="0">
+                <a:latin typeface="Arial" panose="020B0604020202020204" pitchFamily="34" charset="0"/>
+                <a:cs typeface="Arial" panose="020B0604020202020204" pitchFamily="34" charset="0"/>
+              </a:rPr>
+              <a:t>./step5.bash –</a:t>
+            </a:r>
+            <a:r>
+              <a:rPr lang="en-IN" dirty="0" err="1">
+                <a:latin typeface="Arial" panose="020B0604020202020204" pitchFamily="34" charset="0"/>
+                <a:cs typeface="Arial" panose="020B0604020202020204" pitchFamily="34" charset="0"/>
+              </a:rPr>
+              <a:t>i</a:t>
+            </a:r>
+            <a:r>
+              <a:rPr lang="en-IN" dirty="0">
+                <a:latin typeface="Arial" panose="020B0604020202020204" pitchFamily="34" charset="0"/>
+                <a:cs typeface="Arial" panose="020B0604020202020204" pitchFamily="34" charset="0"/>
+              </a:rPr>
+              <a:t> ../set3/results/evaluation.csv –o ../set3/results/perf_summary.csv --a false –d true</a:t>
+            </a:r>
+          </a:p>
+          <a:p>
+            <a:r>
+              <a:rPr lang="en-IN" dirty="0">
+                <a:latin typeface="Arial" panose="020B0604020202020204" pitchFamily="34" charset="0"/>
+                <a:cs typeface="Arial" panose="020B0604020202020204" pitchFamily="34" charset="0"/>
+              </a:rPr>
+              <a:t>./step5.bash –</a:t>
+            </a:r>
+            <a:r>
+              <a:rPr lang="en-IN" dirty="0" err="1">
+                <a:latin typeface="Arial" panose="020B0604020202020204" pitchFamily="34" charset="0"/>
+                <a:cs typeface="Arial" panose="020B0604020202020204" pitchFamily="34" charset="0"/>
+              </a:rPr>
+              <a:t>i</a:t>
+            </a:r>
+            <a:r>
+              <a:rPr lang="en-IN" dirty="0">
+                <a:latin typeface="Arial" panose="020B0604020202020204" pitchFamily="34" charset="0"/>
+                <a:cs typeface="Arial" panose="020B0604020202020204" pitchFamily="34" charset="0"/>
+              </a:rPr>
+              <a:t> ../set4/results/evaluation.csv –o ../set4/results/perf_summary.csv --a false –d true</a:t>
             </a:r>
           </a:p>
         </p:txBody>
       </p:sp>
       <p:sp>
         <p:nvSpPr>
-          <p:cNvPr id="6" name="Rectangle 5">
+          <p:cNvPr id="5" name="Rectangle 4">
             <a:extLst>
               <a:ext uri="{FF2B5EF4-FFF2-40B4-BE49-F238E27FC236}">
-                <a16:creationId xmlns:a16="http://schemas.microsoft.com/office/drawing/2014/main" id="{E66A5EA7-4309-4CB9-A305-7765EE02EFEC}"/>
+                <a16:creationId xmlns:a16="http://schemas.microsoft.com/office/drawing/2014/main" id="{87B03FF3-BD52-4EFD-A55F-EA2FE67C37C8}"/>
               </a:ext>
             </a:extLst>
           </p:cNvPr>
@@ -15606,13 +15693,18 @@
         </p:nvSpPr>
         <p:spPr>
           <a:xfrm>
-            <a:off x="838199" y="6323598"/>
-            <a:ext cx="10866603" cy="338554"/>
+            <a:off x="867507" y="1993990"/>
+            <a:ext cx="5392616" cy="3200876"/>
           </a:xfrm>
           <a:prstGeom prst="rect">
             <a:avLst/>
           </a:prstGeom>
-          <a:noFill/>
+          <a:solidFill>
+            <a:schemeClr val="accent1">
+              <a:lumMod val="20000"/>
+              <a:lumOff val="80000"/>
+            </a:schemeClr>
+          </a:solidFill>
         </p:spPr>
         <p:txBody>
           <a:bodyPr wrap="square">
@@ -15620,30 +15712,206 @@
           </a:bodyPr>
           <a:lstStyle/>
           <a:p>
-            <a:r>
-              <a:rPr lang="en-IN" sz="1600" b="1" dirty="0">
-                <a:solidFill>
-                  <a:srgbClr val="990000"/>
-                </a:solidFill>
-                <a:latin typeface="Arial" panose="020B0604020202020204" pitchFamily="34" charset="0"/>
-                <a:cs typeface="Arial" panose="020B0604020202020204" pitchFamily="34" charset="0"/>
-              </a:rPr>
-              <a:t>#For better understanding will rename it to ModelPerformanceEvaluationSummary in a later version</a:t>
-            </a:r>
-            <a:endParaRPr lang="en-IN" sz="1600" dirty="0">
-              <a:solidFill>
-                <a:srgbClr val="990000"/>
-              </a:solidFill>
-              <a:latin typeface="Arial" panose="020B0604020202020204" pitchFamily="34" charset="0"/>
-              <a:cs typeface="Arial" panose="020B0604020202020204" pitchFamily="34" charset="0"/>
-            </a:endParaRPr>
+            <a:pPr>
+              <a:lnSpc>
+                <a:spcPct val="100000"/>
+              </a:lnSpc>
+              <a:spcBef>
+                <a:spcPts val="200"/>
+              </a:spcBef>
+            </a:pPr>
+            <a:r>
+              <a:rPr lang="en-IN" sz="1400" dirty="0">
+                <a:latin typeface="Arial" panose="020B0604020202020204" pitchFamily="34" charset="0"/>
+                <a:cs typeface="Arial" panose="020B0604020202020204" pitchFamily="34" charset="0"/>
+              </a:rPr>
+              <a:t>Field 1	: Label</a:t>
+            </a:r>
+          </a:p>
+          <a:p>
+            <a:pPr>
+              <a:lnSpc>
+                <a:spcPct val="100000"/>
+              </a:lnSpc>
+              <a:spcBef>
+                <a:spcPts val="200"/>
+              </a:spcBef>
+            </a:pPr>
+            <a:r>
+              <a:rPr lang="en-IN" sz="1400" dirty="0">
+                <a:latin typeface="Arial" panose="020B0604020202020204" pitchFamily="34" charset="0"/>
+                <a:cs typeface="Arial" panose="020B0604020202020204" pitchFamily="34" charset="0"/>
+              </a:rPr>
+              <a:t>Field 2	: Not used</a:t>
+            </a:r>
+          </a:p>
+          <a:p>
+            <a:pPr>
+              <a:lnSpc>
+                <a:spcPct val="100000"/>
+              </a:lnSpc>
+              <a:spcBef>
+                <a:spcPts val="200"/>
+              </a:spcBef>
+            </a:pPr>
+            <a:r>
+              <a:rPr lang="en-IN" sz="1400" dirty="0">
+                <a:latin typeface="Arial" panose="020B0604020202020204" pitchFamily="34" charset="0"/>
+                <a:cs typeface="Arial" panose="020B0604020202020204" pitchFamily="34" charset="0"/>
+              </a:rPr>
+              <a:t>Field 3,4	: Technique with highest r, r</a:t>
+            </a:r>
+          </a:p>
+          <a:p>
+            <a:pPr>
+              <a:lnSpc>
+                <a:spcPct val="100000"/>
+              </a:lnSpc>
+              <a:spcBef>
+                <a:spcPts val="200"/>
+              </a:spcBef>
+            </a:pPr>
+            <a:r>
+              <a:rPr lang="en-IN" sz="1400" dirty="0">
+                <a:latin typeface="Arial" panose="020B0604020202020204" pitchFamily="34" charset="0"/>
+                <a:cs typeface="Arial" panose="020B0604020202020204" pitchFamily="34" charset="0"/>
+              </a:rPr>
+              <a:t>Field 5,6	: Technique with minimum maxMRE, maxMRE </a:t>
+            </a:r>
+          </a:p>
+          <a:p>
+            <a:pPr>
+              <a:spcBef>
+                <a:spcPts val="200"/>
+              </a:spcBef>
+            </a:pPr>
+            <a:r>
+              <a:rPr lang="en-IN" sz="1400" dirty="0">
+                <a:latin typeface="Arial" panose="020B0604020202020204" pitchFamily="34" charset="0"/>
+                <a:cs typeface="Arial" panose="020B0604020202020204" pitchFamily="34" charset="0"/>
+              </a:rPr>
+              <a:t>Field 7,8	: Technique with minimum meanMRE, meanMRE</a:t>
+            </a:r>
+          </a:p>
+          <a:p>
+            <a:pPr>
+              <a:spcBef>
+                <a:spcPts val="200"/>
+              </a:spcBef>
+            </a:pPr>
+            <a:r>
+              <a:rPr lang="en-IN" sz="1400" dirty="0">
+                <a:latin typeface="Arial" panose="020B0604020202020204" pitchFamily="34" charset="0"/>
+                <a:cs typeface="Arial" panose="020B0604020202020204" pitchFamily="34" charset="0"/>
+              </a:rPr>
+              <a:t>Field 9,10	: Technique with highest Pred1(n), Pred1(n)</a:t>
+            </a:r>
+          </a:p>
+          <a:p>
+            <a:pPr>
+              <a:spcBef>
+                <a:spcPts val="200"/>
+              </a:spcBef>
+            </a:pPr>
+            <a:r>
+              <a:rPr lang="en-IN" sz="1400" dirty="0">
+                <a:latin typeface="Arial" panose="020B0604020202020204" pitchFamily="34" charset="0"/>
+                <a:cs typeface="Arial" panose="020B0604020202020204" pitchFamily="34" charset="0"/>
+              </a:rPr>
+              <a:t>Field 11,12	: Technique with highest Pred2(n), Pred2(n)</a:t>
+            </a:r>
+          </a:p>
+          <a:p>
+            <a:pPr>
+              <a:spcBef>
+                <a:spcPts val="200"/>
+              </a:spcBef>
+            </a:pPr>
+            <a:r>
+              <a:rPr lang="en-IN" sz="1400" dirty="0">
+                <a:latin typeface="Arial" panose="020B0604020202020204" pitchFamily="34" charset="0"/>
+                <a:cs typeface="Arial" panose="020B0604020202020204" pitchFamily="34" charset="0"/>
+              </a:rPr>
+              <a:t>Field 12,13	: Technique with minimum sumARE, sumARE</a:t>
+            </a:r>
+          </a:p>
+          <a:p>
+            <a:pPr>
+              <a:spcBef>
+                <a:spcPts val="200"/>
+              </a:spcBef>
+            </a:pPr>
+            <a:r>
+              <a:rPr lang="en-IN" sz="1400" dirty="0">
+                <a:latin typeface="Arial" panose="020B0604020202020204" pitchFamily="34" charset="0"/>
+                <a:cs typeface="Arial" panose="020B0604020202020204" pitchFamily="34" charset="0"/>
+              </a:rPr>
+              <a:t>Field 14,15	: Technique with minimum medianARE, medianARE</a:t>
+            </a:r>
+          </a:p>
+          <a:p>
+            <a:pPr>
+              <a:spcBef>
+                <a:spcPts val="200"/>
+              </a:spcBef>
+            </a:pPr>
+            <a:r>
+              <a:rPr lang="en-IN" sz="1400" dirty="0">
+                <a:latin typeface="Arial" panose="020B0604020202020204" pitchFamily="34" charset="0"/>
+                <a:cs typeface="Arial" panose="020B0604020202020204" pitchFamily="34" charset="0"/>
+              </a:rPr>
+              <a:t>Field 15,16	: Technique with minimum RMSE, RMSE</a:t>
+            </a:r>
+          </a:p>
+          <a:p>
+            <a:pPr>
+              <a:spcBef>
+                <a:spcPts val="200"/>
+              </a:spcBef>
+            </a:pPr>
+            <a:r>
+              <a:rPr lang="en-IN" sz="1400" dirty="0">
+                <a:latin typeface="Arial" panose="020B0604020202020204" pitchFamily="34" charset="0"/>
+                <a:cs typeface="Arial" panose="020B0604020202020204" pitchFamily="34" charset="0"/>
+              </a:rPr>
+              <a:t>Field 17,18	: Technique with minimum NRMSE, NRMSE</a:t>
+            </a:r>
+          </a:p>
+          <a:p>
+            <a:pPr>
+              <a:spcBef>
+                <a:spcPts val="200"/>
+              </a:spcBef>
+            </a:pPr>
+            <a:r>
+              <a:rPr lang="en-IN" sz="1400" dirty="0">
+                <a:latin typeface="Arial" panose="020B0604020202020204" pitchFamily="34" charset="0"/>
+                <a:cs typeface="Arial" panose="020B0604020202020204" pitchFamily="34" charset="0"/>
+              </a:rPr>
+              <a:t>Field 19,20	: Technique with minimum RAE, RAE</a:t>
+            </a:r>
+          </a:p>
+          <a:p>
+            <a:pPr>
+              <a:spcBef>
+                <a:spcPts val="200"/>
+              </a:spcBef>
+            </a:pPr>
+            <a:r>
+              <a:rPr lang="en-IN" sz="1400" dirty="0">
+                <a:latin typeface="Arial" panose="020B0604020202020204" pitchFamily="34" charset="0"/>
+                <a:cs typeface="Arial" panose="020B0604020202020204" pitchFamily="34" charset="0"/>
+              </a:rPr>
+              <a:t>Field 21,22	: Technique with minimum RRSE, RRSE</a:t>
+            </a:r>
+            <a:endParaRPr lang="en-IN" dirty="0"/>
           </a:p>
         </p:txBody>
       </p:sp>
     </p:spTree>
     <p:extLst>
       <p:ext uri="{BB962C8B-B14F-4D97-AF65-F5344CB8AC3E}">
-        <p14:creationId xmlns:p14="http://schemas.microsoft.com/office/powerpoint/2010/main" val="2485115394"/>
+        <p14:creationId xmlns:p14="http://schemas.microsoft.com/office/powerpoint/2010/main" val="303104044"/>
       </p:ext>
     </p:extLst>
   </p:cSld>
@@ -15688,24 +15956,38 @@
         </p:nvSpPr>
         <p:spPr/>
         <p:txBody>
-          <a:bodyPr>
-            <a:normAutofit/>
-          </a:bodyPr>
+          <a:bodyPr/>
           <a:lstStyle/>
           <a:p>
             <a:r>
               <a:rPr lang="en-IN" dirty="0"/>
-              <a:t>###Friedman &amp; PostHoc Tests: Data Preparation (genfriedmandata.bash)</a:t>
+              <a:t>modelsummary.evaluation.</a:t>
+            </a:r>
+            <a:r>
+              <a:rPr lang="en-IN" dirty="0">
+                <a:solidFill>
+                  <a:srgbClr val="990000"/>
+                </a:solidFill>
+              </a:rPr>
+              <a:t>ModelAccuracy</a:t>
+            </a:r>
+            <a:r>
+              <a:rPr lang="en-IN" baseline="30000" dirty="0">
+                <a:solidFill>
+                  <a:srgbClr val="990000"/>
+                </a:solidFill>
+              </a:rPr>
+              <a:t>#</a:t>
             </a:r>
           </a:p>
         </p:txBody>
       </p:sp>
       <p:sp>
         <p:nvSpPr>
-          <p:cNvPr id="3" name="Content Placeholder 2">
+          <p:cNvPr id="4" name="Content Placeholder 2">
             <a:extLst>
               <a:ext uri="{FF2B5EF4-FFF2-40B4-BE49-F238E27FC236}">
-                <a16:creationId xmlns:a16="http://schemas.microsoft.com/office/drawing/2014/main" id="{7FDD569E-E8D9-41C8-A7D7-A965D9D6BDF1}"/>
+                <a16:creationId xmlns:a16="http://schemas.microsoft.com/office/drawing/2014/main" id="{05090EAD-9D97-4888-8F3B-B2B049B5299E}"/>
               </a:ext>
             </a:extLst>
           </p:cNvPr>
@@ -15716,44 +15998,130 @@
             <p:ph idx="1"/>
           </p:nvPr>
         </p:nvSpPr>
-        <p:spPr/>
+        <p:spPr>
+          <a:xfrm>
+            <a:off x="838200" y="1825625"/>
+            <a:ext cx="10515600" cy="2428323"/>
+          </a:xfrm>
+        </p:spPr>
         <p:txBody>
-          <a:bodyPr/>
+          <a:bodyPr>
+            <a:normAutofit/>
+          </a:bodyPr>
           <a:lstStyle/>
           <a:p>
             <a:r>
-              <a:rPr lang="en-IN" dirty="0"/>
-              <a:t>friedman-consolidation-list.txt</a:t>
-            </a:r>
-          </a:p>
-          <a:p>
-            <a:r>
-              <a:rPr lang="en-IN" dirty="0" err="1"/>
-              <a:t>consolidate.awk</a:t>
-            </a:r>
+              <a:rPr lang="en-IN" sz="1500" dirty="0">
+                <a:latin typeface="Arial" panose="020B0604020202020204" pitchFamily="34" charset="0"/>
+                <a:cs typeface="Arial" panose="020B0604020202020204" pitchFamily="34" charset="0"/>
+              </a:rPr>
+              <a:t>Full qualified input file (evaluation.csv)</a:t>
+            </a:r>
+          </a:p>
+          <a:p>
+            <a:pPr lvl="1"/>
+            <a:r>
+              <a:rPr lang="en-IN" sz="1400" dirty="0">
+                <a:solidFill>
+                  <a:schemeClr val="accent1"/>
+                </a:solidFill>
+                <a:latin typeface="Arial" panose="020B0604020202020204" pitchFamily="34" charset="0"/>
+                <a:cs typeface="Arial" panose="020B0604020202020204" pitchFamily="34" charset="0"/>
+              </a:rPr>
+              <a:t>-i {input file path}	(e.g. –i /pagetime2/set1/results/evaluation.csv)</a:t>
+            </a:r>
+          </a:p>
+          <a:p>
+            <a:r>
+              <a:rPr lang="en-IN" sz="1500" dirty="0">
+                <a:latin typeface="Arial" panose="020B0604020202020204" pitchFamily="34" charset="0"/>
+                <a:cs typeface="Arial" panose="020B0604020202020204" pitchFamily="34" charset="0"/>
+              </a:rPr>
+              <a:t>Fully qualified output file </a:t>
+            </a:r>
+          </a:p>
+          <a:p>
+            <a:pPr lvl="1"/>
+            <a:r>
+              <a:rPr lang="en-IN" sz="1500" dirty="0">
+                <a:solidFill>
+                  <a:schemeClr val="accent1"/>
+                </a:solidFill>
+                <a:latin typeface="Arial" panose="020B0604020202020204" pitchFamily="34" charset="0"/>
+                <a:cs typeface="Arial" panose="020B0604020202020204" pitchFamily="34" charset="0"/>
+              </a:rPr>
+              <a:t>-o {output file path} 	</a:t>
+            </a:r>
+            <a:r>
+              <a:rPr lang="en-IN" sz="1400" dirty="0">
+                <a:solidFill>
+                  <a:schemeClr val="accent1"/>
+                </a:solidFill>
+                <a:latin typeface="Arial" panose="020B0604020202020204" pitchFamily="34" charset="0"/>
+                <a:cs typeface="Arial" panose="020B0604020202020204" pitchFamily="34" charset="0"/>
+              </a:rPr>
+              <a:t>(e.g. -o /pagetime2/set1/results/summary.csv)</a:t>
+            </a:r>
+          </a:p>
+          <a:p>
+            <a:r>
+              <a:rPr lang="en-IN" sz="1500" dirty="0">
+                <a:latin typeface="Arial" panose="020B0604020202020204" pitchFamily="34" charset="0"/>
+                <a:cs typeface="Arial" panose="020B0604020202020204" pitchFamily="34" charset="0"/>
+              </a:rPr>
+              <a:t>Append to the output file or create a new file</a:t>
+            </a:r>
+          </a:p>
+          <a:p>
+            <a:pPr lvl="1"/>
+            <a:r>
+              <a:rPr lang="en-IN" sz="1400" dirty="0">
+                <a:solidFill>
+                  <a:schemeClr val="accent1"/>
+                </a:solidFill>
+                <a:latin typeface="Arial" panose="020B0604020202020204" pitchFamily="34" charset="0"/>
+                <a:cs typeface="Arial" panose="020B0604020202020204" pitchFamily="34" charset="0"/>
+              </a:rPr>
+              <a:t>-append {true|false}	(e.g. –append false)</a:t>
+            </a:r>
+          </a:p>
+          <a:p>
+            <a:r>
+              <a:rPr lang="en-IN" sz="1500" dirty="0">
+                <a:latin typeface="Arial" panose="020B0604020202020204" pitchFamily="34" charset="0"/>
+                <a:cs typeface="Arial" panose="020B0604020202020204" pitchFamily="34" charset="0"/>
+              </a:rPr>
+              <a:t>Print debug statements</a:t>
+            </a:r>
+          </a:p>
+          <a:p>
+            <a:pPr lvl="1"/>
+            <a:r>
+              <a:rPr lang="en-IN" sz="1400" dirty="0">
+                <a:solidFill>
+                  <a:schemeClr val="accent1"/>
+                </a:solidFill>
+                <a:latin typeface="Arial" panose="020B0604020202020204" pitchFamily="34" charset="0"/>
+                <a:cs typeface="Arial" panose="020B0604020202020204" pitchFamily="34" charset="0"/>
+              </a:rPr>
+              <a:t>-debug {true|false}	(e.g. –debug false)</a:t>
+            </a:r>
+            <a:endParaRPr lang="en-IN" dirty="0">
+              <a:latin typeface="Arial" panose="020B0604020202020204" pitchFamily="34" charset="0"/>
+              <a:cs typeface="Arial" panose="020B0604020202020204" pitchFamily="34" charset="0"/>
+            </a:endParaRPr>
+          </a:p>
+          <a:p>
             <a:endParaRPr lang="en-IN" dirty="0"/>
-          </a:p>
-          <a:p>
-            <a:r>
-              <a:rPr lang="en-IN" dirty="0" err="1"/>
-              <a:t>genfriedmandata.bash</a:t>
-            </a:r>
-            <a:endParaRPr lang="en-IN" dirty="0"/>
-          </a:p>
-          <a:p>
-            <a:r>
-              <a:rPr lang="en-IN" dirty="0"/>
-              <a:t>MATLAB script</a:t>
-            </a:r>
           </a:p>
         </p:txBody>
       </p:sp>
       <p:sp>
         <p:nvSpPr>
-          <p:cNvPr id="4" name="Rectangle 3">
+          <p:cNvPr id="6" name="Rectangle 5">
             <a:extLst>
               <a:ext uri="{FF2B5EF4-FFF2-40B4-BE49-F238E27FC236}">
-                <a16:creationId xmlns:a16="http://schemas.microsoft.com/office/drawing/2014/main" id="{498D0310-349F-4D67-9D56-1FB0DD014FC0}"/>
+                <a16:creationId xmlns:a16="http://schemas.microsoft.com/office/drawing/2014/main" id="{E66A5EA7-4309-4CB9-A305-7765EE02EFEC}"/>
               </a:ext>
             </a:extLst>
           </p:cNvPr>
@@ -15762,90 +16130,44 @@
         </p:nvSpPr>
         <p:spPr>
           <a:xfrm>
-            <a:off x="3990536" y="3429000"/>
-            <a:ext cx="6096000" cy="3139321"/>
+            <a:off x="838199" y="6323598"/>
+            <a:ext cx="10866603" cy="338554"/>
           </a:xfrm>
           <a:prstGeom prst="rect">
             <a:avLst/>
           </a:prstGeom>
+          <a:noFill/>
         </p:spPr>
         <p:txBody>
-          <a:bodyPr>
+          <a:bodyPr wrap="square">
             <a:spAutoFit/>
           </a:bodyPr>
           <a:lstStyle/>
           <a:p>
             <a:r>
-              <a:rPr lang="en-IN" dirty="0"/>
-              <a:t>pages_financenbanking99_avp</a:t>
-            </a:r>
-          </a:p>
-          <a:p>
-            <a:r>
-              <a:rPr lang="en-IN" dirty="0"/>
-              <a:t>pages_business99_avp</a:t>
-            </a:r>
-          </a:p>
-          <a:p>
-            <a:r>
-              <a:rPr lang="en-IN" dirty="0"/>
-              <a:t>pages_education99_avp</a:t>
-            </a:r>
-          </a:p>
-          <a:p>
-            <a:r>
-              <a:rPr lang="en-IN" dirty="0"/>
-              <a:t>pages_entertainment99_avp</a:t>
-            </a:r>
-          </a:p>
-          <a:p>
-            <a:r>
-              <a:rPr lang="en-IN" dirty="0"/>
-              <a:t>pages_governmentnlegal99_avp</a:t>
-            </a:r>
-          </a:p>
-          <a:p>
-            <a:r>
-              <a:rPr lang="en-IN" dirty="0"/>
-              <a:t>pages_informationtechnology99_avp</a:t>
-            </a:r>
-          </a:p>
-          <a:p>
-            <a:r>
-              <a:rPr lang="en-IN" dirty="0"/>
-              <a:t>pages_newsnmedia99_avp</a:t>
-            </a:r>
-          </a:p>
-          <a:p>
-            <a:r>
-              <a:rPr lang="en-IN" dirty="0"/>
-              <a:t>pages_searchenginesnportals99_avp</a:t>
-            </a:r>
-          </a:p>
-          <a:p>
-            <a:r>
-              <a:rPr lang="en-IN" dirty="0"/>
-              <a:t>pages_shopping99_avp</a:t>
-            </a:r>
-          </a:p>
-          <a:p>
-            <a:r>
-              <a:rPr lang="en-IN" dirty="0"/>
-              <a:t>pages_travel99_avp</a:t>
-            </a:r>
-          </a:p>
-          <a:p>
-            <a:r>
-              <a:rPr lang="en-IN" dirty="0"/>
-              <a:t>pages_all99_avp</a:t>
-            </a:r>
+              <a:rPr lang="en-IN" sz="1600" b="1" dirty="0">
+                <a:solidFill>
+                  <a:srgbClr val="990000"/>
+                </a:solidFill>
+                <a:latin typeface="Arial" panose="020B0604020202020204" pitchFamily="34" charset="0"/>
+                <a:cs typeface="Arial" panose="020B0604020202020204" pitchFamily="34" charset="0"/>
+              </a:rPr>
+              <a:t>#For better understanding will rename it to ModelPerformanceEvaluationSummary in a later version</a:t>
+            </a:r>
+            <a:endParaRPr lang="en-IN" sz="1600" dirty="0">
+              <a:solidFill>
+                <a:srgbClr val="990000"/>
+              </a:solidFill>
+              <a:latin typeface="Arial" panose="020B0604020202020204" pitchFamily="34" charset="0"/>
+              <a:cs typeface="Arial" panose="020B0604020202020204" pitchFamily="34" charset="0"/>
+            </a:endParaRPr>
           </a:p>
         </p:txBody>
       </p:sp>
     </p:spTree>
     <p:extLst>
       <p:ext uri="{BB962C8B-B14F-4D97-AF65-F5344CB8AC3E}">
-        <p14:creationId xmlns:p14="http://schemas.microsoft.com/office/powerpoint/2010/main" val="4150687021"/>
+        <p14:creationId xmlns:p14="http://schemas.microsoft.com/office/powerpoint/2010/main" val="2485115394"/>
       </p:ext>
     </p:extLst>
   </p:cSld>
@@ -15890,21 +16212,23 @@
         </p:nvSpPr>
         <p:spPr/>
         <p:txBody>
-          <a:bodyPr/>
+          <a:bodyPr>
+            <a:normAutofit fontScale="90000"/>
+          </a:bodyPr>
           <a:lstStyle/>
           <a:p>
             <a:r>
               <a:rPr lang="en-IN" dirty="0"/>
-              <a:t>###Friedman &amp; PostHoc Tests: Data Preparation (</a:t>
-            </a:r>
-            <a:r>
-              <a:rPr lang="en-IN" dirty="0" err="1"/>
-              <a:t>consolidate.awk</a:t>
-            </a:r>
-            <a:r>
+              <a:t>Data Preparation for Friedman &amp; PostHoc Tests</a:t>
+            </a:r>
+            <a:br>
               <a:rPr lang="en-IN" dirty="0"/>
-              <a:t>)</a:t>
-            </a:r>
+            </a:br>
+            <a:r>
+              <a:rPr lang="en-IN" sz="4000" dirty="0"/>
+              <a:t>(genfriedmandata.bash: design and usage)</a:t>
+            </a:r>
+            <a:endParaRPr lang="en-IN" dirty="0"/>
           </a:p>
         </p:txBody>
       </p:sp>
@@ -15924,37 +16248,502 @@
             <p:ph idx="1"/>
           </p:nvPr>
         </p:nvSpPr>
-        <p:spPr/>
+        <p:spPr>
+          <a:xfrm>
+            <a:off x="838200" y="1825625"/>
+            <a:ext cx="10515600" cy="861304"/>
+          </a:xfrm>
+        </p:spPr>
         <p:txBody>
           <a:bodyPr/>
           <a:lstStyle/>
           <a:p>
-            <a:r>
-              <a:rPr lang="en-IN" dirty="0"/>
-              <a:t>friedman-consolidation-list.txt</a:t>
-            </a:r>
-          </a:p>
-          <a:p>
-            <a:r>
-              <a:rPr lang="en-IN" dirty="0" err="1"/>
-              <a:t>consolidate.awk</a:t>
-            </a:r>
+            <a:pPr>
+              <a:buFont typeface="Wingdings" panose="05000000000000000000" pitchFamily="2" charset="2"/>
+              <a:buChar char="§"/>
+            </a:pPr>
+            <a:r>
+              <a:rPr lang="en-IN" sz="1800" dirty="0">
+                <a:latin typeface="Arial" panose="020B0604020202020204" pitchFamily="34" charset="0"/>
+                <a:cs typeface="Arial" panose="020B0604020202020204" pitchFamily="34" charset="0"/>
+              </a:rPr>
+              <a:t>Generate the input file for Friedman &amp; PostHoc tests. The genfriedmandata.bash internally uses consolidate.awk. The file has columns representing 18 treatments (different machine learning technique) and rows representing observations (web pages) as shown below.</a:t>
+            </a:r>
+          </a:p>
+          <a:p>
+            <a:pPr marL="0" indent="0">
+              <a:buNone/>
+            </a:pPr>
             <a:endParaRPr lang="en-IN" dirty="0"/>
           </a:p>
           <a:p>
-            <a:r>
-              <a:rPr lang="en-IN" dirty="0"/>
-              <a:t>genfriedmandata.bash</a:t>
-            </a:r>
+            <a:endParaRPr lang="en-IN" dirty="0"/>
           </a:p>
         </p:txBody>
       </p:sp>
+      <p:graphicFrame>
+        <p:nvGraphicFramePr>
+          <p:cNvPr id="5" name="Table 4">
+            <a:extLst>
+              <a:ext uri="{FF2B5EF4-FFF2-40B4-BE49-F238E27FC236}">
+                <a16:creationId xmlns:a16="http://schemas.microsoft.com/office/drawing/2014/main" id="{A4E39760-18AE-43AF-8791-05BD43B23B73}"/>
+              </a:ext>
+            </a:extLst>
+          </p:cNvPr>
+          <p:cNvGraphicFramePr>
+            <a:graphicFrameLocks noGrp="1"/>
+          </p:cNvGraphicFramePr>
+          <p:nvPr>
+            <p:extLst>
+              <p:ext uri="{D42A27DB-BD31-4B8C-83A1-F6EECF244321}">
+                <p14:modId xmlns:p14="http://schemas.microsoft.com/office/powerpoint/2010/main" val="1850519120"/>
+              </p:ext>
+            </p:extLst>
+          </p:nvPr>
+        </p:nvGraphicFramePr>
+        <p:xfrm>
+          <a:off x="1047262" y="2659675"/>
+          <a:ext cx="8128000" cy="1107440"/>
+        </p:xfrm>
+        <a:graphic>
+          <a:graphicData uri="http://schemas.openxmlformats.org/drawingml/2006/table">
+            <a:tbl>
+              <a:tblPr firstRow="1" bandRow="1">
+                <a:tableStyleId>{5C22544A-7EE6-4342-B048-85BDC9FD1C3A}</a:tableStyleId>
+              </a:tblPr>
+              <a:tblGrid>
+                <a:gridCol w="812800">
+                  <a:extLst>
+                    <a:ext uri="{9D8B030D-6E8A-4147-A177-3AD203B41FA5}">
+                      <a16:colId xmlns:a16="http://schemas.microsoft.com/office/drawing/2014/main" val="1164678245"/>
+                    </a:ext>
+                  </a:extLst>
+                </a:gridCol>
+                <a:gridCol w="812800">
+                  <a:extLst>
+                    <a:ext uri="{9D8B030D-6E8A-4147-A177-3AD203B41FA5}">
+                      <a16:colId xmlns:a16="http://schemas.microsoft.com/office/drawing/2014/main" val="4190379134"/>
+                    </a:ext>
+                  </a:extLst>
+                </a:gridCol>
+                <a:gridCol w="812800">
+                  <a:extLst>
+                    <a:ext uri="{9D8B030D-6E8A-4147-A177-3AD203B41FA5}">
+                      <a16:colId xmlns:a16="http://schemas.microsoft.com/office/drawing/2014/main" val="3127615466"/>
+                    </a:ext>
+                  </a:extLst>
+                </a:gridCol>
+                <a:gridCol w="812800">
+                  <a:extLst>
+                    <a:ext uri="{9D8B030D-6E8A-4147-A177-3AD203B41FA5}">
+                      <a16:colId xmlns:a16="http://schemas.microsoft.com/office/drawing/2014/main" val="2821497989"/>
+                    </a:ext>
+                  </a:extLst>
+                </a:gridCol>
+                <a:gridCol w="812800">
+                  <a:extLst>
+                    <a:ext uri="{9D8B030D-6E8A-4147-A177-3AD203B41FA5}">
+                      <a16:colId xmlns:a16="http://schemas.microsoft.com/office/drawing/2014/main" val="3269820746"/>
+                    </a:ext>
+                  </a:extLst>
+                </a:gridCol>
+                <a:gridCol w="812800">
+                  <a:extLst>
+                    <a:ext uri="{9D8B030D-6E8A-4147-A177-3AD203B41FA5}">
+                      <a16:colId xmlns:a16="http://schemas.microsoft.com/office/drawing/2014/main" val="4098323488"/>
+                    </a:ext>
+                  </a:extLst>
+                </a:gridCol>
+                <a:gridCol w="812800">
+                  <a:extLst>
+                    <a:ext uri="{9D8B030D-6E8A-4147-A177-3AD203B41FA5}">
+                      <a16:colId xmlns:a16="http://schemas.microsoft.com/office/drawing/2014/main" val="1688671541"/>
+                    </a:ext>
+                  </a:extLst>
+                </a:gridCol>
+                <a:gridCol w="812800">
+                  <a:extLst>
+                    <a:ext uri="{9D8B030D-6E8A-4147-A177-3AD203B41FA5}">
+                      <a16:colId xmlns:a16="http://schemas.microsoft.com/office/drawing/2014/main" val="2374297794"/>
+                    </a:ext>
+                  </a:extLst>
+                </a:gridCol>
+                <a:gridCol w="812800">
+                  <a:extLst>
+                    <a:ext uri="{9D8B030D-6E8A-4147-A177-3AD203B41FA5}">
+                      <a16:colId xmlns:a16="http://schemas.microsoft.com/office/drawing/2014/main" val="1765083175"/>
+                    </a:ext>
+                  </a:extLst>
+                </a:gridCol>
+                <a:gridCol w="812800">
+                  <a:extLst>
+                    <a:ext uri="{9D8B030D-6E8A-4147-A177-3AD203B41FA5}">
+                      <a16:colId xmlns:a16="http://schemas.microsoft.com/office/drawing/2014/main" val="3183654563"/>
+                    </a:ext>
+                  </a:extLst>
+                </a:gridCol>
+              </a:tblGrid>
+              <a:tr h="351032">
+                <a:tc>
+                  <a:txBody>
+                    <a:bodyPr/>
+                    <a:lstStyle/>
+                    <a:p>
+                      <a:r>
+                        <a:rPr lang="en-IN" dirty="0"/>
+                        <a:t>rbfreg</a:t>
+                      </a:r>
+                    </a:p>
+                  </a:txBody>
+                  <a:tcPr/>
+                </a:tc>
+                <a:tc>
+                  <a:txBody>
+                    <a:bodyPr/>
+                    <a:lstStyle/>
+                    <a:p>
+                      <a:r>
+                        <a:rPr lang="en-IN" dirty="0"/>
+                        <a:t>pacer</a:t>
+                      </a:r>
+                    </a:p>
+                  </a:txBody>
+                  <a:tcPr/>
+                </a:tc>
+                <a:tc>
+                  <a:txBody>
+                    <a:bodyPr/>
+                    <a:lstStyle/>
+                    <a:p>
+                      <a:r>
+                        <a:rPr lang="en-IN" dirty="0"/>
+                        <a:t>isor</a:t>
+                      </a:r>
+                    </a:p>
+                  </a:txBody>
+                  <a:tcPr/>
+                </a:tc>
+                <a:tc>
+                  <a:txBody>
+                    <a:bodyPr/>
+                    <a:lstStyle/>
+                    <a:p>
+                      <a:r>
+                        <a:rPr lang="en-IN" dirty="0"/>
+                        <a:t>lms</a:t>
+                      </a:r>
+                    </a:p>
+                  </a:txBody>
+                  <a:tcPr/>
+                </a:tc>
+                <a:tc>
+                  <a:txBody>
+                    <a:bodyPr/>
+                    <a:lstStyle/>
+                    <a:p>
+                      <a:r>
+                        <a:rPr lang="en-IN" dirty="0"/>
+                        <a:t>mlp</a:t>
+                      </a:r>
+                    </a:p>
+                  </a:txBody>
+                  <a:tcPr/>
+                </a:tc>
+                <a:tc>
+                  <a:txBody>
+                    <a:bodyPr/>
+                    <a:lstStyle/>
+                    <a:p>
+                      <a:r>
+                        <a:rPr lang="en-IN" dirty="0"/>
+                        <a:t>…</a:t>
+                      </a:r>
+                    </a:p>
+                  </a:txBody>
+                  <a:tcPr/>
+                </a:tc>
+                <a:tc>
+                  <a:txBody>
+                    <a:bodyPr/>
+                    <a:lstStyle/>
+                    <a:p>
+                      <a:r>
+                        <a:rPr lang="en-IN" dirty="0"/>
+                        <a:t>…</a:t>
+                      </a:r>
+                    </a:p>
+                  </a:txBody>
+                  <a:tcPr/>
+                </a:tc>
+                <a:tc>
+                  <a:txBody>
+                    <a:bodyPr/>
+                    <a:lstStyle/>
+                    <a:p>
+                      <a:r>
+                        <a:rPr lang="en-IN" dirty="0"/>
+                        <a:t>…</a:t>
+                      </a:r>
+                    </a:p>
+                  </a:txBody>
+                  <a:tcPr/>
+                </a:tc>
+                <a:tc>
+                  <a:txBody>
+                    <a:bodyPr/>
+                    <a:lstStyle/>
+                    <a:p>
+                      <a:r>
+                        <a:rPr lang="en-IN" dirty="0"/>
+                        <a:t>ibk</a:t>
+                      </a:r>
+                    </a:p>
+                  </a:txBody>
+                  <a:tcPr/>
+                </a:tc>
+                <a:tc>
+                  <a:txBody>
+                    <a:bodyPr/>
+                    <a:lstStyle/>
+                    <a:p>
+                      <a:r>
+                        <a:rPr lang="en-IN" dirty="0"/>
+                        <a:t>lwl</a:t>
+                      </a:r>
+                    </a:p>
+                  </a:txBody>
+                  <a:tcPr/>
+                </a:tc>
+                <a:extLst>
+                  <a:ext uri="{0D108BD9-81ED-4DB2-BD59-A6C34878D82A}">
+                    <a16:rowId xmlns:a16="http://schemas.microsoft.com/office/drawing/2014/main" val="1740348502"/>
+                  </a:ext>
+                </a:extLst>
+              </a:tr>
+              <a:tr h="370840">
+                <a:tc>
+                  <a:txBody>
+                    <a:bodyPr/>
+                    <a:lstStyle/>
+                    <a:p>
+                      <a:endParaRPr lang="en-IN"/>
+                    </a:p>
+                  </a:txBody>
+                  <a:tcPr/>
+                </a:tc>
+                <a:tc>
+                  <a:txBody>
+                    <a:bodyPr/>
+                    <a:lstStyle/>
+                    <a:p>
+                      <a:endParaRPr lang="en-IN"/>
+                    </a:p>
+                  </a:txBody>
+                  <a:tcPr/>
+                </a:tc>
+                <a:tc>
+                  <a:txBody>
+                    <a:bodyPr/>
+                    <a:lstStyle/>
+                    <a:p>
+                      <a:endParaRPr lang="en-IN"/>
+                    </a:p>
+                  </a:txBody>
+                  <a:tcPr/>
+                </a:tc>
+                <a:tc>
+                  <a:txBody>
+                    <a:bodyPr/>
+                    <a:lstStyle/>
+                    <a:p>
+                      <a:endParaRPr lang="en-IN"/>
+                    </a:p>
+                  </a:txBody>
+                  <a:tcPr/>
+                </a:tc>
+                <a:tc>
+                  <a:txBody>
+                    <a:bodyPr/>
+                    <a:lstStyle/>
+                    <a:p>
+                      <a:endParaRPr lang="en-IN"/>
+                    </a:p>
+                  </a:txBody>
+                  <a:tcPr/>
+                </a:tc>
+                <a:tc>
+                  <a:txBody>
+                    <a:bodyPr/>
+                    <a:lstStyle/>
+                    <a:p>
+                      <a:endParaRPr lang="en-IN"/>
+                    </a:p>
+                  </a:txBody>
+                  <a:tcPr/>
+                </a:tc>
+                <a:tc>
+                  <a:txBody>
+                    <a:bodyPr/>
+                    <a:lstStyle/>
+                    <a:p>
+                      <a:endParaRPr lang="en-IN"/>
+                    </a:p>
+                  </a:txBody>
+                  <a:tcPr/>
+                </a:tc>
+                <a:tc>
+                  <a:txBody>
+                    <a:bodyPr/>
+                    <a:lstStyle/>
+                    <a:p>
+                      <a:endParaRPr lang="en-IN"/>
+                    </a:p>
+                  </a:txBody>
+                  <a:tcPr/>
+                </a:tc>
+                <a:tc>
+                  <a:txBody>
+                    <a:bodyPr/>
+                    <a:lstStyle/>
+                    <a:p>
+                      <a:endParaRPr lang="en-IN"/>
+                    </a:p>
+                  </a:txBody>
+                  <a:tcPr/>
+                </a:tc>
+                <a:tc>
+                  <a:txBody>
+                    <a:bodyPr/>
+                    <a:lstStyle/>
+                    <a:p>
+                      <a:endParaRPr lang="en-IN"/>
+                    </a:p>
+                  </a:txBody>
+                  <a:tcPr/>
+                </a:tc>
+                <a:extLst>
+                  <a:ext uri="{0D108BD9-81ED-4DB2-BD59-A6C34878D82A}">
+                    <a16:rowId xmlns:a16="http://schemas.microsoft.com/office/drawing/2014/main" val="4006289661"/>
+                  </a:ext>
+                </a:extLst>
+              </a:tr>
+              <a:tr h="370840">
+                <a:tc>
+                  <a:txBody>
+                    <a:bodyPr/>
+                    <a:lstStyle/>
+                    <a:p>
+                      <a:endParaRPr lang="en-IN"/>
+                    </a:p>
+                  </a:txBody>
+                  <a:tcPr/>
+                </a:tc>
+                <a:tc>
+                  <a:txBody>
+                    <a:bodyPr/>
+                    <a:lstStyle/>
+                    <a:p>
+                      <a:endParaRPr lang="en-IN"/>
+                    </a:p>
+                  </a:txBody>
+                  <a:tcPr/>
+                </a:tc>
+                <a:tc>
+                  <a:txBody>
+                    <a:bodyPr/>
+                    <a:lstStyle/>
+                    <a:p>
+                      <a:endParaRPr lang="en-IN"/>
+                    </a:p>
+                  </a:txBody>
+                  <a:tcPr/>
+                </a:tc>
+                <a:tc>
+                  <a:txBody>
+                    <a:bodyPr/>
+                    <a:lstStyle/>
+                    <a:p>
+                      <a:endParaRPr lang="en-IN"/>
+                    </a:p>
+                  </a:txBody>
+                  <a:tcPr/>
+                </a:tc>
+                <a:tc>
+                  <a:txBody>
+                    <a:bodyPr/>
+                    <a:lstStyle/>
+                    <a:p>
+                      <a:endParaRPr lang="en-IN"/>
+                    </a:p>
+                  </a:txBody>
+                  <a:tcPr/>
+                </a:tc>
+                <a:tc>
+                  <a:txBody>
+                    <a:bodyPr/>
+                    <a:lstStyle/>
+                    <a:p>
+                      <a:endParaRPr lang="en-IN"/>
+                    </a:p>
+                  </a:txBody>
+                  <a:tcPr/>
+                </a:tc>
+                <a:tc>
+                  <a:txBody>
+                    <a:bodyPr/>
+                    <a:lstStyle/>
+                    <a:p>
+                      <a:endParaRPr lang="en-IN"/>
+                    </a:p>
+                  </a:txBody>
+                  <a:tcPr/>
+                </a:tc>
+                <a:tc>
+                  <a:txBody>
+                    <a:bodyPr/>
+                    <a:lstStyle/>
+                    <a:p>
+                      <a:endParaRPr lang="en-IN"/>
+                    </a:p>
+                  </a:txBody>
+                  <a:tcPr/>
+                </a:tc>
+                <a:tc>
+                  <a:txBody>
+                    <a:bodyPr/>
+                    <a:lstStyle/>
+                    <a:p>
+                      <a:endParaRPr lang="en-IN"/>
+                    </a:p>
+                  </a:txBody>
+                  <a:tcPr/>
+                </a:tc>
+                <a:tc>
+                  <a:txBody>
+                    <a:bodyPr/>
+                    <a:lstStyle/>
+                    <a:p>
+                      <a:endParaRPr lang="en-IN" dirty="0"/>
+                    </a:p>
+                  </a:txBody>
+                  <a:tcPr/>
+                </a:tc>
+                <a:extLst>
+                  <a:ext uri="{0D108BD9-81ED-4DB2-BD59-A6C34878D82A}">
+                    <a16:rowId xmlns:a16="http://schemas.microsoft.com/office/drawing/2014/main" val="709250064"/>
+                  </a:ext>
+                </a:extLst>
+              </a:tr>
+            </a:tbl>
+          </a:graphicData>
+        </a:graphic>
+      </p:graphicFrame>
       <p:sp>
         <p:nvSpPr>
-          <p:cNvPr id="4" name="Rectangle 3">
+          <p:cNvPr id="8" name="Rectangle 7">
             <a:extLst>
               <a:ext uri="{FF2B5EF4-FFF2-40B4-BE49-F238E27FC236}">
-                <a16:creationId xmlns:a16="http://schemas.microsoft.com/office/drawing/2014/main" id="{498D0310-349F-4D67-9D56-1FB0DD014FC0}"/>
+                <a16:creationId xmlns:a16="http://schemas.microsoft.com/office/drawing/2014/main" id="{94DD6BC6-4D98-41FF-B568-7FB2CF3CAAD2}"/>
               </a:ext>
             </a:extLst>
           </p:cNvPr>
@@ -15963,82 +16752,577 @@
         </p:nvSpPr>
         <p:spPr>
           <a:xfrm>
-            <a:off x="3990536" y="3429000"/>
-            <a:ext cx="6096000" cy="3139321"/>
+            <a:off x="4243850" y="4154152"/>
+            <a:ext cx="3882872" cy="1285330"/>
           </a:xfrm>
           <a:prstGeom prst="rect">
             <a:avLst/>
           </a:prstGeom>
         </p:spPr>
+        <p:style>
+          <a:lnRef idx="2">
+            <a:schemeClr val="accent1">
+              <a:shade val="50000"/>
+            </a:schemeClr>
+          </a:lnRef>
+          <a:fillRef idx="1">
+            <a:schemeClr val="accent1"/>
+          </a:fillRef>
+          <a:effectRef idx="0">
+            <a:schemeClr val="accent1"/>
+          </a:effectRef>
+          <a:fontRef idx="minor">
+            <a:schemeClr val="lt1"/>
+          </a:fontRef>
+        </p:style>
         <p:txBody>
-          <a:bodyPr>
+          <a:bodyPr rtlCol="0" anchor="t" anchorCtr="0"/>
+          <a:lstStyle/>
+          <a:p>
+            <a:pPr algn="ctr"/>
+            <a:r>
+              <a:rPr lang="en-IN" sz="1400" b="1" dirty="0">
+                <a:solidFill>
+                  <a:schemeClr val="tx1"/>
+                </a:solidFill>
+                <a:latin typeface="Arial" panose="020B0604020202020204" pitchFamily="34" charset="0"/>
+                <a:cs typeface="Arial" panose="020B0604020202020204" pitchFamily="34" charset="0"/>
+              </a:rPr>
+              <a:t>/</a:t>
+            </a:r>
+          </a:p>
+          <a:p>
+            <a:pPr algn="ctr"/>
+            <a:r>
+              <a:rPr lang="en-IN" sz="1400" b="1" dirty="0">
+                <a:solidFill>
+                  <a:schemeClr val="tx1"/>
+                </a:solidFill>
+                <a:latin typeface="Arial" panose="020B0604020202020204" pitchFamily="34" charset="0"/>
+                <a:cs typeface="Arial" panose="020B0604020202020204" pitchFamily="34" charset="0"/>
+              </a:rPr>
+              <a:t>pagetime2/scripts/genfriedmandata.bash</a:t>
+            </a:r>
+          </a:p>
+        </p:txBody>
+      </p:sp>
+      <p:sp>
+        <p:nvSpPr>
+          <p:cNvPr id="9" name="Rectangle 8">
+            <a:extLst>
+              <a:ext uri="{FF2B5EF4-FFF2-40B4-BE49-F238E27FC236}">
+                <a16:creationId xmlns:a16="http://schemas.microsoft.com/office/drawing/2014/main" id="{857E530F-C3A5-4C00-9D37-F2AD32835F31}"/>
+              </a:ext>
+            </a:extLst>
+          </p:cNvPr>
+          <p:cNvSpPr/>
+          <p:nvPr/>
+        </p:nvSpPr>
+        <p:spPr>
+          <a:xfrm>
+            <a:off x="1047262" y="4146793"/>
+            <a:ext cx="2285998" cy="715617"/>
+          </a:xfrm>
+          <a:prstGeom prst="rect">
+            <a:avLst/>
+          </a:prstGeom>
+          <a:solidFill>
+            <a:schemeClr val="accent1">
+              <a:lumMod val="60000"/>
+              <a:lumOff val="40000"/>
+            </a:schemeClr>
+          </a:solidFill>
+          <a:ln>
+            <a:solidFill>
+              <a:schemeClr val="bg1"/>
+            </a:solidFill>
+          </a:ln>
+        </p:spPr>
+        <p:style>
+          <a:lnRef idx="2">
+            <a:schemeClr val="accent1">
+              <a:shade val="50000"/>
+            </a:schemeClr>
+          </a:lnRef>
+          <a:fillRef idx="1">
+            <a:schemeClr val="accent1"/>
+          </a:fillRef>
+          <a:effectRef idx="0">
+            <a:schemeClr val="accent1"/>
+          </a:effectRef>
+          <a:fontRef idx="minor">
+            <a:schemeClr val="lt1"/>
+          </a:fontRef>
+        </p:style>
+        <p:txBody>
+          <a:bodyPr rtlCol="0" anchor="ctr"/>
+          <a:lstStyle/>
+          <a:p>
+            <a:pPr algn="ctr"/>
+            <a:r>
+              <a:rPr lang="en-IN" sz="1400" dirty="0">
+                <a:solidFill>
+                  <a:schemeClr val="tx1"/>
+                </a:solidFill>
+                <a:latin typeface="Arial" panose="020B0604020202020204" pitchFamily="34" charset="0"/>
+                <a:cs typeface="Arial" panose="020B0604020202020204" pitchFamily="34" charset="0"/>
+              </a:rPr>
+              <a:t>friedman-consolidation-list.txt</a:t>
+            </a:r>
+          </a:p>
+        </p:txBody>
+      </p:sp>
+      <p:sp>
+        <p:nvSpPr>
+          <p:cNvPr id="10" name="Rectangle 9">
+            <a:extLst>
+              <a:ext uri="{FF2B5EF4-FFF2-40B4-BE49-F238E27FC236}">
+                <a16:creationId xmlns:a16="http://schemas.microsoft.com/office/drawing/2014/main" id="{CD11BD1F-D110-447B-B6E1-861682C7A790}"/>
+              </a:ext>
+            </a:extLst>
+          </p:cNvPr>
+          <p:cNvSpPr/>
+          <p:nvPr/>
+        </p:nvSpPr>
+        <p:spPr>
+          <a:xfrm>
+            <a:off x="9037311" y="4434186"/>
+            <a:ext cx="2285998" cy="715617"/>
+          </a:xfrm>
+          <a:prstGeom prst="rect">
+            <a:avLst/>
+          </a:prstGeom>
+          <a:solidFill>
+            <a:schemeClr val="accent1">
+              <a:lumMod val="60000"/>
+              <a:lumOff val="40000"/>
+            </a:schemeClr>
+          </a:solidFill>
+          <a:ln>
+            <a:solidFill>
+              <a:schemeClr val="bg1"/>
+            </a:solidFill>
+          </a:ln>
+        </p:spPr>
+        <p:style>
+          <a:lnRef idx="2">
+            <a:schemeClr val="accent1">
+              <a:shade val="50000"/>
+            </a:schemeClr>
+          </a:lnRef>
+          <a:fillRef idx="1">
+            <a:schemeClr val="accent1"/>
+          </a:fillRef>
+          <a:effectRef idx="0">
+            <a:schemeClr val="accent1"/>
+          </a:effectRef>
+          <a:fontRef idx="minor">
+            <a:schemeClr val="lt1"/>
+          </a:fontRef>
+        </p:style>
+        <p:txBody>
+          <a:bodyPr rot="0" spcFirstLastPara="0" vertOverflow="overflow" horzOverflow="overflow" vert="horz" wrap="square" lIns="91440" tIns="45720" rIns="91440" bIns="45720" numCol="1" spcCol="0" rtlCol="0" fromWordArt="0" anchor="ctr" anchorCtr="0" forceAA="0" compatLnSpc="1">
+            <a:prstTxWarp prst="textNoShape">
+              <a:avLst/>
+            </a:prstTxWarp>
+            <a:noAutofit/>
+          </a:bodyPr>
+          <a:lstStyle/>
+          <a:p>
+            <a:pPr algn="ctr"/>
+            <a:r>
+              <a:rPr lang="en-IN" sz="1400" dirty="0">
+                <a:solidFill>
+                  <a:schemeClr val="tx1"/>
+                </a:solidFill>
+                <a:latin typeface="Arial" panose="020B0604020202020204" pitchFamily="34" charset="0"/>
+                <a:cs typeface="Arial" panose="020B0604020202020204" pitchFamily="34" charset="0"/>
+              </a:rPr>
+              <a:t>/pagetime2/set1/output</a:t>
+            </a:r>
+          </a:p>
+        </p:txBody>
+      </p:sp>
+      <p:cxnSp>
+        <p:nvCxnSpPr>
+          <p:cNvPr id="11" name="Straight Arrow Connector 10">
+            <a:extLst>
+              <a:ext uri="{FF2B5EF4-FFF2-40B4-BE49-F238E27FC236}">
+                <a16:creationId xmlns:a16="http://schemas.microsoft.com/office/drawing/2014/main" id="{DFDD20EC-0A96-4B27-BB57-44E2D80C5D2B}"/>
+              </a:ext>
+            </a:extLst>
+          </p:cNvPr>
+          <p:cNvCxnSpPr>
+            <a:cxnSpLocks/>
+            <a:stCxn id="8" idx="3"/>
+            <a:endCxn id="10" idx="1"/>
+          </p:cNvCxnSpPr>
+          <p:nvPr/>
+        </p:nvCxnSpPr>
+        <p:spPr>
+          <a:xfrm flipV="1">
+            <a:off x="8126722" y="4791995"/>
+            <a:ext cx="910589" cy="4822"/>
+          </a:xfrm>
+          <a:prstGeom prst="straightConnector1">
+            <a:avLst/>
+          </a:prstGeom>
+          <a:ln w="38100">
+            <a:solidFill>
+              <a:schemeClr val="tx1"/>
+            </a:solidFill>
+            <a:tailEnd type="triangle"/>
+          </a:ln>
+        </p:spPr>
+        <p:style>
+          <a:lnRef idx="1">
+            <a:schemeClr val="accent1"/>
+          </a:lnRef>
+          <a:fillRef idx="0">
+            <a:schemeClr val="accent1"/>
+          </a:fillRef>
+          <a:effectRef idx="0">
+            <a:schemeClr val="accent1"/>
+          </a:effectRef>
+          <a:fontRef idx="minor">
+            <a:schemeClr val="tx1"/>
+          </a:fontRef>
+        </p:style>
+      </p:cxnSp>
+      <p:cxnSp>
+        <p:nvCxnSpPr>
+          <p:cNvPr id="12" name="Straight Arrow Connector 11">
+            <a:extLst>
+              <a:ext uri="{FF2B5EF4-FFF2-40B4-BE49-F238E27FC236}">
+                <a16:creationId xmlns:a16="http://schemas.microsoft.com/office/drawing/2014/main" id="{E247E919-C958-425F-B4C3-0FE498076914}"/>
+              </a:ext>
+            </a:extLst>
+          </p:cNvPr>
+          <p:cNvCxnSpPr>
+            <a:cxnSpLocks/>
+          </p:cNvCxnSpPr>
+          <p:nvPr/>
+        </p:nvCxnSpPr>
+        <p:spPr>
+          <a:xfrm flipV="1">
+            <a:off x="3333260" y="4535105"/>
+            <a:ext cx="949172" cy="7359"/>
+          </a:xfrm>
+          <a:prstGeom prst="straightConnector1">
+            <a:avLst/>
+          </a:prstGeom>
+          <a:ln w="38100">
+            <a:solidFill>
+              <a:schemeClr val="tx1"/>
+            </a:solidFill>
+            <a:tailEnd type="triangle"/>
+          </a:ln>
+        </p:spPr>
+        <p:style>
+          <a:lnRef idx="1">
+            <a:schemeClr val="accent1"/>
+          </a:lnRef>
+          <a:fillRef idx="0">
+            <a:schemeClr val="accent1"/>
+          </a:fillRef>
+          <a:effectRef idx="0">
+            <a:schemeClr val="accent1"/>
+          </a:effectRef>
+          <a:fontRef idx="minor">
+            <a:schemeClr val="tx1"/>
+          </a:fontRef>
+        </p:style>
+      </p:cxnSp>
+      <p:sp>
+        <p:nvSpPr>
+          <p:cNvPr id="13" name="Oval 12">
+            <a:extLst>
+              <a:ext uri="{FF2B5EF4-FFF2-40B4-BE49-F238E27FC236}">
+                <a16:creationId xmlns:a16="http://schemas.microsoft.com/office/drawing/2014/main" id="{62E7696F-3DFB-4059-9D9F-A91FEC441DFD}"/>
+              </a:ext>
+            </a:extLst>
+          </p:cNvPr>
+          <p:cNvSpPr/>
+          <p:nvPr/>
+        </p:nvSpPr>
+        <p:spPr>
+          <a:xfrm>
+            <a:off x="1047262" y="3951787"/>
+            <a:ext cx="386255" cy="327046"/>
+          </a:xfrm>
+          <a:prstGeom prst="ellipse">
+            <a:avLst/>
+          </a:prstGeom>
+          <a:solidFill>
+            <a:schemeClr val="bg1"/>
+          </a:solidFill>
+        </p:spPr>
+        <p:style>
+          <a:lnRef idx="2">
+            <a:schemeClr val="accent1">
+              <a:shade val="50000"/>
+            </a:schemeClr>
+          </a:lnRef>
+          <a:fillRef idx="1">
+            <a:schemeClr val="accent1"/>
+          </a:fillRef>
+          <a:effectRef idx="0">
+            <a:schemeClr val="accent1"/>
+          </a:effectRef>
+          <a:fontRef idx="minor">
+            <a:schemeClr val="lt1"/>
+          </a:fontRef>
+        </p:style>
+        <p:txBody>
+          <a:bodyPr rtlCol="0" anchor="ctr"/>
+          <a:lstStyle/>
+          <a:p>
+            <a:pPr algn="ctr"/>
+            <a:r>
+              <a:rPr lang="en-IN" dirty="0">
+                <a:solidFill>
+                  <a:schemeClr val="tx1"/>
+                </a:solidFill>
+                <a:latin typeface="Arial" panose="020B0604020202020204" pitchFamily="34" charset="0"/>
+                <a:cs typeface="Arial" panose="020B0604020202020204" pitchFamily="34" charset="0"/>
+              </a:rPr>
+              <a:t>1</a:t>
+            </a:r>
+          </a:p>
+        </p:txBody>
+      </p:sp>
+      <p:sp>
+        <p:nvSpPr>
+          <p:cNvPr id="14" name="Oval 13">
+            <a:extLst>
+              <a:ext uri="{FF2B5EF4-FFF2-40B4-BE49-F238E27FC236}">
+                <a16:creationId xmlns:a16="http://schemas.microsoft.com/office/drawing/2014/main" id="{CFA1D75F-A077-42AD-8940-B0E1BEBA0A89}"/>
+              </a:ext>
+            </a:extLst>
+          </p:cNvPr>
+          <p:cNvSpPr/>
+          <p:nvPr/>
+        </p:nvSpPr>
+        <p:spPr>
+          <a:xfrm>
+            <a:off x="4194113" y="4006878"/>
+            <a:ext cx="386255" cy="327046"/>
+          </a:xfrm>
+          <a:prstGeom prst="ellipse">
+            <a:avLst/>
+          </a:prstGeom>
+          <a:solidFill>
+            <a:schemeClr val="bg1"/>
+          </a:solidFill>
+        </p:spPr>
+        <p:style>
+          <a:lnRef idx="2">
+            <a:schemeClr val="accent1">
+              <a:shade val="50000"/>
+            </a:schemeClr>
+          </a:lnRef>
+          <a:fillRef idx="1">
+            <a:schemeClr val="accent1"/>
+          </a:fillRef>
+          <a:effectRef idx="0">
+            <a:schemeClr val="accent1"/>
+          </a:effectRef>
+          <a:fontRef idx="minor">
+            <a:schemeClr val="lt1"/>
+          </a:fontRef>
+        </p:style>
+        <p:txBody>
+          <a:bodyPr rtlCol="0" anchor="ctr"/>
+          <a:lstStyle/>
+          <a:p>
+            <a:pPr algn="ctr"/>
+            <a:r>
+              <a:rPr lang="en-IN" dirty="0">
+                <a:solidFill>
+                  <a:schemeClr val="tx1"/>
+                </a:solidFill>
+                <a:latin typeface="Arial" panose="020B0604020202020204" pitchFamily="34" charset="0"/>
+                <a:cs typeface="Arial" panose="020B0604020202020204" pitchFamily="34" charset="0"/>
+              </a:rPr>
+              <a:t>2</a:t>
+            </a:r>
+          </a:p>
+        </p:txBody>
+      </p:sp>
+      <p:sp>
+        <p:nvSpPr>
+          <p:cNvPr id="15" name="Oval 14">
+            <a:extLst>
+              <a:ext uri="{FF2B5EF4-FFF2-40B4-BE49-F238E27FC236}">
+                <a16:creationId xmlns:a16="http://schemas.microsoft.com/office/drawing/2014/main" id="{3D04F0A5-2166-40B4-BBE2-77209D36E3A8}"/>
+              </a:ext>
+            </a:extLst>
+          </p:cNvPr>
+          <p:cNvSpPr/>
+          <p:nvPr/>
+        </p:nvSpPr>
+        <p:spPr>
+          <a:xfrm>
+            <a:off x="9037311" y="4245686"/>
+            <a:ext cx="386255" cy="327046"/>
+          </a:xfrm>
+          <a:prstGeom prst="ellipse">
+            <a:avLst/>
+          </a:prstGeom>
+          <a:solidFill>
+            <a:schemeClr val="bg1"/>
+          </a:solidFill>
+        </p:spPr>
+        <p:style>
+          <a:lnRef idx="2">
+            <a:schemeClr val="accent1">
+              <a:shade val="50000"/>
+            </a:schemeClr>
+          </a:lnRef>
+          <a:fillRef idx="1">
+            <a:schemeClr val="accent1"/>
+          </a:fillRef>
+          <a:effectRef idx="0">
+            <a:schemeClr val="accent1"/>
+          </a:effectRef>
+          <a:fontRef idx="minor">
+            <a:schemeClr val="lt1"/>
+          </a:fontRef>
+        </p:style>
+        <p:txBody>
+          <a:bodyPr rtlCol="0" anchor="ctr"/>
+          <a:lstStyle/>
+          <a:p>
+            <a:pPr algn="ctr"/>
+            <a:r>
+              <a:rPr lang="en-IN" dirty="0">
+                <a:solidFill>
+                  <a:schemeClr val="tx1"/>
+                </a:solidFill>
+                <a:latin typeface="Arial" panose="020B0604020202020204" pitchFamily="34" charset="0"/>
+                <a:cs typeface="Arial" panose="020B0604020202020204" pitchFamily="34" charset="0"/>
+              </a:rPr>
+              <a:t>3</a:t>
+            </a:r>
+          </a:p>
+        </p:txBody>
+      </p:sp>
+      <p:sp>
+        <p:nvSpPr>
+          <p:cNvPr id="18" name="Rectangle 17">
+            <a:extLst>
+              <a:ext uri="{FF2B5EF4-FFF2-40B4-BE49-F238E27FC236}">
+                <a16:creationId xmlns:a16="http://schemas.microsoft.com/office/drawing/2014/main" id="{B109D30B-78E5-4392-8987-B2FF9EF27473}"/>
+              </a:ext>
+            </a:extLst>
+          </p:cNvPr>
+          <p:cNvSpPr/>
+          <p:nvPr/>
+        </p:nvSpPr>
+        <p:spPr>
+          <a:xfrm>
+            <a:off x="4665346" y="4791994"/>
+            <a:ext cx="3006082" cy="485132"/>
+          </a:xfrm>
+          <a:prstGeom prst="rect">
+            <a:avLst/>
+          </a:prstGeom>
+          <a:solidFill>
+            <a:schemeClr val="accent1">
+              <a:lumMod val="20000"/>
+              <a:lumOff val="80000"/>
+            </a:schemeClr>
+          </a:solidFill>
+          <a:ln>
+            <a:solidFill>
+              <a:schemeClr val="bg1"/>
+            </a:solidFill>
+          </a:ln>
+        </p:spPr>
+        <p:style>
+          <a:lnRef idx="2">
+            <a:schemeClr val="accent1">
+              <a:shade val="50000"/>
+            </a:schemeClr>
+          </a:lnRef>
+          <a:fillRef idx="1">
+            <a:schemeClr val="accent1"/>
+          </a:fillRef>
+          <a:effectRef idx="0">
+            <a:schemeClr val="accent1"/>
+          </a:effectRef>
+          <a:fontRef idx="minor">
+            <a:schemeClr val="lt1"/>
+          </a:fontRef>
+        </p:style>
+        <p:txBody>
+          <a:bodyPr rot="0" spcFirstLastPara="0" vertOverflow="overflow" horzOverflow="overflow" vert="horz" wrap="square" lIns="91440" tIns="45720" rIns="91440" bIns="45720" numCol="1" spcCol="0" rtlCol="0" fromWordArt="0" anchor="ctr" anchorCtr="0" forceAA="0" compatLnSpc="1">
+            <a:prstTxWarp prst="textNoShape">
+              <a:avLst/>
+            </a:prstTxWarp>
+            <a:noAutofit/>
+          </a:bodyPr>
+          <a:lstStyle/>
+          <a:p>
+            <a:pPr algn="ctr"/>
+            <a:r>
+              <a:rPr lang="en-IN" sz="1400" dirty="0">
+                <a:solidFill>
+                  <a:schemeClr val="tx1"/>
+                </a:solidFill>
+                <a:latin typeface="Arial" panose="020B0604020202020204" pitchFamily="34" charset="0"/>
+                <a:cs typeface="Arial" panose="020B0604020202020204" pitchFamily="34" charset="0"/>
+              </a:rPr>
+              <a:t>/pagetime2/scripts/consolidate.awk</a:t>
+            </a:r>
+          </a:p>
+        </p:txBody>
+      </p:sp>
+      <p:sp>
+        <p:nvSpPr>
+          <p:cNvPr id="21" name="Rectangle 20">
+            <a:extLst>
+              <a:ext uri="{FF2B5EF4-FFF2-40B4-BE49-F238E27FC236}">
+                <a16:creationId xmlns:a16="http://schemas.microsoft.com/office/drawing/2014/main" id="{8D23A3C2-4529-42FB-B1A4-EFF482E81FBF}"/>
+              </a:ext>
+            </a:extLst>
+          </p:cNvPr>
+          <p:cNvSpPr/>
+          <p:nvPr/>
+        </p:nvSpPr>
+        <p:spPr>
+          <a:xfrm>
+            <a:off x="924545" y="6028214"/>
+            <a:ext cx="3269568" cy="646331"/>
+          </a:xfrm>
+          <a:prstGeom prst="rect">
+            <a:avLst/>
+          </a:prstGeom>
+          <a:solidFill>
+            <a:schemeClr val="bg2"/>
+          </a:solidFill>
+        </p:spPr>
+        <p:txBody>
+          <a:bodyPr wrap="square">
             <a:spAutoFit/>
           </a:bodyPr>
           <a:lstStyle/>
           <a:p>
             <a:r>
-              <a:rPr lang="en-IN" dirty="0"/>
-              <a:t>pages_financenbanking99_avp</a:t>
-            </a:r>
-          </a:p>
-          <a:p>
-            <a:r>
-              <a:rPr lang="en-IN" dirty="0"/>
-              <a:t>pages_business99_avp</a:t>
-            </a:r>
-          </a:p>
-          <a:p>
-            <a:r>
-              <a:rPr lang="en-IN" dirty="0"/>
-              <a:t>pages_education99_avp</a:t>
-            </a:r>
-          </a:p>
-          <a:p>
-            <a:r>
-              <a:rPr lang="en-IN" dirty="0"/>
-              <a:t>pages_entertainment99_avp</a:t>
-            </a:r>
-          </a:p>
-          <a:p>
-            <a:r>
-              <a:rPr lang="en-IN" dirty="0"/>
-              <a:t>pages_governmentnlegal99_avp</a:t>
-            </a:r>
-          </a:p>
-          <a:p>
-            <a:r>
-              <a:rPr lang="en-IN" dirty="0"/>
-              <a:t>pages_informationtechnology99_avp</a:t>
-            </a:r>
-          </a:p>
-          <a:p>
-            <a:r>
-              <a:rPr lang="en-IN" dirty="0"/>
-              <a:t>pages_newsnmedia99_avp</a:t>
-            </a:r>
-          </a:p>
-          <a:p>
-            <a:r>
-              <a:rPr lang="en-IN" dirty="0"/>
-              <a:t>pages_searchenginesnportals99_avp</a:t>
-            </a:r>
-          </a:p>
-          <a:p>
-            <a:r>
-              <a:rPr lang="en-IN" dirty="0"/>
-              <a:t>pages_shopping99_avp</a:t>
-            </a:r>
-          </a:p>
-          <a:p>
-            <a:r>
-              <a:rPr lang="en-IN" dirty="0"/>
-              <a:t>pages_travel99_avp</a:t>
-            </a:r>
-          </a:p>
-          <a:p>
-            <a:r>
-              <a:rPr lang="en-IN" dirty="0"/>
-              <a:t>pages_all99_avp</a:t>
+              <a:rPr lang="en-IN" b="1" dirty="0">
+                <a:latin typeface="Arial" panose="020B0604020202020204" pitchFamily="34" charset="0"/>
+                <a:cs typeface="Arial" panose="020B0604020202020204" pitchFamily="34" charset="0"/>
+              </a:rPr>
+              <a:t>USAGE:</a:t>
+            </a:r>
+          </a:p>
+          <a:p>
+            <a:r>
+              <a:rPr lang="en-IN" dirty="0">
+                <a:latin typeface="Arial" panose="020B0604020202020204" pitchFamily="34" charset="0"/>
+                <a:cs typeface="Arial" panose="020B0604020202020204" pitchFamily="34" charset="0"/>
+              </a:rPr>
+              <a:t>genfriedmandata.bash </a:t>
             </a:r>
           </a:p>
         </p:txBody>
@@ -16046,7 +17330,7 @@
     </p:spTree>
     <p:extLst>
       <p:ext uri="{BB962C8B-B14F-4D97-AF65-F5344CB8AC3E}">
-        <p14:creationId xmlns:p14="http://schemas.microsoft.com/office/powerpoint/2010/main" val="2124988675"/>
+        <p14:creationId xmlns:p14="http://schemas.microsoft.com/office/powerpoint/2010/main" val="4150687021"/>
       </p:ext>
     </p:extLst>
   </p:cSld>
@@ -16091,12 +17375,435 @@
         </p:nvSpPr>
         <p:spPr/>
         <p:txBody>
+          <a:bodyPr>
+            <a:normAutofit fontScale="90000"/>
+          </a:bodyPr>
+          <a:lstStyle/>
+          <a:p>
+            <a:r>
+              <a:rPr lang="en-IN" dirty="0"/>
+              <a:t>Data Preparation for Friedman &amp; PostHoc Tests</a:t>
+            </a:r>
+            <a:br>
+              <a:rPr lang="en-IN" dirty="0"/>
+            </a:br>
+            <a:r>
+              <a:rPr lang="en-IN" dirty="0"/>
+              <a:t>(</a:t>
+            </a:r>
+            <a:r>
+              <a:rPr lang="en-IN" sz="4000" dirty="0"/>
+              <a:t>Contents of friedman-consolidation-list.txt</a:t>
+            </a:r>
+            <a:r>
+              <a:rPr lang="en-IN" dirty="0"/>
+              <a:t>)</a:t>
+            </a:r>
+          </a:p>
+        </p:txBody>
+      </p:sp>
+      <p:sp>
+        <p:nvSpPr>
+          <p:cNvPr id="4" name="Rectangle 3">
+            <a:extLst>
+              <a:ext uri="{FF2B5EF4-FFF2-40B4-BE49-F238E27FC236}">
+                <a16:creationId xmlns:a16="http://schemas.microsoft.com/office/drawing/2014/main" id="{498D0310-349F-4D67-9D56-1FB0DD014FC0}"/>
+              </a:ext>
+            </a:extLst>
+          </p:cNvPr>
+          <p:cNvSpPr/>
+          <p:nvPr/>
+        </p:nvSpPr>
+        <p:spPr>
+          <a:xfrm>
+            <a:off x="838200" y="1980027"/>
+            <a:ext cx="6096000" cy="3139321"/>
+          </a:xfrm>
+          <a:prstGeom prst="rect">
+            <a:avLst/>
+          </a:prstGeom>
+          <a:solidFill>
+            <a:schemeClr val="accent1">
+              <a:lumMod val="20000"/>
+              <a:lumOff val="80000"/>
+            </a:schemeClr>
+          </a:solidFill>
+        </p:spPr>
+        <p:txBody>
+          <a:bodyPr>
+            <a:spAutoFit/>
+          </a:bodyPr>
+          <a:lstStyle/>
+          <a:p>
+            <a:r>
+              <a:rPr lang="en-IN" dirty="0">
+                <a:latin typeface="Arial" panose="020B0604020202020204" pitchFamily="34" charset="0"/>
+                <a:cs typeface="Arial" panose="020B0604020202020204" pitchFamily="34" charset="0"/>
+              </a:rPr>
+              <a:t>pages_financenbanking99_avp</a:t>
+            </a:r>
+          </a:p>
+          <a:p>
+            <a:r>
+              <a:rPr lang="en-IN" dirty="0">
+                <a:latin typeface="Arial" panose="020B0604020202020204" pitchFamily="34" charset="0"/>
+                <a:cs typeface="Arial" panose="020B0604020202020204" pitchFamily="34" charset="0"/>
+              </a:rPr>
+              <a:t>pages_business99_avp</a:t>
+            </a:r>
+          </a:p>
+          <a:p>
+            <a:r>
+              <a:rPr lang="en-IN" dirty="0">
+                <a:latin typeface="Arial" panose="020B0604020202020204" pitchFamily="34" charset="0"/>
+                <a:cs typeface="Arial" panose="020B0604020202020204" pitchFamily="34" charset="0"/>
+              </a:rPr>
+              <a:t>pages_education99_avp</a:t>
+            </a:r>
+          </a:p>
+          <a:p>
+            <a:r>
+              <a:rPr lang="en-IN" dirty="0">
+                <a:latin typeface="Arial" panose="020B0604020202020204" pitchFamily="34" charset="0"/>
+                <a:cs typeface="Arial" panose="020B0604020202020204" pitchFamily="34" charset="0"/>
+              </a:rPr>
+              <a:t>pages_entertainment99_avp</a:t>
+            </a:r>
+          </a:p>
+          <a:p>
+            <a:r>
+              <a:rPr lang="en-IN" dirty="0">
+                <a:latin typeface="Arial" panose="020B0604020202020204" pitchFamily="34" charset="0"/>
+                <a:cs typeface="Arial" panose="020B0604020202020204" pitchFamily="34" charset="0"/>
+              </a:rPr>
+              <a:t>pages_governmentnlegal99_avp</a:t>
+            </a:r>
+          </a:p>
+          <a:p>
+            <a:r>
+              <a:rPr lang="en-IN" dirty="0">
+                <a:latin typeface="Arial" panose="020B0604020202020204" pitchFamily="34" charset="0"/>
+                <a:cs typeface="Arial" panose="020B0604020202020204" pitchFamily="34" charset="0"/>
+              </a:rPr>
+              <a:t>pages_informationtechnology99_avp</a:t>
+            </a:r>
+          </a:p>
+          <a:p>
+            <a:r>
+              <a:rPr lang="en-IN" dirty="0">
+                <a:latin typeface="Arial" panose="020B0604020202020204" pitchFamily="34" charset="0"/>
+                <a:cs typeface="Arial" panose="020B0604020202020204" pitchFamily="34" charset="0"/>
+              </a:rPr>
+              <a:t>pages_newsnmedia99_avp</a:t>
+            </a:r>
+          </a:p>
+          <a:p>
+            <a:r>
+              <a:rPr lang="en-IN" dirty="0">
+                <a:latin typeface="Arial" panose="020B0604020202020204" pitchFamily="34" charset="0"/>
+                <a:cs typeface="Arial" panose="020B0604020202020204" pitchFamily="34" charset="0"/>
+              </a:rPr>
+              <a:t>pages_searchenginesnportals99_avp</a:t>
+            </a:r>
+          </a:p>
+          <a:p>
+            <a:r>
+              <a:rPr lang="en-IN" dirty="0">
+                <a:latin typeface="Arial" panose="020B0604020202020204" pitchFamily="34" charset="0"/>
+                <a:cs typeface="Arial" panose="020B0604020202020204" pitchFamily="34" charset="0"/>
+              </a:rPr>
+              <a:t>pages_shopping99_avp</a:t>
+            </a:r>
+          </a:p>
+          <a:p>
+            <a:r>
+              <a:rPr lang="en-IN" dirty="0">
+                <a:latin typeface="Arial" panose="020B0604020202020204" pitchFamily="34" charset="0"/>
+                <a:cs typeface="Arial" panose="020B0604020202020204" pitchFamily="34" charset="0"/>
+              </a:rPr>
+              <a:t>pages_travel99_avp</a:t>
+            </a:r>
+          </a:p>
+          <a:p>
+            <a:r>
+              <a:rPr lang="en-IN" dirty="0">
+                <a:latin typeface="Arial" panose="020B0604020202020204" pitchFamily="34" charset="0"/>
+                <a:cs typeface="Arial" panose="020B0604020202020204" pitchFamily="34" charset="0"/>
+              </a:rPr>
+              <a:t>pages_all99_avp</a:t>
+            </a:r>
+          </a:p>
+        </p:txBody>
+      </p:sp>
+    </p:spTree>
+    <p:extLst>
+      <p:ext uri="{BB962C8B-B14F-4D97-AF65-F5344CB8AC3E}">
+        <p14:creationId xmlns:p14="http://schemas.microsoft.com/office/powerpoint/2010/main" val="2124988675"/>
+      </p:ext>
+    </p:extLst>
+  </p:cSld>
+  <p:clrMapOvr>
+    <a:masterClrMapping/>
+  </p:clrMapOvr>
+</p:sld>
+</file>
+
+<file path=ppt/slides/slide26.xml><?xml version="1.0" encoding="utf-8"?>
+<p:sld xmlns:a="http://schemas.openxmlformats.org/drawingml/2006/main" xmlns:r="http://schemas.openxmlformats.org/officeDocument/2006/relationships" xmlns:p="http://schemas.openxmlformats.org/presentationml/2006/main">
+  <p:cSld>
+    <p:spTree>
+      <p:nvGrpSpPr>
+        <p:cNvPr id="1" name=""/>
+        <p:cNvGrpSpPr/>
+        <p:nvPr/>
+      </p:nvGrpSpPr>
+      <p:grpSpPr>
+        <a:xfrm>
+          <a:off x="0" y="0"/>
+          <a:ext cx="0" cy="0"/>
+          <a:chOff x="0" y="0"/>
+          <a:chExt cx="0" cy="0"/>
+        </a:xfrm>
+      </p:grpSpPr>
+      <p:sp>
+        <p:nvSpPr>
+          <p:cNvPr id="2" name="Title 1">
+            <a:extLst>
+              <a:ext uri="{FF2B5EF4-FFF2-40B4-BE49-F238E27FC236}">
+                <a16:creationId xmlns:a16="http://schemas.microsoft.com/office/drawing/2014/main" id="{DEF76AC9-EE7E-4B3B-9B8C-4B7C0B03A9B3}"/>
+              </a:ext>
+            </a:extLst>
+          </p:cNvPr>
+          <p:cNvSpPr>
+            <a:spLocks noGrp="1"/>
+          </p:cNvSpPr>
+          <p:nvPr>
+            <p:ph type="title"/>
+          </p:nvPr>
+        </p:nvSpPr>
+        <p:spPr/>
+        <p:txBody>
+          <a:bodyPr>
+            <a:normAutofit fontScale="90000"/>
+          </a:bodyPr>
+          <a:lstStyle/>
+          <a:p>
+            <a:r>
+              <a:rPr lang="en-IN" dirty="0"/>
+              <a:t>Data Preparation for Friedman &amp; PostHoc Tests</a:t>
+            </a:r>
+            <a:br>
+              <a:rPr lang="en-IN" dirty="0"/>
+            </a:br>
+            <a:r>
+              <a:rPr lang="en-IN" dirty="0"/>
+              <a:t>(</a:t>
+            </a:r>
+            <a:r>
+              <a:rPr lang="en-IN" sz="4000" dirty="0"/>
+              <a:t>Contents of /set1/output</a:t>
+            </a:r>
+            <a:r>
+              <a:rPr lang="en-IN" dirty="0"/>
+              <a:t>)</a:t>
+            </a:r>
+          </a:p>
+        </p:txBody>
+      </p:sp>
+      <p:sp>
+        <p:nvSpPr>
+          <p:cNvPr id="5" name="Rectangle 4">
+            <a:extLst>
+              <a:ext uri="{FF2B5EF4-FFF2-40B4-BE49-F238E27FC236}">
+                <a16:creationId xmlns:a16="http://schemas.microsoft.com/office/drawing/2014/main" id="{03875660-0B43-4298-A501-916229B08985}"/>
+              </a:ext>
+            </a:extLst>
+          </p:cNvPr>
+          <p:cNvSpPr/>
+          <p:nvPr/>
+        </p:nvSpPr>
+        <p:spPr>
+          <a:xfrm>
+            <a:off x="838200" y="1930668"/>
+            <a:ext cx="5731412" cy="2800767"/>
+          </a:xfrm>
+          <a:prstGeom prst="rect">
+            <a:avLst/>
+          </a:prstGeom>
+          <a:solidFill>
+            <a:schemeClr val="accent1">
+              <a:lumMod val="20000"/>
+              <a:lumOff val="80000"/>
+            </a:schemeClr>
+          </a:solidFill>
+        </p:spPr>
+        <p:txBody>
+          <a:bodyPr wrap="square">
+            <a:spAutoFit/>
+          </a:bodyPr>
+          <a:lstStyle/>
+          <a:p>
+            <a:r>
+              <a:rPr lang="en-IN" sz="1600" dirty="0">
+                <a:latin typeface="Arial" panose="020B0604020202020204" pitchFamily="34" charset="0"/>
+                <a:cs typeface="Arial" panose="020B0604020202020204" pitchFamily="34" charset="0"/>
+              </a:rPr>
+              <a:t>pages_all99_avp.friedman</a:t>
+            </a:r>
+          </a:p>
+          <a:p>
+            <a:r>
+              <a:rPr lang="en-IN" sz="1600" dirty="0">
+                <a:latin typeface="Arial" panose="020B0604020202020204" pitchFamily="34" charset="0"/>
+                <a:cs typeface="Arial" panose="020B0604020202020204" pitchFamily="34" charset="0"/>
+              </a:rPr>
+              <a:t>pages_business99_avp.friedman</a:t>
+            </a:r>
+          </a:p>
+          <a:p>
+            <a:r>
+              <a:rPr lang="en-IN" sz="1600" dirty="0">
+                <a:latin typeface="Arial" panose="020B0604020202020204" pitchFamily="34" charset="0"/>
+                <a:cs typeface="Arial" panose="020B0604020202020204" pitchFamily="34" charset="0"/>
+              </a:rPr>
+              <a:t>pages_education99_avp.friedman</a:t>
+            </a:r>
+          </a:p>
+          <a:p>
+            <a:r>
+              <a:rPr lang="en-IN" sz="1600" dirty="0">
+                <a:latin typeface="Arial" panose="020B0604020202020204" pitchFamily="34" charset="0"/>
+                <a:cs typeface="Arial" panose="020B0604020202020204" pitchFamily="34" charset="0"/>
+              </a:rPr>
+              <a:t>pages_entertainment99_avp.friedman</a:t>
+            </a:r>
+          </a:p>
+          <a:p>
+            <a:r>
+              <a:rPr lang="en-IN" sz="1600" dirty="0">
+                <a:latin typeface="Arial" panose="020B0604020202020204" pitchFamily="34" charset="0"/>
+                <a:cs typeface="Arial" panose="020B0604020202020204" pitchFamily="34" charset="0"/>
+              </a:rPr>
+              <a:t>pages_financenbanking99_avp.friedman</a:t>
+            </a:r>
+          </a:p>
+          <a:p>
+            <a:r>
+              <a:rPr lang="en-IN" sz="1600" dirty="0">
+                <a:latin typeface="Arial" panose="020B0604020202020204" pitchFamily="34" charset="0"/>
+                <a:cs typeface="Arial" panose="020B0604020202020204" pitchFamily="34" charset="0"/>
+              </a:rPr>
+              <a:t>pages_governmentnlegal99_avp.friedman</a:t>
+            </a:r>
+          </a:p>
+          <a:p>
+            <a:r>
+              <a:rPr lang="en-IN" sz="1600" dirty="0">
+                <a:latin typeface="Arial" panose="020B0604020202020204" pitchFamily="34" charset="0"/>
+                <a:cs typeface="Arial" panose="020B0604020202020204" pitchFamily="34" charset="0"/>
+              </a:rPr>
+              <a:t>pages_informationtechnology99_avp.friedman</a:t>
+            </a:r>
+          </a:p>
+          <a:p>
+            <a:r>
+              <a:rPr lang="en-IN" sz="1600" dirty="0">
+                <a:latin typeface="Arial" panose="020B0604020202020204" pitchFamily="34" charset="0"/>
+                <a:cs typeface="Arial" panose="020B0604020202020204" pitchFamily="34" charset="0"/>
+              </a:rPr>
+              <a:t>pages_newsnmedia99_avp.friedman</a:t>
+            </a:r>
+          </a:p>
+          <a:p>
+            <a:r>
+              <a:rPr lang="en-IN" sz="1600" dirty="0">
+                <a:latin typeface="Arial" panose="020B0604020202020204" pitchFamily="34" charset="0"/>
+                <a:cs typeface="Arial" panose="020B0604020202020204" pitchFamily="34" charset="0"/>
+              </a:rPr>
+              <a:t>pages_searchenginesnportals99_avp.friedman</a:t>
+            </a:r>
+          </a:p>
+          <a:p>
+            <a:r>
+              <a:rPr lang="en-IN" sz="1600" dirty="0">
+                <a:latin typeface="Arial" panose="020B0604020202020204" pitchFamily="34" charset="0"/>
+                <a:cs typeface="Arial" panose="020B0604020202020204" pitchFamily="34" charset="0"/>
+              </a:rPr>
+              <a:t>pages_shopping99_avp.friedman</a:t>
+            </a:r>
+          </a:p>
+          <a:p>
+            <a:r>
+              <a:rPr lang="en-IN" sz="1600" dirty="0">
+                <a:latin typeface="Arial" panose="020B0604020202020204" pitchFamily="34" charset="0"/>
+                <a:cs typeface="Arial" panose="020B0604020202020204" pitchFamily="34" charset="0"/>
+              </a:rPr>
+              <a:t>pages_travel99_avp.friedman’</a:t>
+            </a:r>
+          </a:p>
+        </p:txBody>
+      </p:sp>
+    </p:spTree>
+    <p:extLst>
+      <p:ext uri="{BB962C8B-B14F-4D97-AF65-F5344CB8AC3E}">
+        <p14:creationId xmlns:p14="http://schemas.microsoft.com/office/powerpoint/2010/main" val="966005554"/>
+      </p:ext>
+    </p:extLst>
+  </p:cSld>
+  <p:clrMapOvr>
+    <a:masterClrMapping/>
+  </p:clrMapOvr>
+</p:sld>
+</file>
+
+<file path=ppt/slides/slide27.xml><?xml version="1.0" encoding="utf-8"?>
+<p:sld xmlns:a="http://schemas.openxmlformats.org/drawingml/2006/main" xmlns:r="http://schemas.openxmlformats.org/officeDocument/2006/relationships" xmlns:p="http://schemas.openxmlformats.org/presentationml/2006/main">
+  <p:cSld>
+    <p:spTree>
+      <p:nvGrpSpPr>
+        <p:cNvPr id="1" name=""/>
+        <p:cNvGrpSpPr/>
+        <p:nvPr/>
+      </p:nvGrpSpPr>
+      <p:grpSpPr>
+        <a:xfrm>
+          <a:off x="0" y="0"/>
+          <a:ext cx="0" cy="0"/>
+          <a:chOff x="0" y="0"/>
+          <a:chExt cx="0" cy="0"/>
+        </a:xfrm>
+      </p:grpSpPr>
+      <p:sp>
+        <p:nvSpPr>
+          <p:cNvPr id="2" name="Title 1">
+            <a:extLst>
+              <a:ext uri="{FF2B5EF4-FFF2-40B4-BE49-F238E27FC236}">
+                <a16:creationId xmlns:a16="http://schemas.microsoft.com/office/drawing/2014/main" id="{DEF76AC9-EE7E-4B3B-9B8C-4B7C0B03A9B3}"/>
+              </a:ext>
+            </a:extLst>
+          </p:cNvPr>
+          <p:cNvSpPr>
+            <a:spLocks noGrp="1"/>
+          </p:cNvSpPr>
+          <p:nvPr>
+            <p:ph type="title"/>
+          </p:nvPr>
+        </p:nvSpPr>
+        <p:spPr/>
+        <p:txBody>
           <a:bodyPr/>
           <a:lstStyle/>
           <a:p>
             <a:r>
               <a:rPr lang="en-IN" dirty="0"/>
-              <a:t>###Friedman &amp; PostHoc Tests: Execution</a:t>
+              <a:t>Friedman &amp; PostHoc Tests</a:t>
+            </a:r>
+            <a:br>
+              <a:rPr lang="en-IN" dirty="0"/>
+            </a:br>
+            <a:r>
+              <a:rPr lang="en-IN" dirty="0"/>
+              <a:t>(MATLAB script: friedman_batch.m)</a:t>
             </a:r>
           </a:p>
         </p:txBody>
@@ -16117,24 +17824,569 @@
             <p:ph idx="1"/>
           </p:nvPr>
         </p:nvSpPr>
-        <p:spPr/>
+        <p:spPr>
+          <a:xfrm>
+            <a:off x="838200" y="1825625"/>
+            <a:ext cx="10515600" cy="973846"/>
+          </a:xfrm>
+        </p:spPr>
         <p:txBody>
-          <a:bodyPr/>
+          <a:bodyPr>
+            <a:normAutofit lnSpcReduction="10000"/>
+          </a:bodyPr>
           <a:lstStyle/>
           <a:p>
             <a:r>
               <a:rPr lang="en-IN" dirty="0"/>
-              <a:t>friedman-consolidation-list.txt</a:t>
+              <a:t>Runs in MATLAB environment</a:t>
             </a:r>
           </a:p>
           <a:p>
             <a:r>
               <a:rPr lang="en-IN" dirty="0"/>
-              <a:t>MATLAB script</a:t>
+              <a:t>Picks the list of files to process from “friedman_list.txt”</a:t>
             </a:r>
           </a:p>
         </p:txBody>
       </p:sp>
+      <p:sp>
+        <p:nvSpPr>
+          <p:cNvPr id="4" name="Rectangle 3">
+            <a:extLst>
+              <a:ext uri="{FF2B5EF4-FFF2-40B4-BE49-F238E27FC236}">
+                <a16:creationId xmlns:a16="http://schemas.microsoft.com/office/drawing/2014/main" id="{C9B5D7E2-698C-4D78-9D92-BDC42617A5F4}"/>
+              </a:ext>
+            </a:extLst>
+          </p:cNvPr>
+          <p:cNvSpPr/>
+          <p:nvPr/>
+        </p:nvSpPr>
+        <p:spPr>
+          <a:xfrm>
+            <a:off x="1021080" y="3002359"/>
+            <a:ext cx="4113628" cy="2677656"/>
+          </a:xfrm>
+          <a:prstGeom prst="rect">
+            <a:avLst/>
+          </a:prstGeom>
+          <a:solidFill>
+            <a:schemeClr val="accent1">
+              <a:lumMod val="20000"/>
+              <a:lumOff val="80000"/>
+            </a:schemeClr>
+          </a:solidFill>
+        </p:spPr>
+        <p:txBody>
+          <a:bodyPr wrap="square">
+            <a:spAutoFit/>
+          </a:bodyPr>
+          <a:lstStyle/>
+          <a:p>
+            <a:r>
+              <a:rPr lang="en-IN" sz="1400" dirty="0" err="1">
+                <a:latin typeface="Arial" panose="020B0604020202020204" pitchFamily="34" charset="0"/>
+                <a:cs typeface="Arial" panose="020B0604020202020204" pitchFamily="34" charset="0"/>
+              </a:rPr>
+              <a:t>file_names</a:t>
+            </a:r>
+            <a:endParaRPr lang="en-IN" sz="1400" dirty="0">
+              <a:latin typeface="Arial" panose="020B0604020202020204" pitchFamily="34" charset="0"/>
+              <a:cs typeface="Arial" panose="020B0604020202020204" pitchFamily="34" charset="0"/>
+            </a:endParaRPr>
+          </a:p>
+          <a:p>
+            <a:r>
+              <a:rPr lang="en-IN" sz="1400" dirty="0">
+                <a:latin typeface="Arial" panose="020B0604020202020204" pitchFamily="34" charset="0"/>
+                <a:cs typeface="Arial" panose="020B0604020202020204" pitchFamily="34" charset="0"/>
+              </a:rPr>
+              <a:t>pages_financenbanking99_avp.friedman</a:t>
+            </a:r>
+          </a:p>
+          <a:p>
+            <a:r>
+              <a:rPr lang="en-IN" sz="1400" dirty="0">
+                <a:latin typeface="Arial" panose="020B0604020202020204" pitchFamily="34" charset="0"/>
+                <a:cs typeface="Arial" panose="020B0604020202020204" pitchFamily="34" charset="0"/>
+              </a:rPr>
+              <a:t>pages_business99_avp.friedman</a:t>
+            </a:r>
+          </a:p>
+          <a:p>
+            <a:r>
+              <a:rPr lang="en-IN" sz="1400" dirty="0">
+                <a:latin typeface="Arial" panose="020B0604020202020204" pitchFamily="34" charset="0"/>
+                <a:cs typeface="Arial" panose="020B0604020202020204" pitchFamily="34" charset="0"/>
+              </a:rPr>
+              <a:t>pages_education99_avp.friedman</a:t>
+            </a:r>
+          </a:p>
+          <a:p>
+            <a:r>
+              <a:rPr lang="en-IN" sz="1400" dirty="0">
+                <a:latin typeface="Arial" panose="020B0604020202020204" pitchFamily="34" charset="0"/>
+                <a:cs typeface="Arial" panose="020B0604020202020204" pitchFamily="34" charset="0"/>
+              </a:rPr>
+              <a:t>pages_entertainment99_avp.friedman</a:t>
+            </a:r>
+          </a:p>
+          <a:p>
+            <a:r>
+              <a:rPr lang="en-IN" sz="1400" dirty="0">
+                <a:latin typeface="Arial" panose="020B0604020202020204" pitchFamily="34" charset="0"/>
+                <a:cs typeface="Arial" panose="020B0604020202020204" pitchFamily="34" charset="0"/>
+              </a:rPr>
+              <a:t>pages_governmentnlegal99_avp.friedman</a:t>
+            </a:r>
+          </a:p>
+          <a:p>
+            <a:r>
+              <a:rPr lang="en-IN" sz="1400" dirty="0">
+                <a:latin typeface="Arial" panose="020B0604020202020204" pitchFamily="34" charset="0"/>
+                <a:cs typeface="Arial" panose="020B0604020202020204" pitchFamily="34" charset="0"/>
+              </a:rPr>
+              <a:t>pages_informationtechnology99_avp.friedman</a:t>
+            </a:r>
+          </a:p>
+          <a:p>
+            <a:r>
+              <a:rPr lang="en-IN" sz="1400" dirty="0">
+                <a:latin typeface="Arial" panose="020B0604020202020204" pitchFamily="34" charset="0"/>
+                <a:cs typeface="Arial" panose="020B0604020202020204" pitchFamily="34" charset="0"/>
+              </a:rPr>
+              <a:t>pages_newsnmedia99_avp.friedman</a:t>
+            </a:r>
+          </a:p>
+          <a:p>
+            <a:r>
+              <a:rPr lang="en-IN" sz="1400" dirty="0">
+                <a:latin typeface="Arial" panose="020B0604020202020204" pitchFamily="34" charset="0"/>
+                <a:cs typeface="Arial" panose="020B0604020202020204" pitchFamily="34" charset="0"/>
+              </a:rPr>
+              <a:t>pages_searchenginesnportals99_avp.friedman</a:t>
+            </a:r>
+          </a:p>
+          <a:p>
+            <a:r>
+              <a:rPr lang="en-IN" sz="1400" dirty="0">
+                <a:latin typeface="Arial" panose="020B0604020202020204" pitchFamily="34" charset="0"/>
+                <a:cs typeface="Arial" panose="020B0604020202020204" pitchFamily="34" charset="0"/>
+              </a:rPr>
+              <a:t>pages_shopping99_avp.friedman</a:t>
+            </a:r>
+          </a:p>
+          <a:p>
+            <a:r>
+              <a:rPr lang="en-IN" sz="1400" dirty="0">
+                <a:latin typeface="Arial" panose="020B0604020202020204" pitchFamily="34" charset="0"/>
+                <a:cs typeface="Arial" panose="020B0604020202020204" pitchFamily="34" charset="0"/>
+              </a:rPr>
+              <a:t>pages_travel99_avp.friedman</a:t>
+            </a:r>
+          </a:p>
+          <a:p>
+            <a:r>
+              <a:rPr lang="en-IN" sz="1400" dirty="0">
+                <a:latin typeface="Arial" panose="020B0604020202020204" pitchFamily="34" charset="0"/>
+                <a:cs typeface="Arial" panose="020B0604020202020204" pitchFamily="34" charset="0"/>
+              </a:rPr>
+              <a:t>pages_all99_avp.friedman</a:t>
+            </a:r>
+          </a:p>
+        </p:txBody>
+      </p:sp>
+      <p:sp>
+        <p:nvSpPr>
+          <p:cNvPr id="5" name="Rectangle 4">
+            <a:extLst>
+              <a:ext uri="{FF2B5EF4-FFF2-40B4-BE49-F238E27FC236}">
+                <a16:creationId xmlns:a16="http://schemas.microsoft.com/office/drawing/2014/main" id="{8F73FA3F-7547-47AE-9B66-15BA6AFF4F3E}"/>
+              </a:ext>
+            </a:extLst>
+          </p:cNvPr>
+          <p:cNvSpPr/>
+          <p:nvPr/>
+        </p:nvSpPr>
+        <p:spPr>
+          <a:xfrm>
+            <a:off x="5748997" y="3042867"/>
+            <a:ext cx="6096000" cy="1815882"/>
+          </a:xfrm>
+          <a:prstGeom prst="rect">
+            <a:avLst/>
+          </a:prstGeom>
+        </p:spPr>
+        <p:txBody>
+          <a:bodyPr>
+            <a:spAutoFit/>
+          </a:bodyPr>
+          <a:lstStyle/>
+          <a:p>
+            <a:r>
+              <a:rPr lang="en-IN" sz="1600" dirty="0">
+                <a:latin typeface="Arial" panose="020B0604020202020204" pitchFamily="34" charset="0"/>
+                <a:cs typeface="Arial" panose="020B0604020202020204" pitchFamily="34" charset="0"/>
+              </a:rPr>
+              <a:t>&gt;&gt; </a:t>
+            </a:r>
+            <a:r>
+              <a:rPr lang="en-IN" sz="1600" dirty="0" err="1">
+                <a:latin typeface="Arial" panose="020B0604020202020204" pitchFamily="34" charset="0"/>
+                <a:cs typeface="Arial" panose="020B0604020202020204" pitchFamily="34" charset="0"/>
+              </a:rPr>
+              <a:t>friedman_batch</a:t>
+            </a:r>
+            <a:endParaRPr lang="en-IN" sz="1600" dirty="0">
+              <a:latin typeface="Arial" panose="020B0604020202020204" pitchFamily="34" charset="0"/>
+              <a:cs typeface="Arial" panose="020B0604020202020204" pitchFamily="34" charset="0"/>
+            </a:endParaRPr>
+          </a:p>
+          <a:p>
+            <a:r>
+              <a:rPr lang="en-IN" sz="1600" dirty="0" err="1">
+                <a:latin typeface="Arial" panose="020B0604020202020204" pitchFamily="34" charset="0"/>
+                <a:cs typeface="Arial" panose="020B0604020202020204" pitchFamily="34" charset="0"/>
+              </a:rPr>
+              <a:t>RankPos</a:t>
+            </a:r>
+            <a:r>
+              <a:rPr lang="en-IN" sz="1600" dirty="0">
+                <a:latin typeface="Arial" panose="020B0604020202020204" pitchFamily="34" charset="0"/>
+                <a:cs typeface="Arial" panose="020B0604020202020204" pitchFamily="34" charset="0"/>
+              </a:rPr>
+              <a:t> </a:t>
+            </a:r>
+            <a:r>
+              <a:rPr lang="en-IN" sz="1600" b="1" dirty="0">
+                <a:latin typeface="Arial" panose="020B0604020202020204" pitchFamily="34" charset="0"/>
+                <a:cs typeface="Arial" panose="020B0604020202020204" pitchFamily="34" charset="0"/>
+              </a:rPr>
+              <a:t>7.977931e+00</a:t>
+            </a:r>
+          </a:p>
+          <a:p>
+            <a:r>
+              <a:rPr lang="en-IN" sz="1600" dirty="0">
+                <a:latin typeface="Arial" panose="020B0604020202020204" pitchFamily="34" charset="0"/>
+                <a:cs typeface="Arial" panose="020B0604020202020204" pitchFamily="34" charset="0"/>
+              </a:rPr>
+              <a:t>Print 4</a:t>
+            </a:r>
+          </a:p>
+          <a:p>
+            <a:r>
+              <a:rPr lang="en-IN" sz="1600" dirty="0">
+                <a:latin typeface="Arial" panose="020B0604020202020204" pitchFamily="34" charset="0"/>
+                <a:cs typeface="Arial" panose="020B0604020202020204" pitchFamily="34" charset="0"/>
+              </a:rPr>
+              <a:t>pages_financenbanking99_avp.friedman|5-lms|0.000|&lt;1-rbfreg 1.000&gt;&lt;3-pacer 1.000&gt;&lt;7-lr,1.000&gt;&lt;9-smo,1.000&gt;&lt;11-m5r,1.000&gt;&lt;13-m5p,1.000&gt;&lt;17-reptree,0.487&gt;</a:t>
+            </a:r>
+          </a:p>
+          <a:p>
+            <a:r>
+              <a:rPr lang="en-IN" sz="1600" dirty="0">
+                <a:latin typeface="Arial" panose="020B0604020202020204" pitchFamily="34" charset="0"/>
+                <a:cs typeface="Arial" panose="020B0604020202020204" pitchFamily="34" charset="0"/>
+              </a:rPr>
+              <a:t>&gt;&gt; </a:t>
+            </a:r>
+          </a:p>
+        </p:txBody>
+      </p:sp>
+      <p:sp>
+        <p:nvSpPr>
+          <p:cNvPr id="6" name="TextBox 5">
+            <a:extLst>
+              <a:ext uri="{FF2B5EF4-FFF2-40B4-BE49-F238E27FC236}">
+                <a16:creationId xmlns:a16="http://schemas.microsoft.com/office/drawing/2014/main" id="{1562880F-B628-446D-8A5A-AB329FB13C45}"/>
+              </a:ext>
+            </a:extLst>
+          </p:cNvPr>
+          <p:cNvSpPr txBox="1"/>
+          <p:nvPr/>
+        </p:nvSpPr>
+        <p:spPr>
+          <a:xfrm>
+            <a:off x="7621757" y="2893033"/>
+            <a:ext cx="1716259" cy="369332"/>
+          </a:xfrm>
+          <a:prstGeom prst="rect">
+            <a:avLst/>
+          </a:prstGeom>
+          <a:solidFill>
+            <a:schemeClr val="accent1">
+              <a:lumMod val="20000"/>
+              <a:lumOff val="80000"/>
+            </a:schemeClr>
+          </a:solidFill>
+        </p:spPr>
+        <p:txBody>
+          <a:bodyPr wrap="square" rtlCol="0">
+            <a:spAutoFit/>
+          </a:bodyPr>
+          <a:lstStyle/>
+          <a:p>
+            <a:r>
+              <a:rPr lang="en-IN" dirty="0"/>
+              <a:t>Minimum rank</a:t>
+            </a:r>
+          </a:p>
+        </p:txBody>
+      </p:sp>
+      <p:sp>
+        <p:nvSpPr>
+          <p:cNvPr id="7" name="TextBox 6">
+            <a:extLst>
+              <a:ext uri="{FF2B5EF4-FFF2-40B4-BE49-F238E27FC236}">
+                <a16:creationId xmlns:a16="http://schemas.microsoft.com/office/drawing/2014/main" id="{6171496D-6A17-43B4-929B-75D4EBE917A3}"/>
+              </a:ext>
+            </a:extLst>
+          </p:cNvPr>
+          <p:cNvSpPr txBox="1"/>
+          <p:nvPr/>
+        </p:nvSpPr>
+        <p:spPr>
+          <a:xfrm>
+            <a:off x="9610578" y="2551837"/>
+            <a:ext cx="2207456" cy="369332"/>
+          </a:xfrm>
+          <a:prstGeom prst="rect">
+            <a:avLst/>
+          </a:prstGeom>
+          <a:solidFill>
+            <a:schemeClr val="accent1">
+              <a:lumMod val="20000"/>
+              <a:lumOff val="80000"/>
+            </a:schemeClr>
+          </a:solidFill>
+        </p:spPr>
+        <p:txBody>
+          <a:bodyPr wrap="square" rtlCol="0">
+            <a:spAutoFit/>
+          </a:bodyPr>
+          <a:lstStyle/>
+          <a:p>
+            <a:r>
+              <a:rPr lang="en-IN" dirty="0"/>
+              <a:t>MLT with min rank</a:t>
+            </a:r>
+          </a:p>
+        </p:txBody>
+      </p:sp>
+      <p:cxnSp>
+        <p:nvCxnSpPr>
+          <p:cNvPr id="9" name="Straight Arrow Connector 8">
+            <a:extLst>
+              <a:ext uri="{FF2B5EF4-FFF2-40B4-BE49-F238E27FC236}">
+                <a16:creationId xmlns:a16="http://schemas.microsoft.com/office/drawing/2014/main" id="{0E6C16C4-D7EA-442F-9128-9CC58BF36762}"/>
+              </a:ext>
+            </a:extLst>
+          </p:cNvPr>
+          <p:cNvCxnSpPr>
+            <a:stCxn id="7" idx="2"/>
+          </p:cNvCxnSpPr>
+          <p:nvPr/>
+        </p:nvCxnSpPr>
+        <p:spPr>
+          <a:xfrm flipH="1">
+            <a:off x="9172135" y="2921169"/>
+            <a:ext cx="1542171" cy="876434"/>
+          </a:xfrm>
+          <a:prstGeom prst="straightConnector1">
+            <a:avLst/>
+          </a:prstGeom>
+          <a:ln>
+            <a:solidFill>
+              <a:schemeClr val="tx1"/>
+            </a:solidFill>
+            <a:tailEnd type="triangle"/>
+          </a:ln>
+        </p:spPr>
+        <p:style>
+          <a:lnRef idx="1">
+            <a:schemeClr val="accent1"/>
+          </a:lnRef>
+          <a:fillRef idx="0">
+            <a:schemeClr val="accent1"/>
+          </a:fillRef>
+          <a:effectRef idx="0">
+            <a:schemeClr val="accent1"/>
+          </a:effectRef>
+          <a:fontRef idx="minor">
+            <a:schemeClr val="tx1"/>
+          </a:fontRef>
+        </p:style>
+      </p:cxnSp>
+      <p:sp>
+        <p:nvSpPr>
+          <p:cNvPr id="10" name="TextBox 9">
+            <a:extLst>
+              <a:ext uri="{FF2B5EF4-FFF2-40B4-BE49-F238E27FC236}">
+                <a16:creationId xmlns:a16="http://schemas.microsoft.com/office/drawing/2014/main" id="{478BB2B7-F749-44F5-81C8-CC346ACE612F}"/>
+              </a:ext>
+            </a:extLst>
+          </p:cNvPr>
+          <p:cNvSpPr txBox="1"/>
+          <p:nvPr/>
+        </p:nvSpPr>
+        <p:spPr>
+          <a:xfrm>
+            <a:off x="9560755" y="4980447"/>
+            <a:ext cx="2207456" cy="923330"/>
+          </a:xfrm>
+          <a:prstGeom prst="rect">
+            <a:avLst/>
+          </a:prstGeom>
+          <a:solidFill>
+            <a:schemeClr val="accent1">
+              <a:lumMod val="20000"/>
+              <a:lumOff val="80000"/>
+            </a:schemeClr>
+          </a:solidFill>
+        </p:spPr>
+        <p:txBody>
+          <a:bodyPr wrap="square" rtlCol="0">
+            <a:spAutoFit/>
+          </a:bodyPr>
+          <a:lstStyle/>
+          <a:p>
+            <a:r>
+              <a:rPr lang="en-IN" dirty="0"/>
+              <a:t>p value for “all techniques have similar performance”</a:t>
+            </a:r>
+          </a:p>
+        </p:txBody>
+      </p:sp>
+      <p:cxnSp>
+        <p:nvCxnSpPr>
+          <p:cNvPr id="11" name="Straight Arrow Connector 10">
+            <a:extLst>
+              <a:ext uri="{FF2B5EF4-FFF2-40B4-BE49-F238E27FC236}">
+                <a16:creationId xmlns:a16="http://schemas.microsoft.com/office/drawing/2014/main" id="{9B80523C-E602-4541-90A3-965EF6C52E5E}"/>
+              </a:ext>
+            </a:extLst>
+          </p:cNvPr>
+          <p:cNvCxnSpPr>
+            <a:cxnSpLocks/>
+            <a:stCxn id="10" idx="0"/>
+          </p:cNvCxnSpPr>
+          <p:nvPr/>
+        </p:nvCxnSpPr>
+        <p:spPr>
+          <a:xfrm flipH="1" flipV="1">
+            <a:off x="10424160" y="4040999"/>
+            <a:ext cx="240323" cy="939448"/>
+          </a:xfrm>
+          <a:prstGeom prst="straightConnector1">
+            <a:avLst/>
+          </a:prstGeom>
+          <a:ln>
+            <a:solidFill>
+              <a:schemeClr val="tx1"/>
+            </a:solidFill>
+            <a:tailEnd type="triangle"/>
+          </a:ln>
+        </p:spPr>
+        <p:style>
+          <a:lnRef idx="1">
+            <a:schemeClr val="accent1"/>
+          </a:lnRef>
+          <a:fillRef idx="0">
+            <a:schemeClr val="accent1"/>
+          </a:fillRef>
+          <a:effectRef idx="0">
+            <a:schemeClr val="accent1"/>
+          </a:effectRef>
+          <a:fontRef idx="minor">
+            <a:schemeClr val="tx1"/>
+          </a:fontRef>
+        </p:style>
+      </p:cxnSp>
+      <p:sp>
+        <p:nvSpPr>
+          <p:cNvPr id="14" name="TextBox 13">
+            <a:extLst>
+              <a:ext uri="{FF2B5EF4-FFF2-40B4-BE49-F238E27FC236}">
+                <a16:creationId xmlns:a16="http://schemas.microsoft.com/office/drawing/2014/main" id="{B96CA9CF-E908-4259-93BB-CED5BE567853}"/>
+              </a:ext>
+            </a:extLst>
+          </p:cNvPr>
+          <p:cNvSpPr txBox="1"/>
+          <p:nvPr/>
+        </p:nvSpPr>
+        <p:spPr>
+          <a:xfrm>
+            <a:off x="5721154" y="5569545"/>
+            <a:ext cx="3431345" cy="923330"/>
+          </a:xfrm>
+          <a:prstGeom prst="rect">
+            <a:avLst/>
+          </a:prstGeom>
+          <a:solidFill>
+            <a:schemeClr val="accent1">
+              <a:lumMod val="20000"/>
+              <a:lumOff val="80000"/>
+            </a:schemeClr>
+          </a:solidFill>
+        </p:spPr>
+        <p:txBody>
+          <a:bodyPr wrap="square" rtlCol="0">
+            <a:spAutoFit/>
+          </a:bodyPr>
+          <a:lstStyle/>
+          <a:p>
+            <a:r>
+              <a:rPr lang="en-IN" dirty="0"/>
+              <a:t>All techniques whose mean ranks do not significantly differ from the technique with the minimum rank</a:t>
+            </a:r>
+          </a:p>
+        </p:txBody>
+      </p:sp>
+      <p:cxnSp>
+        <p:nvCxnSpPr>
+          <p:cNvPr id="15" name="Straight Arrow Connector 14">
+            <a:extLst>
+              <a:ext uri="{FF2B5EF4-FFF2-40B4-BE49-F238E27FC236}">
+                <a16:creationId xmlns:a16="http://schemas.microsoft.com/office/drawing/2014/main" id="{5FD220AB-9831-42D7-ACA7-1B591E35AF88}"/>
+              </a:ext>
+            </a:extLst>
+          </p:cNvPr>
+          <p:cNvCxnSpPr>
+            <a:cxnSpLocks/>
+            <a:stCxn id="14" idx="0"/>
+          </p:cNvCxnSpPr>
+          <p:nvPr/>
+        </p:nvCxnSpPr>
+        <p:spPr>
+          <a:xfrm flipV="1">
+            <a:off x="7436827" y="4538859"/>
+            <a:ext cx="409429" cy="1030686"/>
+          </a:xfrm>
+          <a:prstGeom prst="straightConnector1">
+            <a:avLst/>
+          </a:prstGeom>
+          <a:ln>
+            <a:solidFill>
+              <a:schemeClr val="tx1"/>
+            </a:solidFill>
+            <a:tailEnd type="triangle"/>
+          </a:ln>
+        </p:spPr>
+        <p:style>
+          <a:lnRef idx="1">
+            <a:schemeClr val="accent1"/>
+          </a:lnRef>
+          <a:fillRef idx="0">
+            <a:schemeClr val="accent1"/>
+          </a:fillRef>
+          <a:effectRef idx="0">
+            <a:schemeClr val="accent1"/>
+          </a:effectRef>
+          <a:fontRef idx="minor">
+            <a:schemeClr val="tx1"/>
+          </a:fontRef>
+        </p:style>
+      </p:cxnSp>
     </p:spTree>
     <p:extLst>
       <p:ext uri="{BB962C8B-B14F-4D97-AF65-F5344CB8AC3E}">
@@ -16148,7 +18400,7 @@
 </p:sld>
 </file>
 
-<file path=ppt/slides/slide26.xml><?xml version="1.0" encoding="utf-8"?>
+<file path=ppt/slides/slide28.xml><?xml version="1.0" encoding="utf-8"?>
 <p:sld xmlns:a="http://schemas.openxmlformats.org/drawingml/2006/main" xmlns:r="http://schemas.openxmlformats.org/officeDocument/2006/relationships" xmlns:p="http://schemas.openxmlformats.org/presentationml/2006/main">
   <p:cSld>
     <p:spTree>
@@ -16256,6 +18508,207 @@
           <p:cNvPr id="2" name="Title 1">
             <a:extLst>
               <a:ext uri="{FF2B5EF4-FFF2-40B4-BE49-F238E27FC236}">
+                <a16:creationId xmlns:a16="http://schemas.microsoft.com/office/drawing/2014/main" id="{99168A74-B2EB-45E0-96BB-DFDFE2CA06A4}"/>
+              </a:ext>
+            </a:extLst>
+          </p:cNvPr>
+          <p:cNvSpPr>
+            <a:spLocks noGrp="1"/>
+          </p:cNvSpPr>
+          <p:nvPr>
+            <p:ph type="title"/>
+          </p:nvPr>
+        </p:nvSpPr>
+        <p:spPr/>
+        <p:txBody>
+          <a:bodyPr/>
+          <a:lstStyle/>
+          <a:p>
+            <a:r>
+              <a:rPr lang="en-IN" dirty="0"/>
+              <a:t>Contents</a:t>
+            </a:r>
+          </a:p>
+        </p:txBody>
+      </p:sp>
+      <p:sp>
+        <p:nvSpPr>
+          <p:cNvPr id="3" name="Content Placeholder 2">
+            <a:extLst>
+              <a:ext uri="{FF2B5EF4-FFF2-40B4-BE49-F238E27FC236}">
+                <a16:creationId xmlns:a16="http://schemas.microsoft.com/office/drawing/2014/main" id="{AE1F1409-D1DD-4D27-AAD8-3E406AD9B262}"/>
+              </a:ext>
+            </a:extLst>
+          </p:cNvPr>
+          <p:cNvSpPr>
+            <a:spLocks noGrp="1"/>
+          </p:cNvSpPr>
+          <p:nvPr>
+            <p:ph idx="1"/>
+          </p:nvPr>
+        </p:nvSpPr>
+        <p:spPr/>
+        <p:txBody>
+          <a:bodyPr>
+            <a:normAutofit fontScale="62500" lnSpcReduction="20000"/>
+          </a:bodyPr>
+          <a:lstStyle/>
+          <a:p>
+            <a:r>
+              <a:rPr lang="en-IN" dirty="0"/>
+              <a:t>Directory Structure</a:t>
+            </a:r>
+          </a:p>
+          <a:p>
+            <a:r>
+              <a:rPr lang="en-IN" dirty="0"/>
+              <a:t>Directory Contents</a:t>
+            </a:r>
+          </a:p>
+          <a:p>
+            <a:r>
+              <a:rPr lang="en-IN" dirty="0"/>
+              <a:t>Dependent Files</a:t>
+            </a:r>
+          </a:p>
+          <a:p>
+            <a:r>
+              <a:rPr lang="en-IN" dirty="0"/>
+              <a:t>Input to all scripts: step1-datacreation-list.txt</a:t>
+            </a:r>
+          </a:p>
+          <a:p>
+            <a:r>
+              <a:rPr lang="en-IN" dirty="0"/>
+              <a:t>Design and usage of scripts (data preparation, training, validation and model accuracy calculation)</a:t>
+            </a:r>
+          </a:p>
+          <a:p>
+            <a:pPr lvl="1"/>
+            <a:r>
+              <a:rPr lang="en-IN" dirty="0"/>
+              <a:t>step1.bash</a:t>
+            </a:r>
+          </a:p>
+          <a:p>
+            <a:pPr lvl="1"/>
+            <a:r>
+              <a:rPr lang="en-IN" dirty="0"/>
+              <a:t>step2a.bash</a:t>
+            </a:r>
+          </a:p>
+          <a:p>
+            <a:pPr lvl="1"/>
+            <a:r>
+              <a:rPr lang="en-IN" dirty="0"/>
+              <a:t>step2b.bash</a:t>
+            </a:r>
+          </a:p>
+          <a:p>
+            <a:pPr lvl="1"/>
+            <a:r>
+              <a:rPr lang="en-IN" dirty="0"/>
+              <a:t>step2c.bash</a:t>
+            </a:r>
+          </a:p>
+          <a:p>
+            <a:pPr lvl="1"/>
+            <a:r>
+              <a:rPr lang="en-IN" dirty="0"/>
+              <a:t>step2d.bash</a:t>
+            </a:r>
+          </a:p>
+          <a:p>
+            <a:pPr lvl="1"/>
+            <a:r>
+              <a:rPr lang="en-IN" dirty="0"/>
+              <a:t>step3.bash</a:t>
+            </a:r>
+          </a:p>
+          <a:p>
+            <a:pPr lvl="1"/>
+            <a:r>
+              <a:rPr lang="en-IN" dirty="0"/>
+              <a:t>step4.bash</a:t>
+            </a:r>
+          </a:p>
+          <a:p>
+            <a:pPr lvl="1"/>
+            <a:r>
+              <a:rPr lang="en-IN" dirty="0"/>
+              <a:t>model.evaluation.ModelPerformance</a:t>
+            </a:r>
+          </a:p>
+          <a:p>
+            <a:pPr lvl="1"/>
+            <a:r>
+              <a:rPr lang="en-IN" dirty="0"/>
+              <a:t>step4forset0.bash </a:t>
+            </a:r>
+          </a:p>
+          <a:p>
+            <a:pPr lvl="1"/>
+            <a:r>
+              <a:rPr lang="en-IN" dirty="0"/>
+              <a:t>step5.bash</a:t>
+            </a:r>
+          </a:p>
+          <a:p>
+            <a:pPr lvl="1"/>
+            <a:r>
+              <a:rPr lang="en-IN" dirty="0"/>
+              <a:t>modelsummary.evaluation.ModelAccuracy</a:t>
+            </a:r>
+          </a:p>
+          <a:p>
+            <a:r>
+              <a:rPr lang="en-IN" dirty="0"/>
+              <a:t>Design and usage of scripts (data preparation and execution of Friedman and PostHoc tests)</a:t>
+            </a:r>
+          </a:p>
+          <a:p>
+            <a:pPr marL="0" indent="0">
+              <a:buNone/>
+            </a:pPr>
+            <a:endParaRPr lang="en-IN" dirty="0"/>
+          </a:p>
+        </p:txBody>
+      </p:sp>
+    </p:spTree>
+    <p:extLst>
+      <p:ext uri="{BB962C8B-B14F-4D97-AF65-F5344CB8AC3E}">
+        <p14:creationId xmlns:p14="http://schemas.microsoft.com/office/powerpoint/2010/main" val="3591450882"/>
+      </p:ext>
+    </p:extLst>
+  </p:cSld>
+  <p:clrMapOvr>
+    <a:masterClrMapping/>
+  </p:clrMapOvr>
+</p:sld>
+</file>
+
+<file path=ppt/slides/slide4.xml><?xml version="1.0" encoding="utf-8"?>
+<p:sld xmlns:a="http://schemas.openxmlformats.org/drawingml/2006/main" xmlns:r="http://schemas.openxmlformats.org/officeDocument/2006/relationships" xmlns:p="http://schemas.openxmlformats.org/presentationml/2006/main">
+  <p:cSld>
+    <p:spTree>
+      <p:nvGrpSpPr>
+        <p:cNvPr id="1" name=""/>
+        <p:cNvGrpSpPr/>
+        <p:nvPr/>
+      </p:nvGrpSpPr>
+      <p:grpSpPr>
+        <a:xfrm>
+          <a:off x="0" y="0"/>
+          <a:ext cx="0" cy="0"/>
+          <a:chOff x="0" y="0"/>
+          <a:chExt cx="0" cy="0"/>
+        </a:xfrm>
+      </p:grpSpPr>
+      <p:sp>
+        <p:nvSpPr>
+          <p:cNvPr id="2" name="Title 1">
+            <a:extLst>
+              <a:ext uri="{FF2B5EF4-FFF2-40B4-BE49-F238E27FC236}">
                 <a16:creationId xmlns:a16="http://schemas.microsoft.com/office/drawing/2014/main" id="{103B7E92-82FC-4953-B62B-38368B310D2D}"/>
               </a:ext>
             </a:extLst>
@@ -16870,7 +19323,7 @@
 </p:sld>
 </file>
 
-<file path=ppt/slides/slide4.xml><?xml version="1.0" encoding="utf-8"?>
+<file path=ppt/slides/slide5.xml><?xml version="1.0" encoding="utf-8"?>
 <p:sld xmlns:a="http://schemas.openxmlformats.org/drawingml/2006/main" xmlns:r="http://schemas.openxmlformats.org/officeDocument/2006/relationships" xmlns:p="http://schemas.openxmlformats.org/presentationml/2006/main">
   <p:cSld>
     <p:spTree>
@@ -17289,7 +19742,7 @@
 </p:sld>
 </file>
 
-<file path=ppt/slides/slide5.xml><?xml version="1.0" encoding="utf-8"?>
+<file path=ppt/slides/slide6.xml><?xml version="1.0" encoding="utf-8"?>
 <p:sld xmlns:a="http://schemas.openxmlformats.org/drawingml/2006/main" xmlns:r="http://schemas.openxmlformats.org/officeDocument/2006/relationships" xmlns:p="http://schemas.openxmlformats.org/presentationml/2006/main">
   <p:cSld>
     <p:spTree>
@@ -18075,7 +20528,7 @@
 </p:sld>
 </file>
 
-<file path=ppt/slides/slide6.xml><?xml version="1.0" encoding="utf-8"?>
+<file path=ppt/slides/slide7.xml><?xml version="1.0" encoding="utf-8"?>
 <p:sld xmlns:a="http://schemas.openxmlformats.org/drawingml/2006/main" xmlns:r="http://schemas.openxmlformats.org/officeDocument/2006/relationships" xmlns:p="http://schemas.openxmlformats.org/presentationml/2006/main">
   <p:cSld>
     <p:spTree>
@@ -18421,7 +20874,7 @@
 </p:sld>
 </file>
 
-<file path=ppt/slides/slide7.xml><?xml version="1.0" encoding="utf-8"?>
+<file path=ppt/slides/slide8.xml><?xml version="1.0" encoding="utf-8"?>
 <p:sld xmlns:a="http://schemas.openxmlformats.org/drawingml/2006/main" xmlns:r="http://schemas.openxmlformats.org/officeDocument/2006/relationships" xmlns:p="http://schemas.openxmlformats.org/presentationml/2006/main">
   <p:cSld>
     <p:spTree>
@@ -18974,492 +21427,6 @@
 </p:sld>
 </file>
 
-<file path=ppt/slides/slide8.xml><?xml version="1.0" encoding="utf-8"?>
-<p:sld xmlns:a="http://schemas.openxmlformats.org/drawingml/2006/main" xmlns:r="http://schemas.openxmlformats.org/officeDocument/2006/relationships" xmlns:p="http://schemas.openxmlformats.org/presentationml/2006/main">
-  <p:cSld>
-    <p:spTree>
-      <p:nvGrpSpPr>
-        <p:cNvPr id="1" name=""/>
-        <p:cNvGrpSpPr/>
-        <p:nvPr/>
-      </p:nvGrpSpPr>
-      <p:grpSpPr>
-        <a:xfrm>
-          <a:off x="0" y="0"/>
-          <a:ext cx="0" cy="0"/>
-          <a:chOff x="0" y="0"/>
-          <a:chExt cx="0" cy="0"/>
-        </a:xfrm>
-      </p:grpSpPr>
-      <p:sp>
-        <p:nvSpPr>
-          <p:cNvPr id="2" name="Title 1">
-            <a:extLst>
-              <a:ext uri="{FF2B5EF4-FFF2-40B4-BE49-F238E27FC236}">
-                <a16:creationId xmlns:a16="http://schemas.microsoft.com/office/drawing/2014/main" id="{771FA61A-2BA4-485A-8AE8-DB17B19874F3}"/>
-              </a:ext>
-            </a:extLst>
-          </p:cNvPr>
-          <p:cNvSpPr>
-            <a:spLocks noGrp="1"/>
-          </p:cNvSpPr>
-          <p:nvPr>
-            <p:ph type="title"/>
-          </p:nvPr>
-        </p:nvSpPr>
-        <p:spPr/>
-        <p:txBody>
-          <a:bodyPr/>
-          <a:lstStyle/>
-          <a:p>
-            <a:r>
-              <a:rPr lang="en-IN" dirty="0"/>
-              <a:t>Dependent files</a:t>
-            </a:r>
-          </a:p>
-        </p:txBody>
-      </p:sp>
-      <p:sp>
-        <p:nvSpPr>
-          <p:cNvPr id="3" name="Content Placeholder 2">
-            <a:extLst>
-              <a:ext uri="{FF2B5EF4-FFF2-40B4-BE49-F238E27FC236}">
-                <a16:creationId xmlns:a16="http://schemas.microsoft.com/office/drawing/2014/main" id="{9D8AA3D5-F986-4550-A7FF-B47A49670AEC}"/>
-              </a:ext>
-            </a:extLst>
-          </p:cNvPr>
-          <p:cNvSpPr>
-            <a:spLocks noGrp="1"/>
-          </p:cNvSpPr>
-          <p:nvPr>
-            <p:ph idx="1"/>
-          </p:nvPr>
-        </p:nvSpPr>
-        <p:spPr>
-          <a:xfrm>
-            <a:off x="838200" y="1690688"/>
-            <a:ext cx="10515600" cy="4486275"/>
-          </a:xfrm>
-        </p:spPr>
-        <p:txBody>
-          <a:bodyPr>
-            <a:normAutofit fontScale="55000" lnSpcReduction="20000"/>
-          </a:bodyPr>
-          <a:lstStyle/>
-          <a:p>
-            <a:r>
-              <a:rPr lang="en-IN" dirty="0">
-                <a:latin typeface="Arial" panose="020B0604020202020204" pitchFamily="34" charset="0"/>
-                <a:cs typeface="Arial" panose="020B0604020202020204" pitchFamily="34" charset="0"/>
-              </a:rPr>
-              <a:t>Based on Weka tool</a:t>
-            </a:r>
-          </a:p>
-          <a:p>
-            <a:endParaRPr lang="en-IN" dirty="0">
-              <a:latin typeface="Arial" panose="020B0604020202020204" pitchFamily="34" charset="0"/>
-              <a:cs typeface="Arial" panose="020B0604020202020204" pitchFamily="34" charset="0"/>
-            </a:endParaRPr>
-          </a:p>
-          <a:p>
-            <a:r>
-              <a:rPr lang="en-IN" dirty="0">
-                <a:latin typeface="Arial" panose="020B0604020202020204" pitchFamily="34" charset="0"/>
-                <a:cs typeface="Arial" panose="020B0604020202020204" pitchFamily="34" charset="0"/>
-              </a:rPr>
-              <a:t>Dependent files</a:t>
-            </a:r>
-          </a:p>
-          <a:p>
-            <a:pPr lvl="1"/>
-            <a:r>
-              <a:rPr lang="en-IN" dirty="0">
-                <a:latin typeface="Arial" panose="020B0604020202020204" pitchFamily="34" charset="0"/>
-                <a:cs typeface="Arial" panose="020B0604020202020204" pitchFamily="34" charset="0"/>
-              </a:rPr>
-              <a:t>Weka core: weka.jar, mtj.jar</a:t>
-            </a:r>
-          </a:p>
-          <a:p>
-            <a:pPr lvl="1"/>
-            <a:r>
-              <a:rPr lang="en-IN" dirty="0">
-                <a:latin typeface="Arial" panose="020B0604020202020204" pitchFamily="34" charset="0"/>
-                <a:cs typeface="Arial" panose="020B0604020202020204" pitchFamily="34" charset="0"/>
-              </a:rPr>
-              <a:t>Weka packages which are not part of core and have to be installed separately</a:t>
-            </a:r>
-          </a:p>
-          <a:p>
-            <a:pPr lvl="2"/>
-            <a:r>
-              <a:rPr lang="en-IN" dirty="0">
-                <a:latin typeface="Arial" panose="020B0604020202020204" pitchFamily="34" charset="0"/>
-                <a:cs typeface="Arial" panose="020B0604020202020204" pitchFamily="34" charset="0"/>
-              </a:rPr>
-              <a:t>isotonicRegression.jar, leastMedSquared.jar, paceRegression.jar, RBFNetwork.jar</a:t>
-            </a:r>
-          </a:p>
-          <a:p>
-            <a:pPr lvl="1"/>
-            <a:r>
-              <a:rPr lang="en-IN" dirty="0">
-                <a:latin typeface="Arial" panose="020B0604020202020204" pitchFamily="34" charset="0"/>
-                <a:cs typeface="Arial" panose="020B0604020202020204" pitchFamily="34" charset="0"/>
-              </a:rPr>
-              <a:t>Apache: commons-cli-1.4.jar, commons-csv-1.5.jar, commons-math3-3.6.1.jar</a:t>
-            </a:r>
-          </a:p>
-          <a:p>
-            <a:pPr lvl="1"/>
-            <a:r>
-              <a:rPr lang="en-IN" dirty="0">
-                <a:latin typeface="Arial" panose="020B0604020202020204" pitchFamily="34" charset="0"/>
-                <a:cs typeface="Arial" panose="020B0604020202020204" pitchFamily="34" charset="0"/>
-              </a:rPr>
-              <a:t>Custom</a:t>
-            </a:r>
-            <a:r>
-              <a:rPr lang="en-IN" b="1" dirty="0">
-                <a:latin typeface="Arial" panose="020B0604020202020204" pitchFamily="34" charset="0"/>
-                <a:cs typeface="Arial" panose="020B0604020202020204" pitchFamily="34" charset="0"/>
-              </a:rPr>
-              <a:t>: model-eval.jar*</a:t>
-            </a:r>
-            <a:endParaRPr lang="en-IN" dirty="0">
-              <a:latin typeface="Arial" panose="020B0604020202020204" pitchFamily="34" charset="0"/>
-              <a:cs typeface="Arial" panose="020B0604020202020204" pitchFamily="34" charset="0"/>
-            </a:endParaRPr>
-          </a:p>
-          <a:p>
-            <a:endParaRPr lang="en-IN" dirty="0">
-              <a:latin typeface="Arial" panose="020B0604020202020204" pitchFamily="34" charset="0"/>
-              <a:cs typeface="Arial" panose="020B0604020202020204" pitchFamily="34" charset="0"/>
-            </a:endParaRPr>
-          </a:p>
-          <a:p>
-            <a:r>
-              <a:rPr lang="en-IN" dirty="0">
-                <a:latin typeface="Arial" panose="020B0604020202020204" pitchFamily="34" charset="0"/>
-                <a:cs typeface="Arial" panose="020B0604020202020204" pitchFamily="34" charset="0"/>
-              </a:rPr>
-              <a:t>Make changes in CLAZZ_PATH variable (present inside scripts) as applicable.</a:t>
-            </a:r>
-          </a:p>
-          <a:p>
-            <a:pPr lvl="1"/>
-            <a:r>
-              <a:rPr lang="en-IN" dirty="0">
-                <a:latin typeface="Arial" panose="020B0604020202020204" pitchFamily="34" charset="0"/>
-                <a:cs typeface="Arial" panose="020B0604020202020204" pitchFamily="34" charset="0"/>
-              </a:rPr>
-              <a:t>CLAZZ_PATH="-cp /home/</a:t>
-            </a:r>
-            <a:r>
-              <a:rPr lang="en-IN" dirty="0" err="1">
-                <a:latin typeface="Arial" panose="020B0604020202020204" pitchFamily="34" charset="0"/>
-                <a:cs typeface="Arial" panose="020B0604020202020204" pitchFamily="34" charset="0"/>
-              </a:rPr>
-              <a:t>magellan</a:t>
-            </a:r>
-            <a:r>
-              <a:rPr lang="en-IN" dirty="0">
-                <a:latin typeface="Arial" panose="020B0604020202020204" pitchFamily="34" charset="0"/>
-                <a:cs typeface="Arial" panose="020B0604020202020204" pitchFamily="34" charset="0"/>
-              </a:rPr>
-              <a:t>/weka-3-8-1/weka.jar:/home/</a:t>
-            </a:r>
-            <a:r>
-              <a:rPr lang="en-IN" dirty="0" err="1">
-                <a:latin typeface="Arial" panose="020B0604020202020204" pitchFamily="34" charset="0"/>
-                <a:cs typeface="Arial" panose="020B0604020202020204" pitchFamily="34" charset="0"/>
-              </a:rPr>
-              <a:t>magellan</a:t>
-            </a:r>
-            <a:r>
-              <a:rPr lang="en-IN" dirty="0">
-                <a:latin typeface="Arial" panose="020B0604020202020204" pitchFamily="34" charset="0"/>
-                <a:cs typeface="Arial" panose="020B0604020202020204" pitchFamily="34" charset="0"/>
-              </a:rPr>
-              <a:t>/weka-3-8-1/mtj.jar:/home/</a:t>
-            </a:r>
-            <a:r>
-              <a:rPr lang="en-IN" dirty="0" err="1">
-                <a:latin typeface="Arial" panose="020B0604020202020204" pitchFamily="34" charset="0"/>
-                <a:cs typeface="Arial" panose="020B0604020202020204" pitchFamily="34" charset="0"/>
-              </a:rPr>
-              <a:t>magellan</a:t>
-            </a:r>
-            <a:r>
-              <a:rPr lang="en-IN" dirty="0">
-                <a:latin typeface="Arial" panose="020B0604020202020204" pitchFamily="34" charset="0"/>
-                <a:cs typeface="Arial" panose="020B0604020202020204" pitchFamily="34" charset="0"/>
-              </a:rPr>
-              <a:t>/weka-3-8-1/model-eval.jar:/home/</a:t>
-            </a:r>
-            <a:r>
-              <a:rPr lang="en-IN" dirty="0" err="1">
-                <a:latin typeface="Arial" panose="020B0604020202020204" pitchFamily="34" charset="0"/>
-                <a:cs typeface="Arial" panose="020B0604020202020204" pitchFamily="34" charset="0"/>
-              </a:rPr>
-              <a:t>magellan</a:t>
-            </a:r>
-            <a:r>
-              <a:rPr lang="en-IN" dirty="0">
-                <a:latin typeface="Arial" panose="020B0604020202020204" pitchFamily="34" charset="0"/>
-                <a:cs typeface="Arial" panose="020B0604020202020204" pitchFamily="34" charset="0"/>
-              </a:rPr>
-              <a:t>/jars/commons-cli-1.4.jar:/home/</a:t>
-            </a:r>
-            <a:r>
-              <a:rPr lang="en-IN" dirty="0" err="1">
-                <a:latin typeface="Arial" panose="020B0604020202020204" pitchFamily="34" charset="0"/>
-                <a:cs typeface="Arial" panose="020B0604020202020204" pitchFamily="34" charset="0"/>
-              </a:rPr>
-              <a:t>magellan</a:t>
-            </a:r>
-            <a:r>
-              <a:rPr lang="en-IN" dirty="0">
-                <a:latin typeface="Arial" panose="020B0604020202020204" pitchFamily="34" charset="0"/>
-                <a:cs typeface="Arial" panose="020B0604020202020204" pitchFamily="34" charset="0"/>
-              </a:rPr>
-              <a:t>/jars/commons-csv-1.5.jar:/home/</a:t>
-            </a:r>
-            <a:r>
-              <a:rPr lang="en-IN" dirty="0" err="1">
-                <a:latin typeface="Arial" panose="020B0604020202020204" pitchFamily="34" charset="0"/>
-                <a:cs typeface="Arial" panose="020B0604020202020204" pitchFamily="34" charset="0"/>
-              </a:rPr>
-              <a:t>magellan</a:t>
-            </a:r>
-            <a:r>
-              <a:rPr lang="en-IN" dirty="0">
-                <a:latin typeface="Arial" panose="020B0604020202020204" pitchFamily="34" charset="0"/>
-                <a:cs typeface="Arial" panose="020B0604020202020204" pitchFamily="34" charset="0"/>
-              </a:rPr>
-              <a:t>/jars/commons-math3-3.6.1.jar:/home/</a:t>
-            </a:r>
-            <a:r>
-              <a:rPr lang="en-IN" dirty="0" err="1">
-                <a:latin typeface="Arial" panose="020B0604020202020204" pitchFamily="34" charset="0"/>
-                <a:cs typeface="Arial" panose="020B0604020202020204" pitchFamily="34" charset="0"/>
-              </a:rPr>
-              <a:t>magellan</a:t>
-            </a:r>
-            <a:r>
-              <a:rPr lang="en-IN" dirty="0">
-                <a:latin typeface="Arial" panose="020B0604020202020204" pitchFamily="34" charset="0"/>
-                <a:cs typeface="Arial" panose="020B0604020202020204" pitchFamily="34" charset="0"/>
-              </a:rPr>
-              <a:t>/</a:t>
-            </a:r>
-            <a:r>
-              <a:rPr lang="en-IN" dirty="0" err="1">
-                <a:latin typeface="Arial" panose="020B0604020202020204" pitchFamily="34" charset="0"/>
-                <a:cs typeface="Arial" panose="020B0604020202020204" pitchFamily="34" charset="0"/>
-              </a:rPr>
-              <a:t>wekafiles</a:t>
-            </a:r>
-            <a:r>
-              <a:rPr lang="en-IN" dirty="0">
-                <a:latin typeface="Arial" panose="020B0604020202020204" pitchFamily="34" charset="0"/>
-                <a:cs typeface="Arial" panose="020B0604020202020204" pitchFamily="34" charset="0"/>
-              </a:rPr>
-              <a:t>/packages/</a:t>
-            </a:r>
-            <a:r>
-              <a:rPr lang="en-IN" dirty="0" err="1">
-                <a:latin typeface="Arial" panose="020B0604020202020204" pitchFamily="34" charset="0"/>
-                <a:cs typeface="Arial" panose="020B0604020202020204" pitchFamily="34" charset="0"/>
-              </a:rPr>
-              <a:t>isotonicRegression</a:t>
-            </a:r>
-            <a:r>
-              <a:rPr lang="en-IN" dirty="0">
-                <a:latin typeface="Arial" panose="020B0604020202020204" pitchFamily="34" charset="0"/>
-                <a:cs typeface="Arial" panose="020B0604020202020204" pitchFamily="34" charset="0"/>
-              </a:rPr>
-              <a:t>/isotonicRegression.jar:/home/</a:t>
-            </a:r>
-            <a:r>
-              <a:rPr lang="en-IN" dirty="0" err="1">
-                <a:latin typeface="Arial" panose="020B0604020202020204" pitchFamily="34" charset="0"/>
-                <a:cs typeface="Arial" panose="020B0604020202020204" pitchFamily="34" charset="0"/>
-              </a:rPr>
-              <a:t>magellan</a:t>
-            </a:r>
-            <a:r>
-              <a:rPr lang="en-IN" dirty="0">
-                <a:latin typeface="Arial" panose="020B0604020202020204" pitchFamily="34" charset="0"/>
-                <a:cs typeface="Arial" panose="020B0604020202020204" pitchFamily="34" charset="0"/>
-              </a:rPr>
-              <a:t>/</a:t>
-            </a:r>
-            <a:r>
-              <a:rPr lang="en-IN" dirty="0" err="1">
-                <a:latin typeface="Arial" panose="020B0604020202020204" pitchFamily="34" charset="0"/>
-                <a:cs typeface="Arial" panose="020B0604020202020204" pitchFamily="34" charset="0"/>
-              </a:rPr>
-              <a:t>wekafiles</a:t>
-            </a:r>
-            <a:r>
-              <a:rPr lang="en-IN" dirty="0">
-                <a:latin typeface="Arial" panose="020B0604020202020204" pitchFamily="34" charset="0"/>
-                <a:cs typeface="Arial" panose="020B0604020202020204" pitchFamily="34" charset="0"/>
-              </a:rPr>
-              <a:t>/packages/</a:t>
-            </a:r>
-            <a:r>
-              <a:rPr lang="en-IN" dirty="0" err="1">
-                <a:latin typeface="Arial" panose="020B0604020202020204" pitchFamily="34" charset="0"/>
-                <a:cs typeface="Arial" panose="020B0604020202020204" pitchFamily="34" charset="0"/>
-              </a:rPr>
-              <a:t>leastMedSquared</a:t>
-            </a:r>
-            <a:r>
-              <a:rPr lang="en-IN" dirty="0">
-                <a:latin typeface="Arial" panose="020B0604020202020204" pitchFamily="34" charset="0"/>
-                <a:cs typeface="Arial" panose="020B0604020202020204" pitchFamily="34" charset="0"/>
-              </a:rPr>
-              <a:t>/leastMedSquared.jar:/home/</a:t>
-            </a:r>
-            <a:r>
-              <a:rPr lang="en-IN" dirty="0" err="1">
-                <a:latin typeface="Arial" panose="020B0604020202020204" pitchFamily="34" charset="0"/>
-                <a:cs typeface="Arial" panose="020B0604020202020204" pitchFamily="34" charset="0"/>
-              </a:rPr>
-              <a:t>magellan</a:t>
-            </a:r>
-            <a:r>
-              <a:rPr lang="en-IN" dirty="0">
-                <a:latin typeface="Arial" panose="020B0604020202020204" pitchFamily="34" charset="0"/>
-                <a:cs typeface="Arial" panose="020B0604020202020204" pitchFamily="34" charset="0"/>
-              </a:rPr>
-              <a:t>/</a:t>
-            </a:r>
-            <a:r>
-              <a:rPr lang="en-IN" dirty="0" err="1">
-                <a:latin typeface="Arial" panose="020B0604020202020204" pitchFamily="34" charset="0"/>
-                <a:cs typeface="Arial" panose="020B0604020202020204" pitchFamily="34" charset="0"/>
-              </a:rPr>
-              <a:t>wekafiles</a:t>
-            </a:r>
-            <a:r>
-              <a:rPr lang="en-IN" dirty="0">
-                <a:latin typeface="Arial" panose="020B0604020202020204" pitchFamily="34" charset="0"/>
-                <a:cs typeface="Arial" panose="020B0604020202020204" pitchFamily="34" charset="0"/>
-              </a:rPr>
-              <a:t>/packages/</a:t>
-            </a:r>
-            <a:r>
-              <a:rPr lang="en-IN" dirty="0" err="1">
-                <a:latin typeface="Arial" panose="020B0604020202020204" pitchFamily="34" charset="0"/>
-                <a:cs typeface="Arial" panose="020B0604020202020204" pitchFamily="34" charset="0"/>
-              </a:rPr>
-              <a:t>paceRegression</a:t>
-            </a:r>
-            <a:r>
-              <a:rPr lang="en-IN" dirty="0">
-                <a:latin typeface="Arial" panose="020B0604020202020204" pitchFamily="34" charset="0"/>
-                <a:cs typeface="Arial" panose="020B0604020202020204" pitchFamily="34" charset="0"/>
-              </a:rPr>
-              <a:t>/paceRegression.jar:/home/</a:t>
-            </a:r>
-            <a:r>
-              <a:rPr lang="en-IN" dirty="0" err="1">
-                <a:latin typeface="Arial" panose="020B0604020202020204" pitchFamily="34" charset="0"/>
-                <a:cs typeface="Arial" panose="020B0604020202020204" pitchFamily="34" charset="0"/>
-              </a:rPr>
-              <a:t>magellan</a:t>
-            </a:r>
-            <a:r>
-              <a:rPr lang="en-IN" dirty="0">
-                <a:latin typeface="Arial" panose="020B0604020202020204" pitchFamily="34" charset="0"/>
-                <a:cs typeface="Arial" panose="020B0604020202020204" pitchFamily="34" charset="0"/>
-              </a:rPr>
-              <a:t>/</a:t>
-            </a:r>
-            <a:r>
-              <a:rPr lang="en-IN" dirty="0" err="1">
-                <a:latin typeface="Arial" panose="020B0604020202020204" pitchFamily="34" charset="0"/>
-                <a:cs typeface="Arial" panose="020B0604020202020204" pitchFamily="34" charset="0"/>
-              </a:rPr>
-              <a:t>wekafiles</a:t>
-            </a:r>
-            <a:r>
-              <a:rPr lang="en-IN" dirty="0">
-                <a:latin typeface="Arial" panose="020B0604020202020204" pitchFamily="34" charset="0"/>
-                <a:cs typeface="Arial" panose="020B0604020202020204" pitchFamily="34" charset="0"/>
-              </a:rPr>
-              <a:t>/packages/</a:t>
-            </a:r>
-            <a:r>
-              <a:rPr lang="en-IN" dirty="0" err="1">
-                <a:latin typeface="Arial" panose="020B0604020202020204" pitchFamily="34" charset="0"/>
-                <a:cs typeface="Arial" panose="020B0604020202020204" pitchFamily="34" charset="0"/>
-              </a:rPr>
-              <a:t>RBFNetwork</a:t>
-            </a:r>
-            <a:r>
-              <a:rPr lang="en-IN" dirty="0">
-                <a:latin typeface="Arial" panose="020B0604020202020204" pitchFamily="34" charset="0"/>
-                <a:cs typeface="Arial" panose="020B0604020202020204" pitchFamily="34" charset="0"/>
-              </a:rPr>
-              <a:t>/RBFNetwork.jar"</a:t>
-            </a:r>
-          </a:p>
-          <a:p>
-            <a:endParaRPr lang="en-IN" dirty="0">
-              <a:latin typeface="Arial" panose="020B0604020202020204" pitchFamily="34" charset="0"/>
-              <a:cs typeface="Arial" panose="020B0604020202020204" pitchFamily="34" charset="0"/>
-            </a:endParaRPr>
-          </a:p>
-          <a:p>
-            <a:endParaRPr lang="en-IN" dirty="0">
-              <a:latin typeface="Arial" panose="020B0604020202020204" pitchFamily="34" charset="0"/>
-              <a:cs typeface="Arial" panose="020B0604020202020204" pitchFamily="34" charset="0"/>
-            </a:endParaRPr>
-          </a:p>
-          <a:p>
-            <a:r>
-              <a:rPr lang="en-IN" b="1" dirty="0">
-                <a:latin typeface="Arial" panose="020B0604020202020204" pitchFamily="34" charset="0"/>
-                <a:cs typeface="Arial" panose="020B0604020202020204" pitchFamily="34" charset="0"/>
-              </a:rPr>
-              <a:t>*model-eval.jar </a:t>
-            </a:r>
-            <a:r>
-              <a:rPr lang="en-IN" dirty="0">
-                <a:latin typeface="Arial" panose="020B0604020202020204" pitchFamily="34" charset="0"/>
-                <a:cs typeface="Arial" panose="020B0604020202020204" pitchFamily="34" charset="0"/>
-              </a:rPr>
-              <a:t>is a custom Java application</a:t>
-            </a:r>
-          </a:p>
-          <a:p>
-            <a:endParaRPr lang="en-IN" dirty="0">
-              <a:latin typeface="Arial" panose="020B0604020202020204" pitchFamily="34" charset="0"/>
-              <a:cs typeface="Arial" panose="020B0604020202020204" pitchFamily="34" charset="0"/>
-            </a:endParaRPr>
-          </a:p>
-          <a:p>
-            <a:endParaRPr lang="en-IN" dirty="0"/>
-          </a:p>
-        </p:txBody>
-      </p:sp>
-    </p:spTree>
-    <p:extLst>
-      <p:ext uri="{BB962C8B-B14F-4D97-AF65-F5344CB8AC3E}">
-        <p14:creationId xmlns:p14="http://schemas.microsoft.com/office/powerpoint/2010/main" val="206125894"/>
-      </p:ext>
-    </p:extLst>
-  </p:cSld>
-  <p:clrMapOvr>
-    <a:masterClrMapping/>
-  </p:clrMapOvr>
-</p:sld>
-</file>
-
 <file path=ppt/slides/slide9.xml><?xml version="1.0" encoding="utf-8"?>
 <p:sld xmlns:a="http://schemas.openxmlformats.org/drawingml/2006/main" xmlns:r="http://schemas.openxmlformats.org/officeDocument/2006/relationships" xmlns:p="http://schemas.openxmlformats.org/presentationml/2006/main">
   <p:cSld>
@@ -19500,7 +21467,7 @@
           <a:p>
             <a:r>
               <a:rPr lang="en-IN" dirty="0"/>
-              <a:t>Input to all scripts: step1-datacreation-list.txt</a:t>
+              <a:t>Dependent files</a:t>
             </a:r>
           </a:p>
         </p:txBody>
@@ -19521,121 +21488,420 @@
             <p:ph idx="1"/>
           </p:nvPr>
         </p:nvSpPr>
-        <p:spPr/>
+        <p:spPr>
+          <a:xfrm>
+            <a:off x="838200" y="1690689"/>
+            <a:ext cx="10515600" cy="4245878"/>
+          </a:xfrm>
+        </p:spPr>
         <p:txBody>
           <a:bodyPr>
-            <a:normAutofit/>
+            <a:normAutofit fontScale="47500" lnSpcReduction="20000"/>
           </a:bodyPr>
           <a:lstStyle/>
           <a:p>
-            <a:pPr marL="0" indent="0">
-              <a:buNone/>
-            </a:pPr>
-            <a:r>
-              <a:rPr lang="en-IN" sz="1600" dirty="0">
-                <a:latin typeface="Arial" panose="020B0604020202020204" pitchFamily="34" charset="0"/>
-                <a:cs typeface="Arial" panose="020B0604020202020204" pitchFamily="34" charset="0"/>
-              </a:rPr>
-              <a:t>Contains the list of 11 datasets</a:t>
-            </a:r>
-          </a:p>
-          <a:p>
-            <a:r>
-              <a:rPr lang="en-IN" sz="1600" dirty="0">
-                <a:latin typeface="Arial" panose="020B0604020202020204" pitchFamily="34" charset="0"/>
-                <a:cs typeface="Arial" panose="020B0604020202020204" pitchFamily="34" charset="0"/>
-              </a:rPr>
-              <a:t>pages_informationtechnology99</a:t>
-            </a:r>
-          </a:p>
-          <a:p>
-            <a:r>
-              <a:rPr lang="en-IN" sz="1600" dirty="0">
-                <a:latin typeface="Arial" panose="020B0604020202020204" pitchFamily="34" charset="0"/>
-                <a:cs typeface="Arial" panose="020B0604020202020204" pitchFamily="34" charset="0"/>
-              </a:rPr>
-              <a:t>pages_newsnmedia99</a:t>
-            </a:r>
-          </a:p>
-          <a:p>
-            <a:r>
-              <a:rPr lang="en-IN" sz="1600" dirty="0">
-                <a:latin typeface="Arial" panose="020B0604020202020204" pitchFamily="34" charset="0"/>
-                <a:cs typeface="Arial" panose="020B0604020202020204" pitchFamily="34" charset="0"/>
-              </a:rPr>
-              <a:t>pages_business99</a:t>
-            </a:r>
-          </a:p>
-          <a:p>
-            <a:r>
-              <a:rPr lang="en-IN" sz="1600" dirty="0">
-                <a:latin typeface="Arial" panose="020B0604020202020204" pitchFamily="34" charset="0"/>
-                <a:cs typeface="Arial" panose="020B0604020202020204" pitchFamily="34" charset="0"/>
-              </a:rPr>
-              <a:t>pages_shopping99</a:t>
-            </a:r>
-          </a:p>
-          <a:p>
-            <a:r>
-              <a:rPr lang="en-IN" sz="1600" dirty="0">
-                <a:latin typeface="Arial" panose="020B0604020202020204" pitchFamily="34" charset="0"/>
-                <a:cs typeface="Arial" panose="020B0604020202020204" pitchFamily="34" charset="0"/>
-              </a:rPr>
-              <a:t>pages_education99</a:t>
-            </a:r>
-          </a:p>
-          <a:p>
-            <a:r>
-              <a:rPr lang="en-IN" sz="1600" dirty="0">
-                <a:latin typeface="Arial" panose="020B0604020202020204" pitchFamily="34" charset="0"/>
-                <a:cs typeface="Arial" panose="020B0604020202020204" pitchFamily="34" charset="0"/>
-              </a:rPr>
-              <a:t>pages_entertainment99</a:t>
-            </a:r>
-          </a:p>
-          <a:p>
-            <a:r>
-              <a:rPr lang="en-IN" sz="1600" dirty="0">
-                <a:latin typeface="Arial" panose="020B0604020202020204" pitchFamily="34" charset="0"/>
-                <a:cs typeface="Arial" panose="020B0604020202020204" pitchFamily="34" charset="0"/>
-              </a:rPr>
-              <a:t>pages_financenbanking99</a:t>
-            </a:r>
-          </a:p>
-          <a:p>
-            <a:r>
-              <a:rPr lang="en-IN" sz="1600" dirty="0">
-                <a:latin typeface="Arial" panose="020B0604020202020204" pitchFamily="34" charset="0"/>
-                <a:cs typeface="Arial" panose="020B0604020202020204" pitchFamily="34" charset="0"/>
-              </a:rPr>
-              <a:t>pages_searchenginesnportals99</a:t>
-            </a:r>
-          </a:p>
-          <a:p>
-            <a:r>
-              <a:rPr lang="en-IN" sz="1600" dirty="0">
-                <a:latin typeface="Arial" panose="020B0604020202020204" pitchFamily="34" charset="0"/>
-                <a:cs typeface="Arial" panose="020B0604020202020204" pitchFamily="34" charset="0"/>
-              </a:rPr>
-              <a:t>pages_travel99</a:t>
-            </a:r>
-          </a:p>
-          <a:p>
-            <a:r>
-              <a:rPr lang="en-IN" sz="1600" dirty="0">
-                <a:latin typeface="Arial" panose="020B0604020202020204" pitchFamily="34" charset="0"/>
-                <a:cs typeface="Arial" panose="020B0604020202020204" pitchFamily="34" charset="0"/>
-              </a:rPr>
-              <a:t>pages_governmentnlegal99</a:t>
-            </a:r>
-          </a:p>
-          <a:p>
-            <a:r>
-              <a:rPr lang="en-IN" sz="1600" dirty="0">
-                <a:latin typeface="Arial" panose="020B0604020202020204" pitchFamily="34" charset="0"/>
-                <a:cs typeface="Arial" panose="020B0604020202020204" pitchFamily="34" charset="0"/>
-              </a:rPr>
-              <a:t>pages_all99</a:t>
+            <a:r>
+              <a:rPr lang="en-IN" dirty="0">
+                <a:latin typeface="Arial" panose="020B0604020202020204" pitchFamily="34" charset="0"/>
+                <a:cs typeface="Arial" panose="020B0604020202020204" pitchFamily="34" charset="0"/>
+              </a:rPr>
+              <a:t>Based on Weka tool</a:t>
+            </a:r>
+          </a:p>
+          <a:p>
+            <a:endParaRPr lang="en-IN" dirty="0">
+              <a:latin typeface="Arial" panose="020B0604020202020204" pitchFamily="34" charset="0"/>
+              <a:cs typeface="Arial" panose="020B0604020202020204" pitchFamily="34" charset="0"/>
+            </a:endParaRPr>
+          </a:p>
+          <a:p>
+            <a:r>
+              <a:rPr lang="en-IN" dirty="0">
+                <a:latin typeface="Arial" panose="020B0604020202020204" pitchFamily="34" charset="0"/>
+                <a:cs typeface="Arial" panose="020B0604020202020204" pitchFamily="34" charset="0"/>
+              </a:rPr>
+              <a:t>Developed and tried on CentOS</a:t>
+            </a:r>
+          </a:p>
+          <a:p>
+            <a:endParaRPr lang="en-IN" dirty="0">
+              <a:latin typeface="Arial" panose="020B0604020202020204" pitchFamily="34" charset="0"/>
+              <a:cs typeface="Arial" panose="020B0604020202020204" pitchFamily="34" charset="0"/>
+            </a:endParaRPr>
+          </a:p>
+          <a:p>
+            <a:r>
+              <a:rPr lang="en-IN" dirty="0">
+                <a:latin typeface="Arial" panose="020B0604020202020204" pitchFamily="34" charset="0"/>
+                <a:cs typeface="Arial" panose="020B0604020202020204" pitchFamily="34" charset="0"/>
+              </a:rPr>
+              <a:t>Dependent files</a:t>
+            </a:r>
+          </a:p>
+          <a:p>
+            <a:pPr lvl="1"/>
+            <a:r>
+              <a:rPr lang="en-IN" dirty="0">
+                <a:latin typeface="Arial" panose="020B0604020202020204" pitchFamily="34" charset="0"/>
+                <a:cs typeface="Arial" panose="020B0604020202020204" pitchFamily="34" charset="0"/>
+              </a:rPr>
+              <a:t>Weka core: weka.jar, mtj.jar</a:t>
+            </a:r>
+          </a:p>
+          <a:p>
+            <a:pPr lvl="1"/>
+            <a:r>
+              <a:rPr lang="en-IN" dirty="0">
+                <a:latin typeface="Arial" panose="020B0604020202020204" pitchFamily="34" charset="0"/>
+                <a:cs typeface="Arial" panose="020B0604020202020204" pitchFamily="34" charset="0"/>
+              </a:rPr>
+              <a:t>Weka packages which are not part of core and have to be installed separately</a:t>
+            </a:r>
+          </a:p>
+          <a:p>
+            <a:pPr lvl="2"/>
+            <a:r>
+              <a:rPr lang="en-IN" dirty="0">
+                <a:latin typeface="Arial" panose="020B0604020202020204" pitchFamily="34" charset="0"/>
+                <a:cs typeface="Arial" panose="020B0604020202020204" pitchFamily="34" charset="0"/>
+              </a:rPr>
+              <a:t>isotonicRegression.jar, leastMedSquared.jar, paceRegression.jar, RBFNetwork.jar</a:t>
+            </a:r>
+          </a:p>
+          <a:p>
+            <a:pPr lvl="1"/>
+            <a:r>
+              <a:rPr lang="en-IN" dirty="0">
+                <a:latin typeface="Arial" panose="020B0604020202020204" pitchFamily="34" charset="0"/>
+                <a:cs typeface="Arial" panose="020B0604020202020204" pitchFamily="34" charset="0"/>
+              </a:rPr>
+              <a:t>Apache: commons-cli-1.4.jar, commons-csv-1.5.jar, commons-math3-3.6.1.jar</a:t>
+            </a:r>
+          </a:p>
+          <a:p>
+            <a:pPr lvl="1"/>
+            <a:r>
+              <a:rPr lang="en-IN" dirty="0">
+                <a:latin typeface="Arial" panose="020B0604020202020204" pitchFamily="34" charset="0"/>
+                <a:cs typeface="Arial" panose="020B0604020202020204" pitchFamily="34" charset="0"/>
+              </a:rPr>
+              <a:t>Custom</a:t>
+            </a:r>
+            <a:r>
+              <a:rPr lang="en-IN" b="1" dirty="0">
+                <a:latin typeface="Arial" panose="020B0604020202020204" pitchFamily="34" charset="0"/>
+                <a:cs typeface="Arial" panose="020B0604020202020204" pitchFamily="34" charset="0"/>
+              </a:rPr>
+              <a:t>: model-eval.jar*</a:t>
+            </a:r>
+            <a:endParaRPr lang="en-IN" dirty="0">
+              <a:latin typeface="Arial" panose="020B0604020202020204" pitchFamily="34" charset="0"/>
+              <a:cs typeface="Arial" panose="020B0604020202020204" pitchFamily="34" charset="0"/>
+            </a:endParaRPr>
+          </a:p>
+          <a:p>
+            <a:endParaRPr lang="en-IN" dirty="0">
+              <a:latin typeface="Arial" panose="020B0604020202020204" pitchFamily="34" charset="0"/>
+              <a:cs typeface="Arial" panose="020B0604020202020204" pitchFamily="34" charset="0"/>
+            </a:endParaRPr>
+          </a:p>
+          <a:p>
+            <a:r>
+              <a:rPr lang="en-IN" dirty="0">
+                <a:latin typeface="Arial" panose="020B0604020202020204" pitchFamily="34" charset="0"/>
+                <a:cs typeface="Arial" panose="020B0604020202020204" pitchFamily="34" charset="0"/>
+              </a:rPr>
+              <a:t>Make changes in CLAZZ_PATH variable (present inside scripts) as applicable.</a:t>
+            </a:r>
+          </a:p>
+          <a:p>
+            <a:pPr lvl="1"/>
+            <a:r>
+              <a:rPr lang="en-IN" dirty="0">
+                <a:latin typeface="Arial" panose="020B0604020202020204" pitchFamily="34" charset="0"/>
+                <a:cs typeface="Arial" panose="020B0604020202020204" pitchFamily="34" charset="0"/>
+              </a:rPr>
+              <a:t>CLAZZ_PATH="-cp /home/</a:t>
+            </a:r>
+            <a:r>
+              <a:rPr lang="en-IN" dirty="0" err="1">
+                <a:latin typeface="Arial" panose="020B0604020202020204" pitchFamily="34" charset="0"/>
+                <a:cs typeface="Arial" panose="020B0604020202020204" pitchFamily="34" charset="0"/>
+              </a:rPr>
+              <a:t>magellan</a:t>
+            </a:r>
+            <a:r>
+              <a:rPr lang="en-IN" dirty="0">
+                <a:latin typeface="Arial" panose="020B0604020202020204" pitchFamily="34" charset="0"/>
+                <a:cs typeface="Arial" panose="020B0604020202020204" pitchFamily="34" charset="0"/>
+              </a:rPr>
+              <a:t>/weka-3-8-1/weka.jar:/home/</a:t>
+            </a:r>
+            <a:r>
+              <a:rPr lang="en-IN" dirty="0" err="1">
+                <a:latin typeface="Arial" panose="020B0604020202020204" pitchFamily="34" charset="0"/>
+                <a:cs typeface="Arial" panose="020B0604020202020204" pitchFamily="34" charset="0"/>
+              </a:rPr>
+              <a:t>magellan</a:t>
+            </a:r>
+            <a:r>
+              <a:rPr lang="en-IN" dirty="0">
+                <a:latin typeface="Arial" panose="020B0604020202020204" pitchFamily="34" charset="0"/>
+                <a:cs typeface="Arial" panose="020B0604020202020204" pitchFamily="34" charset="0"/>
+              </a:rPr>
+              <a:t>/weka-3-8-1/mtj.jar:/home/</a:t>
+            </a:r>
+            <a:r>
+              <a:rPr lang="en-IN" dirty="0" err="1">
+                <a:latin typeface="Arial" panose="020B0604020202020204" pitchFamily="34" charset="0"/>
+                <a:cs typeface="Arial" panose="020B0604020202020204" pitchFamily="34" charset="0"/>
+              </a:rPr>
+              <a:t>magellan</a:t>
+            </a:r>
+            <a:r>
+              <a:rPr lang="en-IN" dirty="0">
+                <a:latin typeface="Arial" panose="020B0604020202020204" pitchFamily="34" charset="0"/>
+                <a:cs typeface="Arial" panose="020B0604020202020204" pitchFamily="34" charset="0"/>
+              </a:rPr>
+              <a:t>/weka-3-8-1/model-eval.jar:/home/</a:t>
+            </a:r>
+            <a:r>
+              <a:rPr lang="en-IN" dirty="0" err="1">
+                <a:latin typeface="Arial" panose="020B0604020202020204" pitchFamily="34" charset="0"/>
+                <a:cs typeface="Arial" panose="020B0604020202020204" pitchFamily="34" charset="0"/>
+              </a:rPr>
+              <a:t>magellan</a:t>
+            </a:r>
+            <a:r>
+              <a:rPr lang="en-IN" dirty="0">
+                <a:latin typeface="Arial" panose="020B0604020202020204" pitchFamily="34" charset="0"/>
+                <a:cs typeface="Arial" panose="020B0604020202020204" pitchFamily="34" charset="0"/>
+              </a:rPr>
+              <a:t>/jars/commons-cli-1.4.jar:/home/</a:t>
+            </a:r>
+            <a:r>
+              <a:rPr lang="en-IN" dirty="0" err="1">
+                <a:latin typeface="Arial" panose="020B0604020202020204" pitchFamily="34" charset="0"/>
+                <a:cs typeface="Arial" panose="020B0604020202020204" pitchFamily="34" charset="0"/>
+              </a:rPr>
+              <a:t>magellan</a:t>
+            </a:r>
+            <a:r>
+              <a:rPr lang="en-IN" dirty="0">
+                <a:latin typeface="Arial" panose="020B0604020202020204" pitchFamily="34" charset="0"/>
+                <a:cs typeface="Arial" panose="020B0604020202020204" pitchFamily="34" charset="0"/>
+              </a:rPr>
+              <a:t>/jars/commons-csv-1.5.jar:/home/</a:t>
+            </a:r>
+            <a:r>
+              <a:rPr lang="en-IN" dirty="0" err="1">
+                <a:latin typeface="Arial" panose="020B0604020202020204" pitchFamily="34" charset="0"/>
+                <a:cs typeface="Arial" panose="020B0604020202020204" pitchFamily="34" charset="0"/>
+              </a:rPr>
+              <a:t>magellan</a:t>
+            </a:r>
+            <a:r>
+              <a:rPr lang="en-IN" dirty="0">
+                <a:latin typeface="Arial" panose="020B0604020202020204" pitchFamily="34" charset="0"/>
+                <a:cs typeface="Arial" panose="020B0604020202020204" pitchFamily="34" charset="0"/>
+              </a:rPr>
+              <a:t>/jars/commons-math3-3.6.1.jar:/home/</a:t>
+            </a:r>
+            <a:r>
+              <a:rPr lang="en-IN" dirty="0" err="1">
+                <a:latin typeface="Arial" panose="020B0604020202020204" pitchFamily="34" charset="0"/>
+                <a:cs typeface="Arial" panose="020B0604020202020204" pitchFamily="34" charset="0"/>
+              </a:rPr>
+              <a:t>magellan</a:t>
+            </a:r>
+            <a:r>
+              <a:rPr lang="en-IN" dirty="0">
+                <a:latin typeface="Arial" panose="020B0604020202020204" pitchFamily="34" charset="0"/>
+                <a:cs typeface="Arial" panose="020B0604020202020204" pitchFamily="34" charset="0"/>
+              </a:rPr>
+              <a:t>/</a:t>
+            </a:r>
+            <a:r>
+              <a:rPr lang="en-IN" dirty="0" err="1">
+                <a:latin typeface="Arial" panose="020B0604020202020204" pitchFamily="34" charset="0"/>
+                <a:cs typeface="Arial" panose="020B0604020202020204" pitchFamily="34" charset="0"/>
+              </a:rPr>
+              <a:t>wekafiles</a:t>
+            </a:r>
+            <a:r>
+              <a:rPr lang="en-IN" dirty="0">
+                <a:latin typeface="Arial" panose="020B0604020202020204" pitchFamily="34" charset="0"/>
+                <a:cs typeface="Arial" panose="020B0604020202020204" pitchFamily="34" charset="0"/>
+              </a:rPr>
+              <a:t>/packages/</a:t>
+            </a:r>
+            <a:r>
+              <a:rPr lang="en-IN" dirty="0" err="1">
+                <a:latin typeface="Arial" panose="020B0604020202020204" pitchFamily="34" charset="0"/>
+                <a:cs typeface="Arial" panose="020B0604020202020204" pitchFamily="34" charset="0"/>
+              </a:rPr>
+              <a:t>isotonicRegression</a:t>
+            </a:r>
+            <a:r>
+              <a:rPr lang="en-IN" dirty="0">
+                <a:latin typeface="Arial" panose="020B0604020202020204" pitchFamily="34" charset="0"/>
+                <a:cs typeface="Arial" panose="020B0604020202020204" pitchFamily="34" charset="0"/>
+              </a:rPr>
+              <a:t>/isotonicRegression.jar:/home/</a:t>
+            </a:r>
+            <a:r>
+              <a:rPr lang="en-IN" dirty="0" err="1">
+                <a:latin typeface="Arial" panose="020B0604020202020204" pitchFamily="34" charset="0"/>
+                <a:cs typeface="Arial" panose="020B0604020202020204" pitchFamily="34" charset="0"/>
+              </a:rPr>
+              <a:t>magellan</a:t>
+            </a:r>
+            <a:r>
+              <a:rPr lang="en-IN" dirty="0">
+                <a:latin typeface="Arial" panose="020B0604020202020204" pitchFamily="34" charset="0"/>
+                <a:cs typeface="Arial" panose="020B0604020202020204" pitchFamily="34" charset="0"/>
+              </a:rPr>
+              <a:t>/</a:t>
+            </a:r>
+            <a:r>
+              <a:rPr lang="en-IN" dirty="0" err="1">
+                <a:latin typeface="Arial" panose="020B0604020202020204" pitchFamily="34" charset="0"/>
+                <a:cs typeface="Arial" panose="020B0604020202020204" pitchFamily="34" charset="0"/>
+              </a:rPr>
+              <a:t>wekafiles</a:t>
+            </a:r>
+            <a:r>
+              <a:rPr lang="en-IN" dirty="0">
+                <a:latin typeface="Arial" panose="020B0604020202020204" pitchFamily="34" charset="0"/>
+                <a:cs typeface="Arial" panose="020B0604020202020204" pitchFamily="34" charset="0"/>
+              </a:rPr>
+              <a:t>/packages/</a:t>
+            </a:r>
+            <a:r>
+              <a:rPr lang="en-IN" dirty="0" err="1">
+                <a:latin typeface="Arial" panose="020B0604020202020204" pitchFamily="34" charset="0"/>
+                <a:cs typeface="Arial" panose="020B0604020202020204" pitchFamily="34" charset="0"/>
+              </a:rPr>
+              <a:t>leastMedSquared</a:t>
+            </a:r>
+            <a:r>
+              <a:rPr lang="en-IN" dirty="0">
+                <a:latin typeface="Arial" panose="020B0604020202020204" pitchFamily="34" charset="0"/>
+                <a:cs typeface="Arial" panose="020B0604020202020204" pitchFamily="34" charset="0"/>
+              </a:rPr>
+              <a:t>/leastMedSquared.jar:/home/</a:t>
+            </a:r>
+            <a:r>
+              <a:rPr lang="en-IN" dirty="0" err="1">
+                <a:latin typeface="Arial" panose="020B0604020202020204" pitchFamily="34" charset="0"/>
+                <a:cs typeface="Arial" panose="020B0604020202020204" pitchFamily="34" charset="0"/>
+              </a:rPr>
+              <a:t>magellan</a:t>
+            </a:r>
+            <a:r>
+              <a:rPr lang="en-IN" dirty="0">
+                <a:latin typeface="Arial" panose="020B0604020202020204" pitchFamily="34" charset="0"/>
+                <a:cs typeface="Arial" panose="020B0604020202020204" pitchFamily="34" charset="0"/>
+              </a:rPr>
+              <a:t>/</a:t>
+            </a:r>
+            <a:r>
+              <a:rPr lang="en-IN" dirty="0" err="1">
+                <a:latin typeface="Arial" panose="020B0604020202020204" pitchFamily="34" charset="0"/>
+                <a:cs typeface="Arial" panose="020B0604020202020204" pitchFamily="34" charset="0"/>
+              </a:rPr>
+              <a:t>wekafiles</a:t>
+            </a:r>
+            <a:r>
+              <a:rPr lang="en-IN" dirty="0">
+                <a:latin typeface="Arial" panose="020B0604020202020204" pitchFamily="34" charset="0"/>
+                <a:cs typeface="Arial" panose="020B0604020202020204" pitchFamily="34" charset="0"/>
+              </a:rPr>
+              <a:t>/packages/</a:t>
+            </a:r>
+            <a:r>
+              <a:rPr lang="en-IN" dirty="0" err="1">
+                <a:latin typeface="Arial" panose="020B0604020202020204" pitchFamily="34" charset="0"/>
+                <a:cs typeface="Arial" panose="020B0604020202020204" pitchFamily="34" charset="0"/>
+              </a:rPr>
+              <a:t>paceRegression</a:t>
+            </a:r>
+            <a:r>
+              <a:rPr lang="en-IN" dirty="0">
+                <a:latin typeface="Arial" panose="020B0604020202020204" pitchFamily="34" charset="0"/>
+                <a:cs typeface="Arial" panose="020B0604020202020204" pitchFamily="34" charset="0"/>
+              </a:rPr>
+              <a:t>/paceRegression.jar:/home/</a:t>
+            </a:r>
+            <a:r>
+              <a:rPr lang="en-IN" dirty="0" err="1">
+                <a:latin typeface="Arial" panose="020B0604020202020204" pitchFamily="34" charset="0"/>
+                <a:cs typeface="Arial" panose="020B0604020202020204" pitchFamily="34" charset="0"/>
+              </a:rPr>
+              <a:t>magellan</a:t>
+            </a:r>
+            <a:r>
+              <a:rPr lang="en-IN" dirty="0">
+                <a:latin typeface="Arial" panose="020B0604020202020204" pitchFamily="34" charset="0"/>
+                <a:cs typeface="Arial" panose="020B0604020202020204" pitchFamily="34" charset="0"/>
+              </a:rPr>
+              <a:t>/</a:t>
+            </a:r>
+            <a:r>
+              <a:rPr lang="en-IN" dirty="0" err="1">
+                <a:latin typeface="Arial" panose="020B0604020202020204" pitchFamily="34" charset="0"/>
+                <a:cs typeface="Arial" panose="020B0604020202020204" pitchFamily="34" charset="0"/>
+              </a:rPr>
+              <a:t>wekafiles</a:t>
+            </a:r>
+            <a:r>
+              <a:rPr lang="en-IN" dirty="0">
+                <a:latin typeface="Arial" panose="020B0604020202020204" pitchFamily="34" charset="0"/>
+                <a:cs typeface="Arial" panose="020B0604020202020204" pitchFamily="34" charset="0"/>
+              </a:rPr>
+              <a:t>/packages/</a:t>
+            </a:r>
+            <a:r>
+              <a:rPr lang="en-IN" dirty="0" err="1">
+                <a:latin typeface="Arial" panose="020B0604020202020204" pitchFamily="34" charset="0"/>
+                <a:cs typeface="Arial" panose="020B0604020202020204" pitchFamily="34" charset="0"/>
+              </a:rPr>
+              <a:t>RBFNetwork</a:t>
+            </a:r>
+            <a:r>
+              <a:rPr lang="en-IN" dirty="0">
+                <a:latin typeface="Arial" panose="020B0604020202020204" pitchFamily="34" charset="0"/>
+                <a:cs typeface="Arial" panose="020B0604020202020204" pitchFamily="34" charset="0"/>
+              </a:rPr>
+              <a:t>/RBFNetwork.jar"</a:t>
+            </a:r>
+          </a:p>
+          <a:p>
+            <a:endParaRPr lang="en-IN" dirty="0">
+              <a:latin typeface="Arial" panose="020B0604020202020204" pitchFamily="34" charset="0"/>
+              <a:cs typeface="Arial" panose="020B0604020202020204" pitchFamily="34" charset="0"/>
+            </a:endParaRPr>
+          </a:p>
+          <a:p>
+            <a:endParaRPr lang="en-IN" dirty="0">
+              <a:latin typeface="Arial" panose="020B0604020202020204" pitchFamily="34" charset="0"/>
+              <a:cs typeface="Arial" panose="020B0604020202020204" pitchFamily="34" charset="0"/>
+            </a:endParaRPr>
+          </a:p>
+          <a:p>
+            <a:r>
+              <a:rPr lang="en-IN" b="1" dirty="0">
+                <a:latin typeface="Arial" panose="020B0604020202020204" pitchFamily="34" charset="0"/>
+                <a:cs typeface="Arial" panose="020B0604020202020204" pitchFamily="34" charset="0"/>
+              </a:rPr>
+              <a:t>*model-eval.jar </a:t>
+            </a:r>
+            <a:r>
+              <a:rPr lang="en-IN" dirty="0">
+                <a:latin typeface="Arial" panose="020B0604020202020204" pitchFamily="34" charset="0"/>
+                <a:cs typeface="Arial" panose="020B0604020202020204" pitchFamily="34" charset="0"/>
+              </a:rPr>
+              <a:t>is a custom Java application</a:t>
             </a:r>
           </a:p>
           <a:p>
@@ -19652,7 +21918,7 @@
     </p:spTree>
     <p:extLst>
       <p:ext uri="{BB962C8B-B14F-4D97-AF65-F5344CB8AC3E}">
-        <p14:creationId xmlns:p14="http://schemas.microsoft.com/office/powerpoint/2010/main" val="2751448985"/>
+        <p14:creationId xmlns:p14="http://schemas.microsoft.com/office/powerpoint/2010/main" val="206125894"/>
       </p:ext>
     </p:extLst>
   </p:cSld>

--- a/Performance Evaluation of MLT in Web Page Load Time Prediction - Datasets and Scripts.pptx
+++ b/Performance Evaluation of MLT in Web Page Load Time Prediction - Datasets and Scripts.pptx
@@ -4,35 +4,40 @@
   <p:sldMasterIdLst>
     <p:sldMasterId id="2147483648" r:id="rId1"/>
   </p:sldMasterIdLst>
+  <p:notesMasterIdLst>
+    <p:notesMasterId r:id="rId32"/>
+  </p:notesMasterIdLst>
   <p:sldIdLst>
     <p:sldId id="256" r:id="rId2"/>
     <p:sldId id="286" r:id="rId3"/>
     <p:sldId id="262" r:id="rId4"/>
-    <p:sldId id="261" r:id="rId5"/>
-    <p:sldId id="258" r:id="rId6"/>
-    <p:sldId id="260" r:id="rId7"/>
-    <p:sldId id="282" r:id="rId8"/>
-    <p:sldId id="259" r:id="rId9"/>
-    <p:sldId id="265" r:id="rId10"/>
-    <p:sldId id="271" r:id="rId11"/>
-    <p:sldId id="263" r:id="rId12"/>
-    <p:sldId id="264" r:id="rId13"/>
-    <p:sldId id="266" r:id="rId14"/>
-    <p:sldId id="267" r:id="rId15"/>
-    <p:sldId id="268" r:id="rId16"/>
-    <p:sldId id="269" r:id="rId17"/>
-    <p:sldId id="275" r:id="rId18"/>
-    <p:sldId id="272" r:id="rId19"/>
-    <p:sldId id="276" r:id="rId20"/>
-    <p:sldId id="270" r:id="rId21"/>
-    <p:sldId id="283" r:id="rId22"/>
-    <p:sldId id="281" r:id="rId23"/>
-    <p:sldId id="277" r:id="rId24"/>
-    <p:sldId id="278" r:id="rId25"/>
-    <p:sldId id="284" r:id="rId26"/>
-    <p:sldId id="285" r:id="rId27"/>
-    <p:sldId id="279" r:id="rId28"/>
-    <p:sldId id="280" r:id="rId29"/>
+    <p:sldId id="287" r:id="rId5"/>
+    <p:sldId id="288" r:id="rId6"/>
+    <p:sldId id="261" r:id="rId7"/>
+    <p:sldId id="258" r:id="rId8"/>
+    <p:sldId id="260" r:id="rId9"/>
+    <p:sldId id="282" r:id="rId10"/>
+    <p:sldId id="259" r:id="rId11"/>
+    <p:sldId id="265" r:id="rId12"/>
+    <p:sldId id="271" r:id="rId13"/>
+    <p:sldId id="263" r:id="rId14"/>
+    <p:sldId id="264" r:id="rId15"/>
+    <p:sldId id="266" r:id="rId16"/>
+    <p:sldId id="267" r:id="rId17"/>
+    <p:sldId id="268" r:id="rId18"/>
+    <p:sldId id="269" r:id="rId19"/>
+    <p:sldId id="275" r:id="rId20"/>
+    <p:sldId id="272" r:id="rId21"/>
+    <p:sldId id="276" r:id="rId22"/>
+    <p:sldId id="270" r:id="rId23"/>
+    <p:sldId id="283" r:id="rId24"/>
+    <p:sldId id="281" r:id="rId25"/>
+    <p:sldId id="277" r:id="rId26"/>
+    <p:sldId id="278" r:id="rId27"/>
+    <p:sldId id="284" r:id="rId28"/>
+    <p:sldId id="285" r:id="rId29"/>
+    <p:sldId id="279" r:id="rId30"/>
+    <p:sldId id="280" r:id="rId31"/>
   </p:sldIdLst>
   <p:sldSz cx="12192000" cy="6858000"/>
   <p:notesSz cx="6858000" cy="9144000"/>
@@ -139,6 +144,524 @@
 </p:presentation>
 </file>
 
+<file path=ppt/notesMasters/notesMaster1.xml><?xml version="1.0" encoding="utf-8"?>
+<p:notesMaster xmlns:a="http://schemas.openxmlformats.org/drawingml/2006/main" xmlns:r="http://schemas.openxmlformats.org/officeDocument/2006/relationships" xmlns:p="http://schemas.openxmlformats.org/presentationml/2006/main">
+  <p:cSld>
+    <p:bg>
+      <p:bgRef idx="1001">
+        <a:schemeClr val="bg1"/>
+      </p:bgRef>
+    </p:bg>
+    <p:spTree>
+      <p:nvGrpSpPr>
+        <p:cNvPr id="1" name=""/>
+        <p:cNvGrpSpPr/>
+        <p:nvPr/>
+      </p:nvGrpSpPr>
+      <p:grpSpPr>
+        <a:xfrm>
+          <a:off x="0" y="0"/>
+          <a:ext cx="0" cy="0"/>
+          <a:chOff x="0" y="0"/>
+          <a:chExt cx="0" cy="0"/>
+        </a:xfrm>
+      </p:grpSpPr>
+      <p:sp>
+        <p:nvSpPr>
+          <p:cNvPr id="2" name="Header Placeholder 1"/>
+          <p:cNvSpPr>
+            <a:spLocks noGrp="1"/>
+          </p:cNvSpPr>
+          <p:nvPr>
+            <p:ph type="hdr" sz="quarter"/>
+          </p:nvPr>
+        </p:nvSpPr>
+        <p:spPr>
+          <a:xfrm>
+            <a:off x="0" y="0"/>
+            <a:ext cx="2971800" cy="458788"/>
+          </a:xfrm>
+          <a:prstGeom prst="rect">
+            <a:avLst/>
+          </a:prstGeom>
+        </p:spPr>
+        <p:txBody>
+          <a:bodyPr vert="horz" lIns="91440" tIns="45720" rIns="91440" bIns="45720" rtlCol="0"/>
+          <a:lstStyle>
+            <a:lvl1pPr algn="l">
+              <a:defRPr sz="1200"/>
+            </a:lvl1pPr>
+          </a:lstStyle>
+          <a:p>
+            <a:endParaRPr lang="en-IN"/>
+          </a:p>
+        </p:txBody>
+      </p:sp>
+      <p:sp>
+        <p:nvSpPr>
+          <p:cNvPr id="3" name="Date Placeholder 2"/>
+          <p:cNvSpPr>
+            <a:spLocks noGrp="1"/>
+          </p:cNvSpPr>
+          <p:nvPr>
+            <p:ph type="dt" idx="1"/>
+          </p:nvPr>
+        </p:nvSpPr>
+        <p:spPr>
+          <a:xfrm>
+            <a:off x="3884613" y="0"/>
+            <a:ext cx="2971800" cy="458788"/>
+          </a:xfrm>
+          <a:prstGeom prst="rect">
+            <a:avLst/>
+          </a:prstGeom>
+        </p:spPr>
+        <p:txBody>
+          <a:bodyPr vert="horz" lIns="91440" tIns="45720" rIns="91440" bIns="45720" rtlCol="0"/>
+          <a:lstStyle>
+            <a:lvl1pPr algn="r">
+              <a:defRPr sz="1200"/>
+            </a:lvl1pPr>
+          </a:lstStyle>
+          <a:p>
+            <a:fld id="{C09DBB0B-51DF-4B17-BFCC-717E14EEF8E5}" type="datetimeFigureOut">
+              <a:rPr lang="en-IN" smtClean="0"/>
+              <a:t>01-06-2019</a:t>
+            </a:fld>
+            <a:endParaRPr lang="en-IN"/>
+          </a:p>
+        </p:txBody>
+      </p:sp>
+      <p:sp>
+        <p:nvSpPr>
+          <p:cNvPr id="4" name="Slide Image Placeholder 3"/>
+          <p:cNvSpPr>
+            <a:spLocks noGrp="1" noRot="1" noChangeAspect="1"/>
+          </p:cNvSpPr>
+          <p:nvPr>
+            <p:ph type="sldImg" idx="2"/>
+          </p:nvPr>
+        </p:nvSpPr>
+        <p:spPr>
+          <a:xfrm>
+            <a:off x="685800" y="1143000"/>
+            <a:ext cx="5486400" cy="3086100"/>
+          </a:xfrm>
+          <a:prstGeom prst="rect">
+            <a:avLst/>
+          </a:prstGeom>
+          <a:noFill/>
+          <a:ln w="12700">
+            <a:solidFill>
+              <a:prstClr val="black"/>
+            </a:solidFill>
+          </a:ln>
+        </p:spPr>
+        <p:txBody>
+          <a:bodyPr vert="horz" lIns="91440" tIns="45720" rIns="91440" bIns="45720" rtlCol="0" anchor="ctr"/>
+          <a:lstStyle/>
+          <a:p>
+            <a:endParaRPr lang="en-IN"/>
+          </a:p>
+        </p:txBody>
+      </p:sp>
+      <p:sp>
+        <p:nvSpPr>
+          <p:cNvPr id="5" name="Notes Placeholder 4"/>
+          <p:cNvSpPr>
+            <a:spLocks noGrp="1"/>
+          </p:cNvSpPr>
+          <p:nvPr>
+            <p:ph type="body" sz="quarter" idx="3"/>
+          </p:nvPr>
+        </p:nvSpPr>
+        <p:spPr>
+          <a:xfrm>
+            <a:off x="685800" y="4400550"/>
+            <a:ext cx="5486400" cy="3600450"/>
+          </a:xfrm>
+          <a:prstGeom prst="rect">
+            <a:avLst/>
+          </a:prstGeom>
+        </p:spPr>
+        <p:txBody>
+          <a:bodyPr vert="horz" lIns="91440" tIns="45720" rIns="91440" bIns="45720" rtlCol="0"/>
+          <a:lstStyle/>
+          <a:p>
+            <a:pPr lvl="0"/>
+            <a:r>
+              <a:rPr lang="en-US"/>
+              <a:t>Click to edit Master text styles</a:t>
+            </a:r>
+          </a:p>
+          <a:p>
+            <a:pPr lvl="1"/>
+            <a:r>
+              <a:rPr lang="en-US"/>
+              <a:t>Second level</a:t>
+            </a:r>
+          </a:p>
+          <a:p>
+            <a:pPr lvl="2"/>
+            <a:r>
+              <a:rPr lang="en-US"/>
+              <a:t>Third level</a:t>
+            </a:r>
+          </a:p>
+          <a:p>
+            <a:pPr lvl="3"/>
+            <a:r>
+              <a:rPr lang="en-US"/>
+              <a:t>Fourth level</a:t>
+            </a:r>
+          </a:p>
+          <a:p>
+            <a:pPr lvl="4"/>
+            <a:r>
+              <a:rPr lang="en-US"/>
+              <a:t>Fifth level</a:t>
+            </a:r>
+            <a:endParaRPr lang="en-IN"/>
+          </a:p>
+        </p:txBody>
+      </p:sp>
+      <p:sp>
+        <p:nvSpPr>
+          <p:cNvPr id="6" name="Footer Placeholder 5"/>
+          <p:cNvSpPr>
+            <a:spLocks noGrp="1"/>
+          </p:cNvSpPr>
+          <p:nvPr>
+            <p:ph type="ftr" sz="quarter" idx="4"/>
+          </p:nvPr>
+        </p:nvSpPr>
+        <p:spPr>
+          <a:xfrm>
+            <a:off x="0" y="8685213"/>
+            <a:ext cx="2971800" cy="458787"/>
+          </a:xfrm>
+          <a:prstGeom prst="rect">
+            <a:avLst/>
+          </a:prstGeom>
+        </p:spPr>
+        <p:txBody>
+          <a:bodyPr vert="horz" lIns="91440" tIns="45720" rIns="91440" bIns="45720" rtlCol="0" anchor="b"/>
+          <a:lstStyle>
+            <a:lvl1pPr algn="l">
+              <a:defRPr sz="1200"/>
+            </a:lvl1pPr>
+          </a:lstStyle>
+          <a:p>
+            <a:endParaRPr lang="en-IN"/>
+          </a:p>
+        </p:txBody>
+      </p:sp>
+      <p:sp>
+        <p:nvSpPr>
+          <p:cNvPr id="7" name="Slide Number Placeholder 6"/>
+          <p:cNvSpPr>
+            <a:spLocks noGrp="1"/>
+          </p:cNvSpPr>
+          <p:nvPr>
+            <p:ph type="sldNum" sz="quarter" idx="5"/>
+          </p:nvPr>
+        </p:nvSpPr>
+        <p:spPr>
+          <a:xfrm>
+            <a:off x="3884613" y="8685213"/>
+            <a:ext cx="2971800" cy="458787"/>
+          </a:xfrm>
+          <a:prstGeom prst="rect">
+            <a:avLst/>
+          </a:prstGeom>
+        </p:spPr>
+        <p:txBody>
+          <a:bodyPr vert="horz" lIns="91440" tIns="45720" rIns="91440" bIns="45720" rtlCol="0" anchor="b"/>
+          <a:lstStyle>
+            <a:lvl1pPr algn="r">
+              <a:defRPr sz="1200"/>
+            </a:lvl1pPr>
+          </a:lstStyle>
+          <a:p>
+            <a:fld id="{7C7CACC2-CA6F-4AA9-B10D-7928B09D93B4}" type="slidenum">
+              <a:rPr lang="en-IN" smtClean="0"/>
+              <a:t>‹#›</a:t>
+            </a:fld>
+            <a:endParaRPr lang="en-IN"/>
+          </a:p>
+        </p:txBody>
+      </p:sp>
+    </p:spTree>
+    <p:extLst>
+      <p:ext uri="{BB962C8B-B14F-4D97-AF65-F5344CB8AC3E}">
+        <p14:creationId xmlns:p14="http://schemas.microsoft.com/office/powerpoint/2010/main" val="3295587816"/>
+      </p:ext>
+    </p:extLst>
+  </p:cSld>
+  <p:clrMap bg1="lt1" tx1="dk1" bg2="lt2" tx2="dk2" accent1="accent1" accent2="accent2" accent3="accent3" accent4="accent4" accent5="accent5" accent6="accent6" hlink="hlink" folHlink="folHlink"/>
+  <p:notesStyle>
+    <a:lvl1pPr marL="0" algn="l" defTabSz="914400" rtl="0" eaLnBrk="1" latinLnBrk="0" hangingPunct="1">
+      <a:defRPr sz="1200" kern="1200">
+        <a:solidFill>
+          <a:schemeClr val="tx1"/>
+        </a:solidFill>
+        <a:latin typeface="+mn-lt"/>
+        <a:ea typeface="+mn-ea"/>
+        <a:cs typeface="+mn-cs"/>
+      </a:defRPr>
+    </a:lvl1pPr>
+    <a:lvl2pPr marL="457200" algn="l" defTabSz="914400" rtl="0" eaLnBrk="1" latinLnBrk="0" hangingPunct="1">
+      <a:defRPr sz="1200" kern="1200">
+        <a:solidFill>
+          <a:schemeClr val="tx1"/>
+        </a:solidFill>
+        <a:latin typeface="+mn-lt"/>
+        <a:ea typeface="+mn-ea"/>
+        <a:cs typeface="+mn-cs"/>
+      </a:defRPr>
+    </a:lvl2pPr>
+    <a:lvl3pPr marL="914400" algn="l" defTabSz="914400" rtl="0" eaLnBrk="1" latinLnBrk="0" hangingPunct="1">
+      <a:defRPr sz="1200" kern="1200">
+        <a:solidFill>
+          <a:schemeClr val="tx1"/>
+        </a:solidFill>
+        <a:latin typeface="+mn-lt"/>
+        <a:ea typeface="+mn-ea"/>
+        <a:cs typeface="+mn-cs"/>
+      </a:defRPr>
+    </a:lvl3pPr>
+    <a:lvl4pPr marL="1371600" algn="l" defTabSz="914400" rtl="0" eaLnBrk="1" latinLnBrk="0" hangingPunct="1">
+      <a:defRPr sz="1200" kern="1200">
+        <a:solidFill>
+          <a:schemeClr val="tx1"/>
+        </a:solidFill>
+        <a:latin typeface="+mn-lt"/>
+        <a:ea typeface="+mn-ea"/>
+        <a:cs typeface="+mn-cs"/>
+      </a:defRPr>
+    </a:lvl4pPr>
+    <a:lvl5pPr marL="1828800" algn="l" defTabSz="914400" rtl="0" eaLnBrk="1" latinLnBrk="0" hangingPunct="1">
+      <a:defRPr sz="1200" kern="1200">
+        <a:solidFill>
+          <a:schemeClr val="tx1"/>
+        </a:solidFill>
+        <a:latin typeface="+mn-lt"/>
+        <a:ea typeface="+mn-ea"/>
+        <a:cs typeface="+mn-cs"/>
+      </a:defRPr>
+    </a:lvl5pPr>
+    <a:lvl6pPr marL="2286000" algn="l" defTabSz="914400" rtl="0" eaLnBrk="1" latinLnBrk="0" hangingPunct="1">
+      <a:defRPr sz="1200" kern="1200">
+        <a:solidFill>
+          <a:schemeClr val="tx1"/>
+        </a:solidFill>
+        <a:latin typeface="+mn-lt"/>
+        <a:ea typeface="+mn-ea"/>
+        <a:cs typeface="+mn-cs"/>
+      </a:defRPr>
+    </a:lvl6pPr>
+    <a:lvl7pPr marL="2743200" algn="l" defTabSz="914400" rtl="0" eaLnBrk="1" latinLnBrk="0" hangingPunct="1">
+      <a:defRPr sz="1200" kern="1200">
+        <a:solidFill>
+          <a:schemeClr val="tx1"/>
+        </a:solidFill>
+        <a:latin typeface="+mn-lt"/>
+        <a:ea typeface="+mn-ea"/>
+        <a:cs typeface="+mn-cs"/>
+      </a:defRPr>
+    </a:lvl7pPr>
+    <a:lvl8pPr marL="3200400" algn="l" defTabSz="914400" rtl="0" eaLnBrk="1" latinLnBrk="0" hangingPunct="1">
+      <a:defRPr sz="1200" kern="1200">
+        <a:solidFill>
+          <a:schemeClr val="tx1"/>
+        </a:solidFill>
+        <a:latin typeface="+mn-lt"/>
+        <a:ea typeface="+mn-ea"/>
+        <a:cs typeface="+mn-cs"/>
+      </a:defRPr>
+    </a:lvl8pPr>
+    <a:lvl9pPr marL="3657600" algn="l" defTabSz="914400" rtl="0" eaLnBrk="1" latinLnBrk="0" hangingPunct="1">
+      <a:defRPr sz="1200" kern="1200">
+        <a:solidFill>
+          <a:schemeClr val="tx1"/>
+        </a:solidFill>
+        <a:latin typeface="+mn-lt"/>
+        <a:ea typeface="+mn-ea"/>
+        <a:cs typeface="+mn-cs"/>
+      </a:defRPr>
+    </a:lvl9pPr>
+  </p:notesStyle>
+</p:notesMaster>
+</file>
+
+<file path=ppt/notesSlides/notesSlide1.xml><?xml version="1.0" encoding="utf-8"?>
+<p:notes xmlns:a="http://schemas.openxmlformats.org/drawingml/2006/main" xmlns:r="http://schemas.openxmlformats.org/officeDocument/2006/relationships" xmlns:p="http://schemas.openxmlformats.org/presentationml/2006/main">
+  <p:cSld>
+    <p:spTree>
+      <p:nvGrpSpPr>
+        <p:cNvPr id="1" name=""/>
+        <p:cNvGrpSpPr/>
+        <p:nvPr/>
+      </p:nvGrpSpPr>
+      <p:grpSpPr>
+        <a:xfrm>
+          <a:off x="0" y="0"/>
+          <a:ext cx="0" cy="0"/>
+          <a:chOff x="0" y="0"/>
+          <a:chExt cx="0" cy="0"/>
+        </a:xfrm>
+      </p:grpSpPr>
+      <p:sp>
+        <p:nvSpPr>
+          <p:cNvPr id="2" name="Slide Image Placeholder 1"/>
+          <p:cNvSpPr>
+            <a:spLocks noGrp="1" noRot="1" noChangeAspect="1"/>
+          </p:cNvSpPr>
+          <p:nvPr>
+            <p:ph type="sldImg"/>
+          </p:nvPr>
+        </p:nvSpPr>
+        <p:spPr/>
+      </p:sp>
+      <p:sp>
+        <p:nvSpPr>
+          <p:cNvPr id="3" name="Notes Placeholder 2"/>
+          <p:cNvSpPr>
+            <a:spLocks noGrp="1"/>
+          </p:cNvSpPr>
+          <p:nvPr>
+            <p:ph type="body" idx="1"/>
+          </p:nvPr>
+        </p:nvSpPr>
+        <p:spPr/>
+        <p:txBody>
+          <a:bodyPr/>
+          <a:lstStyle/>
+          <a:p>
+            <a:endParaRPr lang="en-IN" dirty="0"/>
+          </a:p>
+        </p:txBody>
+      </p:sp>
+      <p:sp>
+        <p:nvSpPr>
+          <p:cNvPr id="4" name="Slide Number Placeholder 3"/>
+          <p:cNvSpPr>
+            <a:spLocks noGrp="1"/>
+          </p:cNvSpPr>
+          <p:nvPr>
+            <p:ph type="sldNum" sz="quarter" idx="5"/>
+          </p:nvPr>
+        </p:nvSpPr>
+        <p:spPr/>
+        <p:txBody>
+          <a:bodyPr/>
+          <a:lstStyle/>
+          <a:p>
+            <a:fld id="{7C7CACC2-CA6F-4AA9-B10D-7928B09D93B4}" type="slidenum">
+              <a:rPr lang="en-IN" smtClean="0"/>
+              <a:t>4</a:t>
+            </a:fld>
+            <a:endParaRPr lang="en-IN"/>
+          </a:p>
+        </p:txBody>
+      </p:sp>
+    </p:spTree>
+    <p:extLst>
+      <p:ext uri="{BB962C8B-B14F-4D97-AF65-F5344CB8AC3E}">
+        <p14:creationId xmlns:p14="http://schemas.microsoft.com/office/powerpoint/2010/main" val="1002475909"/>
+      </p:ext>
+    </p:extLst>
+  </p:cSld>
+  <p:clrMapOvr>
+    <a:masterClrMapping/>
+  </p:clrMapOvr>
+</p:notes>
+</file>
+
+<file path=ppt/notesSlides/notesSlide2.xml><?xml version="1.0" encoding="utf-8"?>
+<p:notes xmlns:a="http://schemas.openxmlformats.org/drawingml/2006/main" xmlns:r="http://schemas.openxmlformats.org/officeDocument/2006/relationships" xmlns:p="http://schemas.openxmlformats.org/presentationml/2006/main">
+  <p:cSld>
+    <p:spTree>
+      <p:nvGrpSpPr>
+        <p:cNvPr id="1" name=""/>
+        <p:cNvGrpSpPr/>
+        <p:nvPr/>
+      </p:nvGrpSpPr>
+      <p:grpSpPr>
+        <a:xfrm>
+          <a:off x="0" y="0"/>
+          <a:ext cx="0" cy="0"/>
+          <a:chOff x="0" y="0"/>
+          <a:chExt cx="0" cy="0"/>
+        </a:xfrm>
+      </p:grpSpPr>
+      <p:sp>
+        <p:nvSpPr>
+          <p:cNvPr id="2" name="Slide Image Placeholder 1"/>
+          <p:cNvSpPr>
+            <a:spLocks noGrp="1" noRot="1" noChangeAspect="1"/>
+          </p:cNvSpPr>
+          <p:nvPr>
+            <p:ph type="sldImg"/>
+          </p:nvPr>
+        </p:nvSpPr>
+        <p:spPr/>
+      </p:sp>
+      <p:sp>
+        <p:nvSpPr>
+          <p:cNvPr id="3" name="Notes Placeholder 2"/>
+          <p:cNvSpPr>
+            <a:spLocks noGrp="1"/>
+          </p:cNvSpPr>
+          <p:nvPr>
+            <p:ph type="body" idx="1"/>
+          </p:nvPr>
+        </p:nvSpPr>
+        <p:spPr/>
+        <p:txBody>
+          <a:bodyPr/>
+          <a:lstStyle/>
+          <a:p>
+            <a:endParaRPr lang="en-IN" dirty="0"/>
+          </a:p>
+        </p:txBody>
+      </p:sp>
+      <p:sp>
+        <p:nvSpPr>
+          <p:cNvPr id="4" name="Slide Number Placeholder 3"/>
+          <p:cNvSpPr>
+            <a:spLocks noGrp="1"/>
+          </p:cNvSpPr>
+          <p:nvPr>
+            <p:ph type="sldNum" sz="quarter" idx="5"/>
+          </p:nvPr>
+        </p:nvSpPr>
+        <p:spPr/>
+        <p:txBody>
+          <a:bodyPr/>
+          <a:lstStyle/>
+          <a:p>
+            <a:fld id="{7C7CACC2-CA6F-4AA9-B10D-7928B09D93B4}" type="slidenum">
+              <a:rPr lang="en-IN" smtClean="0"/>
+              <a:t>5</a:t>
+            </a:fld>
+            <a:endParaRPr lang="en-IN"/>
+          </a:p>
+        </p:txBody>
+      </p:sp>
+    </p:spTree>
+    <p:extLst>
+      <p:ext uri="{BB962C8B-B14F-4D97-AF65-F5344CB8AC3E}">
+        <p14:creationId xmlns:p14="http://schemas.microsoft.com/office/powerpoint/2010/main" val="1079897818"/>
+      </p:ext>
+    </p:extLst>
+  </p:cSld>
+  <p:clrMapOvr>
+    <a:masterClrMapping/>
+  </p:clrMapOvr>
+</p:notes>
+</file>
+
 <file path=ppt/slideLayouts/slideLayout1.xml><?xml version="1.0" encoding="utf-8"?>
 <p:sldLayout xmlns:a="http://schemas.openxmlformats.org/drawingml/2006/main" xmlns:r="http://schemas.openxmlformats.org/officeDocument/2006/relationships" xmlns:p="http://schemas.openxmlformats.org/presentationml/2006/main" type="title" preserve="1">
   <p:cSld name="Title Slide">
@@ -288,7 +811,7 @@
           <a:p>
             <a:fld id="{AE6CA53B-3A24-4A5D-9CEE-44C696A870A9}" type="datetimeFigureOut">
               <a:rPr lang="en-IN" smtClean="0"/>
-              <a:t>30-05-2019</a:t>
+              <a:t>01-06-2019</a:t>
             </a:fld>
             <a:endParaRPr lang="en-IN"/>
           </a:p>
@@ -488,7 +1011,7 @@
           <a:p>
             <a:fld id="{AE6CA53B-3A24-4A5D-9CEE-44C696A870A9}" type="datetimeFigureOut">
               <a:rPr lang="en-IN" smtClean="0"/>
-              <a:t>30-05-2019</a:t>
+              <a:t>01-06-2019</a:t>
             </a:fld>
             <a:endParaRPr lang="en-IN"/>
           </a:p>
@@ -698,7 +1221,7 @@
           <a:p>
             <a:fld id="{AE6CA53B-3A24-4A5D-9CEE-44C696A870A9}" type="datetimeFigureOut">
               <a:rPr lang="en-IN" smtClean="0"/>
-              <a:t>30-05-2019</a:t>
+              <a:t>01-06-2019</a:t>
             </a:fld>
             <a:endParaRPr lang="en-IN"/>
           </a:p>
@@ -898,7 +1421,7 @@
           <a:p>
             <a:fld id="{AE6CA53B-3A24-4A5D-9CEE-44C696A870A9}" type="datetimeFigureOut">
               <a:rPr lang="en-IN" smtClean="0"/>
-              <a:t>30-05-2019</a:t>
+              <a:t>01-06-2019</a:t>
             </a:fld>
             <a:endParaRPr lang="en-IN"/>
           </a:p>
@@ -1174,7 +1697,7 @@
           <a:p>
             <a:fld id="{AE6CA53B-3A24-4A5D-9CEE-44C696A870A9}" type="datetimeFigureOut">
               <a:rPr lang="en-IN" smtClean="0"/>
-              <a:t>30-05-2019</a:t>
+              <a:t>01-06-2019</a:t>
             </a:fld>
             <a:endParaRPr lang="en-IN"/>
           </a:p>
@@ -1442,7 +1965,7 @@
           <a:p>
             <a:fld id="{AE6CA53B-3A24-4A5D-9CEE-44C696A870A9}" type="datetimeFigureOut">
               <a:rPr lang="en-IN" smtClean="0"/>
-              <a:t>30-05-2019</a:t>
+              <a:t>01-06-2019</a:t>
             </a:fld>
             <a:endParaRPr lang="en-IN"/>
           </a:p>
@@ -1857,7 +2380,7 @@
           <a:p>
             <a:fld id="{AE6CA53B-3A24-4A5D-9CEE-44C696A870A9}" type="datetimeFigureOut">
               <a:rPr lang="en-IN" smtClean="0"/>
-              <a:t>30-05-2019</a:t>
+              <a:t>01-06-2019</a:t>
             </a:fld>
             <a:endParaRPr lang="en-IN"/>
           </a:p>
@@ -1999,7 +2522,7 @@
           <a:p>
             <a:fld id="{AE6CA53B-3A24-4A5D-9CEE-44C696A870A9}" type="datetimeFigureOut">
               <a:rPr lang="en-IN" smtClean="0"/>
-              <a:t>30-05-2019</a:t>
+              <a:t>01-06-2019</a:t>
             </a:fld>
             <a:endParaRPr lang="en-IN"/>
           </a:p>
@@ -2112,7 +2635,7 @@
           <a:p>
             <a:fld id="{AE6CA53B-3A24-4A5D-9CEE-44C696A870A9}" type="datetimeFigureOut">
               <a:rPr lang="en-IN" smtClean="0"/>
-              <a:t>30-05-2019</a:t>
+              <a:t>01-06-2019</a:t>
             </a:fld>
             <a:endParaRPr lang="en-IN"/>
           </a:p>
@@ -2425,7 +2948,7 @@
           <a:p>
             <a:fld id="{AE6CA53B-3A24-4A5D-9CEE-44C696A870A9}" type="datetimeFigureOut">
               <a:rPr lang="en-IN" smtClean="0"/>
-              <a:t>30-05-2019</a:t>
+              <a:t>01-06-2019</a:t>
             </a:fld>
             <a:endParaRPr lang="en-IN"/>
           </a:p>
@@ -2714,7 +3237,7 @@
           <a:p>
             <a:fld id="{AE6CA53B-3A24-4A5D-9CEE-44C696A870A9}" type="datetimeFigureOut">
               <a:rPr lang="en-IN" smtClean="0"/>
-              <a:t>30-05-2019</a:t>
+              <a:t>01-06-2019</a:t>
             </a:fld>
             <a:endParaRPr lang="en-IN"/>
           </a:p>
@@ -2957,7 +3480,7 @@
           <a:p>
             <a:fld id="{AE6CA53B-3A24-4A5D-9CEE-44C696A870A9}" type="datetimeFigureOut">
               <a:rPr lang="en-IN" smtClean="0"/>
-              <a:t>30-05-2019</a:t>
+              <a:t>01-06-2019</a:t>
             </a:fld>
             <a:endParaRPr lang="en-IN"/>
           </a:p>
@@ -3458,7 +3981,7 @@
           <a:p>
             <a:r>
               <a:rPr lang="en-IN" dirty="0"/>
-              <a:t>(You can reach me at </a:t>
+              <a:t>(You can reach us at </a:t>
             </a:r>
             <a:r>
               <a:rPr lang="en-IN" dirty="0">
@@ -3525,6 +4048,1147 @@
           <p:cNvPr id="2" name="Title 1">
             <a:extLst>
               <a:ext uri="{FF2B5EF4-FFF2-40B4-BE49-F238E27FC236}">
+                <a16:creationId xmlns:a16="http://schemas.microsoft.com/office/drawing/2014/main" id="{6F680400-C8C8-4F7F-92F2-05562AD0B6E6}"/>
+              </a:ext>
+            </a:extLst>
+          </p:cNvPr>
+          <p:cNvSpPr>
+            <a:spLocks noGrp="1"/>
+          </p:cNvSpPr>
+          <p:nvPr>
+            <p:ph type="title"/>
+          </p:nvPr>
+        </p:nvSpPr>
+        <p:spPr/>
+        <p:txBody>
+          <a:bodyPr/>
+          <a:lstStyle/>
+          <a:p>
+            <a:r>
+              <a:rPr lang="en-IN" dirty="0"/>
+              <a:t>Directory Contents (scripts)</a:t>
+            </a:r>
+          </a:p>
+        </p:txBody>
+      </p:sp>
+      <p:sp>
+        <p:nvSpPr>
+          <p:cNvPr id="3" name="Content Placeholder 2">
+            <a:extLst>
+              <a:ext uri="{FF2B5EF4-FFF2-40B4-BE49-F238E27FC236}">
+                <a16:creationId xmlns:a16="http://schemas.microsoft.com/office/drawing/2014/main" id="{67CBFE54-AA9D-46D3-AB3B-036C381B20A4}"/>
+              </a:ext>
+            </a:extLst>
+          </p:cNvPr>
+          <p:cNvSpPr>
+            <a:spLocks noGrp="1"/>
+          </p:cNvSpPr>
+          <p:nvPr>
+            <p:ph idx="1"/>
+          </p:nvPr>
+        </p:nvSpPr>
+        <p:spPr>
+          <a:xfrm>
+            <a:off x="838200" y="1825624"/>
+            <a:ext cx="4110990" cy="4872355"/>
+          </a:xfrm>
+        </p:spPr>
+        <p:txBody>
+          <a:bodyPr>
+            <a:normAutofit lnSpcReduction="10000"/>
+          </a:bodyPr>
+          <a:lstStyle/>
+          <a:p>
+            <a:r>
+              <a:rPr lang="en-IN" sz="1400" dirty="0">
+                <a:latin typeface="Arial" panose="020B0604020202020204" pitchFamily="34" charset="0"/>
+                <a:cs typeface="Arial" panose="020B0604020202020204" pitchFamily="34" charset="0"/>
+              </a:rPr>
+              <a:t>scripts</a:t>
+            </a:r>
+          </a:p>
+          <a:p>
+            <a:pPr lvl="1"/>
+            <a:r>
+              <a:rPr lang="en-IN" sz="1400" dirty="0">
+                <a:latin typeface="Arial" panose="020B0604020202020204" pitchFamily="34" charset="0"/>
+                <a:cs typeface="Arial" panose="020B0604020202020204" pitchFamily="34" charset="0"/>
+              </a:rPr>
+              <a:t>step1.bash</a:t>
+            </a:r>
+          </a:p>
+          <a:p>
+            <a:pPr lvl="1"/>
+            <a:r>
+              <a:rPr lang="en-IN" sz="1400" dirty="0">
+                <a:latin typeface="Arial" panose="020B0604020202020204" pitchFamily="34" charset="0"/>
+                <a:cs typeface="Arial" panose="020B0604020202020204" pitchFamily="34" charset="0"/>
+              </a:rPr>
+              <a:t>step1-datacreation-list.txt</a:t>
+            </a:r>
+          </a:p>
+          <a:p>
+            <a:pPr lvl="1"/>
+            <a:r>
+              <a:rPr lang="en-IN" sz="1400" dirty="0">
+                <a:latin typeface="Arial" panose="020B0604020202020204" pitchFamily="34" charset="0"/>
+                <a:cs typeface="Arial" panose="020B0604020202020204" pitchFamily="34" charset="0"/>
+              </a:rPr>
+              <a:t>step2a.bash</a:t>
+            </a:r>
+          </a:p>
+          <a:p>
+            <a:pPr lvl="1"/>
+            <a:r>
+              <a:rPr lang="en-IN" sz="1400" dirty="0">
+                <a:latin typeface="Arial" panose="020B0604020202020204" pitchFamily="34" charset="0"/>
+                <a:cs typeface="Arial" panose="020B0604020202020204" pitchFamily="34" charset="0"/>
+              </a:rPr>
+              <a:t>step2b.bash</a:t>
+            </a:r>
+          </a:p>
+          <a:p>
+            <a:pPr lvl="1"/>
+            <a:r>
+              <a:rPr lang="en-IN" sz="1400" dirty="0">
+                <a:latin typeface="Arial" panose="020B0604020202020204" pitchFamily="34" charset="0"/>
+                <a:cs typeface="Arial" panose="020B0604020202020204" pitchFamily="34" charset="0"/>
+              </a:rPr>
+              <a:t>step2c.bash</a:t>
+            </a:r>
+          </a:p>
+          <a:p>
+            <a:pPr lvl="1"/>
+            <a:r>
+              <a:rPr lang="en-IN" sz="1400" dirty="0">
+                <a:latin typeface="Arial" panose="020B0604020202020204" pitchFamily="34" charset="0"/>
+                <a:cs typeface="Arial" panose="020B0604020202020204" pitchFamily="34" charset="0"/>
+              </a:rPr>
+              <a:t>step2d.bash</a:t>
+            </a:r>
+          </a:p>
+          <a:p>
+            <a:pPr lvl="1"/>
+            <a:r>
+              <a:rPr lang="en-IN" sz="1400" dirty="0">
+                <a:latin typeface="Arial" panose="020B0604020202020204" pitchFamily="34" charset="0"/>
+                <a:cs typeface="Arial" panose="020B0604020202020204" pitchFamily="34" charset="0"/>
+              </a:rPr>
+              <a:t>step3.bash</a:t>
+            </a:r>
+          </a:p>
+          <a:p>
+            <a:pPr lvl="1"/>
+            <a:r>
+              <a:rPr lang="en-IN" sz="1400" dirty="0">
+                <a:latin typeface="Arial" panose="020B0604020202020204" pitchFamily="34" charset="0"/>
+                <a:cs typeface="Arial" panose="020B0604020202020204" pitchFamily="34" charset="0"/>
+              </a:rPr>
+              <a:t>step4.bash</a:t>
+            </a:r>
+          </a:p>
+          <a:p>
+            <a:pPr lvl="1"/>
+            <a:r>
+              <a:rPr lang="en-IN" sz="1400" dirty="0">
+                <a:latin typeface="Arial" panose="020B0604020202020204" pitchFamily="34" charset="0"/>
+                <a:cs typeface="Arial" panose="020B0604020202020204" pitchFamily="34" charset="0"/>
+              </a:rPr>
+              <a:t>step4forset0.bash</a:t>
+            </a:r>
+          </a:p>
+          <a:p>
+            <a:pPr lvl="1"/>
+            <a:endParaRPr lang="en-IN" sz="1400" dirty="0">
+              <a:latin typeface="Arial" panose="020B0604020202020204" pitchFamily="34" charset="0"/>
+              <a:cs typeface="Arial" panose="020B0604020202020204" pitchFamily="34" charset="0"/>
+            </a:endParaRPr>
+          </a:p>
+          <a:p>
+            <a:pPr lvl="1"/>
+            <a:r>
+              <a:rPr lang="en-IN" sz="1400" dirty="0">
+                <a:latin typeface="Arial" panose="020B0604020202020204" pitchFamily="34" charset="0"/>
+                <a:cs typeface="Arial" panose="020B0604020202020204" pitchFamily="34" charset="0"/>
+              </a:rPr>
+              <a:t>steps2run</a:t>
+            </a:r>
+          </a:p>
+          <a:p>
+            <a:pPr lvl="1"/>
+            <a:endParaRPr lang="en-IN" sz="1400" dirty="0">
+              <a:latin typeface="Arial" panose="020B0604020202020204" pitchFamily="34" charset="0"/>
+              <a:cs typeface="Arial" panose="020B0604020202020204" pitchFamily="34" charset="0"/>
+            </a:endParaRPr>
+          </a:p>
+          <a:p>
+            <a:pPr lvl="1"/>
+            <a:endParaRPr lang="en-IN" sz="1400" dirty="0">
+              <a:latin typeface="Arial" panose="020B0604020202020204" pitchFamily="34" charset="0"/>
+              <a:cs typeface="Arial" panose="020B0604020202020204" pitchFamily="34" charset="0"/>
+            </a:endParaRPr>
+          </a:p>
+          <a:p>
+            <a:pPr lvl="1"/>
+            <a:r>
+              <a:rPr lang="en-IN" sz="1400" dirty="0">
+                <a:latin typeface="Arial" panose="020B0604020202020204" pitchFamily="34" charset="0"/>
+                <a:cs typeface="Arial" panose="020B0604020202020204" pitchFamily="34" charset="0"/>
+              </a:rPr>
+              <a:t>friedman-consolidation-list.txt</a:t>
+            </a:r>
+          </a:p>
+          <a:p>
+            <a:pPr lvl="1"/>
+            <a:r>
+              <a:rPr lang="en-IN" sz="1400" dirty="0">
+                <a:latin typeface="Arial" panose="020B0604020202020204" pitchFamily="34" charset="0"/>
+                <a:cs typeface="Arial" panose="020B0604020202020204" pitchFamily="34" charset="0"/>
+              </a:rPr>
+              <a:t>consolidate.awk</a:t>
+            </a:r>
+          </a:p>
+          <a:p>
+            <a:pPr lvl="1"/>
+            <a:r>
+              <a:rPr lang="en-IN" sz="1400" dirty="0">
+                <a:latin typeface="Arial" panose="020B0604020202020204" pitchFamily="34" charset="0"/>
+                <a:cs typeface="Arial" panose="020B0604020202020204" pitchFamily="34" charset="0"/>
+              </a:rPr>
+              <a:t>genfriedmandata.bash</a:t>
+            </a:r>
+          </a:p>
+          <a:p>
+            <a:pPr lvl="1"/>
+            <a:endParaRPr lang="en-IN" sz="1400" dirty="0">
+              <a:latin typeface="Arial" panose="020B0604020202020204" pitchFamily="34" charset="0"/>
+              <a:cs typeface="Arial" panose="020B0604020202020204" pitchFamily="34" charset="0"/>
+            </a:endParaRPr>
+          </a:p>
+          <a:p>
+            <a:pPr lvl="1"/>
+            <a:r>
+              <a:rPr lang="en-IN" sz="1400" dirty="0">
+                <a:latin typeface="Arial" panose="020B0604020202020204" pitchFamily="34" charset="0"/>
+                <a:cs typeface="Arial" panose="020B0604020202020204" pitchFamily="34" charset="0"/>
+              </a:rPr>
+              <a:t>friedman_list.txt</a:t>
+            </a:r>
+          </a:p>
+          <a:p>
+            <a:pPr lvl="1"/>
+            <a:r>
+              <a:rPr lang="en-IN" sz="1400" dirty="0">
+                <a:latin typeface="Arial" panose="020B0604020202020204" pitchFamily="34" charset="0"/>
+                <a:cs typeface="Arial" panose="020B0604020202020204" pitchFamily="34" charset="0"/>
+              </a:rPr>
+              <a:t>MATLAB</a:t>
+            </a:r>
+          </a:p>
+          <a:p>
+            <a:pPr lvl="1"/>
+            <a:endParaRPr lang="en-IN" sz="1400" dirty="0">
+              <a:latin typeface="Arial" panose="020B0604020202020204" pitchFamily="34" charset="0"/>
+              <a:cs typeface="Arial" panose="020B0604020202020204" pitchFamily="34" charset="0"/>
+            </a:endParaRPr>
+          </a:p>
+          <a:p>
+            <a:pPr lvl="1"/>
+            <a:endParaRPr lang="en-IN" sz="1400" dirty="0">
+              <a:latin typeface="Arial" panose="020B0604020202020204" pitchFamily="34" charset="0"/>
+              <a:cs typeface="Arial" panose="020B0604020202020204" pitchFamily="34" charset="0"/>
+            </a:endParaRPr>
+          </a:p>
+          <a:p>
+            <a:pPr lvl="1"/>
+            <a:endParaRPr lang="en-IN" sz="1400" dirty="0">
+              <a:latin typeface="Arial" panose="020B0604020202020204" pitchFamily="34" charset="0"/>
+              <a:cs typeface="Arial" panose="020B0604020202020204" pitchFamily="34" charset="0"/>
+            </a:endParaRPr>
+          </a:p>
+          <a:p>
+            <a:pPr lvl="1"/>
+            <a:endParaRPr lang="en-IN" sz="1400" dirty="0">
+              <a:latin typeface="Arial" panose="020B0604020202020204" pitchFamily="34" charset="0"/>
+              <a:cs typeface="Arial" panose="020B0604020202020204" pitchFamily="34" charset="0"/>
+            </a:endParaRPr>
+          </a:p>
+        </p:txBody>
+      </p:sp>
+      <p:sp>
+        <p:nvSpPr>
+          <p:cNvPr id="4" name="Rectangle 3">
+            <a:extLst>
+              <a:ext uri="{FF2B5EF4-FFF2-40B4-BE49-F238E27FC236}">
+                <a16:creationId xmlns:a16="http://schemas.microsoft.com/office/drawing/2014/main" id="{CEDD7E7D-E490-4BAC-861D-57C3A03F13BA}"/>
+              </a:ext>
+            </a:extLst>
+          </p:cNvPr>
+          <p:cNvSpPr/>
+          <p:nvPr/>
+        </p:nvSpPr>
+        <p:spPr>
+          <a:xfrm>
+            <a:off x="5072268" y="2702069"/>
+            <a:ext cx="5380986" cy="461665"/>
+          </a:xfrm>
+          <a:prstGeom prst="rect">
+            <a:avLst/>
+          </a:prstGeom>
+          <a:solidFill>
+            <a:schemeClr val="accent1">
+              <a:lumMod val="20000"/>
+              <a:lumOff val="80000"/>
+            </a:schemeClr>
+          </a:solidFill>
+        </p:spPr>
+        <p:txBody>
+          <a:bodyPr wrap="square">
+            <a:spAutoFit/>
+          </a:bodyPr>
+          <a:lstStyle/>
+          <a:p>
+            <a:r>
+              <a:rPr lang="en-IN" sz="1200" b="1" dirty="0">
+                <a:latin typeface="Arial" panose="020B0604020202020204" pitchFamily="34" charset="0"/>
+                <a:cs typeface="Arial" panose="020B0604020202020204" pitchFamily="34" charset="0"/>
+              </a:rPr>
+              <a:t>For pre-processing data needed for machine learning, training and evaluation. </a:t>
+            </a:r>
+            <a:endParaRPr lang="en-IN" sz="1200" dirty="0">
+              <a:latin typeface="Arial" panose="020B0604020202020204" pitchFamily="34" charset="0"/>
+              <a:cs typeface="Arial" panose="020B0604020202020204" pitchFamily="34" charset="0"/>
+            </a:endParaRPr>
+          </a:p>
+        </p:txBody>
+      </p:sp>
+      <p:cxnSp>
+        <p:nvCxnSpPr>
+          <p:cNvPr id="5" name="Straight Arrow Connector 4">
+            <a:extLst>
+              <a:ext uri="{FF2B5EF4-FFF2-40B4-BE49-F238E27FC236}">
+                <a16:creationId xmlns:a16="http://schemas.microsoft.com/office/drawing/2014/main" id="{2D7071CE-6C7A-4E57-8152-8F0AD4DA66AE}"/>
+              </a:ext>
+            </a:extLst>
+          </p:cNvPr>
+          <p:cNvCxnSpPr/>
+          <p:nvPr/>
+        </p:nvCxnSpPr>
+        <p:spPr>
+          <a:xfrm>
+            <a:off x="3408218" y="2909454"/>
+            <a:ext cx="1664050" cy="0"/>
+          </a:xfrm>
+          <a:prstGeom prst="straightConnector1">
+            <a:avLst/>
+          </a:prstGeom>
+          <a:ln w="76200">
+            <a:tailEnd type="triangle"/>
+          </a:ln>
+        </p:spPr>
+        <p:style>
+          <a:lnRef idx="1">
+            <a:schemeClr val="accent1"/>
+          </a:lnRef>
+          <a:fillRef idx="0">
+            <a:schemeClr val="accent1"/>
+          </a:fillRef>
+          <a:effectRef idx="0">
+            <a:schemeClr val="accent1"/>
+          </a:effectRef>
+          <a:fontRef idx="minor">
+            <a:schemeClr val="tx1"/>
+          </a:fontRef>
+        </p:style>
+      </p:cxnSp>
+      <p:sp>
+        <p:nvSpPr>
+          <p:cNvPr id="6" name="Rectangle 5">
+            <a:extLst>
+              <a:ext uri="{FF2B5EF4-FFF2-40B4-BE49-F238E27FC236}">
+                <a16:creationId xmlns:a16="http://schemas.microsoft.com/office/drawing/2014/main" id="{AEAD0ABD-3037-4495-AA70-F62E320E90FB}"/>
+              </a:ext>
+            </a:extLst>
+          </p:cNvPr>
+          <p:cNvSpPr/>
+          <p:nvPr/>
+        </p:nvSpPr>
+        <p:spPr>
+          <a:xfrm>
+            <a:off x="5072268" y="5316907"/>
+            <a:ext cx="5380986" cy="276999"/>
+          </a:xfrm>
+          <a:prstGeom prst="rect">
+            <a:avLst/>
+          </a:prstGeom>
+          <a:solidFill>
+            <a:schemeClr val="accent1">
+              <a:lumMod val="20000"/>
+              <a:lumOff val="80000"/>
+            </a:schemeClr>
+          </a:solidFill>
+        </p:spPr>
+        <p:txBody>
+          <a:bodyPr wrap="square">
+            <a:spAutoFit/>
+          </a:bodyPr>
+          <a:lstStyle/>
+          <a:p>
+            <a:r>
+              <a:rPr lang="en-IN" sz="1200" b="1" dirty="0">
+                <a:latin typeface="Arial" panose="020B0604020202020204" pitchFamily="34" charset="0"/>
+                <a:cs typeface="Arial" panose="020B0604020202020204" pitchFamily="34" charset="0"/>
+              </a:rPr>
+              <a:t>For preparing data to be used in Friedman test. </a:t>
+            </a:r>
+            <a:endParaRPr lang="en-IN" sz="1200" dirty="0">
+              <a:latin typeface="Arial" panose="020B0604020202020204" pitchFamily="34" charset="0"/>
+              <a:cs typeface="Arial" panose="020B0604020202020204" pitchFamily="34" charset="0"/>
+            </a:endParaRPr>
+          </a:p>
+        </p:txBody>
+      </p:sp>
+      <p:cxnSp>
+        <p:nvCxnSpPr>
+          <p:cNvPr id="7" name="Straight Arrow Connector 6">
+            <a:extLst>
+              <a:ext uri="{FF2B5EF4-FFF2-40B4-BE49-F238E27FC236}">
+                <a16:creationId xmlns:a16="http://schemas.microsoft.com/office/drawing/2014/main" id="{705857B8-295A-4F26-9F6C-30FB90C316C8}"/>
+              </a:ext>
+            </a:extLst>
+          </p:cNvPr>
+          <p:cNvCxnSpPr/>
+          <p:nvPr/>
+        </p:nvCxnSpPr>
+        <p:spPr>
+          <a:xfrm>
+            <a:off x="3408218" y="5441501"/>
+            <a:ext cx="1664050" cy="0"/>
+          </a:xfrm>
+          <a:prstGeom prst="straightConnector1">
+            <a:avLst/>
+          </a:prstGeom>
+          <a:ln w="76200">
+            <a:tailEnd type="triangle"/>
+          </a:ln>
+        </p:spPr>
+        <p:style>
+          <a:lnRef idx="1">
+            <a:schemeClr val="accent1"/>
+          </a:lnRef>
+          <a:fillRef idx="0">
+            <a:schemeClr val="accent1"/>
+          </a:fillRef>
+          <a:effectRef idx="0">
+            <a:schemeClr val="accent1"/>
+          </a:effectRef>
+          <a:fontRef idx="minor">
+            <a:schemeClr val="tx1"/>
+          </a:fontRef>
+        </p:style>
+      </p:cxnSp>
+      <p:sp>
+        <p:nvSpPr>
+          <p:cNvPr id="8" name="Rectangle 7">
+            <a:extLst>
+              <a:ext uri="{FF2B5EF4-FFF2-40B4-BE49-F238E27FC236}">
+                <a16:creationId xmlns:a16="http://schemas.microsoft.com/office/drawing/2014/main" id="{1C9EF80F-D191-4CA5-89FC-9AA334A5EE44}"/>
+              </a:ext>
+            </a:extLst>
+          </p:cNvPr>
+          <p:cNvSpPr/>
+          <p:nvPr/>
+        </p:nvSpPr>
+        <p:spPr>
+          <a:xfrm>
+            <a:off x="5072268" y="5991266"/>
+            <a:ext cx="5380986" cy="276999"/>
+          </a:xfrm>
+          <a:prstGeom prst="rect">
+            <a:avLst/>
+          </a:prstGeom>
+          <a:solidFill>
+            <a:schemeClr val="accent1">
+              <a:lumMod val="20000"/>
+              <a:lumOff val="80000"/>
+            </a:schemeClr>
+          </a:solidFill>
+        </p:spPr>
+        <p:txBody>
+          <a:bodyPr wrap="square">
+            <a:spAutoFit/>
+          </a:bodyPr>
+          <a:lstStyle/>
+          <a:p>
+            <a:r>
+              <a:rPr lang="en-IN" sz="1200" b="1" dirty="0">
+                <a:latin typeface="Arial" panose="020B0604020202020204" pitchFamily="34" charset="0"/>
+                <a:cs typeface="Arial" panose="020B0604020202020204" pitchFamily="34" charset="0"/>
+              </a:rPr>
+              <a:t>For executing the Friedman and PostHoc test. </a:t>
+            </a:r>
+            <a:endParaRPr lang="en-IN" sz="1200" dirty="0">
+              <a:latin typeface="Arial" panose="020B0604020202020204" pitchFamily="34" charset="0"/>
+              <a:cs typeface="Arial" panose="020B0604020202020204" pitchFamily="34" charset="0"/>
+            </a:endParaRPr>
+          </a:p>
+        </p:txBody>
+      </p:sp>
+      <p:cxnSp>
+        <p:nvCxnSpPr>
+          <p:cNvPr id="9" name="Straight Arrow Connector 8">
+            <a:extLst>
+              <a:ext uri="{FF2B5EF4-FFF2-40B4-BE49-F238E27FC236}">
+                <a16:creationId xmlns:a16="http://schemas.microsoft.com/office/drawing/2014/main" id="{98BB43F2-4809-4212-8CBE-AA79B44CEEBC}"/>
+              </a:ext>
+            </a:extLst>
+          </p:cNvPr>
+          <p:cNvCxnSpPr/>
+          <p:nvPr/>
+        </p:nvCxnSpPr>
+        <p:spPr>
+          <a:xfrm>
+            <a:off x="3408218" y="6115860"/>
+            <a:ext cx="1664050" cy="0"/>
+          </a:xfrm>
+          <a:prstGeom prst="straightConnector1">
+            <a:avLst/>
+          </a:prstGeom>
+          <a:ln w="76200">
+            <a:tailEnd type="triangle"/>
+          </a:ln>
+        </p:spPr>
+        <p:style>
+          <a:lnRef idx="1">
+            <a:schemeClr val="accent1"/>
+          </a:lnRef>
+          <a:fillRef idx="0">
+            <a:schemeClr val="accent1"/>
+          </a:fillRef>
+          <a:effectRef idx="0">
+            <a:schemeClr val="accent1"/>
+          </a:effectRef>
+          <a:fontRef idx="minor">
+            <a:schemeClr val="tx1"/>
+          </a:fontRef>
+        </p:style>
+      </p:cxnSp>
+      <p:sp>
+        <p:nvSpPr>
+          <p:cNvPr id="10" name="Rectangle 9">
+            <a:extLst>
+              <a:ext uri="{FF2B5EF4-FFF2-40B4-BE49-F238E27FC236}">
+                <a16:creationId xmlns:a16="http://schemas.microsoft.com/office/drawing/2014/main" id="{3ADDC917-0375-4504-A723-32427DB3B8E9}"/>
+              </a:ext>
+            </a:extLst>
+          </p:cNvPr>
+          <p:cNvSpPr/>
+          <p:nvPr/>
+        </p:nvSpPr>
+        <p:spPr>
+          <a:xfrm>
+            <a:off x="5072268" y="4264843"/>
+            <a:ext cx="5380986" cy="461665"/>
+          </a:xfrm>
+          <a:prstGeom prst="rect">
+            <a:avLst/>
+          </a:prstGeom>
+          <a:solidFill>
+            <a:schemeClr val="accent1">
+              <a:lumMod val="20000"/>
+              <a:lumOff val="80000"/>
+            </a:schemeClr>
+          </a:solidFill>
+        </p:spPr>
+        <p:txBody>
+          <a:bodyPr wrap="square">
+            <a:spAutoFit/>
+          </a:bodyPr>
+          <a:lstStyle/>
+          <a:p>
+            <a:r>
+              <a:rPr lang="en-IN" sz="1200" b="1" dirty="0">
+                <a:latin typeface="Arial" panose="020B0604020202020204" pitchFamily="34" charset="0"/>
+                <a:cs typeface="Arial" panose="020B0604020202020204" pitchFamily="34" charset="0"/>
+              </a:rPr>
+              <a:t>Usage commands for all above steps are included in steps2run for quick reference and use.</a:t>
+            </a:r>
+            <a:endParaRPr lang="en-IN" sz="1200" dirty="0">
+              <a:latin typeface="Arial" panose="020B0604020202020204" pitchFamily="34" charset="0"/>
+              <a:cs typeface="Arial" panose="020B0604020202020204" pitchFamily="34" charset="0"/>
+            </a:endParaRPr>
+          </a:p>
+        </p:txBody>
+      </p:sp>
+      <p:cxnSp>
+        <p:nvCxnSpPr>
+          <p:cNvPr id="11" name="Straight Arrow Connector 10">
+            <a:extLst>
+              <a:ext uri="{FF2B5EF4-FFF2-40B4-BE49-F238E27FC236}">
+                <a16:creationId xmlns:a16="http://schemas.microsoft.com/office/drawing/2014/main" id="{1CC1C668-7872-4B41-BF3F-A6A0C79D08D1}"/>
+              </a:ext>
+            </a:extLst>
+          </p:cNvPr>
+          <p:cNvCxnSpPr/>
+          <p:nvPr/>
+        </p:nvCxnSpPr>
+        <p:spPr>
+          <a:xfrm>
+            <a:off x="3408218" y="4529087"/>
+            <a:ext cx="1664050" cy="0"/>
+          </a:xfrm>
+          <a:prstGeom prst="straightConnector1">
+            <a:avLst/>
+          </a:prstGeom>
+          <a:ln w="76200">
+            <a:tailEnd type="triangle"/>
+          </a:ln>
+        </p:spPr>
+        <p:style>
+          <a:lnRef idx="1">
+            <a:schemeClr val="accent1"/>
+          </a:lnRef>
+          <a:fillRef idx="0">
+            <a:schemeClr val="accent1"/>
+          </a:fillRef>
+          <a:effectRef idx="0">
+            <a:schemeClr val="accent1"/>
+          </a:effectRef>
+          <a:fontRef idx="minor">
+            <a:schemeClr val="tx1"/>
+          </a:fontRef>
+        </p:style>
+      </p:cxnSp>
+    </p:spTree>
+    <p:extLst>
+      <p:ext uri="{BB962C8B-B14F-4D97-AF65-F5344CB8AC3E}">
+        <p14:creationId xmlns:p14="http://schemas.microsoft.com/office/powerpoint/2010/main" val="2706542876"/>
+      </p:ext>
+    </p:extLst>
+  </p:cSld>
+  <p:clrMapOvr>
+    <a:masterClrMapping/>
+  </p:clrMapOvr>
+</p:sld>
+</file>
+
+<file path=ppt/slides/slide11.xml><?xml version="1.0" encoding="utf-8"?>
+<p:sld xmlns:a="http://schemas.openxmlformats.org/drawingml/2006/main" xmlns:r="http://schemas.openxmlformats.org/officeDocument/2006/relationships" xmlns:p="http://schemas.openxmlformats.org/presentationml/2006/main">
+  <p:cSld>
+    <p:spTree>
+      <p:nvGrpSpPr>
+        <p:cNvPr id="1" name=""/>
+        <p:cNvGrpSpPr/>
+        <p:nvPr/>
+      </p:nvGrpSpPr>
+      <p:grpSpPr>
+        <a:xfrm>
+          <a:off x="0" y="0"/>
+          <a:ext cx="0" cy="0"/>
+          <a:chOff x="0" y="0"/>
+          <a:chExt cx="0" cy="0"/>
+        </a:xfrm>
+      </p:grpSpPr>
+      <p:sp>
+        <p:nvSpPr>
+          <p:cNvPr id="2" name="Title 1">
+            <a:extLst>
+              <a:ext uri="{FF2B5EF4-FFF2-40B4-BE49-F238E27FC236}">
+                <a16:creationId xmlns:a16="http://schemas.microsoft.com/office/drawing/2014/main" id="{771FA61A-2BA4-485A-8AE8-DB17B19874F3}"/>
+              </a:ext>
+            </a:extLst>
+          </p:cNvPr>
+          <p:cNvSpPr>
+            <a:spLocks noGrp="1"/>
+          </p:cNvSpPr>
+          <p:nvPr>
+            <p:ph type="title"/>
+          </p:nvPr>
+        </p:nvSpPr>
+        <p:spPr/>
+        <p:txBody>
+          <a:bodyPr/>
+          <a:lstStyle/>
+          <a:p>
+            <a:r>
+              <a:rPr lang="en-IN" dirty="0"/>
+              <a:t>Dependent files</a:t>
+            </a:r>
+          </a:p>
+        </p:txBody>
+      </p:sp>
+      <p:sp>
+        <p:nvSpPr>
+          <p:cNvPr id="3" name="Content Placeholder 2">
+            <a:extLst>
+              <a:ext uri="{FF2B5EF4-FFF2-40B4-BE49-F238E27FC236}">
+                <a16:creationId xmlns:a16="http://schemas.microsoft.com/office/drawing/2014/main" id="{9D8AA3D5-F986-4550-A7FF-B47A49670AEC}"/>
+              </a:ext>
+            </a:extLst>
+          </p:cNvPr>
+          <p:cNvSpPr>
+            <a:spLocks noGrp="1"/>
+          </p:cNvSpPr>
+          <p:nvPr>
+            <p:ph idx="1"/>
+          </p:nvPr>
+        </p:nvSpPr>
+        <p:spPr>
+          <a:xfrm>
+            <a:off x="838200" y="1690689"/>
+            <a:ext cx="10515600" cy="4499096"/>
+          </a:xfrm>
+        </p:spPr>
+        <p:txBody>
+          <a:bodyPr>
+            <a:normAutofit fontScale="47500" lnSpcReduction="20000"/>
+          </a:bodyPr>
+          <a:lstStyle/>
+          <a:p>
+            <a:r>
+              <a:rPr lang="en-IN" sz="2900" dirty="0">
+                <a:latin typeface="Arial" panose="020B0604020202020204" pitchFamily="34" charset="0"/>
+                <a:cs typeface="Arial" panose="020B0604020202020204" pitchFamily="34" charset="0"/>
+              </a:rPr>
+              <a:t>Based on Weka tool</a:t>
+            </a:r>
+          </a:p>
+          <a:p>
+            <a:endParaRPr lang="en-IN" sz="2900" dirty="0">
+              <a:latin typeface="Arial" panose="020B0604020202020204" pitchFamily="34" charset="0"/>
+              <a:cs typeface="Arial" panose="020B0604020202020204" pitchFamily="34" charset="0"/>
+            </a:endParaRPr>
+          </a:p>
+          <a:p>
+            <a:r>
+              <a:rPr lang="en-IN" sz="2900" dirty="0">
+                <a:latin typeface="Arial" panose="020B0604020202020204" pitchFamily="34" charset="0"/>
+                <a:cs typeface="Arial" panose="020B0604020202020204" pitchFamily="34" charset="0"/>
+              </a:rPr>
+              <a:t>Developed and tried on CentOS</a:t>
+            </a:r>
+          </a:p>
+          <a:p>
+            <a:endParaRPr lang="en-IN" sz="2900" dirty="0">
+              <a:latin typeface="Arial" panose="020B0604020202020204" pitchFamily="34" charset="0"/>
+              <a:cs typeface="Arial" panose="020B0604020202020204" pitchFamily="34" charset="0"/>
+            </a:endParaRPr>
+          </a:p>
+          <a:p>
+            <a:r>
+              <a:rPr lang="en-IN" sz="2900" dirty="0">
+                <a:latin typeface="Arial" panose="020B0604020202020204" pitchFamily="34" charset="0"/>
+                <a:cs typeface="Arial" panose="020B0604020202020204" pitchFamily="34" charset="0"/>
+              </a:rPr>
+              <a:t>Dependent files</a:t>
+            </a:r>
+          </a:p>
+          <a:p>
+            <a:pPr lvl="1"/>
+            <a:r>
+              <a:rPr lang="en-IN" sz="2900" dirty="0">
+                <a:latin typeface="Arial" panose="020B0604020202020204" pitchFamily="34" charset="0"/>
+                <a:cs typeface="Arial" panose="020B0604020202020204" pitchFamily="34" charset="0"/>
+              </a:rPr>
+              <a:t>Weka core: weka.jar, mtj.jar</a:t>
+            </a:r>
+          </a:p>
+          <a:p>
+            <a:pPr lvl="1"/>
+            <a:r>
+              <a:rPr lang="en-IN" sz="2900" dirty="0">
+                <a:latin typeface="Arial" panose="020B0604020202020204" pitchFamily="34" charset="0"/>
+                <a:cs typeface="Arial" panose="020B0604020202020204" pitchFamily="34" charset="0"/>
+              </a:rPr>
+              <a:t>Weka packages which are not part of core and have to be installed separately</a:t>
+            </a:r>
+          </a:p>
+          <a:p>
+            <a:pPr lvl="2"/>
+            <a:r>
+              <a:rPr lang="en-IN" sz="2900" dirty="0">
+                <a:latin typeface="Arial" panose="020B0604020202020204" pitchFamily="34" charset="0"/>
+                <a:cs typeface="Arial" panose="020B0604020202020204" pitchFamily="34" charset="0"/>
+              </a:rPr>
+              <a:t>isotonicRegression.jar, leastMedSquared.jar, paceRegression.jar, RBFNetwork.jar</a:t>
+            </a:r>
+          </a:p>
+          <a:p>
+            <a:pPr lvl="1"/>
+            <a:r>
+              <a:rPr lang="en-IN" sz="2900" dirty="0">
+                <a:latin typeface="Arial" panose="020B0604020202020204" pitchFamily="34" charset="0"/>
+                <a:cs typeface="Arial" panose="020B0604020202020204" pitchFamily="34" charset="0"/>
+              </a:rPr>
+              <a:t>Apache: commons-cli-1.4.jar, commons-csv-1.5.jar, commons-math3-3.6.1.jar</a:t>
+            </a:r>
+          </a:p>
+          <a:p>
+            <a:pPr lvl="1"/>
+            <a:r>
+              <a:rPr lang="en-IN" sz="2900" dirty="0">
+                <a:latin typeface="Arial" panose="020B0604020202020204" pitchFamily="34" charset="0"/>
+                <a:cs typeface="Arial" panose="020B0604020202020204" pitchFamily="34" charset="0"/>
+              </a:rPr>
+              <a:t>Custom</a:t>
+            </a:r>
+            <a:r>
+              <a:rPr lang="en-IN" sz="2900" b="1" dirty="0">
+                <a:latin typeface="Arial" panose="020B0604020202020204" pitchFamily="34" charset="0"/>
+                <a:cs typeface="Arial" panose="020B0604020202020204" pitchFamily="34" charset="0"/>
+              </a:rPr>
+              <a:t>: model-eval.jar*</a:t>
+            </a:r>
+            <a:endParaRPr lang="en-IN" sz="2900" dirty="0">
+              <a:latin typeface="Arial" panose="020B0604020202020204" pitchFamily="34" charset="0"/>
+              <a:cs typeface="Arial" panose="020B0604020202020204" pitchFamily="34" charset="0"/>
+            </a:endParaRPr>
+          </a:p>
+          <a:p>
+            <a:endParaRPr lang="en-IN" sz="2900" dirty="0">
+              <a:latin typeface="Arial" panose="020B0604020202020204" pitchFamily="34" charset="0"/>
+              <a:cs typeface="Arial" panose="020B0604020202020204" pitchFamily="34" charset="0"/>
+            </a:endParaRPr>
+          </a:p>
+          <a:p>
+            <a:r>
+              <a:rPr lang="en-IN" sz="2900" dirty="0">
+                <a:latin typeface="Arial" panose="020B0604020202020204" pitchFamily="34" charset="0"/>
+                <a:cs typeface="Arial" panose="020B0604020202020204" pitchFamily="34" charset="0"/>
+              </a:rPr>
+              <a:t>Make changes in CLAZZ_PATH variable (present inside scripts) as applicable.</a:t>
+            </a:r>
+          </a:p>
+          <a:p>
+            <a:pPr lvl="1"/>
+            <a:r>
+              <a:rPr lang="en-IN" sz="2900" dirty="0">
+                <a:latin typeface="Arial" panose="020B0604020202020204" pitchFamily="34" charset="0"/>
+                <a:cs typeface="Arial" panose="020B0604020202020204" pitchFamily="34" charset="0"/>
+              </a:rPr>
+              <a:t>CLAZZ_PATH="-cp /home/</a:t>
+            </a:r>
+            <a:r>
+              <a:rPr lang="en-IN" sz="2900" dirty="0" err="1">
+                <a:latin typeface="Arial" panose="020B0604020202020204" pitchFamily="34" charset="0"/>
+                <a:cs typeface="Arial" panose="020B0604020202020204" pitchFamily="34" charset="0"/>
+              </a:rPr>
+              <a:t>magellan</a:t>
+            </a:r>
+            <a:r>
+              <a:rPr lang="en-IN" sz="2900" dirty="0">
+                <a:latin typeface="Arial" panose="020B0604020202020204" pitchFamily="34" charset="0"/>
+                <a:cs typeface="Arial" panose="020B0604020202020204" pitchFamily="34" charset="0"/>
+              </a:rPr>
+              <a:t>/weka-3-8-1/weka.jar:/home/</a:t>
+            </a:r>
+            <a:r>
+              <a:rPr lang="en-IN" sz="2900" dirty="0" err="1">
+                <a:latin typeface="Arial" panose="020B0604020202020204" pitchFamily="34" charset="0"/>
+                <a:cs typeface="Arial" panose="020B0604020202020204" pitchFamily="34" charset="0"/>
+              </a:rPr>
+              <a:t>magellan</a:t>
+            </a:r>
+            <a:r>
+              <a:rPr lang="en-IN" sz="2900" dirty="0">
+                <a:latin typeface="Arial" panose="020B0604020202020204" pitchFamily="34" charset="0"/>
+                <a:cs typeface="Arial" panose="020B0604020202020204" pitchFamily="34" charset="0"/>
+              </a:rPr>
+              <a:t>/weka-3-8-1/mtj.jar:/home/</a:t>
+            </a:r>
+            <a:r>
+              <a:rPr lang="en-IN" sz="2900" dirty="0" err="1">
+                <a:latin typeface="Arial" panose="020B0604020202020204" pitchFamily="34" charset="0"/>
+                <a:cs typeface="Arial" panose="020B0604020202020204" pitchFamily="34" charset="0"/>
+              </a:rPr>
+              <a:t>magellan</a:t>
+            </a:r>
+            <a:r>
+              <a:rPr lang="en-IN" sz="2900" dirty="0">
+                <a:latin typeface="Arial" panose="020B0604020202020204" pitchFamily="34" charset="0"/>
+                <a:cs typeface="Arial" panose="020B0604020202020204" pitchFamily="34" charset="0"/>
+              </a:rPr>
+              <a:t>/weka-3-8-1/model-eval.jar:/home/</a:t>
+            </a:r>
+            <a:r>
+              <a:rPr lang="en-IN" sz="2900" dirty="0" err="1">
+                <a:latin typeface="Arial" panose="020B0604020202020204" pitchFamily="34" charset="0"/>
+                <a:cs typeface="Arial" panose="020B0604020202020204" pitchFamily="34" charset="0"/>
+              </a:rPr>
+              <a:t>magellan</a:t>
+            </a:r>
+            <a:r>
+              <a:rPr lang="en-IN" sz="2900" dirty="0">
+                <a:latin typeface="Arial" panose="020B0604020202020204" pitchFamily="34" charset="0"/>
+                <a:cs typeface="Arial" panose="020B0604020202020204" pitchFamily="34" charset="0"/>
+              </a:rPr>
+              <a:t>/jars/commons-cli-1.4.jar:/home/</a:t>
+            </a:r>
+            <a:r>
+              <a:rPr lang="en-IN" sz="2900" dirty="0" err="1">
+                <a:latin typeface="Arial" panose="020B0604020202020204" pitchFamily="34" charset="0"/>
+                <a:cs typeface="Arial" panose="020B0604020202020204" pitchFamily="34" charset="0"/>
+              </a:rPr>
+              <a:t>magellan</a:t>
+            </a:r>
+            <a:r>
+              <a:rPr lang="en-IN" sz="2900" dirty="0">
+                <a:latin typeface="Arial" panose="020B0604020202020204" pitchFamily="34" charset="0"/>
+                <a:cs typeface="Arial" panose="020B0604020202020204" pitchFamily="34" charset="0"/>
+              </a:rPr>
+              <a:t>/jars/commons-csv-1.5.jar:/home/</a:t>
+            </a:r>
+            <a:r>
+              <a:rPr lang="en-IN" sz="2900" dirty="0" err="1">
+                <a:latin typeface="Arial" panose="020B0604020202020204" pitchFamily="34" charset="0"/>
+                <a:cs typeface="Arial" panose="020B0604020202020204" pitchFamily="34" charset="0"/>
+              </a:rPr>
+              <a:t>magellan</a:t>
+            </a:r>
+            <a:r>
+              <a:rPr lang="en-IN" sz="2900" dirty="0">
+                <a:latin typeface="Arial" panose="020B0604020202020204" pitchFamily="34" charset="0"/>
+                <a:cs typeface="Arial" panose="020B0604020202020204" pitchFamily="34" charset="0"/>
+              </a:rPr>
+              <a:t>/jars/commons-math3-3.6.1.jar:/home/</a:t>
+            </a:r>
+            <a:r>
+              <a:rPr lang="en-IN" sz="2900" dirty="0" err="1">
+                <a:latin typeface="Arial" panose="020B0604020202020204" pitchFamily="34" charset="0"/>
+                <a:cs typeface="Arial" panose="020B0604020202020204" pitchFamily="34" charset="0"/>
+              </a:rPr>
+              <a:t>magellan</a:t>
+            </a:r>
+            <a:r>
+              <a:rPr lang="en-IN" sz="2900" dirty="0">
+                <a:latin typeface="Arial" panose="020B0604020202020204" pitchFamily="34" charset="0"/>
+                <a:cs typeface="Arial" panose="020B0604020202020204" pitchFamily="34" charset="0"/>
+              </a:rPr>
+              <a:t>/</a:t>
+            </a:r>
+            <a:r>
+              <a:rPr lang="en-IN" sz="2900" dirty="0" err="1">
+                <a:latin typeface="Arial" panose="020B0604020202020204" pitchFamily="34" charset="0"/>
+                <a:cs typeface="Arial" panose="020B0604020202020204" pitchFamily="34" charset="0"/>
+              </a:rPr>
+              <a:t>wekafiles</a:t>
+            </a:r>
+            <a:r>
+              <a:rPr lang="en-IN" sz="2900" dirty="0">
+                <a:latin typeface="Arial" panose="020B0604020202020204" pitchFamily="34" charset="0"/>
+                <a:cs typeface="Arial" panose="020B0604020202020204" pitchFamily="34" charset="0"/>
+              </a:rPr>
+              <a:t>/packages/</a:t>
+            </a:r>
+            <a:r>
+              <a:rPr lang="en-IN" sz="2900" dirty="0" err="1">
+                <a:latin typeface="Arial" panose="020B0604020202020204" pitchFamily="34" charset="0"/>
+                <a:cs typeface="Arial" panose="020B0604020202020204" pitchFamily="34" charset="0"/>
+              </a:rPr>
+              <a:t>isotonicRegression</a:t>
+            </a:r>
+            <a:r>
+              <a:rPr lang="en-IN" sz="2900" dirty="0">
+                <a:latin typeface="Arial" panose="020B0604020202020204" pitchFamily="34" charset="0"/>
+                <a:cs typeface="Arial" panose="020B0604020202020204" pitchFamily="34" charset="0"/>
+              </a:rPr>
+              <a:t>/isotonicRegression.jar:/home/</a:t>
+            </a:r>
+            <a:r>
+              <a:rPr lang="en-IN" sz="2900" dirty="0" err="1">
+                <a:latin typeface="Arial" panose="020B0604020202020204" pitchFamily="34" charset="0"/>
+                <a:cs typeface="Arial" panose="020B0604020202020204" pitchFamily="34" charset="0"/>
+              </a:rPr>
+              <a:t>magellan</a:t>
+            </a:r>
+            <a:r>
+              <a:rPr lang="en-IN" sz="2900" dirty="0">
+                <a:latin typeface="Arial" panose="020B0604020202020204" pitchFamily="34" charset="0"/>
+                <a:cs typeface="Arial" panose="020B0604020202020204" pitchFamily="34" charset="0"/>
+              </a:rPr>
+              <a:t>/</a:t>
+            </a:r>
+            <a:r>
+              <a:rPr lang="en-IN" sz="2900" dirty="0" err="1">
+                <a:latin typeface="Arial" panose="020B0604020202020204" pitchFamily="34" charset="0"/>
+                <a:cs typeface="Arial" panose="020B0604020202020204" pitchFamily="34" charset="0"/>
+              </a:rPr>
+              <a:t>wekafiles</a:t>
+            </a:r>
+            <a:r>
+              <a:rPr lang="en-IN" sz="2900" dirty="0">
+                <a:latin typeface="Arial" panose="020B0604020202020204" pitchFamily="34" charset="0"/>
+                <a:cs typeface="Arial" panose="020B0604020202020204" pitchFamily="34" charset="0"/>
+              </a:rPr>
+              <a:t>/packages/</a:t>
+            </a:r>
+            <a:r>
+              <a:rPr lang="en-IN" sz="2900" dirty="0" err="1">
+                <a:latin typeface="Arial" panose="020B0604020202020204" pitchFamily="34" charset="0"/>
+                <a:cs typeface="Arial" panose="020B0604020202020204" pitchFamily="34" charset="0"/>
+              </a:rPr>
+              <a:t>leastMedSquared</a:t>
+            </a:r>
+            <a:r>
+              <a:rPr lang="en-IN" sz="2900" dirty="0">
+                <a:latin typeface="Arial" panose="020B0604020202020204" pitchFamily="34" charset="0"/>
+                <a:cs typeface="Arial" panose="020B0604020202020204" pitchFamily="34" charset="0"/>
+              </a:rPr>
+              <a:t>/leastMedSquared.jar:/home/</a:t>
+            </a:r>
+            <a:r>
+              <a:rPr lang="en-IN" sz="2900" dirty="0" err="1">
+                <a:latin typeface="Arial" panose="020B0604020202020204" pitchFamily="34" charset="0"/>
+                <a:cs typeface="Arial" panose="020B0604020202020204" pitchFamily="34" charset="0"/>
+              </a:rPr>
+              <a:t>magellan</a:t>
+            </a:r>
+            <a:r>
+              <a:rPr lang="en-IN" sz="2900" dirty="0">
+                <a:latin typeface="Arial" panose="020B0604020202020204" pitchFamily="34" charset="0"/>
+                <a:cs typeface="Arial" panose="020B0604020202020204" pitchFamily="34" charset="0"/>
+              </a:rPr>
+              <a:t>/</a:t>
+            </a:r>
+            <a:r>
+              <a:rPr lang="en-IN" sz="2900" dirty="0" err="1">
+                <a:latin typeface="Arial" panose="020B0604020202020204" pitchFamily="34" charset="0"/>
+                <a:cs typeface="Arial" panose="020B0604020202020204" pitchFamily="34" charset="0"/>
+              </a:rPr>
+              <a:t>wekafiles</a:t>
+            </a:r>
+            <a:r>
+              <a:rPr lang="en-IN" sz="2900" dirty="0">
+                <a:latin typeface="Arial" panose="020B0604020202020204" pitchFamily="34" charset="0"/>
+                <a:cs typeface="Arial" panose="020B0604020202020204" pitchFamily="34" charset="0"/>
+              </a:rPr>
+              <a:t>/packages/</a:t>
+            </a:r>
+            <a:r>
+              <a:rPr lang="en-IN" sz="2900" dirty="0" err="1">
+                <a:latin typeface="Arial" panose="020B0604020202020204" pitchFamily="34" charset="0"/>
+                <a:cs typeface="Arial" panose="020B0604020202020204" pitchFamily="34" charset="0"/>
+              </a:rPr>
+              <a:t>paceRegression</a:t>
+            </a:r>
+            <a:r>
+              <a:rPr lang="en-IN" sz="2900" dirty="0">
+                <a:latin typeface="Arial" panose="020B0604020202020204" pitchFamily="34" charset="0"/>
+                <a:cs typeface="Arial" panose="020B0604020202020204" pitchFamily="34" charset="0"/>
+              </a:rPr>
+              <a:t>/paceRegression.jar:/home/</a:t>
+            </a:r>
+            <a:r>
+              <a:rPr lang="en-IN" sz="2900" dirty="0" err="1">
+                <a:latin typeface="Arial" panose="020B0604020202020204" pitchFamily="34" charset="0"/>
+                <a:cs typeface="Arial" panose="020B0604020202020204" pitchFamily="34" charset="0"/>
+              </a:rPr>
+              <a:t>magellan</a:t>
+            </a:r>
+            <a:r>
+              <a:rPr lang="en-IN" sz="2900" dirty="0">
+                <a:latin typeface="Arial" panose="020B0604020202020204" pitchFamily="34" charset="0"/>
+                <a:cs typeface="Arial" panose="020B0604020202020204" pitchFamily="34" charset="0"/>
+              </a:rPr>
+              <a:t>/</a:t>
+            </a:r>
+            <a:r>
+              <a:rPr lang="en-IN" sz="2900" dirty="0" err="1">
+                <a:latin typeface="Arial" panose="020B0604020202020204" pitchFamily="34" charset="0"/>
+                <a:cs typeface="Arial" panose="020B0604020202020204" pitchFamily="34" charset="0"/>
+              </a:rPr>
+              <a:t>wekafiles</a:t>
+            </a:r>
+            <a:r>
+              <a:rPr lang="en-IN" sz="2900" dirty="0">
+                <a:latin typeface="Arial" panose="020B0604020202020204" pitchFamily="34" charset="0"/>
+                <a:cs typeface="Arial" panose="020B0604020202020204" pitchFamily="34" charset="0"/>
+              </a:rPr>
+              <a:t>/packages/</a:t>
+            </a:r>
+            <a:r>
+              <a:rPr lang="en-IN" sz="2900" dirty="0" err="1">
+                <a:latin typeface="Arial" panose="020B0604020202020204" pitchFamily="34" charset="0"/>
+                <a:cs typeface="Arial" panose="020B0604020202020204" pitchFamily="34" charset="0"/>
+              </a:rPr>
+              <a:t>RBFNetwork</a:t>
+            </a:r>
+            <a:r>
+              <a:rPr lang="en-IN" sz="2900" dirty="0">
+                <a:latin typeface="Arial" panose="020B0604020202020204" pitchFamily="34" charset="0"/>
+                <a:cs typeface="Arial" panose="020B0604020202020204" pitchFamily="34" charset="0"/>
+              </a:rPr>
+              <a:t>/RBFNetwork.jar"</a:t>
+            </a:r>
+          </a:p>
+          <a:p>
+            <a:endParaRPr lang="en-IN" sz="2900" dirty="0">
+              <a:latin typeface="Arial" panose="020B0604020202020204" pitchFamily="34" charset="0"/>
+              <a:cs typeface="Arial" panose="020B0604020202020204" pitchFamily="34" charset="0"/>
+            </a:endParaRPr>
+          </a:p>
+          <a:p>
+            <a:r>
+              <a:rPr lang="en-IN" sz="2900" b="1" dirty="0">
+                <a:latin typeface="Arial" panose="020B0604020202020204" pitchFamily="34" charset="0"/>
+                <a:cs typeface="Arial" panose="020B0604020202020204" pitchFamily="34" charset="0"/>
+              </a:rPr>
+              <a:t>*model-eval.jar </a:t>
+            </a:r>
+            <a:r>
+              <a:rPr lang="en-IN" sz="2900" dirty="0">
+                <a:latin typeface="Arial" panose="020B0604020202020204" pitchFamily="34" charset="0"/>
+                <a:cs typeface="Arial" panose="020B0604020202020204" pitchFamily="34" charset="0"/>
+              </a:rPr>
+              <a:t>is a custom Java application</a:t>
+            </a:r>
+          </a:p>
+          <a:p>
+            <a:endParaRPr lang="en-IN" dirty="0">
+              <a:latin typeface="Arial" panose="020B0604020202020204" pitchFamily="34" charset="0"/>
+              <a:cs typeface="Arial" panose="020B0604020202020204" pitchFamily="34" charset="0"/>
+            </a:endParaRPr>
+          </a:p>
+          <a:p>
+            <a:endParaRPr lang="en-IN" dirty="0"/>
+          </a:p>
+        </p:txBody>
+      </p:sp>
+    </p:spTree>
+    <p:extLst>
+      <p:ext uri="{BB962C8B-B14F-4D97-AF65-F5344CB8AC3E}">
+        <p14:creationId xmlns:p14="http://schemas.microsoft.com/office/powerpoint/2010/main" val="206125894"/>
+      </p:ext>
+    </p:extLst>
+  </p:cSld>
+  <p:clrMapOvr>
+    <a:masterClrMapping/>
+  </p:clrMapOvr>
+</p:sld>
+</file>
+
+<file path=ppt/slides/slide12.xml><?xml version="1.0" encoding="utf-8"?>
+<p:sld xmlns:a="http://schemas.openxmlformats.org/drawingml/2006/main" xmlns:r="http://schemas.openxmlformats.org/officeDocument/2006/relationships" xmlns:p="http://schemas.openxmlformats.org/presentationml/2006/main">
+  <p:cSld>
+    <p:spTree>
+      <p:nvGrpSpPr>
+        <p:cNvPr id="1" name=""/>
+        <p:cNvGrpSpPr/>
+        <p:nvPr/>
+      </p:nvGrpSpPr>
+      <p:grpSpPr>
+        <a:xfrm>
+          <a:off x="0" y="0"/>
+          <a:ext cx="0" cy="0"/>
+          <a:chOff x="0" y="0"/>
+          <a:chExt cx="0" cy="0"/>
+        </a:xfrm>
+      </p:grpSpPr>
+      <p:sp>
+        <p:nvSpPr>
+          <p:cNvPr id="2" name="Title 1">
+            <a:extLst>
+              <a:ext uri="{FF2B5EF4-FFF2-40B4-BE49-F238E27FC236}">
                 <a16:creationId xmlns:a16="http://schemas.microsoft.com/office/drawing/2014/main" id="{771FA61A-2BA4-485A-8AE8-DB17B19874F3}"/>
               </a:ext>
             </a:extLst>
@@ -3725,7 +5389,7 @@
 </p:sld>
 </file>
 
-<file path=ppt/slides/slide11.xml><?xml version="1.0" encoding="utf-8"?>
+<file path=ppt/slides/slide13.xml><?xml version="1.0" encoding="utf-8"?>
 <p:sld xmlns:a="http://schemas.openxmlformats.org/drawingml/2006/main" xmlns:r="http://schemas.openxmlformats.org/officeDocument/2006/relationships" xmlns:p="http://schemas.openxmlformats.org/presentationml/2006/main">
   <p:cSld>
     <p:spTree>
@@ -5194,7 +6858,7 @@
 </p:sld>
 </file>
 
-<file path=ppt/slides/slide12.xml><?xml version="1.0" encoding="utf-8"?>
+<file path=ppt/slides/slide14.xml><?xml version="1.0" encoding="utf-8"?>
 <p:sld xmlns:a="http://schemas.openxmlformats.org/drawingml/2006/main" xmlns:r="http://schemas.openxmlformats.org/officeDocument/2006/relationships" xmlns:p="http://schemas.openxmlformats.org/presentationml/2006/main">
   <p:cSld>
     <p:spTree>
@@ -6458,7 +8122,7 @@
 </p:sld>
 </file>
 
-<file path=ppt/slides/slide13.xml><?xml version="1.0" encoding="utf-8"?>
+<file path=ppt/slides/slide15.xml><?xml version="1.0" encoding="utf-8"?>
 <p:sld xmlns:a="http://schemas.openxmlformats.org/drawingml/2006/main" xmlns:r="http://schemas.openxmlformats.org/officeDocument/2006/relationships" xmlns:p="http://schemas.openxmlformats.org/presentationml/2006/main">
   <p:cSld>
     <p:spTree>
@@ -7742,7 +9406,7 @@
 </p:sld>
 </file>
 
-<file path=ppt/slides/slide14.xml><?xml version="1.0" encoding="utf-8"?>
+<file path=ppt/slides/slide16.xml><?xml version="1.0" encoding="utf-8"?>
 <p:sld xmlns:a="http://schemas.openxmlformats.org/drawingml/2006/main" xmlns:r="http://schemas.openxmlformats.org/officeDocument/2006/relationships" xmlns:p="http://schemas.openxmlformats.org/presentationml/2006/main">
   <p:cSld>
     <p:spTree>
@@ -9550,7 +11214,7 @@
 </p:sld>
 </file>
 
-<file path=ppt/slides/slide15.xml><?xml version="1.0" encoding="utf-8"?>
+<file path=ppt/slides/slide17.xml><?xml version="1.0" encoding="utf-8"?>
 <p:sld xmlns:a="http://schemas.openxmlformats.org/drawingml/2006/main" xmlns:r="http://schemas.openxmlformats.org/officeDocument/2006/relationships" xmlns:p="http://schemas.openxmlformats.org/presentationml/2006/main">
   <p:cSld>
     <p:spTree>
@@ -10784,7 +12448,7 @@
 </p:sld>
 </file>
 
-<file path=ppt/slides/slide16.xml><?xml version="1.0" encoding="utf-8"?>
+<file path=ppt/slides/slide18.xml><?xml version="1.0" encoding="utf-8"?>
 <p:sld xmlns:a="http://schemas.openxmlformats.org/drawingml/2006/main" xmlns:r="http://schemas.openxmlformats.org/officeDocument/2006/relationships" xmlns:p="http://schemas.openxmlformats.org/presentationml/2006/main">
   <p:cSld>
     <p:spTree>
@@ -12288,7 +13952,7 @@
 </p:sld>
 </file>
 
-<file path=ppt/slides/slide17.xml><?xml version="1.0" encoding="utf-8"?>
+<file path=ppt/slides/slide19.xml><?xml version="1.0" encoding="utf-8"?>
 <p:sld xmlns:a="http://schemas.openxmlformats.org/drawingml/2006/main" xmlns:r="http://schemas.openxmlformats.org/officeDocument/2006/relationships" xmlns:p="http://schemas.openxmlformats.org/presentationml/2006/main">
   <p:cSld>
     <p:spTree>
@@ -13163,7 +14827,7 @@
                 <a:latin typeface="Arial" panose="020B0604020202020204" pitchFamily="34" charset="0"/>
                 <a:cs typeface="Arial" panose="020B0604020202020204" pitchFamily="34" charset="0"/>
               </a:rPr>
-              <a:t>./step3.bash -i step1-datacreation-list.txt -s ../set1</a:t>
+              <a:t>./step4.bash -i step1-datacreation-list.txt -s ../set1</a:t>
             </a:r>
           </a:p>
           <a:p>
@@ -13172,7 +14836,7 @@
                 <a:latin typeface="Arial" panose="020B0604020202020204" pitchFamily="34" charset="0"/>
                 <a:cs typeface="Arial" panose="020B0604020202020204" pitchFamily="34" charset="0"/>
               </a:rPr>
-              <a:t>./step3.bash -i step1-datacreation-list.txt -s ../set2</a:t>
+              <a:t>./step4.bash -i step1-datacreation-list.txt -s ../set2</a:t>
             </a:r>
           </a:p>
           <a:p>
@@ -13181,7 +14845,7 @@
                 <a:latin typeface="Arial" panose="020B0604020202020204" pitchFamily="34" charset="0"/>
                 <a:cs typeface="Arial" panose="020B0604020202020204" pitchFamily="34" charset="0"/>
               </a:rPr>
-              <a:t>./step3.bash -i step1-datacreation-list.txt -s ../set3</a:t>
+              <a:t>./step4.bash -i step1-datacreation-list.txt -s ../set3</a:t>
             </a:r>
           </a:p>
           <a:p>
@@ -13190,7 +14854,7 @@
                 <a:latin typeface="Arial" panose="020B0604020202020204" pitchFamily="34" charset="0"/>
                 <a:cs typeface="Arial" panose="020B0604020202020204" pitchFamily="34" charset="0"/>
               </a:rPr>
-              <a:t>./step3.bash -i step1-datacreation-list.txt -s ../set4</a:t>
+              <a:t>./step4.bash -i step1-datacreation-list.txt -s ../set4</a:t>
             </a:r>
           </a:p>
         </p:txBody>
@@ -13242,791 +14906,6 @@
     <p:extLst>
       <p:ext uri="{BB962C8B-B14F-4D97-AF65-F5344CB8AC3E}">
         <p14:creationId xmlns:p14="http://schemas.microsoft.com/office/powerpoint/2010/main" val="2910769971"/>
-      </p:ext>
-    </p:extLst>
-  </p:cSld>
-  <p:clrMapOvr>
-    <a:masterClrMapping/>
-  </p:clrMapOvr>
-</p:sld>
-</file>
-
-<file path=ppt/slides/slide18.xml><?xml version="1.0" encoding="utf-8"?>
-<p:sld xmlns:a="http://schemas.openxmlformats.org/drawingml/2006/main" xmlns:r="http://schemas.openxmlformats.org/officeDocument/2006/relationships" xmlns:p="http://schemas.openxmlformats.org/presentationml/2006/main">
-  <p:cSld>
-    <p:spTree>
-      <p:nvGrpSpPr>
-        <p:cNvPr id="1" name=""/>
-        <p:cNvGrpSpPr/>
-        <p:nvPr/>
-      </p:nvGrpSpPr>
-      <p:grpSpPr>
-        <a:xfrm>
-          <a:off x="0" y="0"/>
-          <a:ext cx="0" cy="0"/>
-          <a:chOff x="0" y="0"/>
-          <a:chExt cx="0" cy="0"/>
-        </a:xfrm>
-      </p:grpSpPr>
-      <p:sp>
-        <p:nvSpPr>
-          <p:cNvPr id="2" name="Title 1">
-            <a:extLst>
-              <a:ext uri="{FF2B5EF4-FFF2-40B4-BE49-F238E27FC236}">
-                <a16:creationId xmlns:a16="http://schemas.microsoft.com/office/drawing/2014/main" id="{771FA61A-2BA4-485A-8AE8-DB17B19874F3}"/>
-              </a:ext>
-            </a:extLst>
-          </p:cNvPr>
-          <p:cNvSpPr>
-            <a:spLocks noGrp="1"/>
-          </p:cNvSpPr>
-          <p:nvPr>
-            <p:ph type="title"/>
-          </p:nvPr>
-        </p:nvSpPr>
-        <p:spPr/>
-        <p:txBody>
-          <a:bodyPr/>
-          <a:lstStyle/>
-          <a:p>
-            <a:r>
-              <a:rPr lang="en-IN" dirty="0"/>
-              <a:t>model.evaluation.ModelPerformance</a:t>
-            </a:r>
-            <a:br>
-              <a:rPr lang="en-IN" dirty="0"/>
-            </a:br>
-            <a:r>
-              <a:rPr lang="en-IN" sz="3200" dirty="0"/>
-              <a:t>(model-eval.jar) (inputs)</a:t>
-            </a:r>
-            <a:endParaRPr lang="en-IN" dirty="0"/>
-          </a:p>
-        </p:txBody>
-      </p:sp>
-      <p:sp>
-        <p:nvSpPr>
-          <p:cNvPr id="3" name="Content Placeholder 2">
-            <a:extLst>
-              <a:ext uri="{FF2B5EF4-FFF2-40B4-BE49-F238E27FC236}">
-                <a16:creationId xmlns:a16="http://schemas.microsoft.com/office/drawing/2014/main" id="{9D8AA3D5-F986-4550-A7FF-B47A49670AEC}"/>
-              </a:ext>
-            </a:extLst>
-          </p:cNvPr>
-          <p:cNvSpPr>
-            <a:spLocks noGrp="1"/>
-          </p:cNvSpPr>
-          <p:nvPr>
-            <p:ph idx="1"/>
-          </p:nvPr>
-        </p:nvSpPr>
-        <p:spPr>
-          <a:xfrm>
-            <a:off x="838200" y="1690688"/>
-            <a:ext cx="10515600" cy="4802187"/>
-          </a:xfrm>
-        </p:spPr>
-        <p:txBody>
-          <a:bodyPr>
-            <a:normAutofit fontScale="85000" lnSpcReduction="20000"/>
-          </a:bodyPr>
-          <a:lstStyle/>
-          <a:p>
-            <a:r>
-              <a:rPr lang="en-IN" sz="1500" dirty="0">
-                <a:latin typeface="Arial" panose="020B0604020202020204" pitchFamily="34" charset="0"/>
-                <a:cs typeface="Arial" panose="020B0604020202020204" pitchFamily="34" charset="0"/>
-              </a:rPr>
-              <a:t>Full qualified actual vs predicted input file (of the model of interest like ds, </a:t>
-            </a:r>
-            <a:r>
-              <a:rPr lang="en-IN" sz="1500" dirty="0" err="1">
-                <a:latin typeface="Arial" panose="020B0604020202020204" pitchFamily="34" charset="0"/>
-                <a:cs typeface="Arial" panose="020B0604020202020204" pitchFamily="34" charset="0"/>
-              </a:rPr>
-              <a:t>rbf</a:t>
-            </a:r>
-            <a:r>
-              <a:rPr lang="en-IN" sz="1500" dirty="0">
-                <a:latin typeface="Arial" panose="020B0604020202020204" pitchFamily="34" charset="0"/>
-                <a:cs typeface="Arial" panose="020B0604020202020204" pitchFamily="34" charset="0"/>
-              </a:rPr>
-              <a:t>)</a:t>
-            </a:r>
-          </a:p>
-          <a:p>
-            <a:pPr lvl="1"/>
-            <a:r>
-              <a:rPr lang="en-IN" sz="1400" dirty="0">
-                <a:solidFill>
-                  <a:schemeClr val="accent1"/>
-                </a:solidFill>
-                <a:latin typeface="Arial" panose="020B0604020202020204" pitchFamily="34" charset="0"/>
-                <a:cs typeface="Arial" panose="020B0604020202020204" pitchFamily="34" charset="0"/>
-              </a:rPr>
-              <a:t>-i {input file path}		(e.g. –i /pagetime2/set1/output/pages_all99_avp_ds.csv)</a:t>
-            </a:r>
-          </a:p>
-          <a:p>
-            <a:r>
-              <a:rPr lang="en-IN" sz="1500" dirty="0">
-                <a:latin typeface="Arial" panose="020B0604020202020204" pitchFamily="34" charset="0"/>
-                <a:cs typeface="Arial" panose="020B0604020202020204" pitchFamily="34" charset="0"/>
-              </a:rPr>
-              <a:t>Full qualified actual vs predicted input file (of the ZeroR model)</a:t>
-            </a:r>
-          </a:p>
-          <a:p>
-            <a:pPr lvl="1"/>
-            <a:r>
-              <a:rPr lang="en-IN" sz="1400" dirty="0">
-                <a:solidFill>
-                  <a:schemeClr val="accent1"/>
-                </a:solidFill>
-                <a:latin typeface="Arial" panose="020B0604020202020204" pitchFamily="34" charset="0"/>
-                <a:cs typeface="Arial" panose="020B0604020202020204" pitchFamily="34" charset="0"/>
-              </a:rPr>
-              <a:t>-i {input file path}		(e.g. –i /pagetime2/set1/output/pages_all99_avp_zr.csv)</a:t>
-            </a:r>
-          </a:p>
-          <a:p>
-            <a:r>
-              <a:rPr lang="en-IN" sz="1500" dirty="0">
-                <a:latin typeface="Arial" panose="020B0604020202020204" pitchFamily="34" charset="0"/>
-                <a:cs typeface="Arial" panose="020B0604020202020204" pitchFamily="34" charset="0"/>
-              </a:rPr>
-              <a:t>Fully qualified output file </a:t>
-            </a:r>
-          </a:p>
-          <a:p>
-            <a:pPr lvl="1"/>
-            <a:r>
-              <a:rPr lang="en-IN" sz="1500" dirty="0">
-                <a:solidFill>
-                  <a:schemeClr val="accent1"/>
-                </a:solidFill>
-                <a:latin typeface="Arial" panose="020B0604020202020204" pitchFamily="34" charset="0"/>
-                <a:cs typeface="Arial" panose="020B0604020202020204" pitchFamily="34" charset="0"/>
-              </a:rPr>
-              <a:t>-o {output file path} 	</a:t>
-            </a:r>
-            <a:r>
-              <a:rPr lang="en-IN" sz="1600" dirty="0">
-                <a:solidFill>
-                  <a:schemeClr val="accent1"/>
-                </a:solidFill>
-                <a:latin typeface="Arial" panose="020B0604020202020204" pitchFamily="34" charset="0"/>
-                <a:cs typeface="Arial" panose="020B0604020202020204" pitchFamily="34" charset="0"/>
-              </a:rPr>
-              <a:t>(</a:t>
-            </a:r>
-            <a:r>
-              <a:rPr lang="en-IN" sz="1400" dirty="0">
-                <a:solidFill>
-                  <a:schemeClr val="accent1"/>
-                </a:solidFill>
-                <a:latin typeface="Arial" panose="020B0604020202020204" pitchFamily="34" charset="0"/>
-                <a:cs typeface="Arial" panose="020B0604020202020204" pitchFamily="34" charset="0"/>
-              </a:rPr>
-              <a:t>e.g. -o /pagetime2/set1/results/evaluation.csv)</a:t>
-            </a:r>
-          </a:p>
-          <a:p>
-            <a:r>
-              <a:rPr lang="en-IN" sz="1500" dirty="0">
-                <a:latin typeface="Arial" panose="020B0604020202020204" pitchFamily="34" charset="0"/>
-                <a:cs typeface="Arial" panose="020B0604020202020204" pitchFamily="34" charset="0"/>
-              </a:rPr>
-              <a:t>The proportion of predicted values that have magnitude of residual error (MRE) less than equal to a stated value</a:t>
-            </a:r>
-          </a:p>
-          <a:p>
-            <a:pPr lvl="1"/>
-            <a:r>
-              <a:rPr lang="en-IN" sz="1400" dirty="0">
-                <a:solidFill>
-                  <a:schemeClr val="accent1"/>
-                </a:solidFill>
-                <a:latin typeface="Arial" panose="020B0604020202020204" pitchFamily="34" charset="0"/>
-                <a:cs typeface="Arial" panose="020B0604020202020204" pitchFamily="34" charset="0"/>
-              </a:rPr>
-              <a:t>-p1 {p1value}		(e.g. –p1 0.25)</a:t>
-            </a:r>
-          </a:p>
-          <a:p>
-            <a:pPr lvl="1"/>
-            <a:r>
-              <a:rPr lang="en-IN" sz="1400" dirty="0">
-                <a:solidFill>
-                  <a:schemeClr val="accent1"/>
-                </a:solidFill>
-                <a:latin typeface="Arial" panose="020B0604020202020204" pitchFamily="34" charset="0"/>
-                <a:cs typeface="Arial" panose="020B0604020202020204" pitchFamily="34" charset="0"/>
-              </a:rPr>
-              <a:t>-p2 {p2value}		(e.g. –p2 0.30)</a:t>
-            </a:r>
-          </a:p>
-          <a:p>
-            <a:r>
-              <a:rPr lang="en-IN" sz="1500" dirty="0">
-                <a:latin typeface="Arial" panose="020B0604020202020204" pitchFamily="34" charset="0"/>
-                <a:cs typeface="Arial" panose="020B0604020202020204" pitchFamily="34" charset="0"/>
-              </a:rPr>
-              <a:t>Text label to attach at the starting of every line in the output file</a:t>
-            </a:r>
-          </a:p>
-          <a:p>
-            <a:pPr lvl="1"/>
-            <a:r>
-              <a:rPr lang="en-IN" sz="1400" dirty="0">
-                <a:solidFill>
-                  <a:schemeClr val="accent1"/>
-                </a:solidFill>
-                <a:latin typeface="Arial" panose="020B0604020202020204" pitchFamily="34" charset="0"/>
-                <a:cs typeface="Arial" panose="020B0604020202020204" pitchFamily="34" charset="0"/>
-              </a:rPr>
-              <a:t>-label {label name}	(e.g. –label /pagetime2/input/pages_all99_ds</a:t>
-            </a:r>
-          </a:p>
-          <a:p>
-            <a:r>
-              <a:rPr lang="en-IN" sz="1500" dirty="0">
-                <a:latin typeface="Arial" panose="020B0604020202020204" pitchFamily="34" charset="0"/>
-                <a:cs typeface="Arial" panose="020B0604020202020204" pitchFamily="34" charset="0"/>
-              </a:rPr>
-              <a:t>Append to the output file or create a new file</a:t>
-            </a:r>
-          </a:p>
-          <a:p>
-            <a:pPr lvl="1"/>
-            <a:r>
-              <a:rPr lang="en-IN" sz="1400" dirty="0">
-                <a:solidFill>
-                  <a:schemeClr val="accent1"/>
-                </a:solidFill>
-                <a:latin typeface="Arial" panose="020B0604020202020204" pitchFamily="34" charset="0"/>
-                <a:cs typeface="Arial" panose="020B0604020202020204" pitchFamily="34" charset="0"/>
-              </a:rPr>
-              <a:t>-append {true|false}	(e.g. –append true)</a:t>
-            </a:r>
-          </a:p>
-          <a:p>
-            <a:r>
-              <a:rPr lang="en-IN" sz="1500" dirty="0">
-                <a:latin typeface="Arial" panose="020B0604020202020204" pitchFamily="34" charset="0"/>
-                <a:cs typeface="Arial" panose="020B0604020202020204" pitchFamily="34" charset="0"/>
-              </a:rPr>
-              <a:t>Execution time (in secs) of the machine learning technique </a:t>
-            </a:r>
-          </a:p>
-          <a:p>
-            <a:pPr lvl="1"/>
-            <a:r>
-              <a:rPr lang="en-IN" sz="1100" dirty="0">
-                <a:latin typeface="Arial" panose="020B0604020202020204" pitchFamily="34" charset="0"/>
-                <a:cs typeface="Arial" panose="020B0604020202020204" pitchFamily="34" charset="0"/>
-              </a:rPr>
-              <a:t>-</a:t>
-            </a:r>
-            <a:r>
-              <a:rPr lang="en-IN" sz="1400" dirty="0">
-                <a:solidFill>
-                  <a:schemeClr val="accent1"/>
-                </a:solidFill>
-                <a:latin typeface="Arial" panose="020B0604020202020204" pitchFamily="34" charset="0"/>
-                <a:cs typeface="Arial" panose="020B0604020202020204" pitchFamily="34" charset="0"/>
-              </a:rPr>
-              <a:t>etime {value}		(e.g. –etime 20)</a:t>
-            </a:r>
-          </a:p>
-          <a:p>
-            <a:r>
-              <a:rPr lang="en-IN" sz="1500" dirty="0">
-                <a:latin typeface="Arial" panose="020B0604020202020204" pitchFamily="34" charset="0"/>
-                <a:cs typeface="Arial" panose="020B0604020202020204" pitchFamily="34" charset="0"/>
-              </a:rPr>
-              <a:t>Print debug statements</a:t>
-            </a:r>
-          </a:p>
-          <a:p>
-            <a:pPr lvl="1"/>
-            <a:r>
-              <a:rPr lang="en-IN" sz="1400" dirty="0">
-                <a:solidFill>
-                  <a:schemeClr val="accent1"/>
-                </a:solidFill>
-                <a:latin typeface="Arial" panose="020B0604020202020204" pitchFamily="34" charset="0"/>
-                <a:cs typeface="Arial" panose="020B0604020202020204" pitchFamily="34" charset="0"/>
-              </a:rPr>
-              <a:t>-debug {true|false}		(e.g. –debug false)</a:t>
-            </a:r>
-          </a:p>
-          <a:p>
-            <a:r>
-              <a:rPr lang="en-IN" sz="1500" dirty="0">
-                <a:latin typeface="Arial" panose="020B0604020202020204" pitchFamily="34" charset="0"/>
-                <a:cs typeface="Arial" panose="020B0604020202020204" pitchFamily="34" charset="0"/>
-              </a:rPr>
-              <a:t>Name of the machine learning technique</a:t>
-            </a:r>
-          </a:p>
-          <a:p>
-            <a:pPr lvl="1"/>
-            <a:r>
-              <a:rPr lang="en-IN" sz="1400" dirty="0">
-                <a:solidFill>
-                  <a:schemeClr val="accent1"/>
-                </a:solidFill>
-                <a:latin typeface="Arial" panose="020B0604020202020204" pitchFamily="34" charset="0"/>
-                <a:cs typeface="Arial" panose="020B0604020202020204" pitchFamily="34" charset="0"/>
-              </a:rPr>
-              <a:t>-technique {technique name}	(e.g. –technique ds)</a:t>
-            </a:r>
-          </a:p>
-          <a:p>
-            <a:r>
-              <a:rPr lang="en-IN" sz="1500" dirty="0">
-                <a:latin typeface="Arial" panose="020B0604020202020204" pitchFamily="34" charset="0"/>
-                <a:cs typeface="Arial" panose="020B0604020202020204" pitchFamily="34" charset="0"/>
-              </a:rPr>
-              <a:t>For applicable fields take mean of means of all k-fold validation sets or mean of all k-fold validation sets</a:t>
-            </a:r>
-          </a:p>
-          <a:p>
-            <a:pPr lvl="1"/>
-            <a:r>
-              <a:rPr lang="en-IN" sz="1400" dirty="0">
-                <a:solidFill>
-                  <a:schemeClr val="accent1"/>
-                </a:solidFill>
-                <a:latin typeface="Arial" panose="020B0604020202020204" pitchFamily="34" charset="0"/>
-                <a:cs typeface="Arial" panose="020B0604020202020204" pitchFamily="34" charset="0"/>
-              </a:rPr>
-              <a:t>-v {true|false}</a:t>
-            </a:r>
-          </a:p>
-          <a:p>
-            <a:endParaRPr lang="en-IN" dirty="0">
-              <a:latin typeface="Arial" panose="020B0604020202020204" pitchFamily="34" charset="0"/>
-              <a:cs typeface="Arial" panose="020B0604020202020204" pitchFamily="34" charset="0"/>
-            </a:endParaRPr>
-          </a:p>
-          <a:p>
-            <a:endParaRPr lang="en-IN" dirty="0"/>
-          </a:p>
-        </p:txBody>
-      </p:sp>
-    </p:spTree>
-    <p:extLst>
-      <p:ext uri="{BB962C8B-B14F-4D97-AF65-F5344CB8AC3E}">
-        <p14:creationId xmlns:p14="http://schemas.microsoft.com/office/powerpoint/2010/main" val="4128565620"/>
-      </p:ext>
-    </p:extLst>
-  </p:cSld>
-  <p:clrMapOvr>
-    <a:masterClrMapping/>
-  </p:clrMapOvr>
-</p:sld>
-</file>
-
-<file path=ppt/slides/slide19.xml><?xml version="1.0" encoding="utf-8"?>
-<p:sld xmlns:a="http://schemas.openxmlformats.org/drawingml/2006/main" xmlns:r="http://schemas.openxmlformats.org/officeDocument/2006/relationships" xmlns:p="http://schemas.openxmlformats.org/presentationml/2006/main">
-  <p:cSld>
-    <p:spTree>
-      <p:nvGrpSpPr>
-        <p:cNvPr id="1" name=""/>
-        <p:cNvGrpSpPr/>
-        <p:nvPr/>
-      </p:nvGrpSpPr>
-      <p:grpSpPr>
-        <a:xfrm>
-          <a:off x="0" y="0"/>
-          <a:ext cx="0" cy="0"/>
-          <a:chOff x="0" y="0"/>
-          <a:chExt cx="0" cy="0"/>
-        </a:xfrm>
-      </p:grpSpPr>
-      <p:sp>
-        <p:nvSpPr>
-          <p:cNvPr id="2" name="Title 1">
-            <a:extLst>
-              <a:ext uri="{FF2B5EF4-FFF2-40B4-BE49-F238E27FC236}">
-                <a16:creationId xmlns:a16="http://schemas.microsoft.com/office/drawing/2014/main" id="{771FA61A-2BA4-485A-8AE8-DB17B19874F3}"/>
-              </a:ext>
-            </a:extLst>
-          </p:cNvPr>
-          <p:cNvSpPr>
-            <a:spLocks noGrp="1"/>
-          </p:cNvSpPr>
-          <p:nvPr>
-            <p:ph type="title"/>
-          </p:nvPr>
-        </p:nvSpPr>
-        <p:spPr/>
-        <p:txBody>
-          <a:bodyPr/>
-          <a:lstStyle/>
-          <a:p>
-            <a:r>
-              <a:rPr lang="en-IN" dirty="0"/>
-              <a:t>model.evaluation.ModelPerformance</a:t>
-            </a:r>
-            <a:br>
-              <a:rPr lang="en-IN" dirty="0"/>
-            </a:br>
-            <a:r>
-              <a:rPr lang="en-IN" sz="3200" dirty="0"/>
-              <a:t>(model-eval.jar) (output file format)</a:t>
-            </a:r>
-            <a:endParaRPr lang="en-IN" dirty="0"/>
-          </a:p>
-        </p:txBody>
-      </p:sp>
-      <p:sp>
-        <p:nvSpPr>
-          <p:cNvPr id="3" name="Content Placeholder 2">
-            <a:extLst>
-              <a:ext uri="{FF2B5EF4-FFF2-40B4-BE49-F238E27FC236}">
-                <a16:creationId xmlns:a16="http://schemas.microsoft.com/office/drawing/2014/main" id="{9D8AA3D5-F986-4550-A7FF-B47A49670AEC}"/>
-              </a:ext>
-            </a:extLst>
-          </p:cNvPr>
-          <p:cNvSpPr>
-            <a:spLocks noGrp="1"/>
-          </p:cNvSpPr>
-          <p:nvPr>
-            <p:ph idx="1"/>
-          </p:nvPr>
-        </p:nvSpPr>
-        <p:spPr>
-          <a:solidFill>
-            <a:schemeClr val="accent1">
-              <a:lumMod val="20000"/>
-              <a:lumOff val="80000"/>
-            </a:schemeClr>
-          </a:solidFill>
-        </p:spPr>
-        <p:txBody>
-          <a:bodyPr>
-            <a:noAutofit/>
-          </a:bodyPr>
-          <a:lstStyle/>
-          <a:p>
-            <a:pPr marL="0" indent="0">
-              <a:buNone/>
-            </a:pPr>
-            <a:r>
-              <a:rPr lang="en-IN" sz="1200" dirty="0">
-                <a:latin typeface="Arial" panose="020B0604020202020204" pitchFamily="34" charset="0"/>
-                <a:cs typeface="Arial" panose="020B0604020202020204" pitchFamily="34" charset="0"/>
-              </a:rPr>
-              <a:t>false|../set2/input/pages_informationtechnology99_rbfreg|rbfreg|1|0|0.83|17.66|0.42|0.51|0.59|4190062.89|1326.21|1972.91|2721.85|0.09|0.5|0.56|</a:t>
-            </a:r>
-          </a:p>
-          <a:p>
-            <a:pPr marL="0" indent="0">
-              <a:buNone/>
-            </a:pPr>
-            <a:endParaRPr lang="en-IN" sz="1200" dirty="0">
-              <a:latin typeface="Arial" panose="020B0604020202020204" pitchFamily="34" charset="0"/>
-              <a:cs typeface="Arial" panose="020B0604020202020204" pitchFamily="34" charset="0"/>
-            </a:endParaRPr>
-          </a:p>
-          <a:p>
-            <a:pPr>
-              <a:lnSpc>
-                <a:spcPct val="100000"/>
-              </a:lnSpc>
-              <a:spcBef>
-                <a:spcPts val="200"/>
-              </a:spcBef>
-            </a:pPr>
-            <a:r>
-              <a:rPr lang="en-IN" sz="1200" dirty="0">
-                <a:latin typeface="Arial" panose="020B0604020202020204" pitchFamily="34" charset="0"/>
-                <a:cs typeface="Arial" panose="020B0604020202020204" pitchFamily="34" charset="0"/>
-              </a:rPr>
-              <a:t>Field 1	: Value of –v option in the call to model.evaluation.ModelPerformance</a:t>
-            </a:r>
-          </a:p>
-          <a:p>
-            <a:pPr>
-              <a:lnSpc>
-                <a:spcPct val="100000"/>
-              </a:lnSpc>
-              <a:spcBef>
-                <a:spcPts val="200"/>
-              </a:spcBef>
-            </a:pPr>
-            <a:r>
-              <a:rPr lang="en-IN" sz="1200" dirty="0">
-                <a:latin typeface="Arial" panose="020B0604020202020204" pitchFamily="34" charset="0"/>
-                <a:cs typeface="Arial" panose="020B0604020202020204" pitchFamily="34" charset="0"/>
-              </a:rPr>
-              <a:t>Field 2	: Value of –label option in the call to model.evaluation.ModelPerformance</a:t>
-            </a:r>
-          </a:p>
-          <a:p>
-            <a:pPr>
-              <a:lnSpc>
-                <a:spcPct val="100000"/>
-              </a:lnSpc>
-              <a:spcBef>
-                <a:spcPts val="200"/>
-              </a:spcBef>
-            </a:pPr>
-            <a:r>
-              <a:rPr lang="en-IN" sz="1200" dirty="0">
-                <a:latin typeface="Arial" panose="020B0604020202020204" pitchFamily="34" charset="0"/>
-                <a:cs typeface="Arial" panose="020B0604020202020204" pitchFamily="34" charset="0"/>
-              </a:rPr>
-              <a:t>Field 3	: Value of –technique option in the call to model.evaluation.ModelPerformance</a:t>
-            </a:r>
-          </a:p>
-          <a:p>
-            <a:pPr>
-              <a:lnSpc>
-                <a:spcPct val="100000"/>
-              </a:lnSpc>
-              <a:spcBef>
-                <a:spcPts val="200"/>
-              </a:spcBef>
-            </a:pPr>
-            <a:r>
-              <a:rPr lang="en-IN" sz="1200" dirty="0">
-                <a:latin typeface="Arial" panose="020B0604020202020204" pitchFamily="34" charset="0"/>
-                <a:cs typeface="Arial" panose="020B0604020202020204" pitchFamily="34" charset="0"/>
-              </a:rPr>
-              <a:t>Field 4	: If –v option is false, then it will be a 1 set. If –v option is true, then it will be 10 sets (as k-fold is 10)</a:t>
-            </a:r>
-          </a:p>
-          <a:p>
-            <a:pPr>
-              <a:lnSpc>
-                <a:spcPct val="100000"/>
-              </a:lnSpc>
-              <a:spcBef>
-                <a:spcPts val="200"/>
-              </a:spcBef>
-            </a:pPr>
-            <a:r>
-              <a:rPr lang="en-IN" sz="1200" dirty="0">
-                <a:latin typeface="Arial" panose="020B0604020202020204" pitchFamily="34" charset="0"/>
-                <a:cs typeface="Arial" panose="020B0604020202020204" pitchFamily="34" charset="0"/>
-              </a:rPr>
-              <a:t>Field 5	: Value of –etime option in the call to model.evaluation.ModelPerformance</a:t>
-            </a:r>
-          </a:p>
-          <a:p>
-            <a:pPr>
-              <a:lnSpc>
-                <a:spcPct val="100000"/>
-              </a:lnSpc>
-              <a:spcBef>
-                <a:spcPts val="200"/>
-              </a:spcBef>
-            </a:pPr>
-            <a:r>
-              <a:rPr lang="en-IN" sz="1200" dirty="0">
-                <a:latin typeface="Arial" panose="020B0604020202020204" pitchFamily="34" charset="0"/>
-                <a:cs typeface="Arial" panose="020B0604020202020204" pitchFamily="34" charset="0"/>
-              </a:rPr>
-              <a:t>Field 6	: Correlation coefficient (r)</a:t>
-            </a:r>
-          </a:p>
-          <a:p>
-            <a:pPr>
-              <a:lnSpc>
-                <a:spcPct val="100000"/>
-              </a:lnSpc>
-              <a:spcBef>
-                <a:spcPts val="200"/>
-              </a:spcBef>
-            </a:pPr>
-            <a:r>
-              <a:rPr lang="en-IN" sz="1200" dirty="0">
-                <a:latin typeface="Arial" panose="020B0604020202020204" pitchFamily="34" charset="0"/>
-                <a:cs typeface="Arial" panose="020B0604020202020204" pitchFamily="34" charset="0"/>
-              </a:rPr>
-              <a:t>Field 7	: Maximum magnitude of relative error (maxMRE)</a:t>
-            </a:r>
-          </a:p>
-          <a:p>
-            <a:pPr>
-              <a:lnSpc>
-                <a:spcPct val="100000"/>
-              </a:lnSpc>
-              <a:spcBef>
-                <a:spcPts val="200"/>
-              </a:spcBef>
-            </a:pPr>
-            <a:r>
-              <a:rPr lang="en-IN" sz="1200" dirty="0">
-                <a:latin typeface="Arial" panose="020B0604020202020204" pitchFamily="34" charset="0"/>
-                <a:cs typeface="Arial" panose="020B0604020202020204" pitchFamily="34" charset="0"/>
-              </a:rPr>
-              <a:t>Field 8	: Mean magnitude of relative error (MMRE)</a:t>
-            </a:r>
-          </a:p>
-          <a:p>
-            <a:pPr>
-              <a:lnSpc>
-                <a:spcPct val="100000"/>
-              </a:lnSpc>
-              <a:spcBef>
-                <a:spcPts val="200"/>
-              </a:spcBef>
-            </a:pPr>
-            <a:r>
-              <a:rPr lang="en-IN" sz="1200" dirty="0">
-                <a:latin typeface="Arial" panose="020B0604020202020204" pitchFamily="34" charset="0"/>
-                <a:cs typeface="Arial" panose="020B0604020202020204" pitchFamily="34" charset="0"/>
-              </a:rPr>
-              <a:t>Field 9	: Pred(p1)</a:t>
-            </a:r>
-          </a:p>
-          <a:p>
-            <a:pPr>
-              <a:lnSpc>
-                <a:spcPct val="100000"/>
-              </a:lnSpc>
-              <a:spcBef>
-                <a:spcPts val="200"/>
-              </a:spcBef>
-            </a:pPr>
-            <a:r>
-              <a:rPr lang="en-IN" sz="1200" dirty="0">
-                <a:latin typeface="Arial" panose="020B0604020202020204" pitchFamily="34" charset="0"/>
-                <a:cs typeface="Arial" panose="020B0604020202020204" pitchFamily="34" charset="0"/>
-              </a:rPr>
-              <a:t>Field 10	: Pred(p2)</a:t>
-            </a:r>
-          </a:p>
-          <a:p>
-            <a:pPr>
-              <a:lnSpc>
-                <a:spcPct val="100000"/>
-              </a:lnSpc>
-              <a:spcBef>
-                <a:spcPts val="200"/>
-              </a:spcBef>
-            </a:pPr>
-            <a:r>
-              <a:rPr lang="en-IN" sz="1200" dirty="0">
-                <a:latin typeface="Arial" panose="020B0604020202020204" pitchFamily="34" charset="0"/>
-                <a:cs typeface="Arial" panose="020B0604020202020204" pitchFamily="34" charset="0"/>
-              </a:rPr>
-              <a:t>Field 11	: Sum of absolute residual error (sumARE)</a:t>
-            </a:r>
-          </a:p>
-          <a:p>
-            <a:pPr>
-              <a:lnSpc>
-                <a:spcPct val="100000"/>
-              </a:lnSpc>
-              <a:spcBef>
-                <a:spcPts val="200"/>
-              </a:spcBef>
-            </a:pPr>
-            <a:r>
-              <a:rPr lang="en-IN" sz="1200" dirty="0">
-                <a:latin typeface="Arial" panose="020B0604020202020204" pitchFamily="34" charset="0"/>
-                <a:cs typeface="Arial" panose="020B0604020202020204" pitchFamily="34" charset="0"/>
-              </a:rPr>
-              <a:t>Field 12	: Median of absolute residual error (medARE)</a:t>
-            </a:r>
-          </a:p>
-          <a:p>
-            <a:pPr>
-              <a:lnSpc>
-                <a:spcPct val="100000"/>
-              </a:lnSpc>
-              <a:spcBef>
-                <a:spcPts val="200"/>
-              </a:spcBef>
-            </a:pPr>
-            <a:r>
-              <a:rPr lang="en-IN" sz="1200" dirty="0">
-                <a:latin typeface="Arial" panose="020B0604020202020204" pitchFamily="34" charset="0"/>
-                <a:cs typeface="Arial" panose="020B0604020202020204" pitchFamily="34" charset="0"/>
-              </a:rPr>
-              <a:t>Field 13	: Standard deviation of absolute residual error (SDARE)</a:t>
-            </a:r>
-          </a:p>
-          <a:p>
-            <a:pPr>
-              <a:lnSpc>
-                <a:spcPct val="100000"/>
-              </a:lnSpc>
-              <a:spcBef>
-                <a:spcPts val="200"/>
-              </a:spcBef>
-            </a:pPr>
-            <a:r>
-              <a:rPr lang="en-IN" sz="1200" dirty="0">
-                <a:latin typeface="Arial" panose="020B0604020202020204" pitchFamily="34" charset="0"/>
-                <a:cs typeface="Arial" panose="020B0604020202020204" pitchFamily="34" charset="0"/>
-              </a:rPr>
-              <a:t>Field 14	: Root mean square error (RMSE)</a:t>
-            </a:r>
-          </a:p>
-          <a:p>
-            <a:pPr>
-              <a:lnSpc>
-                <a:spcPct val="100000"/>
-              </a:lnSpc>
-              <a:spcBef>
-                <a:spcPts val="200"/>
-              </a:spcBef>
-            </a:pPr>
-            <a:r>
-              <a:rPr lang="en-IN" sz="1200" dirty="0">
-                <a:latin typeface="Arial" panose="020B0604020202020204" pitchFamily="34" charset="0"/>
-                <a:cs typeface="Arial" panose="020B0604020202020204" pitchFamily="34" charset="0"/>
-              </a:rPr>
-              <a:t>Field 15	: Normalized root mean square error (NRMSE)</a:t>
-            </a:r>
-          </a:p>
-          <a:p>
-            <a:pPr>
-              <a:lnSpc>
-                <a:spcPct val="100000"/>
-              </a:lnSpc>
-              <a:spcBef>
-                <a:spcPts val="200"/>
-              </a:spcBef>
-            </a:pPr>
-            <a:r>
-              <a:rPr lang="en-IN" sz="1200" dirty="0">
-                <a:latin typeface="Arial" panose="020B0604020202020204" pitchFamily="34" charset="0"/>
-                <a:cs typeface="Arial" panose="020B0604020202020204" pitchFamily="34" charset="0"/>
-              </a:rPr>
-              <a:t>Field 16	: Relative absolute error (RelativeAE)</a:t>
-            </a:r>
-          </a:p>
-          <a:p>
-            <a:pPr>
-              <a:lnSpc>
-                <a:spcPct val="100000"/>
-              </a:lnSpc>
-              <a:spcBef>
-                <a:spcPts val="200"/>
-              </a:spcBef>
-            </a:pPr>
-            <a:r>
-              <a:rPr lang="en-IN" sz="1200" dirty="0">
-                <a:latin typeface="Arial" panose="020B0604020202020204" pitchFamily="34" charset="0"/>
-                <a:cs typeface="Arial" panose="020B0604020202020204" pitchFamily="34" charset="0"/>
-              </a:rPr>
-              <a:t>Field 17	: Root of relative square error (RRSE)</a:t>
-            </a:r>
-          </a:p>
-        </p:txBody>
-      </p:sp>
-    </p:spTree>
-    <p:extLst>
-      <p:ext uri="{BB962C8B-B14F-4D97-AF65-F5344CB8AC3E}">
-        <p14:creationId xmlns:p14="http://schemas.microsoft.com/office/powerpoint/2010/main" val="1248292179"/>
       </p:ext>
     </p:extLst>
   </p:cSld>
@@ -14155,6 +15034,791 @@
 </file>
 
 <file path=ppt/slides/slide20.xml><?xml version="1.0" encoding="utf-8"?>
+<p:sld xmlns:a="http://schemas.openxmlformats.org/drawingml/2006/main" xmlns:r="http://schemas.openxmlformats.org/officeDocument/2006/relationships" xmlns:p="http://schemas.openxmlformats.org/presentationml/2006/main">
+  <p:cSld>
+    <p:spTree>
+      <p:nvGrpSpPr>
+        <p:cNvPr id="1" name=""/>
+        <p:cNvGrpSpPr/>
+        <p:nvPr/>
+      </p:nvGrpSpPr>
+      <p:grpSpPr>
+        <a:xfrm>
+          <a:off x="0" y="0"/>
+          <a:ext cx="0" cy="0"/>
+          <a:chOff x="0" y="0"/>
+          <a:chExt cx="0" cy="0"/>
+        </a:xfrm>
+      </p:grpSpPr>
+      <p:sp>
+        <p:nvSpPr>
+          <p:cNvPr id="2" name="Title 1">
+            <a:extLst>
+              <a:ext uri="{FF2B5EF4-FFF2-40B4-BE49-F238E27FC236}">
+                <a16:creationId xmlns:a16="http://schemas.microsoft.com/office/drawing/2014/main" id="{771FA61A-2BA4-485A-8AE8-DB17B19874F3}"/>
+              </a:ext>
+            </a:extLst>
+          </p:cNvPr>
+          <p:cNvSpPr>
+            <a:spLocks noGrp="1"/>
+          </p:cNvSpPr>
+          <p:nvPr>
+            <p:ph type="title"/>
+          </p:nvPr>
+        </p:nvSpPr>
+        <p:spPr/>
+        <p:txBody>
+          <a:bodyPr/>
+          <a:lstStyle/>
+          <a:p>
+            <a:r>
+              <a:rPr lang="en-IN" dirty="0"/>
+              <a:t>model.evaluation.ModelPerformance</a:t>
+            </a:r>
+            <a:br>
+              <a:rPr lang="en-IN" dirty="0"/>
+            </a:br>
+            <a:r>
+              <a:rPr lang="en-IN" sz="3200" dirty="0"/>
+              <a:t>(model-eval.jar) (inputs)</a:t>
+            </a:r>
+            <a:endParaRPr lang="en-IN" dirty="0"/>
+          </a:p>
+        </p:txBody>
+      </p:sp>
+      <p:sp>
+        <p:nvSpPr>
+          <p:cNvPr id="3" name="Content Placeholder 2">
+            <a:extLst>
+              <a:ext uri="{FF2B5EF4-FFF2-40B4-BE49-F238E27FC236}">
+                <a16:creationId xmlns:a16="http://schemas.microsoft.com/office/drawing/2014/main" id="{9D8AA3D5-F986-4550-A7FF-B47A49670AEC}"/>
+              </a:ext>
+            </a:extLst>
+          </p:cNvPr>
+          <p:cNvSpPr>
+            <a:spLocks noGrp="1"/>
+          </p:cNvSpPr>
+          <p:nvPr>
+            <p:ph idx="1"/>
+          </p:nvPr>
+        </p:nvSpPr>
+        <p:spPr>
+          <a:xfrm>
+            <a:off x="838200" y="1690688"/>
+            <a:ext cx="10515600" cy="4802187"/>
+          </a:xfrm>
+        </p:spPr>
+        <p:txBody>
+          <a:bodyPr>
+            <a:normAutofit fontScale="85000" lnSpcReduction="20000"/>
+          </a:bodyPr>
+          <a:lstStyle/>
+          <a:p>
+            <a:r>
+              <a:rPr lang="en-IN" sz="1500" dirty="0">
+                <a:latin typeface="Arial" panose="020B0604020202020204" pitchFamily="34" charset="0"/>
+                <a:cs typeface="Arial" panose="020B0604020202020204" pitchFamily="34" charset="0"/>
+              </a:rPr>
+              <a:t>Full qualified actual vs predicted input file (of the model of interest like ds, </a:t>
+            </a:r>
+            <a:r>
+              <a:rPr lang="en-IN" sz="1500" dirty="0" err="1">
+                <a:latin typeface="Arial" panose="020B0604020202020204" pitchFamily="34" charset="0"/>
+                <a:cs typeface="Arial" panose="020B0604020202020204" pitchFamily="34" charset="0"/>
+              </a:rPr>
+              <a:t>rbf</a:t>
+            </a:r>
+            <a:r>
+              <a:rPr lang="en-IN" sz="1500" dirty="0">
+                <a:latin typeface="Arial" panose="020B0604020202020204" pitchFamily="34" charset="0"/>
+                <a:cs typeface="Arial" panose="020B0604020202020204" pitchFamily="34" charset="0"/>
+              </a:rPr>
+              <a:t>)</a:t>
+            </a:r>
+          </a:p>
+          <a:p>
+            <a:pPr lvl="1"/>
+            <a:r>
+              <a:rPr lang="en-IN" sz="1400" dirty="0">
+                <a:solidFill>
+                  <a:schemeClr val="accent1"/>
+                </a:solidFill>
+                <a:latin typeface="Arial" panose="020B0604020202020204" pitchFamily="34" charset="0"/>
+                <a:cs typeface="Arial" panose="020B0604020202020204" pitchFamily="34" charset="0"/>
+              </a:rPr>
+              <a:t>-i {input file path}		(e.g. –i /pagetime2/set1/output/pages_all99_avp_ds.csv)</a:t>
+            </a:r>
+          </a:p>
+          <a:p>
+            <a:r>
+              <a:rPr lang="en-IN" sz="1500" dirty="0">
+                <a:latin typeface="Arial" panose="020B0604020202020204" pitchFamily="34" charset="0"/>
+                <a:cs typeface="Arial" panose="020B0604020202020204" pitchFamily="34" charset="0"/>
+              </a:rPr>
+              <a:t>Full qualified actual vs predicted input file (of the ZeroR model)</a:t>
+            </a:r>
+          </a:p>
+          <a:p>
+            <a:pPr lvl="1"/>
+            <a:r>
+              <a:rPr lang="en-IN" sz="1400" dirty="0">
+                <a:solidFill>
+                  <a:schemeClr val="accent1"/>
+                </a:solidFill>
+                <a:latin typeface="Arial" panose="020B0604020202020204" pitchFamily="34" charset="0"/>
+                <a:cs typeface="Arial" panose="020B0604020202020204" pitchFamily="34" charset="0"/>
+              </a:rPr>
+              <a:t>-i {input file path}		(e.g. –i /pagetime2/set1/output/pages_all99_avp_zr.csv)</a:t>
+            </a:r>
+          </a:p>
+          <a:p>
+            <a:r>
+              <a:rPr lang="en-IN" sz="1500" dirty="0">
+                <a:latin typeface="Arial" panose="020B0604020202020204" pitchFamily="34" charset="0"/>
+                <a:cs typeface="Arial" panose="020B0604020202020204" pitchFamily="34" charset="0"/>
+              </a:rPr>
+              <a:t>Fully qualified output file </a:t>
+            </a:r>
+          </a:p>
+          <a:p>
+            <a:pPr lvl="1"/>
+            <a:r>
+              <a:rPr lang="en-IN" sz="1500" dirty="0">
+                <a:solidFill>
+                  <a:schemeClr val="accent1"/>
+                </a:solidFill>
+                <a:latin typeface="Arial" panose="020B0604020202020204" pitchFamily="34" charset="0"/>
+                <a:cs typeface="Arial" panose="020B0604020202020204" pitchFamily="34" charset="0"/>
+              </a:rPr>
+              <a:t>-o {output file path} 	</a:t>
+            </a:r>
+            <a:r>
+              <a:rPr lang="en-IN" sz="1600" dirty="0">
+                <a:solidFill>
+                  <a:schemeClr val="accent1"/>
+                </a:solidFill>
+                <a:latin typeface="Arial" panose="020B0604020202020204" pitchFamily="34" charset="0"/>
+                <a:cs typeface="Arial" panose="020B0604020202020204" pitchFamily="34" charset="0"/>
+              </a:rPr>
+              <a:t>(</a:t>
+            </a:r>
+            <a:r>
+              <a:rPr lang="en-IN" sz="1400" dirty="0">
+                <a:solidFill>
+                  <a:schemeClr val="accent1"/>
+                </a:solidFill>
+                <a:latin typeface="Arial" panose="020B0604020202020204" pitchFamily="34" charset="0"/>
+                <a:cs typeface="Arial" panose="020B0604020202020204" pitchFamily="34" charset="0"/>
+              </a:rPr>
+              <a:t>e.g. -o /pagetime2/set1/results/evaluation.csv)</a:t>
+            </a:r>
+          </a:p>
+          <a:p>
+            <a:r>
+              <a:rPr lang="en-IN" sz="1500" dirty="0">
+                <a:latin typeface="Arial" panose="020B0604020202020204" pitchFamily="34" charset="0"/>
+                <a:cs typeface="Arial" panose="020B0604020202020204" pitchFamily="34" charset="0"/>
+              </a:rPr>
+              <a:t>The proportion of predicted values that have magnitude of residual error (MRE) less than equal to a stated value</a:t>
+            </a:r>
+          </a:p>
+          <a:p>
+            <a:pPr lvl="1"/>
+            <a:r>
+              <a:rPr lang="en-IN" sz="1400" dirty="0">
+                <a:solidFill>
+                  <a:schemeClr val="accent1"/>
+                </a:solidFill>
+                <a:latin typeface="Arial" panose="020B0604020202020204" pitchFamily="34" charset="0"/>
+                <a:cs typeface="Arial" panose="020B0604020202020204" pitchFamily="34" charset="0"/>
+              </a:rPr>
+              <a:t>-p1 {p1value}		(e.g. –p1 0.25)</a:t>
+            </a:r>
+          </a:p>
+          <a:p>
+            <a:pPr lvl="1"/>
+            <a:r>
+              <a:rPr lang="en-IN" sz="1400" dirty="0">
+                <a:solidFill>
+                  <a:schemeClr val="accent1"/>
+                </a:solidFill>
+                <a:latin typeface="Arial" panose="020B0604020202020204" pitchFamily="34" charset="0"/>
+                <a:cs typeface="Arial" panose="020B0604020202020204" pitchFamily="34" charset="0"/>
+              </a:rPr>
+              <a:t>-p2 {p2value}		(e.g. –p2 0.30)</a:t>
+            </a:r>
+          </a:p>
+          <a:p>
+            <a:r>
+              <a:rPr lang="en-IN" sz="1500" dirty="0">
+                <a:latin typeface="Arial" panose="020B0604020202020204" pitchFamily="34" charset="0"/>
+                <a:cs typeface="Arial" panose="020B0604020202020204" pitchFamily="34" charset="0"/>
+              </a:rPr>
+              <a:t>Text label to attach at the starting of every line in the output file</a:t>
+            </a:r>
+          </a:p>
+          <a:p>
+            <a:pPr lvl="1"/>
+            <a:r>
+              <a:rPr lang="en-IN" sz="1400" dirty="0">
+                <a:solidFill>
+                  <a:schemeClr val="accent1"/>
+                </a:solidFill>
+                <a:latin typeface="Arial" panose="020B0604020202020204" pitchFamily="34" charset="0"/>
+                <a:cs typeface="Arial" panose="020B0604020202020204" pitchFamily="34" charset="0"/>
+              </a:rPr>
+              <a:t>-label {label name}	(e.g. –label /pagetime2/input/pages_all99_ds</a:t>
+            </a:r>
+          </a:p>
+          <a:p>
+            <a:r>
+              <a:rPr lang="en-IN" sz="1500" dirty="0">
+                <a:latin typeface="Arial" panose="020B0604020202020204" pitchFamily="34" charset="0"/>
+                <a:cs typeface="Arial" panose="020B0604020202020204" pitchFamily="34" charset="0"/>
+              </a:rPr>
+              <a:t>Append to the output file or create a new file</a:t>
+            </a:r>
+          </a:p>
+          <a:p>
+            <a:pPr lvl="1"/>
+            <a:r>
+              <a:rPr lang="en-IN" sz="1400" dirty="0">
+                <a:solidFill>
+                  <a:schemeClr val="accent1"/>
+                </a:solidFill>
+                <a:latin typeface="Arial" panose="020B0604020202020204" pitchFamily="34" charset="0"/>
+                <a:cs typeface="Arial" panose="020B0604020202020204" pitchFamily="34" charset="0"/>
+              </a:rPr>
+              <a:t>-append {true|false}	(e.g. –append true)</a:t>
+            </a:r>
+          </a:p>
+          <a:p>
+            <a:r>
+              <a:rPr lang="en-IN" sz="1500" dirty="0">
+                <a:latin typeface="Arial" panose="020B0604020202020204" pitchFamily="34" charset="0"/>
+                <a:cs typeface="Arial" panose="020B0604020202020204" pitchFamily="34" charset="0"/>
+              </a:rPr>
+              <a:t>Execution time (in secs) of the machine learning technique </a:t>
+            </a:r>
+          </a:p>
+          <a:p>
+            <a:pPr lvl="1"/>
+            <a:r>
+              <a:rPr lang="en-IN" sz="1100" dirty="0">
+                <a:latin typeface="Arial" panose="020B0604020202020204" pitchFamily="34" charset="0"/>
+                <a:cs typeface="Arial" panose="020B0604020202020204" pitchFamily="34" charset="0"/>
+              </a:rPr>
+              <a:t>-</a:t>
+            </a:r>
+            <a:r>
+              <a:rPr lang="en-IN" sz="1400" dirty="0">
+                <a:solidFill>
+                  <a:schemeClr val="accent1"/>
+                </a:solidFill>
+                <a:latin typeface="Arial" panose="020B0604020202020204" pitchFamily="34" charset="0"/>
+                <a:cs typeface="Arial" panose="020B0604020202020204" pitchFamily="34" charset="0"/>
+              </a:rPr>
+              <a:t>etime {value}		(e.g. –etime 20)</a:t>
+            </a:r>
+          </a:p>
+          <a:p>
+            <a:r>
+              <a:rPr lang="en-IN" sz="1500" dirty="0">
+                <a:latin typeface="Arial" panose="020B0604020202020204" pitchFamily="34" charset="0"/>
+                <a:cs typeface="Arial" panose="020B0604020202020204" pitchFamily="34" charset="0"/>
+              </a:rPr>
+              <a:t>Print debug statements</a:t>
+            </a:r>
+          </a:p>
+          <a:p>
+            <a:pPr lvl="1"/>
+            <a:r>
+              <a:rPr lang="en-IN" sz="1400" dirty="0">
+                <a:solidFill>
+                  <a:schemeClr val="accent1"/>
+                </a:solidFill>
+                <a:latin typeface="Arial" panose="020B0604020202020204" pitchFamily="34" charset="0"/>
+                <a:cs typeface="Arial" panose="020B0604020202020204" pitchFamily="34" charset="0"/>
+              </a:rPr>
+              <a:t>-debug {true|false}		(e.g. –debug false)</a:t>
+            </a:r>
+          </a:p>
+          <a:p>
+            <a:r>
+              <a:rPr lang="en-IN" sz="1500" dirty="0">
+                <a:latin typeface="Arial" panose="020B0604020202020204" pitchFamily="34" charset="0"/>
+                <a:cs typeface="Arial" panose="020B0604020202020204" pitchFamily="34" charset="0"/>
+              </a:rPr>
+              <a:t>Name of the machine learning technique</a:t>
+            </a:r>
+          </a:p>
+          <a:p>
+            <a:pPr lvl="1"/>
+            <a:r>
+              <a:rPr lang="en-IN" sz="1400" dirty="0">
+                <a:solidFill>
+                  <a:schemeClr val="accent1"/>
+                </a:solidFill>
+                <a:latin typeface="Arial" panose="020B0604020202020204" pitchFamily="34" charset="0"/>
+                <a:cs typeface="Arial" panose="020B0604020202020204" pitchFamily="34" charset="0"/>
+              </a:rPr>
+              <a:t>-technique {technique name}	(e.g. –technique ds)</a:t>
+            </a:r>
+          </a:p>
+          <a:p>
+            <a:r>
+              <a:rPr lang="en-IN" sz="1500" dirty="0">
+                <a:latin typeface="Arial" panose="020B0604020202020204" pitchFamily="34" charset="0"/>
+                <a:cs typeface="Arial" panose="020B0604020202020204" pitchFamily="34" charset="0"/>
+              </a:rPr>
+              <a:t>For applicable fields take mean of means of all k-fold validation sets or mean of all k-fold validation sets</a:t>
+            </a:r>
+          </a:p>
+          <a:p>
+            <a:pPr lvl="1"/>
+            <a:r>
+              <a:rPr lang="en-IN" sz="1400" dirty="0">
+                <a:solidFill>
+                  <a:schemeClr val="accent1"/>
+                </a:solidFill>
+                <a:latin typeface="Arial" panose="020B0604020202020204" pitchFamily="34" charset="0"/>
+                <a:cs typeface="Arial" panose="020B0604020202020204" pitchFamily="34" charset="0"/>
+              </a:rPr>
+              <a:t>-v {true|false}</a:t>
+            </a:r>
+          </a:p>
+          <a:p>
+            <a:endParaRPr lang="en-IN" dirty="0">
+              <a:latin typeface="Arial" panose="020B0604020202020204" pitchFamily="34" charset="0"/>
+              <a:cs typeface="Arial" panose="020B0604020202020204" pitchFamily="34" charset="0"/>
+            </a:endParaRPr>
+          </a:p>
+          <a:p>
+            <a:endParaRPr lang="en-IN" dirty="0"/>
+          </a:p>
+        </p:txBody>
+      </p:sp>
+    </p:spTree>
+    <p:extLst>
+      <p:ext uri="{BB962C8B-B14F-4D97-AF65-F5344CB8AC3E}">
+        <p14:creationId xmlns:p14="http://schemas.microsoft.com/office/powerpoint/2010/main" val="4128565620"/>
+      </p:ext>
+    </p:extLst>
+  </p:cSld>
+  <p:clrMapOvr>
+    <a:masterClrMapping/>
+  </p:clrMapOvr>
+</p:sld>
+</file>
+
+<file path=ppt/slides/slide21.xml><?xml version="1.0" encoding="utf-8"?>
+<p:sld xmlns:a="http://schemas.openxmlformats.org/drawingml/2006/main" xmlns:r="http://schemas.openxmlformats.org/officeDocument/2006/relationships" xmlns:p="http://schemas.openxmlformats.org/presentationml/2006/main">
+  <p:cSld>
+    <p:spTree>
+      <p:nvGrpSpPr>
+        <p:cNvPr id="1" name=""/>
+        <p:cNvGrpSpPr/>
+        <p:nvPr/>
+      </p:nvGrpSpPr>
+      <p:grpSpPr>
+        <a:xfrm>
+          <a:off x="0" y="0"/>
+          <a:ext cx="0" cy="0"/>
+          <a:chOff x="0" y="0"/>
+          <a:chExt cx="0" cy="0"/>
+        </a:xfrm>
+      </p:grpSpPr>
+      <p:sp>
+        <p:nvSpPr>
+          <p:cNvPr id="2" name="Title 1">
+            <a:extLst>
+              <a:ext uri="{FF2B5EF4-FFF2-40B4-BE49-F238E27FC236}">
+                <a16:creationId xmlns:a16="http://schemas.microsoft.com/office/drawing/2014/main" id="{771FA61A-2BA4-485A-8AE8-DB17B19874F3}"/>
+              </a:ext>
+            </a:extLst>
+          </p:cNvPr>
+          <p:cNvSpPr>
+            <a:spLocks noGrp="1"/>
+          </p:cNvSpPr>
+          <p:nvPr>
+            <p:ph type="title"/>
+          </p:nvPr>
+        </p:nvSpPr>
+        <p:spPr/>
+        <p:txBody>
+          <a:bodyPr/>
+          <a:lstStyle/>
+          <a:p>
+            <a:r>
+              <a:rPr lang="en-IN" dirty="0"/>
+              <a:t>model.evaluation.ModelPerformance</a:t>
+            </a:r>
+            <a:br>
+              <a:rPr lang="en-IN" dirty="0"/>
+            </a:br>
+            <a:r>
+              <a:rPr lang="en-IN" sz="3200" dirty="0"/>
+              <a:t>(model-eval.jar) (output file format)</a:t>
+            </a:r>
+            <a:endParaRPr lang="en-IN" dirty="0"/>
+          </a:p>
+        </p:txBody>
+      </p:sp>
+      <p:sp>
+        <p:nvSpPr>
+          <p:cNvPr id="3" name="Content Placeholder 2">
+            <a:extLst>
+              <a:ext uri="{FF2B5EF4-FFF2-40B4-BE49-F238E27FC236}">
+                <a16:creationId xmlns:a16="http://schemas.microsoft.com/office/drawing/2014/main" id="{9D8AA3D5-F986-4550-A7FF-B47A49670AEC}"/>
+              </a:ext>
+            </a:extLst>
+          </p:cNvPr>
+          <p:cNvSpPr>
+            <a:spLocks noGrp="1"/>
+          </p:cNvSpPr>
+          <p:nvPr>
+            <p:ph idx="1"/>
+          </p:nvPr>
+        </p:nvSpPr>
+        <p:spPr>
+          <a:solidFill>
+            <a:schemeClr val="accent1">
+              <a:lumMod val="20000"/>
+              <a:lumOff val="80000"/>
+            </a:schemeClr>
+          </a:solidFill>
+        </p:spPr>
+        <p:txBody>
+          <a:bodyPr>
+            <a:noAutofit/>
+          </a:bodyPr>
+          <a:lstStyle/>
+          <a:p>
+            <a:pPr marL="0" indent="0">
+              <a:buNone/>
+            </a:pPr>
+            <a:r>
+              <a:rPr lang="en-IN" sz="1200" dirty="0">
+                <a:latin typeface="Arial" panose="020B0604020202020204" pitchFamily="34" charset="0"/>
+                <a:cs typeface="Arial" panose="020B0604020202020204" pitchFamily="34" charset="0"/>
+              </a:rPr>
+              <a:t>false|../set2/input/pages_informationtechnology99_rbfreg|rbfreg|1|0|0.83|17.66|0.42|0.51|0.59|4190062.89|1326.21|1972.91|2721.85|0.09|0.5|0.56|</a:t>
+            </a:r>
+          </a:p>
+          <a:p>
+            <a:pPr marL="0" indent="0">
+              <a:buNone/>
+            </a:pPr>
+            <a:endParaRPr lang="en-IN" sz="1200" dirty="0">
+              <a:latin typeface="Arial" panose="020B0604020202020204" pitchFamily="34" charset="0"/>
+              <a:cs typeface="Arial" panose="020B0604020202020204" pitchFamily="34" charset="0"/>
+            </a:endParaRPr>
+          </a:p>
+          <a:p>
+            <a:pPr>
+              <a:lnSpc>
+                <a:spcPct val="100000"/>
+              </a:lnSpc>
+              <a:spcBef>
+                <a:spcPts val="200"/>
+              </a:spcBef>
+            </a:pPr>
+            <a:r>
+              <a:rPr lang="en-IN" sz="1200" dirty="0">
+                <a:latin typeface="Arial" panose="020B0604020202020204" pitchFamily="34" charset="0"/>
+                <a:cs typeface="Arial" panose="020B0604020202020204" pitchFamily="34" charset="0"/>
+              </a:rPr>
+              <a:t>Field 1	: Value of –v option in the call to model.evaluation.ModelPerformance</a:t>
+            </a:r>
+          </a:p>
+          <a:p>
+            <a:pPr>
+              <a:lnSpc>
+                <a:spcPct val="100000"/>
+              </a:lnSpc>
+              <a:spcBef>
+                <a:spcPts val="200"/>
+              </a:spcBef>
+            </a:pPr>
+            <a:r>
+              <a:rPr lang="en-IN" sz="1200" dirty="0">
+                <a:latin typeface="Arial" panose="020B0604020202020204" pitchFamily="34" charset="0"/>
+                <a:cs typeface="Arial" panose="020B0604020202020204" pitchFamily="34" charset="0"/>
+              </a:rPr>
+              <a:t>Field 2	: Value of –label option in the call to model.evaluation.ModelPerformance</a:t>
+            </a:r>
+          </a:p>
+          <a:p>
+            <a:pPr>
+              <a:lnSpc>
+                <a:spcPct val="100000"/>
+              </a:lnSpc>
+              <a:spcBef>
+                <a:spcPts val="200"/>
+              </a:spcBef>
+            </a:pPr>
+            <a:r>
+              <a:rPr lang="en-IN" sz="1200" dirty="0">
+                <a:latin typeface="Arial" panose="020B0604020202020204" pitchFamily="34" charset="0"/>
+                <a:cs typeface="Arial" panose="020B0604020202020204" pitchFamily="34" charset="0"/>
+              </a:rPr>
+              <a:t>Field 3	: Value of –technique option in the call to model.evaluation.ModelPerformance</a:t>
+            </a:r>
+          </a:p>
+          <a:p>
+            <a:pPr>
+              <a:lnSpc>
+                <a:spcPct val="100000"/>
+              </a:lnSpc>
+              <a:spcBef>
+                <a:spcPts val="200"/>
+              </a:spcBef>
+            </a:pPr>
+            <a:r>
+              <a:rPr lang="en-IN" sz="1200" dirty="0">
+                <a:latin typeface="Arial" panose="020B0604020202020204" pitchFamily="34" charset="0"/>
+                <a:cs typeface="Arial" panose="020B0604020202020204" pitchFamily="34" charset="0"/>
+              </a:rPr>
+              <a:t>Field 4	: If –v option is false, then it will be a 1 set. If –v option is true, then it will be 10 sets (as k-fold is 10)</a:t>
+            </a:r>
+          </a:p>
+          <a:p>
+            <a:pPr>
+              <a:lnSpc>
+                <a:spcPct val="100000"/>
+              </a:lnSpc>
+              <a:spcBef>
+                <a:spcPts val="200"/>
+              </a:spcBef>
+            </a:pPr>
+            <a:r>
+              <a:rPr lang="en-IN" sz="1200" dirty="0">
+                <a:latin typeface="Arial" panose="020B0604020202020204" pitchFamily="34" charset="0"/>
+                <a:cs typeface="Arial" panose="020B0604020202020204" pitchFamily="34" charset="0"/>
+              </a:rPr>
+              <a:t>Field 5	: Value of –etime option in the call to model.evaluation.ModelPerformance</a:t>
+            </a:r>
+          </a:p>
+          <a:p>
+            <a:pPr>
+              <a:lnSpc>
+                <a:spcPct val="100000"/>
+              </a:lnSpc>
+              <a:spcBef>
+                <a:spcPts val="200"/>
+              </a:spcBef>
+            </a:pPr>
+            <a:r>
+              <a:rPr lang="en-IN" sz="1200" dirty="0">
+                <a:latin typeface="Arial" panose="020B0604020202020204" pitchFamily="34" charset="0"/>
+                <a:cs typeface="Arial" panose="020B0604020202020204" pitchFamily="34" charset="0"/>
+              </a:rPr>
+              <a:t>Field 6	: Correlation coefficient (r)</a:t>
+            </a:r>
+          </a:p>
+          <a:p>
+            <a:pPr>
+              <a:lnSpc>
+                <a:spcPct val="100000"/>
+              </a:lnSpc>
+              <a:spcBef>
+                <a:spcPts val="200"/>
+              </a:spcBef>
+            </a:pPr>
+            <a:r>
+              <a:rPr lang="en-IN" sz="1200" dirty="0">
+                <a:latin typeface="Arial" panose="020B0604020202020204" pitchFamily="34" charset="0"/>
+                <a:cs typeface="Arial" panose="020B0604020202020204" pitchFamily="34" charset="0"/>
+              </a:rPr>
+              <a:t>Field 7	: Maximum magnitude of relative error (maxMRE)</a:t>
+            </a:r>
+          </a:p>
+          <a:p>
+            <a:pPr>
+              <a:lnSpc>
+                <a:spcPct val="100000"/>
+              </a:lnSpc>
+              <a:spcBef>
+                <a:spcPts val="200"/>
+              </a:spcBef>
+            </a:pPr>
+            <a:r>
+              <a:rPr lang="en-IN" sz="1200" dirty="0">
+                <a:latin typeface="Arial" panose="020B0604020202020204" pitchFamily="34" charset="0"/>
+                <a:cs typeface="Arial" panose="020B0604020202020204" pitchFamily="34" charset="0"/>
+              </a:rPr>
+              <a:t>Field 8	: Mean magnitude of relative error (MMRE)</a:t>
+            </a:r>
+          </a:p>
+          <a:p>
+            <a:pPr>
+              <a:lnSpc>
+                <a:spcPct val="100000"/>
+              </a:lnSpc>
+              <a:spcBef>
+                <a:spcPts val="200"/>
+              </a:spcBef>
+            </a:pPr>
+            <a:r>
+              <a:rPr lang="en-IN" sz="1200" dirty="0">
+                <a:latin typeface="Arial" panose="020B0604020202020204" pitchFamily="34" charset="0"/>
+                <a:cs typeface="Arial" panose="020B0604020202020204" pitchFamily="34" charset="0"/>
+              </a:rPr>
+              <a:t>Field 9	: Pred(p1)</a:t>
+            </a:r>
+          </a:p>
+          <a:p>
+            <a:pPr>
+              <a:lnSpc>
+                <a:spcPct val="100000"/>
+              </a:lnSpc>
+              <a:spcBef>
+                <a:spcPts val="200"/>
+              </a:spcBef>
+            </a:pPr>
+            <a:r>
+              <a:rPr lang="en-IN" sz="1200" dirty="0">
+                <a:latin typeface="Arial" panose="020B0604020202020204" pitchFamily="34" charset="0"/>
+                <a:cs typeface="Arial" panose="020B0604020202020204" pitchFamily="34" charset="0"/>
+              </a:rPr>
+              <a:t>Field 10	: Pred(p2)</a:t>
+            </a:r>
+          </a:p>
+          <a:p>
+            <a:pPr>
+              <a:lnSpc>
+                <a:spcPct val="100000"/>
+              </a:lnSpc>
+              <a:spcBef>
+                <a:spcPts val="200"/>
+              </a:spcBef>
+            </a:pPr>
+            <a:r>
+              <a:rPr lang="en-IN" sz="1200" dirty="0">
+                <a:latin typeface="Arial" panose="020B0604020202020204" pitchFamily="34" charset="0"/>
+                <a:cs typeface="Arial" panose="020B0604020202020204" pitchFamily="34" charset="0"/>
+              </a:rPr>
+              <a:t>Field 11	: Sum of absolute residual error (sumARE)</a:t>
+            </a:r>
+          </a:p>
+          <a:p>
+            <a:pPr>
+              <a:lnSpc>
+                <a:spcPct val="100000"/>
+              </a:lnSpc>
+              <a:spcBef>
+                <a:spcPts val="200"/>
+              </a:spcBef>
+            </a:pPr>
+            <a:r>
+              <a:rPr lang="en-IN" sz="1200" dirty="0">
+                <a:latin typeface="Arial" panose="020B0604020202020204" pitchFamily="34" charset="0"/>
+                <a:cs typeface="Arial" panose="020B0604020202020204" pitchFamily="34" charset="0"/>
+              </a:rPr>
+              <a:t>Field 12	: Median of absolute residual error (medARE)</a:t>
+            </a:r>
+          </a:p>
+          <a:p>
+            <a:pPr>
+              <a:lnSpc>
+                <a:spcPct val="100000"/>
+              </a:lnSpc>
+              <a:spcBef>
+                <a:spcPts val="200"/>
+              </a:spcBef>
+            </a:pPr>
+            <a:r>
+              <a:rPr lang="en-IN" sz="1200" dirty="0">
+                <a:latin typeface="Arial" panose="020B0604020202020204" pitchFamily="34" charset="0"/>
+                <a:cs typeface="Arial" panose="020B0604020202020204" pitchFamily="34" charset="0"/>
+              </a:rPr>
+              <a:t>Field 13	: Standard deviation of absolute residual error (SDARE)</a:t>
+            </a:r>
+          </a:p>
+          <a:p>
+            <a:pPr>
+              <a:lnSpc>
+                <a:spcPct val="100000"/>
+              </a:lnSpc>
+              <a:spcBef>
+                <a:spcPts val="200"/>
+              </a:spcBef>
+            </a:pPr>
+            <a:r>
+              <a:rPr lang="en-IN" sz="1200" dirty="0">
+                <a:latin typeface="Arial" panose="020B0604020202020204" pitchFamily="34" charset="0"/>
+                <a:cs typeface="Arial" panose="020B0604020202020204" pitchFamily="34" charset="0"/>
+              </a:rPr>
+              <a:t>Field 14	: Root mean square error (RMSE)</a:t>
+            </a:r>
+          </a:p>
+          <a:p>
+            <a:pPr>
+              <a:lnSpc>
+                <a:spcPct val="100000"/>
+              </a:lnSpc>
+              <a:spcBef>
+                <a:spcPts val="200"/>
+              </a:spcBef>
+            </a:pPr>
+            <a:r>
+              <a:rPr lang="en-IN" sz="1200" dirty="0">
+                <a:latin typeface="Arial" panose="020B0604020202020204" pitchFamily="34" charset="0"/>
+                <a:cs typeface="Arial" panose="020B0604020202020204" pitchFamily="34" charset="0"/>
+              </a:rPr>
+              <a:t>Field 15	: Normalized root mean square error (NRMSE)</a:t>
+            </a:r>
+          </a:p>
+          <a:p>
+            <a:pPr>
+              <a:lnSpc>
+                <a:spcPct val="100000"/>
+              </a:lnSpc>
+              <a:spcBef>
+                <a:spcPts val="200"/>
+              </a:spcBef>
+            </a:pPr>
+            <a:r>
+              <a:rPr lang="en-IN" sz="1200" dirty="0">
+                <a:latin typeface="Arial" panose="020B0604020202020204" pitchFamily="34" charset="0"/>
+                <a:cs typeface="Arial" panose="020B0604020202020204" pitchFamily="34" charset="0"/>
+              </a:rPr>
+              <a:t>Field 16	: Relative absolute error (RelativeAE)</a:t>
+            </a:r>
+          </a:p>
+          <a:p>
+            <a:pPr>
+              <a:lnSpc>
+                <a:spcPct val="100000"/>
+              </a:lnSpc>
+              <a:spcBef>
+                <a:spcPts val="200"/>
+              </a:spcBef>
+            </a:pPr>
+            <a:r>
+              <a:rPr lang="en-IN" sz="1200" dirty="0">
+                <a:latin typeface="Arial" panose="020B0604020202020204" pitchFamily="34" charset="0"/>
+                <a:cs typeface="Arial" panose="020B0604020202020204" pitchFamily="34" charset="0"/>
+              </a:rPr>
+              <a:t>Field 17	: Root of relative square error (RRSE)</a:t>
+            </a:r>
+          </a:p>
+        </p:txBody>
+      </p:sp>
+    </p:spTree>
+    <p:extLst>
+      <p:ext uri="{BB962C8B-B14F-4D97-AF65-F5344CB8AC3E}">
+        <p14:creationId xmlns:p14="http://schemas.microsoft.com/office/powerpoint/2010/main" val="1248292179"/>
+      </p:ext>
+    </p:extLst>
+  </p:cSld>
+  <p:clrMapOvr>
+    <a:masterClrMapping/>
+  </p:clrMapOvr>
+</p:sld>
+</file>
+
+<file path=ppt/slides/slide22.xml><?xml version="1.0" encoding="utf-8"?>
 <p:sld xmlns:a="http://schemas.openxmlformats.org/drawingml/2006/main" xmlns:r="http://schemas.openxmlformats.org/officeDocument/2006/relationships" xmlns:p="http://schemas.openxmlformats.org/presentationml/2006/main">
   <p:cSld>
     <p:spTree>
@@ -14972,7 +16636,7 @@
                   <a:latin typeface="Arial" panose="020B0604020202020204" pitchFamily="34" charset="0"/>
                   <a:cs typeface="Arial" panose="020B0604020202020204" pitchFamily="34" charset="0"/>
                 </a:rPr>
-                <a:t>./step3forset0.bash -i step1-datacreation-list.txt -s ../set0</a:t>
+                <a:t>./step4forset0.bash -i step1-datacreation-list.txt -s ../set0</a:t>
               </a:r>
             </a:p>
           </p:txBody>
@@ -15165,7 +16829,7 @@
 </p:sld>
 </file>
 
-<file path=ppt/slides/slide21.xml><?xml version="1.0" encoding="utf-8"?>
+<file path=ppt/slides/slide23.xml><?xml version="1.0" encoding="utf-8"?>
 <p:sld xmlns:a="http://schemas.openxmlformats.org/drawingml/2006/main" xmlns:r="http://schemas.openxmlformats.org/officeDocument/2006/relationships" xmlns:p="http://schemas.openxmlformats.org/presentationml/2006/main">
   <p:cSld>
     <p:spTree>
@@ -15459,7 +17123,7 @@
 </p:sld>
 </file>
 
-<file path=ppt/slides/slide22.xml><?xml version="1.0" encoding="utf-8"?>
+<file path=ppt/slides/slide24.xml><?xml version="1.0" encoding="utf-8"?>
 <p:sld xmlns:a="http://schemas.openxmlformats.org/drawingml/2006/main" xmlns:r="http://schemas.openxmlformats.org/officeDocument/2006/relationships" xmlns:p="http://schemas.openxmlformats.org/presentationml/2006/main">
   <p:cSld>
     <p:spTree>
@@ -15591,21 +17255,16 @@
                 <a:latin typeface="Arial" panose="020B0604020202020204" pitchFamily="34" charset="0"/>
                 <a:cs typeface="Arial" panose="020B0604020202020204" pitchFamily="34" charset="0"/>
               </a:rPr>
-              <a:t>./step5.bash –</a:t>
-            </a:r>
-            <a:r>
-              <a:rPr lang="en-IN" dirty="0" err="1">
-                <a:latin typeface="Arial" panose="020B0604020202020204" pitchFamily="34" charset="0"/>
-                <a:cs typeface="Arial" panose="020B0604020202020204" pitchFamily="34" charset="0"/>
-              </a:rPr>
-              <a:t>i</a:t>
-            </a:r>
+              <a:t>./step5.bash -s ../set1</a:t>
+            </a:r>
+          </a:p>
+          <a:p>
             <a:r>
               <a:rPr lang="en-IN" dirty="0">
                 <a:latin typeface="Arial" panose="020B0604020202020204" pitchFamily="34" charset="0"/>
                 <a:cs typeface="Arial" panose="020B0604020202020204" pitchFamily="34" charset="0"/>
               </a:rPr>
-              <a:t> ../set1/results/evaluation.csv –o ../set1/results/perf_summary.csv --a false –d true</a:t>
+              <a:t>./step5.bash -s ../set2</a:t>
             </a:r>
           </a:p>
           <a:p>
@@ -15614,67 +17273,16 @@
                 <a:latin typeface="Arial" panose="020B0604020202020204" pitchFamily="34" charset="0"/>
                 <a:cs typeface="Arial" panose="020B0604020202020204" pitchFamily="34" charset="0"/>
               </a:rPr>
-              <a:t>./step5.bash –</a:t>
-            </a:r>
-            <a:r>
-              <a:rPr lang="en-IN" dirty="0" err="1">
-                <a:latin typeface="Arial" panose="020B0604020202020204" pitchFamily="34" charset="0"/>
-                <a:cs typeface="Arial" panose="020B0604020202020204" pitchFamily="34" charset="0"/>
-              </a:rPr>
-              <a:t>i</a:t>
-            </a:r>
+              <a:t>./step5.bash -s ../set3</a:t>
+            </a:r>
+          </a:p>
+          <a:p>
             <a:r>
               <a:rPr lang="en-IN" dirty="0">
                 <a:latin typeface="Arial" panose="020B0604020202020204" pitchFamily="34" charset="0"/>
                 <a:cs typeface="Arial" panose="020B0604020202020204" pitchFamily="34" charset="0"/>
               </a:rPr>
-              <a:t> ../set2/results/evaluation.csv –o ../set2/results/perf_summary.csv --a false –d true</a:t>
-            </a:r>
-          </a:p>
-          <a:p>
-            <a:r>
-              <a:rPr lang="en-IN" dirty="0">
-                <a:latin typeface="Arial" panose="020B0604020202020204" pitchFamily="34" charset="0"/>
-                <a:cs typeface="Arial" panose="020B0604020202020204" pitchFamily="34" charset="0"/>
-              </a:rPr>
-              <a:t>./step5.bash –</a:t>
-            </a:r>
-            <a:r>
-              <a:rPr lang="en-IN" dirty="0" err="1">
-                <a:latin typeface="Arial" panose="020B0604020202020204" pitchFamily="34" charset="0"/>
-                <a:cs typeface="Arial" panose="020B0604020202020204" pitchFamily="34" charset="0"/>
-              </a:rPr>
-              <a:t>i</a:t>
-            </a:r>
-            <a:r>
-              <a:rPr lang="en-IN" dirty="0">
-                <a:latin typeface="Arial" panose="020B0604020202020204" pitchFamily="34" charset="0"/>
-                <a:cs typeface="Arial" panose="020B0604020202020204" pitchFamily="34" charset="0"/>
-              </a:rPr>
-              <a:t> ../set3/results/evaluation.csv –o ../set3/results/perf_summary.csv --a false –d true</a:t>
-            </a:r>
-          </a:p>
-          <a:p>
-            <a:r>
-              <a:rPr lang="en-IN" dirty="0">
-                <a:latin typeface="Arial" panose="020B0604020202020204" pitchFamily="34" charset="0"/>
-                <a:cs typeface="Arial" panose="020B0604020202020204" pitchFamily="34" charset="0"/>
-              </a:rPr>
-              <a:t>./step5.bash –</a:t>
-            </a:r>
-            <a:r>
-              <a:rPr lang="en-IN" dirty="0" err="1">
-                <a:latin typeface="Arial" panose="020B0604020202020204" pitchFamily="34" charset="0"/>
-                <a:cs typeface="Arial" panose="020B0604020202020204" pitchFamily="34" charset="0"/>
-              </a:rPr>
-              <a:t>i</a:t>
-            </a:r>
-            <a:r>
-              <a:rPr lang="en-IN" dirty="0">
-                <a:latin typeface="Arial" panose="020B0604020202020204" pitchFamily="34" charset="0"/>
-                <a:cs typeface="Arial" panose="020B0604020202020204" pitchFamily="34" charset="0"/>
-              </a:rPr>
-              <a:t> ../set4/results/evaluation.csv –o ../set4/results/perf_summary.csv --a false –d true</a:t>
+              <a:t>./step5.bash -s ../set4</a:t>
             </a:r>
           </a:p>
         </p:txBody>
@@ -15921,7 +17529,7 @@
 </p:sld>
 </file>
 
-<file path=ppt/slides/slide23.xml><?xml version="1.0" encoding="utf-8"?>
+<file path=ppt/slides/slide25.xml><?xml version="1.0" encoding="utf-8"?>
 <p:sld xmlns:a="http://schemas.openxmlformats.org/drawingml/2006/main" xmlns:r="http://schemas.openxmlformats.org/officeDocument/2006/relationships" xmlns:p="http://schemas.openxmlformats.org/presentationml/2006/main">
   <p:cSld>
     <p:spTree>
@@ -16177,7 +17785,7 @@
 </p:sld>
 </file>
 
-<file path=ppt/slides/slide24.xml><?xml version="1.0" encoding="utf-8"?>
+<file path=ppt/slides/slide26.xml><?xml version="1.0" encoding="utf-8"?>
 <p:sld xmlns:a="http://schemas.openxmlformats.org/drawingml/2006/main" xmlns:r="http://schemas.openxmlformats.org/officeDocument/2006/relationships" xmlns:p="http://schemas.openxmlformats.org/presentationml/2006/main">
   <p:cSld>
     <p:spTree>
@@ -17340,7 +18948,7 @@
 </p:sld>
 </file>
 
-<file path=ppt/slides/slide25.xml><?xml version="1.0" encoding="utf-8"?>
+<file path=ppt/slides/slide27.xml><?xml version="1.0" encoding="utf-8"?>
 <p:sld xmlns:a="http://schemas.openxmlformats.org/drawingml/2006/main" xmlns:r="http://schemas.openxmlformats.org/officeDocument/2006/relationships" xmlns:p="http://schemas.openxmlformats.org/presentationml/2006/main">
   <p:cSld>
     <p:spTree>
@@ -17548,7 +19156,7 @@
 </p:sld>
 </file>
 
-<file path=ppt/slides/slide26.xml><?xml version="1.0" encoding="utf-8"?>
+<file path=ppt/slides/slide28.xml><?xml version="1.0" encoding="utf-8"?>
 <p:sld xmlns:a="http://schemas.openxmlformats.org/drawingml/2006/main" xmlns:r="http://schemas.openxmlformats.org/officeDocument/2006/relationships" xmlns:p="http://schemas.openxmlformats.org/presentationml/2006/main">
   <p:cSld>
     <p:spTree>
@@ -17756,7 +19364,7 @@
 </p:sld>
 </file>
 
-<file path=ppt/slides/slide27.xml><?xml version="1.0" encoding="utf-8"?>
+<file path=ppt/slides/slide29.xml><?xml version="1.0" encoding="utf-8"?>
 <p:sld xmlns:a="http://schemas.openxmlformats.org/drawingml/2006/main" xmlns:r="http://schemas.openxmlformats.org/officeDocument/2006/relationships" xmlns:p="http://schemas.openxmlformats.org/presentationml/2006/main">
   <p:cSld>
     <p:spTree>
@@ -17803,7 +19411,23 @@
             </a:br>
             <a:r>
               <a:rPr lang="en-IN" dirty="0"/>
-              <a:t>(MATLAB script: friedman_batch.m)</a:t>
+              <a:t>(MATLAB script: /</a:t>
+            </a:r>
+            <a:r>
+              <a:rPr lang="en-IN" dirty="0" err="1"/>
+              <a:t>matlab</a:t>
+            </a:r>
+            <a:r>
+              <a:rPr lang="en-IN" dirty="0"/>
+              <a:t>/</a:t>
+            </a:r>
+            <a:r>
+              <a:rPr lang="en-IN" dirty="0" err="1"/>
+              <a:t>friedman_batch.m</a:t>
+            </a:r>
+            <a:r>
+              <a:rPr lang="en-IN" dirty="0"/>
+              <a:t>)</a:t>
             </a:r>
           </a:p>
         </p:txBody>
@@ -18400,92 +20024,6 @@
 </p:sld>
 </file>
 
-<file path=ppt/slides/slide28.xml><?xml version="1.0" encoding="utf-8"?>
-<p:sld xmlns:a="http://schemas.openxmlformats.org/drawingml/2006/main" xmlns:r="http://schemas.openxmlformats.org/officeDocument/2006/relationships" xmlns:p="http://schemas.openxmlformats.org/presentationml/2006/main">
-  <p:cSld>
-    <p:spTree>
-      <p:nvGrpSpPr>
-        <p:cNvPr id="1" name=""/>
-        <p:cNvGrpSpPr/>
-        <p:nvPr/>
-      </p:nvGrpSpPr>
-      <p:grpSpPr>
-        <a:xfrm>
-          <a:off x="0" y="0"/>
-          <a:ext cx="0" cy="0"/>
-          <a:chOff x="0" y="0"/>
-          <a:chExt cx="0" cy="0"/>
-        </a:xfrm>
-      </p:grpSpPr>
-      <p:sp>
-        <p:nvSpPr>
-          <p:cNvPr id="2" name="Title 1">
-            <a:extLst>
-              <a:ext uri="{FF2B5EF4-FFF2-40B4-BE49-F238E27FC236}">
-                <a16:creationId xmlns:a16="http://schemas.microsoft.com/office/drawing/2014/main" id="{BA6F841B-1336-4EB4-8DB1-CEF025B09A56}"/>
-              </a:ext>
-            </a:extLst>
-          </p:cNvPr>
-          <p:cNvSpPr>
-            <a:spLocks noGrp="1"/>
-          </p:cNvSpPr>
-          <p:nvPr>
-            <p:ph type="title"/>
-          </p:nvPr>
-        </p:nvSpPr>
-        <p:spPr/>
-        <p:txBody>
-          <a:bodyPr/>
-          <a:lstStyle/>
-          <a:p>
-            <a:r>
-              <a:rPr lang="en-IN" dirty="0"/>
-              <a:t>Packaging</a:t>
-            </a:r>
-          </a:p>
-        </p:txBody>
-      </p:sp>
-      <p:sp>
-        <p:nvSpPr>
-          <p:cNvPr id="3" name="Content Placeholder 2">
-            <a:extLst>
-              <a:ext uri="{FF2B5EF4-FFF2-40B4-BE49-F238E27FC236}">
-                <a16:creationId xmlns:a16="http://schemas.microsoft.com/office/drawing/2014/main" id="{CB78A74E-51BF-4199-A66C-0AC8DCE97985}"/>
-              </a:ext>
-            </a:extLst>
-          </p:cNvPr>
-          <p:cNvSpPr>
-            <a:spLocks noGrp="1"/>
-          </p:cNvSpPr>
-          <p:nvPr>
-            <p:ph idx="1"/>
-          </p:nvPr>
-        </p:nvSpPr>
-        <p:spPr/>
-        <p:txBody>
-          <a:bodyPr/>
-          <a:lstStyle/>
-          <a:p>
-            <a:r>
-              <a:rPr lang="en-IN" dirty="0"/>
-              <a:t>Work in progress: The package is in the process of being created!</a:t>
-            </a:r>
-          </a:p>
-        </p:txBody>
-      </p:sp>
-    </p:spTree>
-    <p:extLst>
-      <p:ext uri="{BB962C8B-B14F-4D97-AF65-F5344CB8AC3E}">
-        <p14:creationId xmlns:p14="http://schemas.microsoft.com/office/powerpoint/2010/main" val="1746486542"/>
-      </p:ext>
-    </p:extLst>
-  </p:cSld>
-  <p:clrMapOvr>
-    <a:masterClrMapping/>
-  </p:clrMapOvr>
-</p:sld>
-</file>
-
 <file path=ppt/slides/slide3.xml><?xml version="1.0" encoding="utf-8"?>
 <p:sld xmlns:a="http://schemas.openxmlformats.org/drawingml/2006/main" xmlns:r="http://schemas.openxmlformats.org/officeDocument/2006/relationships" xmlns:p="http://schemas.openxmlformats.org/presentationml/2006/main">
   <p:cSld>
@@ -18687,7 +20225,2944 @@
 </p:sld>
 </file>
 
+<file path=ppt/slides/slide30.xml><?xml version="1.0" encoding="utf-8"?>
+<p:sld xmlns:a="http://schemas.openxmlformats.org/drawingml/2006/main" xmlns:r="http://schemas.openxmlformats.org/officeDocument/2006/relationships" xmlns:p="http://schemas.openxmlformats.org/presentationml/2006/main">
+  <p:cSld>
+    <p:spTree>
+      <p:nvGrpSpPr>
+        <p:cNvPr id="1" name=""/>
+        <p:cNvGrpSpPr/>
+        <p:nvPr/>
+      </p:nvGrpSpPr>
+      <p:grpSpPr>
+        <a:xfrm>
+          <a:off x="0" y="0"/>
+          <a:ext cx="0" cy="0"/>
+          <a:chOff x="0" y="0"/>
+          <a:chExt cx="0" cy="0"/>
+        </a:xfrm>
+      </p:grpSpPr>
+      <p:sp>
+        <p:nvSpPr>
+          <p:cNvPr id="2" name="Title 1">
+            <a:extLst>
+              <a:ext uri="{FF2B5EF4-FFF2-40B4-BE49-F238E27FC236}">
+                <a16:creationId xmlns:a16="http://schemas.microsoft.com/office/drawing/2014/main" id="{BA6F841B-1336-4EB4-8DB1-CEF025B09A56}"/>
+              </a:ext>
+            </a:extLst>
+          </p:cNvPr>
+          <p:cNvSpPr>
+            <a:spLocks noGrp="1"/>
+          </p:cNvSpPr>
+          <p:nvPr>
+            <p:ph type="title"/>
+          </p:nvPr>
+        </p:nvSpPr>
+        <p:spPr/>
+        <p:txBody>
+          <a:bodyPr/>
+          <a:lstStyle/>
+          <a:p>
+            <a:r>
+              <a:rPr lang="en-IN" dirty="0"/>
+              <a:t>Packaging</a:t>
+            </a:r>
+          </a:p>
+        </p:txBody>
+      </p:sp>
+      <p:sp>
+        <p:nvSpPr>
+          <p:cNvPr id="3" name="Content Placeholder 2">
+            <a:extLst>
+              <a:ext uri="{FF2B5EF4-FFF2-40B4-BE49-F238E27FC236}">
+                <a16:creationId xmlns:a16="http://schemas.microsoft.com/office/drawing/2014/main" id="{CB78A74E-51BF-4199-A66C-0AC8DCE97985}"/>
+              </a:ext>
+            </a:extLst>
+          </p:cNvPr>
+          <p:cNvSpPr>
+            <a:spLocks noGrp="1"/>
+          </p:cNvSpPr>
+          <p:nvPr>
+            <p:ph idx="1"/>
+          </p:nvPr>
+        </p:nvSpPr>
+        <p:spPr/>
+        <p:txBody>
+          <a:bodyPr/>
+          <a:lstStyle/>
+          <a:p>
+            <a:r>
+              <a:rPr lang="en-IN" dirty="0">
+                <a:latin typeface="Arial" panose="020B0604020202020204" pitchFamily="34" charset="0"/>
+                <a:cs typeface="Arial" panose="020B0604020202020204" pitchFamily="34" charset="0"/>
+              </a:rPr>
+              <a:t>Work in progress: The package </a:t>
+            </a:r>
+            <a:r>
+              <a:rPr lang="en-IN" dirty="0">
+                <a:solidFill>
+                  <a:schemeClr val="accent1"/>
+                </a:solidFill>
+                <a:latin typeface="Arial" panose="020B0604020202020204" pitchFamily="34" charset="0"/>
+                <a:cs typeface="Arial" panose="020B0604020202020204" pitchFamily="34" charset="0"/>
+              </a:rPr>
+              <a:t>plt.zip</a:t>
+            </a:r>
+            <a:r>
+              <a:rPr lang="en-IN" dirty="0">
+                <a:latin typeface="Arial" panose="020B0604020202020204" pitchFamily="34" charset="0"/>
+                <a:cs typeface="Arial" panose="020B0604020202020204" pitchFamily="34" charset="0"/>
+              </a:rPr>
+              <a:t> is in the process of being created!</a:t>
+            </a:r>
+          </a:p>
+        </p:txBody>
+      </p:sp>
+    </p:spTree>
+    <p:extLst>
+      <p:ext uri="{BB962C8B-B14F-4D97-AF65-F5344CB8AC3E}">
+        <p14:creationId xmlns:p14="http://schemas.microsoft.com/office/powerpoint/2010/main" val="1746486542"/>
+      </p:ext>
+    </p:extLst>
+  </p:cSld>
+  <p:clrMapOvr>
+    <a:masterClrMapping/>
+  </p:clrMapOvr>
+</p:sld>
+</file>
+
 <file path=ppt/slides/slide4.xml><?xml version="1.0" encoding="utf-8"?>
+<p:sld xmlns:a="http://schemas.openxmlformats.org/drawingml/2006/main" xmlns:r="http://schemas.openxmlformats.org/officeDocument/2006/relationships" xmlns:p="http://schemas.openxmlformats.org/presentationml/2006/main">
+  <p:cSld>
+    <p:spTree>
+      <p:nvGrpSpPr>
+        <p:cNvPr id="1" name=""/>
+        <p:cNvGrpSpPr/>
+        <p:nvPr/>
+      </p:nvGrpSpPr>
+      <p:grpSpPr>
+        <a:xfrm>
+          <a:off x="0" y="0"/>
+          <a:ext cx="0" cy="0"/>
+          <a:chOff x="0" y="0"/>
+          <a:chExt cx="0" cy="0"/>
+        </a:xfrm>
+      </p:grpSpPr>
+      <p:sp>
+        <p:nvSpPr>
+          <p:cNvPr id="2" name="Title 1">
+            <a:extLst>
+              <a:ext uri="{FF2B5EF4-FFF2-40B4-BE49-F238E27FC236}">
+                <a16:creationId xmlns:a16="http://schemas.microsoft.com/office/drawing/2014/main" id="{5CC1FE94-81B2-4045-9920-87510FEC5BF6}"/>
+              </a:ext>
+            </a:extLst>
+          </p:cNvPr>
+          <p:cNvSpPr>
+            <a:spLocks noGrp="1"/>
+          </p:cNvSpPr>
+          <p:nvPr>
+            <p:ph type="title"/>
+          </p:nvPr>
+        </p:nvSpPr>
+        <p:spPr>
+          <a:xfrm>
+            <a:off x="838200" y="196969"/>
+            <a:ext cx="10515600" cy="1325563"/>
+          </a:xfrm>
+        </p:spPr>
+        <p:txBody>
+          <a:bodyPr/>
+          <a:lstStyle/>
+          <a:p>
+            <a:r>
+              <a:rPr lang="en-IN" dirty="0"/>
+              <a:t>Overall Experiment Flow (Part 1)</a:t>
+            </a:r>
+          </a:p>
+        </p:txBody>
+      </p:sp>
+      <p:sp>
+        <p:nvSpPr>
+          <p:cNvPr id="4" name="Rectangle 3">
+            <a:extLst>
+              <a:ext uri="{FF2B5EF4-FFF2-40B4-BE49-F238E27FC236}">
+                <a16:creationId xmlns:a16="http://schemas.microsoft.com/office/drawing/2014/main" id="{C4C7CA59-7267-4E9A-B73D-163D102EF7EF}"/>
+              </a:ext>
+            </a:extLst>
+          </p:cNvPr>
+          <p:cNvSpPr/>
+          <p:nvPr/>
+        </p:nvSpPr>
+        <p:spPr>
+          <a:xfrm>
+            <a:off x="3931918" y="1171461"/>
+            <a:ext cx="1491175" cy="588278"/>
+          </a:xfrm>
+          <a:prstGeom prst="rect">
+            <a:avLst/>
+          </a:prstGeom>
+        </p:spPr>
+        <p:style>
+          <a:lnRef idx="2">
+            <a:schemeClr val="accent1">
+              <a:shade val="50000"/>
+            </a:schemeClr>
+          </a:lnRef>
+          <a:fillRef idx="1">
+            <a:schemeClr val="accent1"/>
+          </a:fillRef>
+          <a:effectRef idx="0">
+            <a:schemeClr val="accent1"/>
+          </a:effectRef>
+          <a:fontRef idx="minor">
+            <a:schemeClr val="lt1"/>
+          </a:fontRef>
+        </p:style>
+        <p:txBody>
+          <a:bodyPr rtlCol="0" anchor="ctr"/>
+          <a:lstStyle/>
+          <a:p>
+            <a:pPr algn="ctr"/>
+            <a:r>
+              <a:rPr lang="en-IN" dirty="0">
+                <a:latin typeface="Arial" panose="020B0604020202020204" pitchFamily="34" charset="0"/>
+                <a:cs typeface="Arial" panose="020B0604020202020204" pitchFamily="34" charset="0"/>
+              </a:rPr>
+              <a:t>step1.bash</a:t>
+            </a:r>
+          </a:p>
+        </p:txBody>
+      </p:sp>
+      <p:sp>
+        <p:nvSpPr>
+          <p:cNvPr id="7" name="Rectangle 6">
+            <a:extLst>
+              <a:ext uri="{FF2B5EF4-FFF2-40B4-BE49-F238E27FC236}">
+                <a16:creationId xmlns:a16="http://schemas.microsoft.com/office/drawing/2014/main" id="{2CDAC47F-4670-4C64-B9A6-49246D2FF3FB}"/>
+              </a:ext>
+            </a:extLst>
+          </p:cNvPr>
+          <p:cNvSpPr/>
+          <p:nvPr/>
+        </p:nvSpPr>
+        <p:spPr>
+          <a:xfrm>
+            <a:off x="838200" y="2387904"/>
+            <a:ext cx="1491175" cy="588278"/>
+          </a:xfrm>
+          <a:prstGeom prst="rect">
+            <a:avLst/>
+          </a:prstGeom>
+        </p:spPr>
+        <p:style>
+          <a:lnRef idx="2">
+            <a:schemeClr val="accent1">
+              <a:shade val="50000"/>
+            </a:schemeClr>
+          </a:lnRef>
+          <a:fillRef idx="1">
+            <a:schemeClr val="accent1"/>
+          </a:fillRef>
+          <a:effectRef idx="0">
+            <a:schemeClr val="accent1"/>
+          </a:effectRef>
+          <a:fontRef idx="minor">
+            <a:schemeClr val="lt1"/>
+          </a:fontRef>
+        </p:style>
+        <p:txBody>
+          <a:bodyPr rtlCol="0" anchor="ctr"/>
+          <a:lstStyle/>
+          <a:p>
+            <a:pPr algn="ctr"/>
+            <a:r>
+              <a:rPr lang="en-IN" dirty="0">
+                <a:latin typeface="Arial" panose="020B0604020202020204" pitchFamily="34" charset="0"/>
+                <a:cs typeface="Arial" panose="020B0604020202020204" pitchFamily="34" charset="0"/>
+              </a:rPr>
+              <a:t>step2a.bash</a:t>
+            </a:r>
+          </a:p>
+        </p:txBody>
+      </p:sp>
+      <p:sp>
+        <p:nvSpPr>
+          <p:cNvPr id="8" name="Rectangle 7">
+            <a:extLst>
+              <a:ext uri="{FF2B5EF4-FFF2-40B4-BE49-F238E27FC236}">
+                <a16:creationId xmlns:a16="http://schemas.microsoft.com/office/drawing/2014/main" id="{27AAF48E-C441-4325-94A7-E0A79A3469AC}"/>
+              </a:ext>
+            </a:extLst>
+          </p:cNvPr>
+          <p:cNvSpPr/>
+          <p:nvPr/>
+        </p:nvSpPr>
+        <p:spPr>
+          <a:xfrm>
+            <a:off x="5733755" y="2387904"/>
+            <a:ext cx="1491175" cy="588278"/>
+          </a:xfrm>
+          <a:prstGeom prst="rect">
+            <a:avLst/>
+          </a:prstGeom>
+        </p:spPr>
+        <p:style>
+          <a:lnRef idx="2">
+            <a:schemeClr val="accent1">
+              <a:shade val="50000"/>
+            </a:schemeClr>
+          </a:lnRef>
+          <a:fillRef idx="1">
+            <a:schemeClr val="accent1"/>
+          </a:fillRef>
+          <a:effectRef idx="0">
+            <a:schemeClr val="accent1"/>
+          </a:effectRef>
+          <a:fontRef idx="minor">
+            <a:schemeClr val="lt1"/>
+          </a:fontRef>
+        </p:style>
+        <p:txBody>
+          <a:bodyPr rtlCol="0" anchor="ctr"/>
+          <a:lstStyle/>
+          <a:p>
+            <a:pPr algn="ctr"/>
+            <a:r>
+              <a:rPr lang="en-IN" dirty="0">
+                <a:latin typeface="Arial" panose="020B0604020202020204" pitchFamily="34" charset="0"/>
+                <a:cs typeface="Arial" panose="020B0604020202020204" pitchFamily="34" charset="0"/>
+              </a:rPr>
+              <a:t>step2b.bash</a:t>
+            </a:r>
+          </a:p>
+        </p:txBody>
+      </p:sp>
+      <p:sp>
+        <p:nvSpPr>
+          <p:cNvPr id="9" name="Rectangle 8">
+            <a:extLst>
+              <a:ext uri="{FF2B5EF4-FFF2-40B4-BE49-F238E27FC236}">
+                <a16:creationId xmlns:a16="http://schemas.microsoft.com/office/drawing/2014/main" id="{B88E9B9A-E5BE-4F2B-BD0E-93C22A8CD85C}"/>
+              </a:ext>
+            </a:extLst>
+          </p:cNvPr>
+          <p:cNvSpPr/>
+          <p:nvPr/>
+        </p:nvSpPr>
+        <p:spPr>
+          <a:xfrm>
+            <a:off x="7478149" y="2387904"/>
+            <a:ext cx="1491175" cy="588278"/>
+          </a:xfrm>
+          <a:prstGeom prst="rect">
+            <a:avLst/>
+          </a:prstGeom>
+        </p:spPr>
+        <p:style>
+          <a:lnRef idx="2">
+            <a:schemeClr val="accent1">
+              <a:shade val="50000"/>
+            </a:schemeClr>
+          </a:lnRef>
+          <a:fillRef idx="1">
+            <a:schemeClr val="accent1"/>
+          </a:fillRef>
+          <a:effectRef idx="0">
+            <a:schemeClr val="accent1"/>
+          </a:effectRef>
+          <a:fontRef idx="minor">
+            <a:schemeClr val="lt1"/>
+          </a:fontRef>
+        </p:style>
+        <p:txBody>
+          <a:bodyPr rtlCol="0" anchor="ctr"/>
+          <a:lstStyle/>
+          <a:p>
+            <a:pPr algn="ctr"/>
+            <a:r>
+              <a:rPr lang="en-IN" dirty="0">
+                <a:latin typeface="Arial" panose="020B0604020202020204" pitchFamily="34" charset="0"/>
+                <a:cs typeface="Arial" panose="020B0604020202020204" pitchFamily="34" charset="0"/>
+              </a:rPr>
+              <a:t>step2c.bash</a:t>
+            </a:r>
+          </a:p>
+        </p:txBody>
+      </p:sp>
+      <p:sp>
+        <p:nvSpPr>
+          <p:cNvPr id="10" name="Rectangle 9">
+            <a:extLst>
+              <a:ext uri="{FF2B5EF4-FFF2-40B4-BE49-F238E27FC236}">
+                <a16:creationId xmlns:a16="http://schemas.microsoft.com/office/drawing/2014/main" id="{C9E70576-A05F-4AA6-9919-6997FEA6EE3D}"/>
+              </a:ext>
+            </a:extLst>
+          </p:cNvPr>
+          <p:cNvSpPr/>
+          <p:nvPr/>
+        </p:nvSpPr>
+        <p:spPr>
+          <a:xfrm>
+            <a:off x="9236610" y="2387904"/>
+            <a:ext cx="1491175" cy="588278"/>
+          </a:xfrm>
+          <a:prstGeom prst="rect">
+            <a:avLst/>
+          </a:prstGeom>
+        </p:spPr>
+        <p:style>
+          <a:lnRef idx="2">
+            <a:schemeClr val="accent1">
+              <a:shade val="50000"/>
+            </a:schemeClr>
+          </a:lnRef>
+          <a:fillRef idx="1">
+            <a:schemeClr val="accent1"/>
+          </a:fillRef>
+          <a:effectRef idx="0">
+            <a:schemeClr val="accent1"/>
+          </a:effectRef>
+          <a:fontRef idx="minor">
+            <a:schemeClr val="lt1"/>
+          </a:fontRef>
+        </p:style>
+        <p:txBody>
+          <a:bodyPr rtlCol="0" anchor="ctr"/>
+          <a:lstStyle/>
+          <a:p>
+            <a:pPr algn="ctr"/>
+            <a:r>
+              <a:rPr lang="en-IN" dirty="0">
+                <a:latin typeface="Arial" panose="020B0604020202020204" pitchFamily="34" charset="0"/>
+                <a:cs typeface="Arial" panose="020B0604020202020204" pitchFamily="34" charset="0"/>
+              </a:rPr>
+              <a:t>step2d.bash</a:t>
+            </a:r>
+          </a:p>
+        </p:txBody>
+      </p:sp>
+      <p:sp>
+        <p:nvSpPr>
+          <p:cNvPr id="12" name="Rectangle 11">
+            <a:extLst>
+              <a:ext uri="{FF2B5EF4-FFF2-40B4-BE49-F238E27FC236}">
+                <a16:creationId xmlns:a16="http://schemas.microsoft.com/office/drawing/2014/main" id="{CE6A494A-BCF5-46CB-8BA4-5E412BC0985E}"/>
+              </a:ext>
+            </a:extLst>
+          </p:cNvPr>
+          <p:cNvSpPr/>
+          <p:nvPr/>
+        </p:nvSpPr>
+        <p:spPr>
+          <a:xfrm>
+            <a:off x="838200" y="3221161"/>
+            <a:ext cx="1491175" cy="588278"/>
+          </a:xfrm>
+          <a:prstGeom prst="rect">
+            <a:avLst/>
+          </a:prstGeom>
+        </p:spPr>
+        <p:style>
+          <a:lnRef idx="2">
+            <a:schemeClr val="accent1">
+              <a:shade val="50000"/>
+            </a:schemeClr>
+          </a:lnRef>
+          <a:fillRef idx="1">
+            <a:schemeClr val="accent1"/>
+          </a:fillRef>
+          <a:effectRef idx="0">
+            <a:schemeClr val="accent1"/>
+          </a:effectRef>
+          <a:fontRef idx="minor">
+            <a:schemeClr val="lt1"/>
+          </a:fontRef>
+        </p:style>
+        <p:txBody>
+          <a:bodyPr rtlCol="0" anchor="ctr"/>
+          <a:lstStyle/>
+          <a:p>
+            <a:pPr algn="ctr"/>
+            <a:r>
+              <a:rPr lang="en-IN" dirty="0">
+                <a:latin typeface="Arial" panose="020B0604020202020204" pitchFamily="34" charset="0"/>
+                <a:cs typeface="Arial" panose="020B0604020202020204" pitchFamily="34" charset="0"/>
+              </a:rPr>
+              <a:t>step3.bash</a:t>
+            </a:r>
+          </a:p>
+        </p:txBody>
+      </p:sp>
+      <p:sp>
+        <p:nvSpPr>
+          <p:cNvPr id="13" name="Rectangle 12">
+            <a:extLst>
+              <a:ext uri="{FF2B5EF4-FFF2-40B4-BE49-F238E27FC236}">
+                <a16:creationId xmlns:a16="http://schemas.microsoft.com/office/drawing/2014/main" id="{3C9F85D1-3DDA-4240-AFBE-173C9C4C4A4A}"/>
+              </a:ext>
+            </a:extLst>
+          </p:cNvPr>
+          <p:cNvSpPr/>
+          <p:nvPr/>
+        </p:nvSpPr>
+        <p:spPr>
+          <a:xfrm>
+            <a:off x="5733755" y="3221161"/>
+            <a:ext cx="1491175" cy="588278"/>
+          </a:xfrm>
+          <a:prstGeom prst="rect">
+            <a:avLst/>
+          </a:prstGeom>
+        </p:spPr>
+        <p:style>
+          <a:lnRef idx="2">
+            <a:schemeClr val="accent1">
+              <a:shade val="50000"/>
+            </a:schemeClr>
+          </a:lnRef>
+          <a:fillRef idx="1">
+            <a:schemeClr val="accent1"/>
+          </a:fillRef>
+          <a:effectRef idx="0">
+            <a:schemeClr val="accent1"/>
+          </a:effectRef>
+          <a:fontRef idx="minor">
+            <a:schemeClr val="lt1"/>
+          </a:fontRef>
+        </p:style>
+        <p:txBody>
+          <a:bodyPr rtlCol="0" anchor="ctr"/>
+          <a:lstStyle/>
+          <a:p>
+            <a:pPr algn="ctr"/>
+            <a:r>
+              <a:rPr lang="en-IN" dirty="0">
+                <a:latin typeface="Arial" panose="020B0604020202020204" pitchFamily="34" charset="0"/>
+                <a:cs typeface="Arial" panose="020B0604020202020204" pitchFamily="34" charset="0"/>
+              </a:rPr>
+              <a:t>step3.bash</a:t>
+            </a:r>
+          </a:p>
+        </p:txBody>
+      </p:sp>
+      <p:sp>
+        <p:nvSpPr>
+          <p:cNvPr id="14" name="Rectangle 13">
+            <a:extLst>
+              <a:ext uri="{FF2B5EF4-FFF2-40B4-BE49-F238E27FC236}">
+                <a16:creationId xmlns:a16="http://schemas.microsoft.com/office/drawing/2014/main" id="{6ADAC0BB-6473-4F1F-BCA4-60CE1113ED1A}"/>
+              </a:ext>
+            </a:extLst>
+          </p:cNvPr>
+          <p:cNvSpPr/>
+          <p:nvPr/>
+        </p:nvSpPr>
+        <p:spPr>
+          <a:xfrm>
+            <a:off x="7478149" y="3221161"/>
+            <a:ext cx="1491175" cy="588278"/>
+          </a:xfrm>
+          <a:prstGeom prst="rect">
+            <a:avLst/>
+          </a:prstGeom>
+        </p:spPr>
+        <p:style>
+          <a:lnRef idx="2">
+            <a:schemeClr val="accent1">
+              <a:shade val="50000"/>
+            </a:schemeClr>
+          </a:lnRef>
+          <a:fillRef idx="1">
+            <a:schemeClr val="accent1"/>
+          </a:fillRef>
+          <a:effectRef idx="0">
+            <a:schemeClr val="accent1"/>
+          </a:effectRef>
+          <a:fontRef idx="minor">
+            <a:schemeClr val="lt1"/>
+          </a:fontRef>
+        </p:style>
+        <p:txBody>
+          <a:bodyPr rtlCol="0" anchor="ctr"/>
+          <a:lstStyle/>
+          <a:p>
+            <a:pPr algn="ctr"/>
+            <a:r>
+              <a:rPr lang="en-IN" dirty="0">
+                <a:latin typeface="Arial" panose="020B0604020202020204" pitchFamily="34" charset="0"/>
+                <a:cs typeface="Arial" panose="020B0604020202020204" pitchFamily="34" charset="0"/>
+              </a:rPr>
+              <a:t>step3.bash</a:t>
+            </a:r>
+          </a:p>
+        </p:txBody>
+      </p:sp>
+      <p:sp>
+        <p:nvSpPr>
+          <p:cNvPr id="15" name="Rectangle 14">
+            <a:extLst>
+              <a:ext uri="{FF2B5EF4-FFF2-40B4-BE49-F238E27FC236}">
+                <a16:creationId xmlns:a16="http://schemas.microsoft.com/office/drawing/2014/main" id="{0806639D-D86A-4E4D-BA31-8306CD75F58D}"/>
+              </a:ext>
+            </a:extLst>
+          </p:cNvPr>
+          <p:cNvSpPr/>
+          <p:nvPr/>
+        </p:nvSpPr>
+        <p:spPr>
+          <a:xfrm>
+            <a:off x="9236610" y="3221161"/>
+            <a:ext cx="1491175" cy="588278"/>
+          </a:xfrm>
+          <a:prstGeom prst="rect">
+            <a:avLst/>
+          </a:prstGeom>
+        </p:spPr>
+        <p:style>
+          <a:lnRef idx="2">
+            <a:schemeClr val="accent1">
+              <a:shade val="50000"/>
+            </a:schemeClr>
+          </a:lnRef>
+          <a:fillRef idx="1">
+            <a:schemeClr val="accent1"/>
+          </a:fillRef>
+          <a:effectRef idx="0">
+            <a:schemeClr val="accent1"/>
+          </a:effectRef>
+          <a:fontRef idx="minor">
+            <a:schemeClr val="lt1"/>
+          </a:fontRef>
+        </p:style>
+        <p:txBody>
+          <a:bodyPr rtlCol="0" anchor="ctr"/>
+          <a:lstStyle/>
+          <a:p>
+            <a:pPr algn="ctr"/>
+            <a:r>
+              <a:rPr lang="en-IN" dirty="0">
+                <a:latin typeface="Arial" panose="020B0604020202020204" pitchFamily="34" charset="0"/>
+                <a:cs typeface="Arial" panose="020B0604020202020204" pitchFamily="34" charset="0"/>
+              </a:rPr>
+              <a:t>step3.bash</a:t>
+            </a:r>
+          </a:p>
+        </p:txBody>
+      </p:sp>
+      <p:sp>
+        <p:nvSpPr>
+          <p:cNvPr id="17" name="Rectangle 16">
+            <a:extLst>
+              <a:ext uri="{FF2B5EF4-FFF2-40B4-BE49-F238E27FC236}">
+                <a16:creationId xmlns:a16="http://schemas.microsoft.com/office/drawing/2014/main" id="{72A945BD-CC6C-4525-B79F-B13B86DC4D4E}"/>
+              </a:ext>
+            </a:extLst>
+          </p:cNvPr>
+          <p:cNvSpPr/>
+          <p:nvPr/>
+        </p:nvSpPr>
+        <p:spPr>
+          <a:xfrm>
+            <a:off x="838200" y="4874425"/>
+            <a:ext cx="1491175" cy="588278"/>
+          </a:xfrm>
+          <a:prstGeom prst="rect">
+            <a:avLst/>
+          </a:prstGeom>
+        </p:spPr>
+        <p:style>
+          <a:lnRef idx="2">
+            <a:schemeClr val="accent1">
+              <a:shade val="50000"/>
+            </a:schemeClr>
+          </a:lnRef>
+          <a:fillRef idx="1">
+            <a:schemeClr val="accent1"/>
+          </a:fillRef>
+          <a:effectRef idx="0">
+            <a:schemeClr val="accent1"/>
+          </a:effectRef>
+          <a:fontRef idx="minor">
+            <a:schemeClr val="lt1"/>
+          </a:fontRef>
+        </p:style>
+        <p:txBody>
+          <a:bodyPr rtlCol="0" anchor="ctr"/>
+          <a:lstStyle/>
+          <a:p>
+            <a:pPr algn="ctr"/>
+            <a:r>
+              <a:rPr lang="en-IN" dirty="0">
+                <a:latin typeface="Arial" panose="020B0604020202020204" pitchFamily="34" charset="0"/>
+                <a:cs typeface="Arial" panose="020B0604020202020204" pitchFamily="34" charset="0"/>
+              </a:rPr>
+              <a:t>step4.bash</a:t>
+            </a:r>
+          </a:p>
+        </p:txBody>
+      </p:sp>
+      <p:sp>
+        <p:nvSpPr>
+          <p:cNvPr id="18" name="Rectangle 17">
+            <a:extLst>
+              <a:ext uri="{FF2B5EF4-FFF2-40B4-BE49-F238E27FC236}">
+                <a16:creationId xmlns:a16="http://schemas.microsoft.com/office/drawing/2014/main" id="{3C39E0A7-45E4-4DE5-ABE3-DE9CBADAE017}"/>
+              </a:ext>
+            </a:extLst>
+          </p:cNvPr>
+          <p:cNvSpPr/>
+          <p:nvPr/>
+        </p:nvSpPr>
+        <p:spPr>
+          <a:xfrm>
+            <a:off x="5733755" y="4874425"/>
+            <a:ext cx="1491175" cy="588278"/>
+          </a:xfrm>
+          <a:prstGeom prst="rect">
+            <a:avLst/>
+          </a:prstGeom>
+        </p:spPr>
+        <p:style>
+          <a:lnRef idx="2">
+            <a:schemeClr val="accent1">
+              <a:shade val="50000"/>
+            </a:schemeClr>
+          </a:lnRef>
+          <a:fillRef idx="1">
+            <a:schemeClr val="accent1"/>
+          </a:fillRef>
+          <a:effectRef idx="0">
+            <a:schemeClr val="accent1"/>
+          </a:effectRef>
+          <a:fontRef idx="minor">
+            <a:schemeClr val="lt1"/>
+          </a:fontRef>
+        </p:style>
+        <p:txBody>
+          <a:bodyPr rtlCol="0" anchor="ctr"/>
+          <a:lstStyle/>
+          <a:p>
+            <a:pPr algn="ctr"/>
+            <a:r>
+              <a:rPr lang="en-IN" dirty="0">
+                <a:latin typeface="Arial" panose="020B0604020202020204" pitchFamily="34" charset="0"/>
+                <a:cs typeface="Arial" panose="020B0604020202020204" pitchFamily="34" charset="0"/>
+              </a:rPr>
+              <a:t>step4.bash</a:t>
+            </a:r>
+          </a:p>
+        </p:txBody>
+      </p:sp>
+      <p:sp>
+        <p:nvSpPr>
+          <p:cNvPr id="19" name="Rectangle 18">
+            <a:extLst>
+              <a:ext uri="{FF2B5EF4-FFF2-40B4-BE49-F238E27FC236}">
+                <a16:creationId xmlns:a16="http://schemas.microsoft.com/office/drawing/2014/main" id="{97D7E929-B6DE-4EF0-94E7-BA6CEC935312}"/>
+              </a:ext>
+            </a:extLst>
+          </p:cNvPr>
+          <p:cNvSpPr/>
+          <p:nvPr/>
+        </p:nvSpPr>
+        <p:spPr>
+          <a:xfrm>
+            <a:off x="7478149" y="4874425"/>
+            <a:ext cx="1491175" cy="588278"/>
+          </a:xfrm>
+          <a:prstGeom prst="rect">
+            <a:avLst/>
+          </a:prstGeom>
+        </p:spPr>
+        <p:style>
+          <a:lnRef idx="2">
+            <a:schemeClr val="accent1">
+              <a:shade val="50000"/>
+            </a:schemeClr>
+          </a:lnRef>
+          <a:fillRef idx="1">
+            <a:schemeClr val="accent1"/>
+          </a:fillRef>
+          <a:effectRef idx="0">
+            <a:schemeClr val="accent1"/>
+          </a:effectRef>
+          <a:fontRef idx="minor">
+            <a:schemeClr val="lt1"/>
+          </a:fontRef>
+        </p:style>
+        <p:txBody>
+          <a:bodyPr rtlCol="0" anchor="ctr"/>
+          <a:lstStyle/>
+          <a:p>
+            <a:pPr algn="ctr"/>
+            <a:r>
+              <a:rPr lang="en-IN" dirty="0">
+                <a:latin typeface="Arial" panose="020B0604020202020204" pitchFamily="34" charset="0"/>
+                <a:cs typeface="Arial" panose="020B0604020202020204" pitchFamily="34" charset="0"/>
+              </a:rPr>
+              <a:t>step4.bash</a:t>
+            </a:r>
+          </a:p>
+        </p:txBody>
+      </p:sp>
+      <p:sp>
+        <p:nvSpPr>
+          <p:cNvPr id="20" name="Rectangle 19">
+            <a:extLst>
+              <a:ext uri="{FF2B5EF4-FFF2-40B4-BE49-F238E27FC236}">
+                <a16:creationId xmlns:a16="http://schemas.microsoft.com/office/drawing/2014/main" id="{1BD68761-904A-4F2E-B756-773F88647475}"/>
+              </a:ext>
+            </a:extLst>
+          </p:cNvPr>
+          <p:cNvSpPr/>
+          <p:nvPr/>
+        </p:nvSpPr>
+        <p:spPr>
+          <a:xfrm>
+            <a:off x="9236610" y="4874425"/>
+            <a:ext cx="1491175" cy="588278"/>
+          </a:xfrm>
+          <a:prstGeom prst="rect">
+            <a:avLst/>
+          </a:prstGeom>
+        </p:spPr>
+        <p:style>
+          <a:lnRef idx="2">
+            <a:schemeClr val="accent1">
+              <a:shade val="50000"/>
+            </a:schemeClr>
+          </a:lnRef>
+          <a:fillRef idx="1">
+            <a:schemeClr val="accent1"/>
+          </a:fillRef>
+          <a:effectRef idx="0">
+            <a:schemeClr val="accent1"/>
+          </a:effectRef>
+          <a:fontRef idx="minor">
+            <a:schemeClr val="lt1"/>
+          </a:fontRef>
+        </p:style>
+        <p:txBody>
+          <a:bodyPr rtlCol="0" anchor="ctr"/>
+          <a:lstStyle/>
+          <a:p>
+            <a:pPr algn="ctr"/>
+            <a:r>
+              <a:rPr lang="en-IN" dirty="0">
+                <a:latin typeface="Arial" panose="020B0604020202020204" pitchFamily="34" charset="0"/>
+                <a:cs typeface="Arial" panose="020B0604020202020204" pitchFamily="34" charset="0"/>
+              </a:rPr>
+              <a:t>step4.bash</a:t>
+            </a:r>
+          </a:p>
+        </p:txBody>
+      </p:sp>
+      <p:sp>
+        <p:nvSpPr>
+          <p:cNvPr id="21" name="Rectangle 20">
+            <a:extLst>
+              <a:ext uri="{FF2B5EF4-FFF2-40B4-BE49-F238E27FC236}">
+                <a16:creationId xmlns:a16="http://schemas.microsoft.com/office/drawing/2014/main" id="{B82CB869-34DB-4728-84B5-DD46226DCF60}"/>
+              </a:ext>
+            </a:extLst>
+          </p:cNvPr>
+          <p:cNvSpPr/>
+          <p:nvPr/>
+        </p:nvSpPr>
+        <p:spPr>
+          <a:xfrm>
+            <a:off x="3186331" y="4084043"/>
+            <a:ext cx="1491175" cy="588278"/>
+          </a:xfrm>
+          <a:prstGeom prst="rect">
+            <a:avLst/>
+          </a:prstGeom>
+        </p:spPr>
+        <p:style>
+          <a:lnRef idx="2">
+            <a:schemeClr val="accent1">
+              <a:shade val="50000"/>
+            </a:schemeClr>
+          </a:lnRef>
+          <a:fillRef idx="1">
+            <a:schemeClr val="accent1"/>
+          </a:fillRef>
+          <a:effectRef idx="0">
+            <a:schemeClr val="accent1"/>
+          </a:effectRef>
+          <a:fontRef idx="minor">
+            <a:schemeClr val="lt1"/>
+          </a:fontRef>
+        </p:style>
+        <p:txBody>
+          <a:bodyPr rtlCol="0" anchor="ctr"/>
+          <a:lstStyle/>
+          <a:p>
+            <a:pPr algn="ctr"/>
+            <a:r>
+              <a:rPr lang="en-IN" dirty="0">
+                <a:latin typeface="Arial" panose="020B0604020202020204" pitchFamily="34" charset="0"/>
+                <a:cs typeface="Arial" panose="020B0604020202020204" pitchFamily="34" charset="0"/>
+              </a:rPr>
+              <a:t>copy step</a:t>
+            </a:r>
+          </a:p>
+        </p:txBody>
+      </p:sp>
+      <p:sp>
+        <p:nvSpPr>
+          <p:cNvPr id="22" name="Rectangle 21">
+            <a:extLst>
+              <a:ext uri="{FF2B5EF4-FFF2-40B4-BE49-F238E27FC236}">
+                <a16:creationId xmlns:a16="http://schemas.microsoft.com/office/drawing/2014/main" id="{D9B0540F-BEF2-447F-83A7-56F84799BEBC}"/>
+              </a:ext>
+            </a:extLst>
+          </p:cNvPr>
+          <p:cNvSpPr/>
+          <p:nvPr/>
+        </p:nvSpPr>
+        <p:spPr>
+          <a:xfrm>
+            <a:off x="3016346" y="4901743"/>
+            <a:ext cx="2110153" cy="588278"/>
+          </a:xfrm>
+          <a:prstGeom prst="rect">
+            <a:avLst/>
+          </a:prstGeom>
+        </p:spPr>
+        <p:style>
+          <a:lnRef idx="2">
+            <a:schemeClr val="accent1">
+              <a:shade val="50000"/>
+            </a:schemeClr>
+          </a:lnRef>
+          <a:fillRef idx="1">
+            <a:schemeClr val="accent1"/>
+          </a:fillRef>
+          <a:effectRef idx="0">
+            <a:schemeClr val="accent1"/>
+          </a:effectRef>
+          <a:fontRef idx="minor">
+            <a:schemeClr val="lt1"/>
+          </a:fontRef>
+        </p:style>
+        <p:txBody>
+          <a:bodyPr rtlCol="0" anchor="ctr"/>
+          <a:lstStyle/>
+          <a:p>
+            <a:pPr algn="ctr"/>
+            <a:r>
+              <a:rPr lang="en-IN" dirty="0">
+                <a:latin typeface="Arial" panose="020B0604020202020204" pitchFamily="34" charset="0"/>
+                <a:cs typeface="Arial" panose="020B0604020202020204" pitchFamily="34" charset="0"/>
+              </a:rPr>
+              <a:t>step4forset0.bash</a:t>
+            </a:r>
+          </a:p>
+        </p:txBody>
+      </p:sp>
+      <p:sp>
+        <p:nvSpPr>
+          <p:cNvPr id="23" name="Rectangle 22">
+            <a:extLst>
+              <a:ext uri="{FF2B5EF4-FFF2-40B4-BE49-F238E27FC236}">
+                <a16:creationId xmlns:a16="http://schemas.microsoft.com/office/drawing/2014/main" id="{F111BBE4-6EC9-4E26-B20A-0B621E47F7CA}"/>
+              </a:ext>
+            </a:extLst>
+          </p:cNvPr>
+          <p:cNvSpPr/>
+          <p:nvPr/>
+        </p:nvSpPr>
+        <p:spPr>
+          <a:xfrm>
+            <a:off x="838200" y="5680364"/>
+            <a:ext cx="1491175" cy="588278"/>
+          </a:xfrm>
+          <a:prstGeom prst="rect">
+            <a:avLst/>
+          </a:prstGeom>
+        </p:spPr>
+        <p:style>
+          <a:lnRef idx="2">
+            <a:schemeClr val="accent1">
+              <a:shade val="50000"/>
+            </a:schemeClr>
+          </a:lnRef>
+          <a:fillRef idx="1">
+            <a:schemeClr val="accent1"/>
+          </a:fillRef>
+          <a:effectRef idx="0">
+            <a:schemeClr val="accent1"/>
+          </a:effectRef>
+          <a:fontRef idx="minor">
+            <a:schemeClr val="lt1"/>
+          </a:fontRef>
+        </p:style>
+        <p:txBody>
+          <a:bodyPr rtlCol="0" anchor="ctr"/>
+          <a:lstStyle/>
+          <a:p>
+            <a:pPr algn="ctr"/>
+            <a:r>
+              <a:rPr lang="en-IN" dirty="0">
+                <a:latin typeface="Arial" panose="020B0604020202020204" pitchFamily="34" charset="0"/>
+                <a:cs typeface="Arial" panose="020B0604020202020204" pitchFamily="34" charset="0"/>
+              </a:rPr>
+              <a:t>step5.bash</a:t>
+            </a:r>
+          </a:p>
+        </p:txBody>
+      </p:sp>
+      <p:sp>
+        <p:nvSpPr>
+          <p:cNvPr id="24" name="Rectangle 23">
+            <a:extLst>
+              <a:ext uri="{FF2B5EF4-FFF2-40B4-BE49-F238E27FC236}">
+                <a16:creationId xmlns:a16="http://schemas.microsoft.com/office/drawing/2014/main" id="{13C29081-C070-440A-986F-7BB8BBD780DF}"/>
+              </a:ext>
+            </a:extLst>
+          </p:cNvPr>
+          <p:cNvSpPr/>
+          <p:nvPr/>
+        </p:nvSpPr>
+        <p:spPr>
+          <a:xfrm>
+            <a:off x="5733755" y="5680364"/>
+            <a:ext cx="1491175" cy="588278"/>
+          </a:xfrm>
+          <a:prstGeom prst="rect">
+            <a:avLst/>
+          </a:prstGeom>
+        </p:spPr>
+        <p:style>
+          <a:lnRef idx="2">
+            <a:schemeClr val="accent1">
+              <a:shade val="50000"/>
+            </a:schemeClr>
+          </a:lnRef>
+          <a:fillRef idx="1">
+            <a:schemeClr val="accent1"/>
+          </a:fillRef>
+          <a:effectRef idx="0">
+            <a:schemeClr val="accent1"/>
+          </a:effectRef>
+          <a:fontRef idx="minor">
+            <a:schemeClr val="lt1"/>
+          </a:fontRef>
+        </p:style>
+        <p:txBody>
+          <a:bodyPr rtlCol="0" anchor="ctr"/>
+          <a:lstStyle/>
+          <a:p>
+            <a:pPr algn="ctr"/>
+            <a:r>
+              <a:rPr lang="en-IN" dirty="0">
+                <a:latin typeface="Arial" panose="020B0604020202020204" pitchFamily="34" charset="0"/>
+                <a:cs typeface="Arial" panose="020B0604020202020204" pitchFamily="34" charset="0"/>
+              </a:rPr>
+              <a:t>step5.bash</a:t>
+            </a:r>
+          </a:p>
+        </p:txBody>
+      </p:sp>
+      <p:sp>
+        <p:nvSpPr>
+          <p:cNvPr id="25" name="Rectangle 24">
+            <a:extLst>
+              <a:ext uri="{FF2B5EF4-FFF2-40B4-BE49-F238E27FC236}">
+                <a16:creationId xmlns:a16="http://schemas.microsoft.com/office/drawing/2014/main" id="{DE86A735-CEE2-43F0-9590-75471BA8A9A5}"/>
+              </a:ext>
+            </a:extLst>
+          </p:cNvPr>
+          <p:cNvSpPr/>
+          <p:nvPr/>
+        </p:nvSpPr>
+        <p:spPr>
+          <a:xfrm>
+            <a:off x="7478149" y="5680364"/>
+            <a:ext cx="1491175" cy="588278"/>
+          </a:xfrm>
+          <a:prstGeom prst="rect">
+            <a:avLst/>
+          </a:prstGeom>
+        </p:spPr>
+        <p:style>
+          <a:lnRef idx="2">
+            <a:schemeClr val="accent1">
+              <a:shade val="50000"/>
+            </a:schemeClr>
+          </a:lnRef>
+          <a:fillRef idx="1">
+            <a:schemeClr val="accent1"/>
+          </a:fillRef>
+          <a:effectRef idx="0">
+            <a:schemeClr val="accent1"/>
+          </a:effectRef>
+          <a:fontRef idx="minor">
+            <a:schemeClr val="lt1"/>
+          </a:fontRef>
+        </p:style>
+        <p:txBody>
+          <a:bodyPr rtlCol="0" anchor="ctr"/>
+          <a:lstStyle/>
+          <a:p>
+            <a:pPr algn="ctr"/>
+            <a:r>
+              <a:rPr lang="en-IN" dirty="0">
+                <a:latin typeface="Arial" panose="020B0604020202020204" pitchFamily="34" charset="0"/>
+                <a:cs typeface="Arial" panose="020B0604020202020204" pitchFamily="34" charset="0"/>
+              </a:rPr>
+              <a:t>step5.bash</a:t>
+            </a:r>
+          </a:p>
+        </p:txBody>
+      </p:sp>
+      <p:sp>
+        <p:nvSpPr>
+          <p:cNvPr id="26" name="Rectangle 25">
+            <a:extLst>
+              <a:ext uri="{FF2B5EF4-FFF2-40B4-BE49-F238E27FC236}">
+                <a16:creationId xmlns:a16="http://schemas.microsoft.com/office/drawing/2014/main" id="{B1457800-94EF-4202-A2B1-1151B3DA7336}"/>
+              </a:ext>
+            </a:extLst>
+          </p:cNvPr>
+          <p:cNvSpPr/>
+          <p:nvPr/>
+        </p:nvSpPr>
+        <p:spPr>
+          <a:xfrm>
+            <a:off x="9236610" y="5680364"/>
+            <a:ext cx="1491175" cy="588278"/>
+          </a:xfrm>
+          <a:prstGeom prst="rect">
+            <a:avLst/>
+          </a:prstGeom>
+        </p:spPr>
+        <p:style>
+          <a:lnRef idx="2">
+            <a:schemeClr val="accent1">
+              <a:shade val="50000"/>
+            </a:schemeClr>
+          </a:lnRef>
+          <a:fillRef idx="1">
+            <a:schemeClr val="accent1"/>
+          </a:fillRef>
+          <a:effectRef idx="0">
+            <a:schemeClr val="accent1"/>
+          </a:effectRef>
+          <a:fontRef idx="minor">
+            <a:schemeClr val="lt1"/>
+          </a:fontRef>
+        </p:style>
+        <p:txBody>
+          <a:bodyPr rtlCol="0" anchor="ctr"/>
+          <a:lstStyle/>
+          <a:p>
+            <a:pPr algn="ctr"/>
+            <a:r>
+              <a:rPr lang="en-IN" dirty="0">
+                <a:latin typeface="Arial" panose="020B0604020202020204" pitchFamily="34" charset="0"/>
+                <a:cs typeface="Arial" panose="020B0604020202020204" pitchFamily="34" charset="0"/>
+              </a:rPr>
+              <a:t>step5.bash</a:t>
+            </a:r>
+          </a:p>
+        </p:txBody>
+      </p:sp>
+      <p:cxnSp>
+        <p:nvCxnSpPr>
+          <p:cNvPr id="28" name="Straight Arrow Connector 27">
+            <a:extLst>
+              <a:ext uri="{FF2B5EF4-FFF2-40B4-BE49-F238E27FC236}">
+                <a16:creationId xmlns:a16="http://schemas.microsoft.com/office/drawing/2014/main" id="{51C02D70-FFA0-4AB2-A06D-F811114D8595}"/>
+              </a:ext>
+            </a:extLst>
+          </p:cNvPr>
+          <p:cNvCxnSpPr>
+            <a:stCxn id="7" idx="2"/>
+            <a:endCxn id="12" idx="0"/>
+          </p:cNvCxnSpPr>
+          <p:nvPr/>
+        </p:nvCxnSpPr>
+        <p:spPr>
+          <a:xfrm>
+            <a:off x="1583788" y="2976182"/>
+            <a:ext cx="0" cy="244979"/>
+          </a:xfrm>
+          <a:prstGeom prst="straightConnector1">
+            <a:avLst/>
+          </a:prstGeom>
+          <a:ln w="38100">
+            <a:solidFill>
+              <a:schemeClr val="tx1"/>
+            </a:solidFill>
+            <a:tailEnd type="triangle"/>
+          </a:ln>
+        </p:spPr>
+        <p:style>
+          <a:lnRef idx="1">
+            <a:schemeClr val="accent1"/>
+          </a:lnRef>
+          <a:fillRef idx="0">
+            <a:schemeClr val="accent1"/>
+          </a:fillRef>
+          <a:effectRef idx="0">
+            <a:schemeClr val="accent1"/>
+          </a:effectRef>
+          <a:fontRef idx="minor">
+            <a:schemeClr val="tx1"/>
+          </a:fontRef>
+        </p:style>
+      </p:cxnSp>
+      <p:cxnSp>
+        <p:nvCxnSpPr>
+          <p:cNvPr id="29" name="Straight Arrow Connector 28">
+            <a:extLst>
+              <a:ext uri="{FF2B5EF4-FFF2-40B4-BE49-F238E27FC236}">
+                <a16:creationId xmlns:a16="http://schemas.microsoft.com/office/drawing/2014/main" id="{CDBD368E-A9B9-4159-A435-2DA186000409}"/>
+              </a:ext>
+            </a:extLst>
+          </p:cNvPr>
+          <p:cNvCxnSpPr/>
+          <p:nvPr/>
+        </p:nvCxnSpPr>
+        <p:spPr>
+          <a:xfrm>
+            <a:off x="6491064" y="2976182"/>
+            <a:ext cx="0" cy="244979"/>
+          </a:xfrm>
+          <a:prstGeom prst="straightConnector1">
+            <a:avLst/>
+          </a:prstGeom>
+          <a:ln w="38100">
+            <a:solidFill>
+              <a:schemeClr val="tx1"/>
+            </a:solidFill>
+            <a:tailEnd type="triangle"/>
+          </a:ln>
+        </p:spPr>
+        <p:style>
+          <a:lnRef idx="1">
+            <a:schemeClr val="accent1"/>
+          </a:lnRef>
+          <a:fillRef idx="0">
+            <a:schemeClr val="accent1"/>
+          </a:fillRef>
+          <a:effectRef idx="0">
+            <a:schemeClr val="accent1"/>
+          </a:effectRef>
+          <a:fontRef idx="minor">
+            <a:schemeClr val="tx1"/>
+          </a:fontRef>
+        </p:style>
+      </p:cxnSp>
+      <p:cxnSp>
+        <p:nvCxnSpPr>
+          <p:cNvPr id="30" name="Straight Arrow Connector 29">
+            <a:extLst>
+              <a:ext uri="{FF2B5EF4-FFF2-40B4-BE49-F238E27FC236}">
+                <a16:creationId xmlns:a16="http://schemas.microsoft.com/office/drawing/2014/main" id="{607FC339-2DD8-4039-A4A4-55E7628AB339}"/>
+              </a:ext>
+            </a:extLst>
+          </p:cNvPr>
+          <p:cNvCxnSpPr/>
+          <p:nvPr/>
+        </p:nvCxnSpPr>
+        <p:spPr>
+          <a:xfrm>
+            <a:off x="8275315" y="2976182"/>
+            <a:ext cx="0" cy="244979"/>
+          </a:xfrm>
+          <a:prstGeom prst="straightConnector1">
+            <a:avLst/>
+          </a:prstGeom>
+          <a:ln w="38100">
+            <a:solidFill>
+              <a:schemeClr val="tx1"/>
+            </a:solidFill>
+            <a:tailEnd type="triangle"/>
+          </a:ln>
+        </p:spPr>
+        <p:style>
+          <a:lnRef idx="1">
+            <a:schemeClr val="accent1"/>
+          </a:lnRef>
+          <a:fillRef idx="0">
+            <a:schemeClr val="accent1"/>
+          </a:fillRef>
+          <a:effectRef idx="0">
+            <a:schemeClr val="accent1"/>
+          </a:effectRef>
+          <a:fontRef idx="minor">
+            <a:schemeClr val="tx1"/>
+          </a:fontRef>
+        </p:style>
+      </p:cxnSp>
+      <p:cxnSp>
+        <p:nvCxnSpPr>
+          <p:cNvPr id="31" name="Straight Arrow Connector 30">
+            <a:extLst>
+              <a:ext uri="{FF2B5EF4-FFF2-40B4-BE49-F238E27FC236}">
+                <a16:creationId xmlns:a16="http://schemas.microsoft.com/office/drawing/2014/main" id="{48C202EB-C662-4BFA-848D-C6C28C11B3F7}"/>
+              </a:ext>
+            </a:extLst>
+          </p:cNvPr>
+          <p:cNvCxnSpPr/>
+          <p:nvPr/>
+        </p:nvCxnSpPr>
+        <p:spPr>
+          <a:xfrm>
+            <a:off x="9989228" y="2976182"/>
+            <a:ext cx="0" cy="244979"/>
+          </a:xfrm>
+          <a:prstGeom prst="straightConnector1">
+            <a:avLst/>
+          </a:prstGeom>
+          <a:ln w="38100">
+            <a:solidFill>
+              <a:schemeClr val="tx1"/>
+            </a:solidFill>
+            <a:tailEnd type="triangle"/>
+          </a:ln>
+        </p:spPr>
+        <p:style>
+          <a:lnRef idx="1">
+            <a:schemeClr val="accent1"/>
+          </a:lnRef>
+          <a:fillRef idx="0">
+            <a:schemeClr val="accent1"/>
+          </a:fillRef>
+          <a:effectRef idx="0">
+            <a:schemeClr val="accent1"/>
+          </a:effectRef>
+          <a:fontRef idx="minor">
+            <a:schemeClr val="tx1"/>
+          </a:fontRef>
+        </p:style>
+      </p:cxnSp>
+      <p:cxnSp>
+        <p:nvCxnSpPr>
+          <p:cNvPr id="32" name="Straight Arrow Connector 31">
+            <a:extLst>
+              <a:ext uri="{FF2B5EF4-FFF2-40B4-BE49-F238E27FC236}">
+                <a16:creationId xmlns:a16="http://schemas.microsoft.com/office/drawing/2014/main" id="{59EDFBBF-F05C-463D-B762-E14681503EC2}"/>
+              </a:ext>
+            </a:extLst>
+          </p:cNvPr>
+          <p:cNvCxnSpPr/>
+          <p:nvPr/>
+        </p:nvCxnSpPr>
+        <p:spPr>
+          <a:xfrm>
+            <a:off x="1583788" y="5462703"/>
+            <a:ext cx="0" cy="244979"/>
+          </a:xfrm>
+          <a:prstGeom prst="straightConnector1">
+            <a:avLst/>
+          </a:prstGeom>
+          <a:ln w="38100">
+            <a:solidFill>
+              <a:schemeClr val="tx1"/>
+            </a:solidFill>
+            <a:tailEnd type="triangle"/>
+          </a:ln>
+        </p:spPr>
+        <p:style>
+          <a:lnRef idx="1">
+            <a:schemeClr val="accent1"/>
+          </a:lnRef>
+          <a:fillRef idx="0">
+            <a:schemeClr val="accent1"/>
+          </a:fillRef>
+          <a:effectRef idx="0">
+            <a:schemeClr val="accent1"/>
+          </a:effectRef>
+          <a:fontRef idx="minor">
+            <a:schemeClr val="tx1"/>
+          </a:fontRef>
+        </p:style>
+      </p:cxnSp>
+      <p:cxnSp>
+        <p:nvCxnSpPr>
+          <p:cNvPr id="33" name="Straight Arrow Connector 32">
+            <a:extLst>
+              <a:ext uri="{FF2B5EF4-FFF2-40B4-BE49-F238E27FC236}">
+                <a16:creationId xmlns:a16="http://schemas.microsoft.com/office/drawing/2014/main" id="{A0C65B20-147B-457D-AE19-A6F23C074549}"/>
+              </a:ext>
+            </a:extLst>
+          </p:cNvPr>
+          <p:cNvCxnSpPr/>
+          <p:nvPr/>
+        </p:nvCxnSpPr>
+        <p:spPr>
+          <a:xfrm>
+            <a:off x="6491064" y="5462703"/>
+            <a:ext cx="0" cy="244979"/>
+          </a:xfrm>
+          <a:prstGeom prst="straightConnector1">
+            <a:avLst/>
+          </a:prstGeom>
+          <a:ln w="38100">
+            <a:solidFill>
+              <a:schemeClr val="tx1"/>
+            </a:solidFill>
+            <a:tailEnd type="triangle"/>
+          </a:ln>
+        </p:spPr>
+        <p:style>
+          <a:lnRef idx="1">
+            <a:schemeClr val="accent1"/>
+          </a:lnRef>
+          <a:fillRef idx="0">
+            <a:schemeClr val="accent1"/>
+          </a:fillRef>
+          <a:effectRef idx="0">
+            <a:schemeClr val="accent1"/>
+          </a:effectRef>
+          <a:fontRef idx="minor">
+            <a:schemeClr val="tx1"/>
+          </a:fontRef>
+        </p:style>
+      </p:cxnSp>
+      <p:cxnSp>
+        <p:nvCxnSpPr>
+          <p:cNvPr id="34" name="Straight Arrow Connector 33">
+            <a:extLst>
+              <a:ext uri="{FF2B5EF4-FFF2-40B4-BE49-F238E27FC236}">
+                <a16:creationId xmlns:a16="http://schemas.microsoft.com/office/drawing/2014/main" id="{3A459252-BF54-4116-8106-8998B4616C46}"/>
+              </a:ext>
+            </a:extLst>
+          </p:cNvPr>
+          <p:cNvCxnSpPr/>
+          <p:nvPr/>
+        </p:nvCxnSpPr>
+        <p:spPr>
+          <a:xfrm>
+            <a:off x="8275315" y="5462703"/>
+            <a:ext cx="0" cy="244979"/>
+          </a:xfrm>
+          <a:prstGeom prst="straightConnector1">
+            <a:avLst/>
+          </a:prstGeom>
+          <a:ln w="38100">
+            <a:solidFill>
+              <a:schemeClr val="tx1"/>
+            </a:solidFill>
+            <a:tailEnd type="triangle"/>
+          </a:ln>
+        </p:spPr>
+        <p:style>
+          <a:lnRef idx="1">
+            <a:schemeClr val="accent1"/>
+          </a:lnRef>
+          <a:fillRef idx="0">
+            <a:schemeClr val="accent1"/>
+          </a:fillRef>
+          <a:effectRef idx="0">
+            <a:schemeClr val="accent1"/>
+          </a:effectRef>
+          <a:fontRef idx="minor">
+            <a:schemeClr val="tx1"/>
+          </a:fontRef>
+        </p:style>
+      </p:cxnSp>
+      <p:cxnSp>
+        <p:nvCxnSpPr>
+          <p:cNvPr id="35" name="Straight Arrow Connector 34">
+            <a:extLst>
+              <a:ext uri="{FF2B5EF4-FFF2-40B4-BE49-F238E27FC236}">
+                <a16:creationId xmlns:a16="http://schemas.microsoft.com/office/drawing/2014/main" id="{8F674DE4-C79F-4D59-BC52-410D958DBE99}"/>
+              </a:ext>
+            </a:extLst>
+          </p:cNvPr>
+          <p:cNvCxnSpPr/>
+          <p:nvPr/>
+        </p:nvCxnSpPr>
+        <p:spPr>
+          <a:xfrm>
+            <a:off x="9989228" y="5462703"/>
+            <a:ext cx="0" cy="244979"/>
+          </a:xfrm>
+          <a:prstGeom prst="straightConnector1">
+            <a:avLst/>
+          </a:prstGeom>
+          <a:ln w="38100">
+            <a:solidFill>
+              <a:schemeClr val="tx1"/>
+            </a:solidFill>
+            <a:tailEnd type="triangle"/>
+          </a:ln>
+        </p:spPr>
+        <p:style>
+          <a:lnRef idx="1">
+            <a:schemeClr val="accent1"/>
+          </a:lnRef>
+          <a:fillRef idx="0">
+            <a:schemeClr val="accent1"/>
+          </a:fillRef>
+          <a:effectRef idx="0">
+            <a:schemeClr val="accent1"/>
+          </a:effectRef>
+          <a:fontRef idx="minor">
+            <a:schemeClr val="tx1"/>
+          </a:fontRef>
+        </p:style>
+      </p:cxnSp>
+      <p:cxnSp>
+        <p:nvCxnSpPr>
+          <p:cNvPr id="36" name="Straight Arrow Connector 35">
+            <a:extLst>
+              <a:ext uri="{FF2B5EF4-FFF2-40B4-BE49-F238E27FC236}">
+                <a16:creationId xmlns:a16="http://schemas.microsoft.com/office/drawing/2014/main" id="{CA1F86A8-FBAC-4A47-A630-D8B3F05FADF3}"/>
+              </a:ext>
+            </a:extLst>
+          </p:cNvPr>
+          <p:cNvCxnSpPr/>
+          <p:nvPr/>
+        </p:nvCxnSpPr>
+        <p:spPr>
+          <a:xfrm>
+            <a:off x="3903782" y="4672321"/>
+            <a:ext cx="0" cy="244979"/>
+          </a:xfrm>
+          <a:prstGeom prst="straightConnector1">
+            <a:avLst/>
+          </a:prstGeom>
+          <a:ln w="38100">
+            <a:solidFill>
+              <a:schemeClr val="tx1"/>
+            </a:solidFill>
+            <a:tailEnd type="triangle"/>
+          </a:ln>
+        </p:spPr>
+        <p:style>
+          <a:lnRef idx="1">
+            <a:schemeClr val="accent1"/>
+          </a:lnRef>
+          <a:fillRef idx="0">
+            <a:schemeClr val="accent1"/>
+          </a:fillRef>
+          <a:effectRef idx="0">
+            <a:schemeClr val="accent1"/>
+          </a:effectRef>
+          <a:fontRef idx="minor">
+            <a:schemeClr val="tx1"/>
+          </a:fontRef>
+        </p:style>
+      </p:cxnSp>
+      <p:cxnSp>
+        <p:nvCxnSpPr>
+          <p:cNvPr id="38" name="Straight Arrow Connector 37">
+            <a:extLst>
+              <a:ext uri="{FF2B5EF4-FFF2-40B4-BE49-F238E27FC236}">
+                <a16:creationId xmlns:a16="http://schemas.microsoft.com/office/drawing/2014/main" id="{460E3A0A-09B4-442F-B456-7516C60AA5F7}"/>
+              </a:ext>
+            </a:extLst>
+          </p:cNvPr>
+          <p:cNvCxnSpPr>
+            <a:cxnSpLocks/>
+          </p:cNvCxnSpPr>
+          <p:nvPr/>
+        </p:nvCxnSpPr>
+        <p:spPr>
+          <a:xfrm>
+            <a:off x="1553307" y="3824942"/>
+            <a:ext cx="0" cy="1049483"/>
+          </a:xfrm>
+          <a:prstGeom prst="straightConnector1">
+            <a:avLst/>
+          </a:prstGeom>
+          <a:ln w="38100">
+            <a:solidFill>
+              <a:schemeClr val="tx1"/>
+            </a:solidFill>
+            <a:tailEnd type="triangle"/>
+          </a:ln>
+        </p:spPr>
+        <p:style>
+          <a:lnRef idx="1">
+            <a:schemeClr val="accent1"/>
+          </a:lnRef>
+          <a:fillRef idx="0">
+            <a:schemeClr val="accent1"/>
+          </a:fillRef>
+          <a:effectRef idx="0">
+            <a:schemeClr val="accent1"/>
+          </a:effectRef>
+          <a:fontRef idx="minor">
+            <a:schemeClr val="tx1"/>
+          </a:fontRef>
+        </p:style>
+      </p:cxnSp>
+      <p:cxnSp>
+        <p:nvCxnSpPr>
+          <p:cNvPr id="40" name="Straight Arrow Connector 39">
+            <a:extLst>
+              <a:ext uri="{FF2B5EF4-FFF2-40B4-BE49-F238E27FC236}">
+                <a16:creationId xmlns:a16="http://schemas.microsoft.com/office/drawing/2014/main" id="{19FF4FC6-8625-4F11-A413-90772C58FD26}"/>
+              </a:ext>
+            </a:extLst>
+          </p:cNvPr>
+          <p:cNvCxnSpPr>
+            <a:cxnSpLocks/>
+          </p:cNvCxnSpPr>
+          <p:nvPr/>
+        </p:nvCxnSpPr>
+        <p:spPr>
+          <a:xfrm>
+            <a:off x="8275315" y="3824942"/>
+            <a:ext cx="0" cy="1049483"/>
+          </a:xfrm>
+          <a:prstGeom prst="straightConnector1">
+            <a:avLst/>
+          </a:prstGeom>
+          <a:ln w="38100">
+            <a:solidFill>
+              <a:schemeClr val="tx1"/>
+            </a:solidFill>
+            <a:tailEnd type="triangle"/>
+          </a:ln>
+        </p:spPr>
+        <p:style>
+          <a:lnRef idx="1">
+            <a:schemeClr val="accent1"/>
+          </a:lnRef>
+          <a:fillRef idx="0">
+            <a:schemeClr val="accent1"/>
+          </a:fillRef>
+          <a:effectRef idx="0">
+            <a:schemeClr val="accent1"/>
+          </a:effectRef>
+          <a:fontRef idx="minor">
+            <a:schemeClr val="tx1"/>
+          </a:fontRef>
+        </p:style>
+      </p:cxnSp>
+      <p:cxnSp>
+        <p:nvCxnSpPr>
+          <p:cNvPr id="41" name="Straight Arrow Connector 40">
+            <a:extLst>
+              <a:ext uri="{FF2B5EF4-FFF2-40B4-BE49-F238E27FC236}">
+                <a16:creationId xmlns:a16="http://schemas.microsoft.com/office/drawing/2014/main" id="{E9EF9B64-2839-420C-802D-9A89154397BA}"/>
+              </a:ext>
+            </a:extLst>
+          </p:cNvPr>
+          <p:cNvCxnSpPr>
+            <a:cxnSpLocks/>
+          </p:cNvCxnSpPr>
+          <p:nvPr/>
+        </p:nvCxnSpPr>
+        <p:spPr>
+          <a:xfrm>
+            <a:off x="9989228" y="3824942"/>
+            <a:ext cx="0" cy="1049483"/>
+          </a:xfrm>
+          <a:prstGeom prst="straightConnector1">
+            <a:avLst/>
+          </a:prstGeom>
+          <a:ln w="38100">
+            <a:solidFill>
+              <a:schemeClr val="tx1"/>
+            </a:solidFill>
+            <a:tailEnd type="triangle"/>
+          </a:ln>
+        </p:spPr>
+        <p:style>
+          <a:lnRef idx="1">
+            <a:schemeClr val="accent1"/>
+          </a:lnRef>
+          <a:fillRef idx="0">
+            <a:schemeClr val="accent1"/>
+          </a:fillRef>
+          <a:effectRef idx="0">
+            <a:schemeClr val="accent1"/>
+          </a:effectRef>
+          <a:fontRef idx="minor">
+            <a:schemeClr val="tx1"/>
+          </a:fontRef>
+        </p:style>
+      </p:cxnSp>
+      <p:cxnSp>
+        <p:nvCxnSpPr>
+          <p:cNvPr id="42" name="Straight Arrow Connector 41">
+            <a:extLst>
+              <a:ext uri="{FF2B5EF4-FFF2-40B4-BE49-F238E27FC236}">
+                <a16:creationId xmlns:a16="http://schemas.microsoft.com/office/drawing/2014/main" id="{4B1B5372-2EA5-42A5-B7BF-4DBE7497BC1B}"/>
+              </a:ext>
+            </a:extLst>
+          </p:cNvPr>
+          <p:cNvCxnSpPr/>
+          <p:nvPr/>
+        </p:nvCxnSpPr>
+        <p:spPr>
+          <a:xfrm>
+            <a:off x="1532209" y="2142925"/>
+            <a:ext cx="0" cy="244979"/>
+          </a:xfrm>
+          <a:prstGeom prst="straightConnector1">
+            <a:avLst/>
+          </a:prstGeom>
+          <a:ln w="38100">
+            <a:solidFill>
+              <a:schemeClr val="tx1"/>
+            </a:solidFill>
+            <a:tailEnd type="triangle"/>
+          </a:ln>
+        </p:spPr>
+        <p:style>
+          <a:lnRef idx="1">
+            <a:schemeClr val="accent1"/>
+          </a:lnRef>
+          <a:fillRef idx="0">
+            <a:schemeClr val="accent1"/>
+          </a:fillRef>
+          <a:effectRef idx="0">
+            <a:schemeClr val="accent1"/>
+          </a:effectRef>
+          <a:fontRef idx="minor">
+            <a:schemeClr val="tx1"/>
+          </a:fontRef>
+        </p:style>
+      </p:cxnSp>
+      <p:cxnSp>
+        <p:nvCxnSpPr>
+          <p:cNvPr id="43" name="Straight Arrow Connector 42">
+            <a:extLst>
+              <a:ext uri="{FF2B5EF4-FFF2-40B4-BE49-F238E27FC236}">
+                <a16:creationId xmlns:a16="http://schemas.microsoft.com/office/drawing/2014/main" id="{83C370C7-42F2-48B0-9866-C802D34AFB46}"/>
+              </a:ext>
+            </a:extLst>
+          </p:cNvPr>
+          <p:cNvCxnSpPr/>
+          <p:nvPr/>
+        </p:nvCxnSpPr>
+        <p:spPr>
+          <a:xfrm>
+            <a:off x="6439485" y="2142925"/>
+            <a:ext cx="0" cy="244979"/>
+          </a:xfrm>
+          <a:prstGeom prst="straightConnector1">
+            <a:avLst/>
+          </a:prstGeom>
+          <a:ln w="38100">
+            <a:solidFill>
+              <a:schemeClr val="tx1"/>
+            </a:solidFill>
+            <a:tailEnd type="triangle"/>
+          </a:ln>
+        </p:spPr>
+        <p:style>
+          <a:lnRef idx="1">
+            <a:schemeClr val="accent1"/>
+          </a:lnRef>
+          <a:fillRef idx="0">
+            <a:schemeClr val="accent1"/>
+          </a:fillRef>
+          <a:effectRef idx="0">
+            <a:schemeClr val="accent1"/>
+          </a:effectRef>
+          <a:fontRef idx="minor">
+            <a:schemeClr val="tx1"/>
+          </a:fontRef>
+        </p:style>
+      </p:cxnSp>
+      <p:cxnSp>
+        <p:nvCxnSpPr>
+          <p:cNvPr id="44" name="Straight Arrow Connector 43">
+            <a:extLst>
+              <a:ext uri="{FF2B5EF4-FFF2-40B4-BE49-F238E27FC236}">
+                <a16:creationId xmlns:a16="http://schemas.microsoft.com/office/drawing/2014/main" id="{C4721FE1-51CB-44BC-8980-30473EE0062D}"/>
+              </a:ext>
+            </a:extLst>
+          </p:cNvPr>
+          <p:cNvCxnSpPr/>
+          <p:nvPr/>
+        </p:nvCxnSpPr>
+        <p:spPr>
+          <a:xfrm>
+            <a:off x="8223736" y="2142925"/>
+            <a:ext cx="0" cy="244979"/>
+          </a:xfrm>
+          <a:prstGeom prst="straightConnector1">
+            <a:avLst/>
+          </a:prstGeom>
+          <a:ln w="38100">
+            <a:solidFill>
+              <a:schemeClr val="tx1"/>
+            </a:solidFill>
+            <a:tailEnd type="triangle"/>
+          </a:ln>
+        </p:spPr>
+        <p:style>
+          <a:lnRef idx="1">
+            <a:schemeClr val="accent1"/>
+          </a:lnRef>
+          <a:fillRef idx="0">
+            <a:schemeClr val="accent1"/>
+          </a:fillRef>
+          <a:effectRef idx="0">
+            <a:schemeClr val="accent1"/>
+          </a:effectRef>
+          <a:fontRef idx="minor">
+            <a:schemeClr val="tx1"/>
+          </a:fontRef>
+        </p:style>
+      </p:cxnSp>
+      <p:cxnSp>
+        <p:nvCxnSpPr>
+          <p:cNvPr id="45" name="Straight Arrow Connector 44">
+            <a:extLst>
+              <a:ext uri="{FF2B5EF4-FFF2-40B4-BE49-F238E27FC236}">
+                <a16:creationId xmlns:a16="http://schemas.microsoft.com/office/drawing/2014/main" id="{29E4CE36-1DC9-43A8-8502-CACC91DCEB34}"/>
+              </a:ext>
+            </a:extLst>
+          </p:cNvPr>
+          <p:cNvCxnSpPr/>
+          <p:nvPr/>
+        </p:nvCxnSpPr>
+        <p:spPr>
+          <a:xfrm>
+            <a:off x="9937649" y="2142925"/>
+            <a:ext cx="0" cy="244979"/>
+          </a:xfrm>
+          <a:prstGeom prst="straightConnector1">
+            <a:avLst/>
+          </a:prstGeom>
+          <a:ln w="38100">
+            <a:solidFill>
+              <a:schemeClr val="tx1"/>
+            </a:solidFill>
+            <a:tailEnd type="triangle"/>
+          </a:ln>
+        </p:spPr>
+        <p:style>
+          <a:lnRef idx="1">
+            <a:schemeClr val="accent1"/>
+          </a:lnRef>
+          <a:fillRef idx="0">
+            <a:schemeClr val="accent1"/>
+          </a:fillRef>
+          <a:effectRef idx="0">
+            <a:schemeClr val="accent1"/>
+          </a:effectRef>
+          <a:fontRef idx="minor">
+            <a:schemeClr val="tx1"/>
+          </a:fontRef>
+        </p:style>
+      </p:cxnSp>
+      <p:cxnSp>
+        <p:nvCxnSpPr>
+          <p:cNvPr id="47" name="Straight Arrow Connector 46">
+            <a:extLst>
+              <a:ext uri="{FF2B5EF4-FFF2-40B4-BE49-F238E27FC236}">
+                <a16:creationId xmlns:a16="http://schemas.microsoft.com/office/drawing/2014/main" id="{0609DB99-CC1E-4DF9-A00B-D3CBCEA5DA7D}"/>
+              </a:ext>
+            </a:extLst>
+          </p:cNvPr>
+          <p:cNvCxnSpPr>
+            <a:cxnSpLocks/>
+          </p:cNvCxnSpPr>
+          <p:nvPr/>
+        </p:nvCxnSpPr>
+        <p:spPr>
+          <a:xfrm>
+            <a:off x="6535613" y="3824941"/>
+            <a:ext cx="0" cy="1049483"/>
+          </a:xfrm>
+          <a:prstGeom prst="straightConnector1">
+            <a:avLst/>
+          </a:prstGeom>
+          <a:ln w="38100">
+            <a:solidFill>
+              <a:schemeClr val="tx1"/>
+            </a:solidFill>
+            <a:tailEnd type="triangle"/>
+          </a:ln>
+        </p:spPr>
+        <p:style>
+          <a:lnRef idx="1">
+            <a:schemeClr val="accent1"/>
+          </a:lnRef>
+          <a:fillRef idx="0">
+            <a:schemeClr val="accent1"/>
+          </a:fillRef>
+          <a:effectRef idx="0">
+            <a:schemeClr val="accent1"/>
+          </a:effectRef>
+          <a:fontRef idx="minor">
+            <a:schemeClr val="tx1"/>
+          </a:fontRef>
+        </p:style>
+      </p:cxnSp>
+      <p:cxnSp>
+        <p:nvCxnSpPr>
+          <p:cNvPr id="49" name="Connector: Elbow 48">
+            <a:extLst>
+              <a:ext uri="{FF2B5EF4-FFF2-40B4-BE49-F238E27FC236}">
+                <a16:creationId xmlns:a16="http://schemas.microsoft.com/office/drawing/2014/main" id="{E56DF874-333C-4E88-ACF6-5A60AF965189}"/>
+              </a:ext>
+            </a:extLst>
+          </p:cNvPr>
+          <p:cNvCxnSpPr>
+            <a:cxnSpLocks/>
+            <a:stCxn id="12" idx="3"/>
+          </p:cNvCxnSpPr>
+          <p:nvPr/>
+        </p:nvCxnSpPr>
+        <p:spPr>
+          <a:xfrm>
+            <a:off x="2329375" y="3515300"/>
+            <a:ext cx="1619473" cy="599150"/>
+          </a:xfrm>
+          <a:prstGeom prst="bentConnector3">
+            <a:avLst>
+              <a:gd name="adj1" fmla="val 100382"/>
+            </a:avLst>
+          </a:prstGeom>
+          <a:ln w="38100">
+            <a:solidFill>
+              <a:schemeClr val="tx1"/>
+            </a:solidFill>
+            <a:tailEnd type="triangle"/>
+          </a:ln>
+        </p:spPr>
+        <p:style>
+          <a:lnRef idx="1">
+            <a:schemeClr val="accent1"/>
+          </a:lnRef>
+          <a:fillRef idx="0">
+            <a:schemeClr val="accent1"/>
+          </a:fillRef>
+          <a:effectRef idx="0">
+            <a:schemeClr val="accent1"/>
+          </a:effectRef>
+          <a:fontRef idx="minor">
+            <a:schemeClr val="tx1"/>
+          </a:fontRef>
+        </p:style>
+      </p:cxnSp>
+      <p:cxnSp>
+        <p:nvCxnSpPr>
+          <p:cNvPr id="62" name="Straight Connector 61">
+            <a:extLst>
+              <a:ext uri="{FF2B5EF4-FFF2-40B4-BE49-F238E27FC236}">
+                <a16:creationId xmlns:a16="http://schemas.microsoft.com/office/drawing/2014/main" id="{875130E3-E0A2-46D4-B638-6AD5BD458C15}"/>
+              </a:ext>
+            </a:extLst>
+          </p:cNvPr>
+          <p:cNvCxnSpPr/>
+          <p:nvPr/>
+        </p:nvCxnSpPr>
+        <p:spPr>
+          <a:xfrm>
+            <a:off x="1532209" y="2142925"/>
+            <a:ext cx="8405440" cy="0"/>
+          </a:xfrm>
+          <a:prstGeom prst="line">
+            <a:avLst/>
+          </a:prstGeom>
+          <a:ln w="28575">
+            <a:solidFill>
+              <a:schemeClr val="tx1"/>
+            </a:solidFill>
+          </a:ln>
+        </p:spPr>
+        <p:style>
+          <a:lnRef idx="1">
+            <a:schemeClr val="accent1"/>
+          </a:lnRef>
+          <a:fillRef idx="0">
+            <a:schemeClr val="accent1"/>
+          </a:fillRef>
+          <a:effectRef idx="0">
+            <a:schemeClr val="accent1"/>
+          </a:effectRef>
+          <a:fontRef idx="minor">
+            <a:schemeClr val="tx1"/>
+          </a:fontRef>
+        </p:style>
+      </p:cxnSp>
+      <p:cxnSp>
+        <p:nvCxnSpPr>
+          <p:cNvPr id="63" name="Straight Arrow Connector 62">
+            <a:extLst>
+              <a:ext uri="{FF2B5EF4-FFF2-40B4-BE49-F238E27FC236}">
+                <a16:creationId xmlns:a16="http://schemas.microsoft.com/office/drawing/2014/main" id="{84DD6622-B180-45DE-AF78-FE991AD93EF9}"/>
+              </a:ext>
+            </a:extLst>
+          </p:cNvPr>
+          <p:cNvCxnSpPr/>
+          <p:nvPr/>
+        </p:nvCxnSpPr>
+        <p:spPr>
+          <a:xfrm>
+            <a:off x="4772462" y="1872283"/>
+            <a:ext cx="0" cy="244979"/>
+          </a:xfrm>
+          <a:prstGeom prst="straightConnector1">
+            <a:avLst/>
+          </a:prstGeom>
+          <a:ln w="38100">
+            <a:solidFill>
+              <a:schemeClr val="tx1"/>
+            </a:solidFill>
+            <a:tailEnd type="triangle"/>
+          </a:ln>
+        </p:spPr>
+        <p:style>
+          <a:lnRef idx="1">
+            <a:schemeClr val="accent1"/>
+          </a:lnRef>
+          <a:fillRef idx="0">
+            <a:schemeClr val="accent1"/>
+          </a:fillRef>
+          <a:effectRef idx="0">
+            <a:schemeClr val="accent1"/>
+          </a:effectRef>
+          <a:fontRef idx="minor">
+            <a:schemeClr val="tx1"/>
+          </a:fontRef>
+        </p:style>
+      </p:cxnSp>
+      <p:sp>
+        <p:nvSpPr>
+          <p:cNvPr id="64" name="Rectangle 63">
+            <a:extLst>
+              <a:ext uri="{FF2B5EF4-FFF2-40B4-BE49-F238E27FC236}">
+                <a16:creationId xmlns:a16="http://schemas.microsoft.com/office/drawing/2014/main" id="{FADF2148-F8BD-4B90-9334-739C2EE76775}"/>
+              </a:ext>
+            </a:extLst>
+          </p:cNvPr>
+          <p:cNvSpPr/>
+          <p:nvPr/>
+        </p:nvSpPr>
+        <p:spPr>
+          <a:xfrm>
+            <a:off x="896891" y="1674079"/>
+            <a:ext cx="1491175" cy="588278"/>
+          </a:xfrm>
+          <a:prstGeom prst="rect">
+            <a:avLst/>
+          </a:prstGeom>
+          <a:noFill/>
+          <a:ln>
+            <a:noFill/>
+          </a:ln>
+        </p:spPr>
+        <p:style>
+          <a:lnRef idx="2">
+            <a:schemeClr val="accent1">
+              <a:shade val="50000"/>
+            </a:schemeClr>
+          </a:lnRef>
+          <a:fillRef idx="1">
+            <a:schemeClr val="accent1"/>
+          </a:fillRef>
+          <a:effectRef idx="0">
+            <a:schemeClr val="accent1"/>
+          </a:effectRef>
+          <a:fontRef idx="minor">
+            <a:schemeClr val="lt1"/>
+          </a:fontRef>
+        </p:style>
+        <p:txBody>
+          <a:bodyPr rtlCol="0" anchor="ctr"/>
+          <a:lstStyle/>
+          <a:p>
+            <a:pPr algn="ctr"/>
+            <a:r>
+              <a:rPr lang="en-IN" b="1" dirty="0">
+                <a:solidFill>
+                  <a:schemeClr val="tx1"/>
+                </a:solidFill>
+                <a:latin typeface="Arial" panose="020B0604020202020204" pitchFamily="34" charset="0"/>
+                <a:cs typeface="Arial" panose="020B0604020202020204" pitchFamily="34" charset="0"/>
+              </a:rPr>
+              <a:t>Set 1</a:t>
+            </a:r>
+          </a:p>
+        </p:txBody>
+      </p:sp>
+      <p:cxnSp>
+        <p:nvCxnSpPr>
+          <p:cNvPr id="66" name="Straight Connector 65">
+            <a:extLst>
+              <a:ext uri="{FF2B5EF4-FFF2-40B4-BE49-F238E27FC236}">
+                <a16:creationId xmlns:a16="http://schemas.microsoft.com/office/drawing/2014/main" id="{4C903DD7-F790-4D8A-AD35-802E200D8B13}"/>
+              </a:ext>
+            </a:extLst>
+          </p:cNvPr>
+          <p:cNvCxnSpPr>
+            <a:cxnSpLocks/>
+          </p:cNvCxnSpPr>
+          <p:nvPr/>
+        </p:nvCxnSpPr>
+        <p:spPr>
+          <a:xfrm>
+            <a:off x="2630658" y="1876059"/>
+            <a:ext cx="72903" cy="4546355"/>
+          </a:xfrm>
+          <a:prstGeom prst="line">
+            <a:avLst/>
+          </a:prstGeom>
+          <a:ln w="28575">
+            <a:solidFill>
+              <a:srgbClr val="00B050"/>
+            </a:solidFill>
+            <a:prstDash val="sysDash"/>
+          </a:ln>
+        </p:spPr>
+        <p:style>
+          <a:lnRef idx="1">
+            <a:schemeClr val="accent1"/>
+          </a:lnRef>
+          <a:fillRef idx="0">
+            <a:schemeClr val="accent1"/>
+          </a:fillRef>
+          <a:effectRef idx="0">
+            <a:schemeClr val="accent1"/>
+          </a:effectRef>
+          <a:fontRef idx="minor">
+            <a:schemeClr val="tx1"/>
+          </a:fontRef>
+        </p:style>
+      </p:cxnSp>
+      <p:cxnSp>
+        <p:nvCxnSpPr>
+          <p:cNvPr id="69" name="Straight Connector 68">
+            <a:extLst>
+              <a:ext uri="{FF2B5EF4-FFF2-40B4-BE49-F238E27FC236}">
+                <a16:creationId xmlns:a16="http://schemas.microsoft.com/office/drawing/2014/main" id="{4C8A9DA3-B3F6-4925-9B1F-4B5E3CA634E4}"/>
+              </a:ext>
+            </a:extLst>
+          </p:cNvPr>
+          <p:cNvCxnSpPr>
+            <a:cxnSpLocks/>
+          </p:cNvCxnSpPr>
+          <p:nvPr/>
+        </p:nvCxnSpPr>
+        <p:spPr>
+          <a:xfrm>
+            <a:off x="5287400" y="1876059"/>
+            <a:ext cx="89670" cy="4546355"/>
+          </a:xfrm>
+          <a:prstGeom prst="line">
+            <a:avLst/>
+          </a:prstGeom>
+          <a:ln w="28575">
+            <a:solidFill>
+              <a:srgbClr val="00B050"/>
+            </a:solidFill>
+            <a:prstDash val="sysDash"/>
+          </a:ln>
+        </p:spPr>
+        <p:style>
+          <a:lnRef idx="1">
+            <a:schemeClr val="accent1"/>
+          </a:lnRef>
+          <a:fillRef idx="0">
+            <a:schemeClr val="accent1"/>
+          </a:fillRef>
+          <a:effectRef idx="0">
+            <a:schemeClr val="accent1"/>
+          </a:effectRef>
+          <a:fontRef idx="minor">
+            <a:schemeClr val="tx1"/>
+          </a:fontRef>
+        </p:style>
+      </p:cxnSp>
+      <p:cxnSp>
+        <p:nvCxnSpPr>
+          <p:cNvPr id="70" name="Straight Connector 69">
+            <a:extLst>
+              <a:ext uri="{FF2B5EF4-FFF2-40B4-BE49-F238E27FC236}">
+                <a16:creationId xmlns:a16="http://schemas.microsoft.com/office/drawing/2014/main" id="{0B65B57A-D9A1-43BA-B583-F394130BDAA4}"/>
+              </a:ext>
+            </a:extLst>
+          </p:cNvPr>
+          <p:cNvCxnSpPr>
+            <a:cxnSpLocks/>
+          </p:cNvCxnSpPr>
+          <p:nvPr/>
+        </p:nvCxnSpPr>
+        <p:spPr>
+          <a:xfrm>
+            <a:off x="7296875" y="1876059"/>
+            <a:ext cx="79130" cy="4669191"/>
+          </a:xfrm>
+          <a:prstGeom prst="line">
+            <a:avLst/>
+          </a:prstGeom>
+          <a:ln w="28575">
+            <a:solidFill>
+              <a:srgbClr val="00B050"/>
+            </a:solidFill>
+            <a:prstDash val="sysDash"/>
+          </a:ln>
+        </p:spPr>
+        <p:style>
+          <a:lnRef idx="1">
+            <a:schemeClr val="accent1"/>
+          </a:lnRef>
+          <a:fillRef idx="0">
+            <a:schemeClr val="accent1"/>
+          </a:fillRef>
+          <a:effectRef idx="0">
+            <a:schemeClr val="accent1"/>
+          </a:effectRef>
+          <a:fontRef idx="minor">
+            <a:schemeClr val="tx1"/>
+          </a:fontRef>
+        </p:style>
+      </p:cxnSp>
+      <p:cxnSp>
+        <p:nvCxnSpPr>
+          <p:cNvPr id="71" name="Straight Connector 70">
+            <a:extLst>
+              <a:ext uri="{FF2B5EF4-FFF2-40B4-BE49-F238E27FC236}">
+                <a16:creationId xmlns:a16="http://schemas.microsoft.com/office/drawing/2014/main" id="{EC944252-56D9-4852-ACF1-C025C1CAE0DD}"/>
+              </a:ext>
+            </a:extLst>
+          </p:cNvPr>
+          <p:cNvCxnSpPr>
+            <a:cxnSpLocks/>
+          </p:cNvCxnSpPr>
+          <p:nvPr/>
+        </p:nvCxnSpPr>
+        <p:spPr>
+          <a:xfrm>
+            <a:off x="9095496" y="1876059"/>
+            <a:ext cx="79130" cy="4669191"/>
+          </a:xfrm>
+          <a:prstGeom prst="line">
+            <a:avLst/>
+          </a:prstGeom>
+          <a:ln w="28575">
+            <a:solidFill>
+              <a:srgbClr val="00B050"/>
+            </a:solidFill>
+            <a:prstDash val="sysDash"/>
+          </a:ln>
+        </p:spPr>
+        <p:style>
+          <a:lnRef idx="1">
+            <a:schemeClr val="accent1"/>
+          </a:lnRef>
+          <a:fillRef idx="0">
+            <a:schemeClr val="accent1"/>
+          </a:fillRef>
+          <a:effectRef idx="0">
+            <a:schemeClr val="accent1"/>
+          </a:effectRef>
+          <a:fontRef idx="minor">
+            <a:schemeClr val="tx1"/>
+          </a:fontRef>
+        </p:style>
+      </p:cxnSp>
+      <p:sp>
+        <p:nvSpPr>
+          <p:cNvPr id="72" name="Rectangle 71">
+            <a:extLst>
+              <a:ext uri="{FF2B5EF4-FFF2-40B4-BE49-F238E27FC236}">
+                <a16:creationId xmlns:a16="http://schemas.microsoft.com/office/drawing/2014/main" id="{E7C526CB-1BF2-4C9F-A86A-553D898038DB}"/>
+              </a:ext>
+            </a:extLst>
+          </p:cNvPr>
+          <p:cNvSpPr/>
+          <p:nvPr/>
+        </p:nvSpPr>
+        <p:spPr>
+          <a:xfrm>
+            <a:off x="3104416" y="1700633"/>
+            <a:ext cx="1491175" cy="588278"/>
+          </a:xfrm>
+          <a:prstGeom prst="rect">
+            <a:avLst/>
+          </a:prstGeom>
+          <a:noFill/>
+          <a:ln>
+            <a:noFill/>
+          </a:ln>
+        </p:spPr>
+        <p:style>
+          <a:lnRef idx="2">
+            <a:schemeClr val="accent1">
+              <a:shade val="50000"/>
+            </a:schemeClr>
+          </a:lnRef>
+          <a:fillRef idx="1">
+            <a:schemeClr val="accent1"/>
+          </a:fillRef>
+          <a:effectRef idx="0">
+            <a:schemeClr val="accent1"/>
+          </a:effectRef>
+          <a:fontRef idx="minor">
+            <a:schemeClr val="lt1"/>
+          </a:fontRef>
+        </p:style>
+        <p:txBody>
+          <a:bodyPr rtlCol="0" anchor="ctr"/>
+          <a:lstStyle/>
+          <a:p>
+            <a:pPr algn="ctr"/>
+            <a:r>
+              <a:rPr lang="en-IN" b="1" dirty="0">
+                <a:solidFill>
+                  <a:schemeClr val="tx1"/>
+                </a:solidFill>
+                <a:latin typeface="Arial" panose="020B0604020202020204" pitchFamily="34" charset="0"/>
+                <a:cs typeface="Arial" panose="020B0604020202020204" pitchFamily="34" charset="0"/>
+              </a:rPr>
+              <a:t>Set 0</a:t>
+            </a:r>
+          </a:p>
+        </p:txBody>
+      </p:sp>
+      <p:sp>
+        <p:nvSpPr>
+          <p:cNvPr id="73" name="Rectangle 72">
+            <a:extLst>
+              <a:ext uri="{FF2B5EF4-FFF2-40B4-BE49-F238E27FC236}">
+                <a16:creationId xmlns:a16="http://schemas.microsoft.com/office/drawing/2014/main" id="{DC27CE56-BF52-4091-B305-ACC5A7790D00}"/>
+              </a:ext>
+            </a:extLst>
+          </p:cNvPr>
+          <p:cNvSpPr/>
+          <p:nvPr/>
+        </p:nvSpPr>
+        <p:spPr>
+          <a:xfrm>
+            <a:off x="5494821" y="1699051"/>
+            <a:ext cx="1491175" cy="588278"/>
+          </a:xfrm>
+          <a:prstGeom prst="rect">
+            <a:avLst/>
+          </a:prstGeom>
+          <a:noFill/>
+          <a:ln>
+            <a:noFill/>
+          </a:ln>
+        </p:spPr>
+        <p:style>
+          <a:lnRef idx="2">
+            <a:schemeClr val="accent1">
+              <a:shade val="50000"/>
+            </a:schemeClr>
+          </a:lnRef>
+          <a:fillRef idx="1">
+            <a:schemeClr val="accent1"/>
+          </a:fillRef>
+          <a:effectRef idx="0">
+            <a:schemeClr val="accent1"/>
+          </a:effectRef>
+          <a:fontRef idx="minor">
+            <a:schemeClr val="lt1"/>
+          </a:fontRef>
+        </p:style>
+        <p:txBody>
+          <a:bodyPr rtlCol="0" anchor="ctr"/>
+          <a:lstStyle/>
+          <a:p>
+            <a:pPr algn="ctr"/>
+            <a:r>
+              <a:rPr lang="en-IN" b="1" dirty="0">
+                <a:solidFill>
+                  <a:schemeClr val="tx1"/>
+                </a:solidFill>
+                <a:latin typeface="Arial" panose="020B0604020202020204" pitchFamily="34" charset="0"/>
+                <a:cs typeface="Arial" panose="020B0604020202020204" pitchFamily="34" charset="0"/>
+              </a:rPr>
+              <a:t>Set 2</a:t>
+            </a:r>
+          </a:p>
+        </p:txBody>
+      </p:sp>
+      <p:sp>
+        <p:nvSpPr>
+          <p:cNvPr id="74" name="Rectangle 73">
+            <a:extLst>
+              <a:ext uri="{FF2B5EF4-FFF2-40B4-BE49-F238E27FC236}">
+                <a16:creationId xmlns:a16="http://schemas.microsoft.com/office/drawing/2014/main" id="{A584DADF-E540-4239-909A-61E1FA12B6CD}"/>
+              </a:ext>
+            </a:extLst>
+          </p:cNvPr>
+          <p:cNvSpPr/>
+          <p:nvPr/>
+        </p:nvSpPr>
+        <p:spPr>
+          <a:xfrm>
+            <a:off x="7447949" y="1683209"/>
+            <a:ext cx="1491175" cy="588278"/>
+          </a:xfrm>
+          <a:prstGeom prst="rect">
+            <a:avLst/>
+          </a:prstGeom>
+          <a:noFill/>
+          <a:ln>
+            <a:noFill/>
+          </a:ln>
+        </p:spPr>
+        <p:style>
+          <a:lnRef idx="2">
+            <a:schemeClr val="accent1">
+              <a:shade val="50000"/>
+            </a:schemeClr>
+          </a:lnRef>
+          <a:fillRef idx="1">
+            <a:schemeClr val="accent1"/>
+          </a:fillRef>
+          <a:effectRef idx="0">
+            <a:schemeClr val="accent1"/>
+          </a:effectRef>
+          <a:fontRef idx="minor">
+            <a:schemeClr val="lt1"/>
+          </a:fontRef>
+        </p:style>
+        <p:txBody>
+          <a:bodyPr rtlCol="0" anchor="ctr"/>
+          <a:lstStyle/>
+          <a:p>
+            <a:pPr algn="ctr"/>
+            <a:r>
+              <a:rPr lang="en-IN" b="1" dirty="0">
+                <a:solidFill>
+                  <a:schemeClr val="tx1"/>
+                </a:solidFill>
+                <a:latin typeface="Arial" panose="020B0604020202020204" pitchFamily="34" charset="0"/>
+                <a:cs typeface="Arial" panose="020B0604020202020204" pitchFamily="34" charset="0"/>
+              </a:rPr>
+              <a:t>Set 3</a:t>
+            </a:r>
+          </a:p>
+        </p:txBody>
+      </p:sp>
+      <p:sp>
+        <p:nvSpPr>
+          <p:cNvPr id="75" name="Rectangle 74">
+            <a:extLst>
+              <a:ext uri="{FF2B5EF4-FFF2-40B4-BE49-F238E27FC236}">
+                <a16:creationId xmlns:a16="http://schemas.microsoft.com/office/drawing/2014/main" id="{F0B68091-7830-4E0C-B78F-0730F3394F4D}"/>
+              </a:ext>
+            </a:extLst>
+          </p:cNvPr>
+          <p:cNvSpPr/>
+          <p:nvPr/>
+        </p:nvSpPr>
+        <p:spPr>
+          <a:xfrm>
+            <a:off x="9072709" y="1683209"/>
+            <a:ext cx="1491175" cy="588278"/>
+          </a:xfrm>
+          <a:prstGeom prst="rect">
+            <a:avLst/>
+          </a:prstGeom>
+          <a:noFill/>
+          <a:ln>
+            <a:noFill/>
+          </a:ln>
+        </p:spPr>
+        <p:style>
+          <a:lnRef idx="2">
+            <a:schemeClr val="accent1">
+              <a:shade val="50000"/>
+            </a:schemeClr>
+          </a:lnRef>
+          <a:fillRef idx="1">
+            <a:schemeClr val="accent1"/>
+          </a:fillRef>
+          <a:effectRef idx="0">
+            <a:schemeClr val="accent1"/>
+          </a:effectRef>
+          <a:fontRef idx="minor">
+            <a:schemeClr val="lt1"/>
+          </a:fontRef>
+        </p:style>
+        <p:txBody>
+          <a:bodyPr rtlCol="0" anchor="ctr"/>
+          <a:lstStyle/>
+          <a:p>
+            <a:pPr algn="ctr"/>
+            <a:r>
+              <a:rPr lang="en-IN" b="1" dirty="0">
+                <a:solidFill>
+                  <a:schemeClr val="tx1"/>
+                </a:solidFill>
+                <a:latin typeface="Arial" panose="020B0604020202020204" pitchFamily="34" charset="0"/>
+                <a:cs typeface="Arial" panose="020B0604020202020204" pitchFamily="34" charset="0"/>
+              </a:rPr>
+              <a:t>Set 4</a:t>
+            </a:r>
+          </a:p>
+        </p:txBody>
+      </p:sp>
+      <p:cxnSp>
+        <p:nvCxnSpPr>
+          <p:cNvPr id="85" name="Straight Arrow Connector 84">
+            <a:extLst>
+              <a:ext uri="{FF2B5EF4-FFF2-40B4-BE49-F238E27FC236}">
+                <a16:creationId xmlns:a16="http://schemas.microsoft.com/office/drawing/2014/main" id="{E99E51C9-C91C-4ED7-941B-3529F7AC29CE}"/>
+              </a:ext>
+            </a:extLst>
+          </p:cNvPr>
+          <p:cNvCxnSpPr/>
+          <p:nvPr/>
+        </p:nvCxnSpPr>
+        <p:spPr>
+          <a:xfrm>
+            <a:off x="1583787" y="6283836"/>
+            <a:ext cx="0" cy="244979"/>
+          </a:xfrm>
+          <a:prstGeom prst="straightConnector1">
+            <a:avLst/>
+          </a:prstGeom>
+          <a:ln w="38100">
+            <a:solidFill>
+              <a:schemeClr val="tx1"/>
+            </a:solidFill>
+            <a:tailEnd type="triangle"/>
+          </a:ln>
+        </p:spPr>
+        <p:style>
+          <a:lnRef idx="1">
+            <a:schemeClr val="accent1"/>
+          </a:lnRef>
+          <a:fillRef idx="0">
+            <a:schemeClr val="accent1"/>
+          </a:fillRef>
+          <a:effectRef idx="0">
+            <a:schemeClr val="accent1"/>
+          </a:effectRef>
+          <a:fontRef idx="minor">
+            <a:schemeClr val="tx1"/>
+          </a:fontRef>
+        </p:style>
+      </p:cxnSp>
+      <p:sp>
+        <p:nvSpPr>
+          <p:cNvPr id="86" name="Oval 85">
+            <a:extLst>
+              <a:ext uri="{FF2B5EF4-FFF2-40B4-BE49-F238E27FC236}">
+                <a16:creationId xmlns:a16="http://schemas.microsoft.com/office/drawing/2014/main" id="{5B2D78D7-8ACC-407E-A06B-8A81AC675D40}"/>
+              </a:ext>
+            </a:extLst>
+          </p:cNvPr>
+          <p:cNvSpPr/>
+          <p:nvPr/>
+        </p:nvSpPr>
+        <p:spPr>
+          <a:xfrm>
+            <a:off x="1385193" y="6512187"/>
+            <a:ext cx="420725" cy="345814"/>
+          </a:xfrm>
+          <a:prstGeom prst="ellipse">
+            <a:avLst/>
+          </a:prstGeom>
+        </p:spPr>
+        <p:style>
+          <a:lnRef idx="2">
+            <a:schemeClr val="accent1">
+              <a:shade val="50000"/>
+            </a:schemeClr>
+          </a:lnRef>
+          <a:fillRef idx="1">
+            <a:schemeClr val="accent1"/>
+          </a:fillRef>
+          <a:effectRef idx="0">
+            <a:schemeClr val="accent1"/>
+          </a:effectRef>
+          <a:fontRef idx="minor">
+            <a:schemeClr val="lt1"/>
+          </a:fontRef>
+        </p:style>
+        <p:txBody>
+          <a:bodyPr rtlCol="0" anchor="ctr"/>
+          <a:lstStyle/>
+          <a:p>
+            <a:pPr algn="ctr"/>
+            <a:r>
+              <a:rPr lang="en-IN" dirty="0"/>
+              <a:t>A</a:t>
+            </a:r>
+          </a:p>
+        </p:txBody>
+      </p:sp>
+    </p:spTree>
+    <p:extLst>
+      <p:ext uri="{BB962C8B-B14F-4D97-AF65-F5344CB8AC3E}">
+        <p14:creationId xmlns:p14="http://schemas.microsoft.com/office/powerpoint/2010/main" val="913811963"/>
+      </p:ext>
+    </p:extLst>
+  </p:cSld>
+  <p:clrMapOvr>
+    <a:masterClrMapping/>
+  </p:clrMapOvr>
+</p:sld>
+</file>
+
+<file path=ppt/slides/slide5.xml><?xml version="1.0" encoding="utf-8"?>
+<p:sld xmlns:a="http://schemas.openxmlformats.org/drawingml/2006/main" xmlns:r="http://schemas.openxmlformats.org/officeDocument/2006/relationships" xmlns:p="http://schemas.openxmlformats.org/presentationml/2006/main">
+  <p:cSld>
+    <p:spTree>
+      <p:nvGrpSpPr>
+        <p:cNvPr id="1" name=""/>
+        <p:cNvGrpSpPr/>
+        <p:nvPr/>
+      </p:nvGrpSpPr>
+      <p:grpSpPr>
+        <a:xfrm>
+          <a:off x="0" y="0"/>
+          <a:ext cx="0" cy="0"/>
+          <a:chOff x="0" y="0"/>
+          <a:chExt cx="0" cy="0"/>
+        </a:xfrm>
+      </p:grpSpPr>
+      <p:sp>
+        <p:nvSpPr>
+          <p:cNvPr id="2" name="Title 1">
+            <a:extLst>
+              <a:ext uri="{FF2B5EF4-FFF2-40B4-BE49-F238E27FC236}">
+                <a16:creationId xmlns:a16="http://schemas.microsoft.com/office/drawing/2014/main" id="{5CC1FE94-81B2-4045-9920-87510FEC5BF6}"/>
+              </a:ext>
+            </a:extLst>
+          </p:cNvPr>
+          <p:cNvSpPr>
+            <a:spLocks noGrp="1"/>
+          </p:cNvSpPr>
+          <p:nvPr>
+            <p:ph type="title"/>
+          </p:nvPr>
+        </p:nvSpPr>
+        <p:spPr>
+          <a:xfrm>
+            <a:off x="838200" y="196969"/>
+            <a:ext cx="10515600" cy="1325563"/>
+          </a:xfrm>
+        </p:spPr>
+        <p:txBody>
+          <a:bodyPr/>
+          <a:lstStyle/>
+          <a:p>
+            <a:r>
+              <a:rPr lang="en-IN" dirty="0"/>
+              <a:t>Overall Experiment Flow (Part 2)</a:t>
+            </a:r>
+          </a:p>
+        </p:txBody>
+      </p:sp>
+      <p:sp>
+        <p:nvSpPr>
+          <p:cNvPr id="7" name="Rectangle 6">
+            <a:extLst>
+              <a:ext uri="{FF2B5EF4-FFF2-40B4-BE49-F238E27FC236}">
+                <a16:creationId xmlns:a16="http://schemas.microsoft.com/office/drawing/2014/main" id="{2CDAC47F-4670-4C64-B9A6-49246D2FF3FB}"/>
+              </a:ext>
+            </a:extLst>
+          </p:cNvPr>
+          <p:cNvSpPr/>
+          <p:nvPr/>
+        </p:nvSpPr>
+        <p:spPr>
+          <a:xfrm>
+            <a:off x="4186311" y="2772417"/>
+            <a:ext cx="2763129" cy="588278"/>
+          </a:xfrm>
+          <a:prstGeom prst="rect">
+            <a:avLst/>
+          </a:prstGeom>
+        </p:spPr>
+        <p:style>
+          <a:lnRef idx="2">
+            <a:schemeClr val="accent1">
+              <a:shade val="50000"/>
+            </a:schemeClr>
+          </a:lnRef>
+          <a:fillRef idx="1">
+            <a:schemeClr val="accent1"/>
+          </a:fillRef>
+          <a:effectRef idx="0">
+            <a:schemeClr val="accent1"/>
+          </a:effectRef>
+          <a:fontRef idx="minor">
+            <a:schemeClr val="lt1"/>
+          </a:fontRef>
+        </p:style>
+        <p:txBody>
+          <a:bodyPr rtlCol="0" anchor="ctr"/>
+          <a:lstStyle/>
+          <a:p>
+            <a:pPr algn="ctr"/>
+            <a:r>
+              <a:rPr lang="en-IN" dirty="0">
+                <a:latin typeface="Arial" panose="020B0604020202020204" pitchFamily="34" charset="0"/>
+                <a:cs typeface="Arial" panose="020B0604020202020204" pitchFamily="34" charset="0"/>
+              </a:rPr>
+              <a:t>genfriedmandata.bash</a:t>
+            </a:r>
+          </a:p>
+        </p:txBody>
+      </p:sp>
+      <p:sp>
+        <p:nvSpPr>
+          <p:cNvPr id="12" name="Rectangle 11">
+            <a:extLst>
+              <a:ext uri="{FF2B5EF4-FFF2-40B4-BE49-F238E27FC236}">
+                <a16:creationId xmlns:a16="http://schemas.microsoft.com/office/drawing/2014/main" id="{CE6A494A-BCF5-46CB-8BA4-5E412BC0985E}"/>
+              </a:ext>
+            </a:extLst>
+          </p:cNvPr>
+          <p:cNvSpPr/>
+          <p:nvPr/>
+        </p:nvSpPr>
+        <p:spPr>
+          <a:xfrm>
+            <a:off x="4186311" y="3605674"/>
+            <a:ext cx="2763129" cy="588278"/>
+          </a:xfrm>
+          <a:prstGeom prst="rect">
+            <a:avLst/>
+          </a:prstGeom>
+        </p:spPr>
+        <p:style>
+          <a:lnRef idx="2">
+            <a:schemeClr val="accent1">
+              <a:shade val="50000"/>
+            </a:schemeClr>
+          </a:lnRef>
+          <a:fillRef idx="1">
+            <a:schemeClr val="accent1"/>
+          </a:fillRef>
+          <a:effectRef idx="0">
+            <a:schemeClr val="accent1"/>
+          </a:effectRef>
+          <a:fontRef idx="minor">
+            <a:schemeClr val="lt1"/>
+          </a:fontRef>
+        </p:style>
+        <p:txBody>
+          <a:bodyPr rtlCol="0" anchor="ctr"/>
+          <a:lstStyle/>
+          <a:p>
+            <a:pPr algn="ctr"/>
+            <a:r>
+              <a:rPr lang="en-IN" dirty="0">
+                <a:latin typeface="Arial" panose="020B0604020202020204" pitchFamily="34" charset="0"/>
+                <a:cs typeface="Arial" panose="020B0604020202020204" pitchFamily="34" charset="0"/>
+              </a:rPr>
+              <a:t>friedman_batch.m</a:t>
+            </a:r>
+          </a:p>
+        </p:txBody>
+      </p:sp>
+      <p:cxnSp>
+        <p:nvCxnSpPr>
+          <p:cNvPr id="28" name="Straight Arrow Connector 27">
+            <a:extLst>
+              <a:ext uri="{FF2B5EF4-FFF2-40B4-BE49-F238E27FC236}">
+                <a16:creationId xmlns:a16="http://schemas.microsoft.com/office/drawing/2014/main" id="{51C02D70-FFA0-4AB2-A06D-F811114D8595}"/>
+              </a:ext>
+            </a:extLst>
+          </p:cNvPr>
+          <p:cNvCxnSpPr>
+            <a:cxnSpLocks/>
+            <a:stCxn id="7" idx="2"/>
+            <a:endCxn id="12" idx="0"/>
+          </p:cNvCxnSpPr>
+          <p:nvPr/>
+        </p:nvCxnSpPr>
+        <p:spPr>
+          <a:xfrm>
+            <a:off x="5567876" y="3360695"/>
+            <a:ext cx="0" cy="244979"/>
+          </a:xfrm>
+          <a:prstGeom prst="straightConnector1">
+            <a:avLst/>
+          </a:prstGeom>
+          <a:ln w="38100">
+            <a:solidFill>
+              <a:schemeClr val="tx1"/>
+            </a:solidFill>
+            <a:tailEnd type="triangle"/>
+          </a:ln>
+        </p:spPr>
+        <p:style>
+          <a:lnRef idx="1">
+            <a:schemeClr val="accent1"/>
+          </a:lnRef>
+          <a:fillRef idx="0">
+            <a:schemeClr val="accent1"/>
+          </a:fillRef>
+          <a:effectRef idx="0">
+            <a:schemeClr val="accent1"/>
+          </a:effectRef>
+          <a:fontRef idx="minor">
+            <a:schemeClr val="tx1"/>
+          </a:fontRef>
+        </p:style>
+      </p:cxnSp>
+      <p:cxnSp>
+        <p:nvCxnSpPr>
+          <p:cNvPr id="42" name="Straight Arrow Connector 41">
+            <a:extLst>
+              <a:ext uri="{FF2B5EF4-FFF2-40B4-BE49-F238E27FC236}">
+                <a16:creationId xmlns:a16="http://schemas.microsoft.com/office/drawing/2014/main" id="{4B1B5372-2EA5-42A5-B7BF-4DBE7497BC1B}"/>
+              </a:ext>
+            </a:extLst>
+          </p:cNvPr>
+          <p:cNvCxnSpPr/>
+          <p:nvPr/>
+        </p:nvCxnSpPr>
+        <p:spPr>
+          <a:xfrm>
+            <a:off x="5513365" y="2527438"/>
+            <a:ext cx="0" cy="244979"/>
+          </a:xfrm>
+          <a:prstGeom prst="straightConnector1">
+            <a:avLst/>
+          </a:prstGeom>
+          <a:ln w="38100">
+            <a:solidFill>
+              <a:schemeClr val="tx1"/>
+            </a:solidFill>
+            <a:tailEnd type="triangle"/>
+          </a:ln>
+        </p:spPr>
+        <p:style>
+          <a:lnRef idx="1">
+            <a:schemeClr val="accent1"/>
+          </a:lnRef>
+          <a:fillRef idx="0">
+            <a:schemeClr val="accent1"/>
+          </a:fillRef>
+          <a:effectRef idx="0">
+            <a:schemeClr val="accent1"/>
+          </a:effectRef>
+          <a:fontRef idx="minor">
+            <a:schemeClr val="tx1"/>
+          </a:fontRef>
+        </p:style>
+      </p:cxnSp>
+      <p:sp>
+        <p:nvSpPr>
+          <p:cNvPr id="64" name="Rectangle 63">
+            <a:extLst>
+              <a:ext uri="{FF2B5EF4-FFF2-40B4-BE49-F238E27FC236}">
+                <a16:creationId xmlns:a16="http://schemas.microsoft.com/office/drawing/2014/main" id="{FADF2148-F8BD-4B90-9334-739C2EE76775}"/>
+              </a:ext>
+            </a:extLst>
+          </p:cNvPr>
+          <p:cNvSpPr/>
+          <p:nvPr/>
+        </p:nvSpPr>
+        <p:spPr>
+          <a:xfrm>
+            <a:off x="4822287" y="1522532"/>
+            <a:ext cx="1491175" cy="588278"/>
+          </a:xfrm>
+          <a:prstGeom prst="rect">
+            <a:avLst/>
+          </a:prstGeom>
+          <a:noFill/>
+          <a:ln>
+            <a:noFill/>
+          </a:ln>
+        </p:spPr>
+        <p:style>
+          <a:lnRef idx="2">
+            <a:schemeClr val="accent1">
+              <a:shade val="50000"/>
+            </a:schemeClr>
+          </a:lnRef>
+          <a:fillRef idx="1">
+            <a:schemeClr val="accent1"/>
+          </a:fillRef>
+          <a:effectRef idx="0">
+            <a:schemeClr val="accent1"/>
+          </a:effectRef>
+          <a:fontRef idx="minor">
+            <a:schemeClr val="lt1"/>
+          </a:fontRef>
+        </p:style>
+        <p:txBody>
+          <a:bodyPr rtlCol="0" anchor="ctr"/>
+          <a:lstStyle/>
+          <a:p>
+            <a:pPr algn="ctr"/>
+            <a:r>
+              <a:rPr lang="en-IN" b="1" dirty="0">
+                <a:solidFill>
+                  <a:schemeClr val="tx1"/>
+                </a:solidFill>
+                <a:latin typeface="Arial" panose="020B0604020202020204" pitchFamily="34" charset="0"/>
+                <a:cs typeface="Arial" panose="020B0604020202020204" pitchFamily="34" charset="0"/>
+              </a:rPr>
+              <a:t>Set 1</a:t>
+            </a:r>
+          </a:p>
+        </p:txBody>
+      </p:sp>
+      <p:sp>
+        <p:nvSpPr>
+          <p:cNvPr id="86" name="Oval 85">
+            <a:extLst>
+              <a:ext uri="{FF2B5EF4-FFF2-40B4-BE49-F238E27FC236}">
+                <a16:creationId xmlns:a16="http://schemas.microsoft.com/office/drawing/2014/main" id="{5B2D78D7-8ACC-407E-A06B-8A81AC675D40}"/>
+              </a:ext>
+            </a:extLst>
+          </p:cNvPr>
+          <p:cNvSpPr/>
+          <p:nvPr/>
+        </p:nvSpPr>
+        <p:spPr>
+          <a:xfrm>
+            <a:off x="5310995" y="2131207"/>
+            <a:ext cx="420725" cy="345814"/>
+          </a:xfrm>
+          <a:prstGeom prst="ellipse">
+            <a:avLst/>
+          </a:prstGeom>
+        </p:spPr>
+        <p:style>
+          <a:lnRef idx="2">
+            <a:schemeClr val="accent1">
+              <a:shade val="50000"/>
+            </a:schemeClr>
+          </a:lnRef>
+          <a:fillRef idx="1">
+            <a:schemeClr val="accent1"/>
+          </a:fillRef>
+          <a:effectRef idx="0">
+            <a:schemeClr val="accent1"/>
+          </a:effectRef>
+          <a:fontRef idx="minor">
+            <a:schemeClr val="lt1"/>
+          </a:fontRef>
+        </p:style>
+        <p:txBody>
+          <a:bodyPr rtlCol="0" anchor="ctr"/>
+          <a:lstStyle/>
+          <a:p>
+            <a:pPr algn="ctr"/>
+            <a:r>
+              <a:rPr lang="en-IN" dirty="0"/>
+              <a:t>A</a:t>
+            </a:r>
+          </a:p>
+        </p:txBody>
+      </p:sp>
+    </p:spTree>
+    <p:extLst>
+      <p:ext uri="{BB962C8B-B14F-4D97-AF65-F5344CB8AC3E}">
+        <p14:creationId xmlns:p14="http://schemas.microsoft.com/office/powerpoint/2010/main" val="3491123795"/>
+      </p:ext>
+    </p:extLst>
+  </p:cSld>
+  <p:clrMapOvr>
+    <a:masterClrMapping/>
+  </p:clrMapOvr>
+</p:sld>
+</file>
+
+<file path=ppt/slides/slide6.xml><?xml version="1.0" encoding="utf-8"?>
 <p:sld xmlns:a="http://schemas.openxmlformats.org/drawingml/2006/main" xmlns:r="http://schemas.openxmlformats.org/officeDocument/2006/relationships" xmlns:p="http://schemas.openxmlformats.org/presentationml/2006/main">
   <p:cSld>
     <p:spTree>
@@ -19054,6 +23529,20 @@
             </a:r>
           </a:p>
           <a:p>
+            <a:pPr lvl="1"/>
+            <a:r>
+              <a:rPr lang="en-IN" sz="1100" dirty="0" err="1">
+                <a:latin typeface="Arial" panose="020B0604020202020204" pitchFamily="34" charset="0"/>
+                <a:cs typeface="Arial" panose="020B0604020202020204" pitchFamily="34" charset="0"/>
+              </a:rPr>
+              <a:t>matlab</a:t>
+            </a:r>
+            <a:endParaRPr lang="en-IN" sz="1100" dirty="0">
+              <a:latin typeface="Arial" panose="020B0604020202020204" pitchFamily="34" charset="0"/>
+              <a:cs typeface="Arial" panose="020B0604020202020204" pitchFamily="34" charset="0"/>
+            </a:endParaRPr>
+          </a:p>
+          <a:p>
             <a:endParaRPr lang="en-IN" sz="1100" dirty="0"/>
           </a:p>
         </p:txBody>
@@ -19133,7 +23622,7 @@
                 <a:latin typeface="Arial" panose="020B0604020202020204" pitchFamily="34" charset="0"/>
                 <a:cs typeface="Arial" panose="020B0604020202020204" pitchFamily="34" charset="0"/>
               </a:rPr>
-              <a:t>step3forset0.bash</a:t>
+              <a:t>step4forset0.bash</a:t>
             </a:r>
             <a:endParaRPr lang="en-IN" sz="1600" b="1" dirty="0">
               <a:latin typeface="Arial" panose="020B0604020202020204" pitchFamily="34" charset="0"/>
@@ -19267,20 +23756,19 @@
             <a:r>
               <a:rPr lang="en-IN" sz="1600" b="1" dirty="0">
                 <a:solidFill>
-                  <a:srgbClr val="990000"/>
+                  <a:srgbClr val="669900"/>
                 </a:solidFill>
                 <a:latin typeface="Arial" panose="020B0604020202020204" pitchFamily="34" charset="0"/>
                 <a:cs typeface="Arial" panose="020B0604020202020204" pitchFamily="34" charset="0"/>
               </a:rPr>
-              <a:t>step3forset0.bash</a:t>
-            </a:r>
-            <a:r>
-              <a:rPr lang="en-IN" sz="1600" b="1" dirty="0">
-                <a:latin typeface="Arial" panose="020B0604020202020204" pitchFamily="34" charset="0"/>
-                <a:cs typeface="Arial" panose="020B0604020202020204" pitchFamily="34" charset="0"/>
-              </a:rPr>
-              <a:t>	</a:t>
-            </a:r>
+              <a:t>step4.bash		(/set1/results, /set2/results, /set3/results, /set4/results)</a:t>
+            </a:r>
+          </a:p>
+          <a:p>
+            <a:pPr marL="628650" lvl="1" indent="-171450">
+              <a:buFont typeface="Wingdings" panose="05000000000000000000" pitchFamily="2" charset="2"/>
+              <a:buChar char="§"/>
+            </a:pPr>
             <a:r>
               <a:rPr lang="en-IN" sz="1600" b="1" dirty="0">
                 <a:solidFill>
@@ -19289,23 +23777,24 @@
                 <a:latin typeface="Arial" panose="020B0604020202020204" pitchFamily="34" charset="0"/>
                 <a:cs typeface="Arial" panose="020B0604020202020204" pitchFamily="34" charset="0"/>
               </a:rPr>
-              <a:t>(/set0/results)</a:t>
-            </a:r>
-          </a:p>
-          <a:p>
-            <a:pPr marL="628650" lvl="1" indent="-171450">
-              <a:buFont typeface="Wingdings" panose="05000000000000000000" pitchFamily="2" charset="2"/>
-              <a:buChar char="§"/>
-            </a:pPr>
+              <a:t>step4forset0.bash</a:t>
+            </a:r>
+            <a:r>
+              <a:rPr lang="en-IN" sz="1600" b="1" dirty="0">
+                <a:latin typeface="Arial" panose="020B0604020202020204" pitchFamily="34" charset="0"/>
+                <a:cs typeface="Arial" panose="020B0604020202020204" pitchFamily="34" charset="0"/>
+              </a:rPr>
+              <a:t>	</a:t>
+            </a:r>
             <a:r>
               <a:rPr lang="en-IN" sz="1600" b="1" dirty="0">
                 <a:solidFill>
-                  <a:srgbClr val="669900"/>
+                  <a:srgbClr val="990000"/>
                 </a:solidFill>
                 <a:latin typeface="Arial" panose="020B0604020202020204" pitchFamily="34" charset="0"/>
                 <a:cs typeface="Arial" panose="020B0604020202020204" pitchFamily="34" charset="0"/>
               </a:rPr>
-              <a:t>step4.bash		(/set1/results, /set2/results, /set3/results, /set4/results)</a:t>
+              <a:t>(/set0/results)</a:t>
             </a:r>
           </a:p>
         </p:txBody>
@@ -19323,7 +23812,7 @@
 </p:sld>
 </file>
 
-<file path=ppt/slides/slide5.xml><?xml version="1.0" encoding="utf-8"?>
+<file path=ppt/slides/slide7.xml><?xml version="1.0" encoding="utf-8"?>
 <p:sld xmlns:a="http://schemas.openxmlformats.org/drawingml/2006/main" xmlns:r="http://schemas.openxmlformats.org/officeDocument/2006/relationships" xmlns:p="http://schemas.openxmlformats.org/presentationml/2006/main">
   <p:cSld>
     <p:spTree>
@@ -19742,7 +24231,7 @@
 </p:sld>
 </file>
 
-<file path=ppt/slides/slide6.xml><?xml version="1.0" encoding="utf-8"?>
+<file path=ppt/slides/slide8.xml><?xml version="1.0" encoding="utf-8"?>
 <p:sld xmlns:a="http://schemas.openxmlformats.org/drawingml/2006/main" xmlns:r="http://schemas.openxmlformats.org/officeDocument/2006/relationships" xmlns:p="http://schemas.openxmlformats.org/presentationml/2006/main">
   <p:cSld>
     <p:spTree>
@@ -20528,7 +25017,7 @@
 </p:sld>
 </file>
 
-<file path=ppt/slides/slide7.xml><?xml version="1.0" encoding="utf-8"?>
+<file path=ppt/slides/slide9.xml><?xml version="1.0" encoding="utf-8"?>
 <p:sld xmlns:a="http://schemas.openxmlformats.org/drawingml/2006/main" xmlns:r="http://schemas.openxmlformats.org/officeDocument/2006/relationships" xmlns:p="http://schemas.openxmlformats.org/presentationml/2006/main">
   <p:cSld>
     <p:spTree>
@@ -20865,1060 +25354,6 @@
     <p:extLst>
       <p:ext uri="{BB962C8B-B14F-4D97-AF65-F5344CB8AC3E}">
         <p14:creationId xmlns:p14="http://schemas.microsoft.com/office/powerpoint/2010/main" val="514151106"/>
-      </p:ext>
-    </p:extLst>
-  </p:cSld>
-  <p:clrMapOvr>
-    <a:masterClrMapping/>
-  </p:clrMapOvr>
-</p:sld>
-</file>
-
-<file path=ppt/slides/slide8.xml><?xml version="1.0" encoding="utf-8"?>
-<p:sld xmlns:a="http://schemas.openxmlformats.org/drawingml/2006/main" xmlns:r="http://schemas.openxmlformats.org/officeDocument/2006/relationships" xmlns:p="http://schemas.openxmlformats.org/presentationml/2006/main">
-  <p:cSld>
-    <p:spTree>
-      <p:nvGrpSpPr>
-        <p:cNvPr id="1" name=""/>
-        <p:cNvGrpSpPr/>
-        <p:nvPr/>
-      </p:nvGrpSpPr>
-      <p:grpSpPr>
-        <a:xfrm>
-          <a:off x="0" y="0"/>
-          <a:ext cx="0" cy="0"/>
-          <a:chOff x="0" y="0"/>
-          <a:chExt cx="0" cy="0"/>
-        </a:xfrm>
-      </p:grpSpPr>
-      <p:sp>
-        <p:nvSpPr>
-          <p:cNvPr id="2" name="Title 1">
-            <a:extLst>
-              <a:ext uri="{FF2B5EF4-FFF2-40B4-BE49-F238E27FC236}">
-                <a16:creationId xmlns:a16="http://schemas.microsoft.com/office/drawing/2014/main" id="{6F680400-C8C8-4F7F-92F2-05562AD0B6E6}"/>
-              </a:ext>
-            </a:extLst>
-          </p:cNvPr>
-          <p:cNvSpPr>
-            <a:spLocks noGrp="1"/>
-          </p:cNvSpPr>
-          <p:nvPr>
-            <p:ph type="title"/>
-          </p:nvPr>
-        </p:nvSpPr>
-        <p:spPr/>
-        <p:txBody>
-          <a:bodyPr/>
-          <a:lstStyle/>
-          <a:p>
-            <a:r>
-              <a:rPr lang="en-IN" dirty="0"/>
-              <a:t>Directory Contents (scripts)</a:t>
-            </a:r>
-          </a:p>
-        </p:txBody>
-      </p:sp>
-      <p:sp>
-        <p:nvSpPr>
-          <p:cNvPr id="3" name="Content Placeholder 2">
-            <a:extLst>
-              <a:ext uri="{FF2B5EF4-FFF2-40B4-BE49-F238E27FC236}">
-                <a16:creationId xmlns:a16="http://schemas.microsoft.com/office/drawing/2014/main" id="{67CBFE54-AA9D-46D3-AB3B-036C381B20A4}"/>
-              </a:ext>
-            </a:extLst>
-          </p:cNvPr>
-          <p:cNvSpPr>
-            <a:spLocks noGrp="1"/>
-          </p:cNvSpPr>
-          <p:nvPr>
-            <p:ph idx="1"/>
-          </p:nvPr>
-        </p:nvSpPr>
-        <p:spPr>
-          <a:xfrm>
-            <a:off x="838200" y="1825624"/>
-            <a:ext cx="4110990" cy="4872355"/>
-          </a:xfrm>
-        </p:spPr>
-        <p:txBody>
-          <a:bodyPr>
-            <a:normAutofit lnSpcReduction="10000"/>
-          </a:bodyPr>
-          <a:lstStyle/>
-          <a:p>
-            <a:r>
-              <a:rPr lang="en-IN" sz="1400" dirty="0">
-                <a:latin typeface="Arial" panose="020B0604020202020204" pitchFamily="34" charset="0"/>
-                <a:cs typeface="Arial" panose="020B0604020202020204" pitchFamily="34" charset="0"/>
-              </a:rPr>
-              <a:t>scripts</a:t>
-            </a:r>
-          </a:p>
-          <a:p>
-            <a:pPr lvl="1"/>
-            <a:r>
-              <a:rPr lang="en-IN" sz="1400" dirty="0">
-                <a:latin typeface="Arial" panose="020B0604020202020204" pitchFamily="34" charset="0"/>
-                <a:cs typeface="Arial" panose="020B0604020202020204" pitchFamily="34" charset="0"/>
-              </a:rPr>
-              <a:t>step1.bash</a:t>
-            </a:r>
-          </a:p>
-          <a:p>
-            <a:pPr lvl="1"/>
-            <a:r>
-              <a:rPr lang="en-IN" sz="1400" dirty="0">
-                <a:latin typeface="Arial" panose="020B0604020202020204" pitchFamily="34" charset="0"/>
-                <a:cs typeface="Arial" panose="020B0604020202020204" pitchFamily="34" charset="0"/>
-              </a:rPr>
-              <a:t>step1-datacreation-list.txt</a:t>
-            </a:r>
-          </a:p>
-          <a:p>
-            <a:pPr lvl="1"/>
-            <a:r>
-              <a:rPr lang="en-IN" sz="1400" dirty="0">
-                <a:latin typeface="Arial" panose="020B0604020202020204" pitchFamily="34" charset="0"/>
-                <a:cs typeface="Arial" panose="020B0604020202020204" pitchFamily="34" charset="0"/>
-              </a:rPr>
-              <a:t>step2a.bash</a:t>
-            </a:r>
-          </a:p>
-          <a:p>
-            <a:pPr lvl="1"/>
-            <a:r>
-              <a:rPr lang="en-IN" sz="1400" dirty="0">
-                <a:latin typeface="Arial" panose="020B0604020202020204" pitchFamily="34" charset="0"/>
-                <a:cs typeface="Arial" panose="020B0604020202020204" pitchFamily="34" charset="0"/>
-              </a:rPr>
-              <a:t>step2b.bash</a:t>
-            </a:r>
-          </a:p>
-          <a:p>
-            <a:pPr lvl="1"/>
-            <a:r>
-              <a:rPr lang="en-IN" sz="1400" dirty="0">
-                <a:latin typeface="Arial" panose="020B0604020202020204" pitchFamily="34" charset="0"/>
-                <a:cs typeface="Arial" panose="020B0604020202020204" pitchFamily="34" charset="0"/>
-              </a:rPr>
-              <a:t>step2c.bash</a:t>
-            </a:r>
-          </a:p>
-          <a:p>
-            <a:pPr lvl="1"/>
-            <a:r>
-              <a:rPr lang="en-IN" sz="1400" dirty="0">
-                <a:latin typeface="Arial" panose="020B0604020202020204" pitchFamily="34" charset="0"/>
-                <a:cs typeface="Arial" panose="020B0604020202020204" pitchFamily="34" charset="0"/>
-              </a:rPr>
-              <a:t>step2d.bash</a:t>
-            </a:r>
-          </a:p>
-          <a:p>
-            <a:pPr lvl="1"/>
-            <a:r>
-              <a:rPr lang="en-IN" sz="1400" dirty="0">
-                <a:latin typeface="Arial" panose="020B0604020202020204" pitchFamily="34" charset="0"/>
-                <a:cs typeface="Arial" panose="020B0604020202020204" pitchFamily="34" charset="0"/>
-              </a:rPr>
-              <a:t>step3.bash</a:t>
-            </a:r>
-          </a:p>
-          <a:p>
-            <a:pPr lvl="1"/>
-            <a:r>
-              <a:rPr lang="en-IN" sz="1400" dirty="0">
-                <a:latin typeface="Arial" panose="020B0604020202020204" pitchFamily="34" charset="0"/>
-                <a:cs typeface="Arial" panose="020B0604020202020204" pitchFamily="34" charset="0"/>
-              </a:rPr>
-              <a:t>step3forset0.bash</a:t>
-            </a:r>
-          </a:p>
-          <a:p>
-            <a:pPr lvl="1"/>
-            <a:r>
-              <a:rPr lang="en-IN" sz="1400" dirty="0">
-                <a:latin typeface="Arial" panose="020B0604020202020204" pitchFamily="34" charset="0"/>
-                <a:cs typeface="Arial" panose="020B0604020202020204" pitchFamily="34" charset="0"/>
-              </a:rPr>
-              <a:t>step4.bash</a:t>
-            </a:r>
-          </a:p>
-          <a:p>
-            <a:pPr lvl="1"/>
-            <a:r>
-              <a:rPr lang="en-IN" sz="1400" dirty="0">
-                <a:latin typeface="Arial" panose="020B0604020202020204" pitchFamily="34" charset="0"/>
-                <a:cs typeface="Arial" panose="020B0604020202020204" pitchFamily="34" charset="0"/>
-              </a:rPr>
-              <a:t>step2run</a:t>
-            </a:r>
-          </a:p>
-          <a:p>
-            <a:pPr lvl="1"/>
-            <a:endParaRPr lang="en-IN" sz="1400" dirty="0">
-              <a:latin typeface="Arial" panose="020B0604020202020204" pitchFamily="34" charset="0"/>
-              <a:cs typeface="Arial" panose="020B0604020202020204" pitchFamily="34" charset="0"/>
-            </a:endParaRPr>
-          </a:p>
-          <a:p>
-            <a:pPr lvl="1"/>
-            <a:endParaRPr lang="en-IN" sz="1400" dirty="0">
-              <a:latin typeface="Arial" panose="020B0604020202020204" pitchFamily="34" charset="0"/>
-              <a:cs typeface="Arial" panose="020B0604020202020204" pitchFamily="34" charset="0"/>
-            </a:endParaRPr>
-          </a:p>
-          <a:p>
-            <a:pPr lvl="1"/>
-            <a:r>
-              <a:rPr lang="en-IN" sz="1400" dirty="0">
-                <a:latin typeface="Arial" panose="020B0604020202020204" pitchFamily="34" charset="0"/>
-                <a:cs typeface="Arial" panose="020B0604020202020204" pitchFamily="34" charset="0"/>
-              </a:rPr>
-              <a:t>friedman-consolidation-list.txt</a:t>
-            </a:r>
-          </a:p>
-          <a:p>
-            <a:pPr lvl="1"/>
-            <a:r>
-              <a:rPr lang="en-IN" sz="1400" dirty="0">
-                <a:latin typeface="Arial" panose="020B0604020202020204" pitchFamily="34" charset="0"/>
-                <a:cs typeface="Arial" panose="020B0604020202020204" pitchFamily="34" charset="0"/>
-              </a:rPr>
-              <a:t>consolidate.awk</a:t>
-            </a:r>
-          </a:p>
-          <a:p>
-            <a:pPr lvl="1"/>
-            <a:r>
-              <a:rPr lang="en-IN" sz="1400" dirty="0">
-                <a:latin typeface="Arial" panose="020B0604020202020204" pitchFamily="34" charset="0"/>
-                <a:cs typeface="Arial" panose="020B0604020202020204" pitchFamily="34" charset="0"/>
-              </a:rPr>
-              <a:t>genfriedmandata.bash</a:t>
-            </a:r>
-          </a:p>
-          <a:p>
-            <a:pPr lvl="1"/>
-            <a:endParaRPr lang="en-IN" sz="1400" dirty="0">
-              <a:latin typeface="Arial" panose="020B0604020202020204" pitchFamily="34" charset="0"/>
-              <a:cs typeface="Arial" panose="020B0604020202020204" pitchFamily="34" charset="0"/>
-            </a:endParaRPr>
-          </a:p>
-          <a:p>
-            <a:pPr lvl="1"/>
-            <a:r>
-              <a:rPr lang="en-IN" sz="1400" dirty="0">
-                <a:latin typeface="Arial" panose="020B0604020202020204" pitchFamily="34" charset="0"/>
-                <a:cs typeface="Arial" panose="020B0604020202020204" pitchFamily="34" charset="0"/>
-              </a:rPr>
-              <a:t>friedman_list.txt</a:t>
-            </a:r>
-          </a:p>
-          <a:p>
-            <a:pPr lvl="1"/>
-            <a:r>
-              <a:rPr lang="en-IN" sz="1400" dirty="0">
-                <a:latin typeface="Arial" panose="020B0604020202020204" pitchFamily="34" charset="0"/>
-                <a:cs typeface="Arial" panose="020B0604020202020204" pitchFamily="34" charset="0"/>
-              </a:rPr>
-              <a:t>MATLAB</a:t>
-            </a:r>
-          </a:p>
-          <a:p>
-            <a:pPr lvl="1"/>
-            <a:endParaRPr lang="en-IN" sz="1400" dirty="0">
-              <a:latin typeface="Arial" panose="020B0604020202020204" pitchFamily="34" charset="0"/>
-              <a:cs typeface="Arial" panose="020B0604020202020204" pitchFamily="34" charset="0"/>
-            </a:endParaRPr>
-          </a:p>
-          <a:p>
-            <a:pPr lvl="1"/>
-            <a:endParaRPr lang="en-IN" sz="1400" dirty="0">
-              <a:latin typeface="Arial" panose="020B0604020202020204" pitchFamily="34" charset="0"/>
-              <a:cs typeface="Arial" panose="020B0604020202020204" pitchFamily="34" charset="0"/>
-            </a:endParaRPr>
-          </a:p>
-          <a:p>
-            <a:pPr lvl="1"/>
-            <a:endParaRPr lang="en-IN" sz="1400" dirty="0">
-              <a:latin typeface="Arial" panose="020B0604020202020204" pitchFamily="34" charset="0"/>
-              <a:cs typeface="Arial" panose="020B0604020202020204" pitchFamily="34" charset="0"/>
-            </a:endParaRPr>
-          </a:p>
-          <a:p>
-            <a:pPr lvl="1"/>
-            <a:endParaRPr lang="en-IN" sz="1400" dirty="0">
-              <a:latin typeface="Arial" panose="020B0604020202020204" pitchFamily="34" charset="0"/>
-              <a:cs typeface="Arial" panose="020B0604020202020204" pitchFamily="34" charset="0"/>
-            </a:endParaRPr>
-          </a:p>
-        </p:txBody>
-      </p:sp>
-      <p:sp>
-        <p:nvSpPr>
-          <p:cNvPr id="4" name="Rectangle 3">
-            <a:extLst>
-              <a:ext uri="{FF2B5EF4-FFF2-40B4-BE49-F238E27FC236}">
-                <a16:creationId xmlns:a16="http://schemas.microsoft.com/office/drawing/2014/main" id="{CEDD7E7D-E490-4BAC-861D-57C3A03F13BA}"/>
-              </a:ext>
-            </a:extLst>
-          </p:cNvPr>
-          <p:cNvSpPr/>
-          <p:nvPr/>
-        </p:nvSpPr>
-        <p:spPr>
-          <a:xfrm>
-            <a:off x="5072268" y="2702069"/>
-            <a:ext cx="5380986" cy="461665"/>
-          </a:xfrm>
-          <a:prstGeom prst="rect">
-            <a:avLst/>
-          </a:prstGeom>
-          <a:solidFill>
-            <a:schemeClr val="accent1">
-              <a:lumMod val="20000"/>
-              <a:lumOff val="80000"/>
-            </a:schemeClr>
-          </a:solidFill>
-        </p:spPr>
-        <p:txBody>
-          <a:bodyPr wrap="square">
-            <a:spAutoFit/>
-          </a:bodyPr>
-          <a:lstStyle/>
-          <a:p>
-            <a:r>
-              <a:rPr lang="en-IN" sz="1200" b="1" dirty="0">
-                <a:latin typeface="Arial" panose="020B0604020202020204" pitchFamily="34" charset="0"/>
-                <a:cs typeface="Arial" panose="020B0604020202020204" pitchFamily="34" charset="0"/>
-              </a:rPr>
-              <a:t>For pre-processing data needed for machine learning, training and evaluation. </a:t>
-            </a:r>
-            <a:endParaRPr lang="en-IN" sz="1200" dirty="0">
-              <a:latin typeface="Arial" panose="020B0604020202020204" pitchFamily="34" charset="0"/>
-              <a:cs typeface="Arial" panose="020B0604020202020204" pitchFamily="34" charset="0"/>
-            </a:endParaRPr>
-          </a:p>
-        </p:txBody>
-      </p:sp>
-      <p:cxnSp>
-        <p:nvCxnSpPr>
-          <p:cNvPr id="5" name="Straight Arrow Connector 4">
-            <a:extLst>
-              <a:ext uri="{FF2B5EF4-FFF2-40B4-BE49-F238E27FC236}">
-                <a16:creationId xmlns:a16="http://schemas.microsoft.com/office/drawing/2014/main" id="{2D7071CE-6C7A-4E57-8152-8F0AD4DA66AE}"/>
-              </a:ext>
-            </a:extLst>
-          </p:cNvPr>
-          <p:cNvCxnSpPr/>
-          <p:nvPr/>
-        </p:nvCxnSpPr>
-        <p:spPr>
-          <a:xfrm>
-            <a:off x="3408218" y="2909454"/>
-            <a:ext cx="1664050" cy="0"/>
-          </a:xfrm>
-          <a:prstGeom prst="straightConnector1">
-            <a:avLst/>
-          </a:prstGeom>
-          <a:ln w="76200">
-            <a:tailEnd type="triangle"/>
-          </a:ln>
-        </p:spPr>
-        <p:style>
-          <a:lnRef idx="1">
-            <a:schemeClr val="accent1"/>
-          </a:lnRef>
-          <a:fillRef idx="0">
-            <a:schemeClr val="accent1"/>
-          </a:fillRef>
-          <a:effectRef idx="0">
-            <a:schemeClr val="accent1"/>
-          </a:effectRef>
-          <a:fontRef idx="minor">
-            <a:schemeClr val="tx1"/>
-          </a:fontRef>
-        </p:style>
-      </p:cxnSp>
-      <p:sp>
-        <p:nvSpPr>
-          <p:cNvPr id="6" name="Rectangle 5">
-            <a:extLst>
-              <a:ext uri="{FF2B5EF4-FFF2-40B4-BE49-F238E27FC236}">
-                <a16:creationId xmlns:a16="http://schemas.microsoft.com/office/drawing/2014/main" id="{AEAD0ABD-3037-4495-AA70-F62E320E90FB}"/>
-              </a:ext>
-            </a:extLst>
-          </p:cNvPr>
-          <p:cNvSpPr/>
-          <p:nvPr/>
-        </p:nvSpPr>
-        <p:spPr>
-          <a:xfrm>
-            <a:off x="5072268" y="5148094"/>
-            <a:ext cx="5380986" cy="276999"/>
-          </a:xfrm>
-          <a:prstGeom prst="rect">
-            <a:avLst/>
-          </a:prstGeom>
-          <a:solidFill>
-            <a:schemeClr val="accent1">
-              <a:lumMod val="20000"/>
-              <a:lumOff val="80000"/>
-            </a:schemeClr>
-          </a:solidFill>
-        </p:spPr>
-        <p:txBody>
-          <a:bodyPr wrap="square">
-            <a:spAutoFit/>
-          </a:bodyPr>
-          <a:lstStyle/>
-          <a:p>
-            <a:r>
-              <a:rPr lang="en-IN" sz="1200" b="1" dirty="0">
-                <a:latin typeface="Arial" panose="020B0604020202020204" pitchFamily="34" charset="0"/>
-                <a:cs typeface="Arial" panose="020B0604020202020204" pitchFamily="34" charset="0"/>
-              </a:rPr>
-              <a:t>For preparing data to be used in Friedman test. </a:t>
-            </a:r>
-            <a:endParaRPr lang="en-IN" sz="1200" dirty="0">
-              <a:latin typeface="Arial" panose="020B0604020202020204" pitchFamily="34" charset="0"/>
-              <a:cs typeface="Arial" panose="020B0604020202020204" pitchFamily="34" charset="0"/>
-            </a:endParaRPr>
-          </a:p>
-        </p:txBody>
-      </p:sp>
-      <p:cxnSp>
-        <p:nvCxnSpPr>
-          <p:cNvPr id="7" name="Straight Arrow Connector 6">
-            <a:extLst>
-              <a:ext uri="{FF2B5EF4-FFF2-40B4-BE49-F238E27FC236}">
-                <a16:creationId xmlns:a16="http://schemas.microsoft.com/office/drawing/2014/main" id="{705857B8-295A-4F26-9F6C-30FB90C316C8}"/>
-              </a:ext>
-            </a:extLst>
-          </p:cNvPr>
-          <p:cNvCxnSpPr/>
-          <p:nvPr/>
-        </p:nvCxnSpPr>
-        <p:spPr>
-          <a:xfrm>
-            <a:off x="3408218" y="5272688"/>
-            <a:ext cx="1664050" cy="0"/>
-          </a:xfrm>
-          <a:prstGeom prst="straightConnector1">
-            <a:avLst/>
-          </a:prstGeom>
-          <a:ln w="76200">
-            <a:tailEnd type="triangle"/>
-          </a:ln>
-        </p:spPr>
-        <p:style>
-          <a:lnRef idx="1">
-            <a:schemeClr val="accent1"/>
-          </a:lnRef>
-          <a:fillRef idx="0">
-            <a:schemeClr val="accent1"/>
-          </a:fillRef>
-          <a:effectRef idx="0">
-            <a:schemeClr val="accent1"/>
-          </a:effectRef>
-          <a:fontRef idx="minor">
-            <a:schemeClr val="tx1"/>
-          </a:fontRef>
-        </p:style>
-      </p:cxnSp>
-      <p:sp>
-        <p:nvSpPr>
-          <p:cNvPr id="8" name="Rectangle 7">
-            <a:extLst>
-              <a:ext uri="{FF2B5EF4-FFF2-40B4-BE49-F238E27FC236}">
-                <a16:creationId xmlns:a16="http://schemas.microsoft.com/office/drawing/2014/main" id="{1C9EF80F-D191-4CA5-89FC-9AA334A5EE44}"/>
-              </a:ext>
-            </a:extLst>
-          </p:cNvPr>
-          <p:cNvSpPr/>
-          <p:nvPr/>
-        </p:nvSpPr>
-        <p:spPr>
-          <a:xfrm>
-            <a:off x="5072268" y="5991266"/>
-            <a:ext cx="5380986" cy="276999"/>
-          </a:xfrm>
-          <a:prstGeom prst="rect">
-            <a:avLst/>
-          </a:prstGeom>
-          <a:solidFill>
-            <a:schemeClr val="accent1">
-              <a:lumMod val="20000"/>
-              <a:lumOff val="80000"/>
-            </a:schemeClr>
-          </a:solidFill>
-        </p:spPr>
-        <p:txBody>
-          <a:bodyPr wrap="square">
-            <a:spAutoFit/>
-          </a:bodyPr>
-          <a:lstStyle/>
-          <a:p>
-            <a:r>
-              <a:rPr lang="en-IN" sz="1200" b="1" dirty="0">
-                <a:latin typeface="Arial" panose="020B0604020202020204" pitchFamily="34" charset="0"/>
-                <a:cs typeface="Arial" panose="020B0604020202020204" pitchFamily="34" charset="0"/>
-              </a:rPr>
-              <a:t>For executing the Friedman and PostHoc test. </a:t>
-            </a:r>
-            <a:endParaRPr lang="en-IN" sz="1200" dirty="0">
-              <a:latin typeface="Arial" panose="020B0604020202020204" pitchFamily="34" charset="0"/>
-              <a:cs typeface="Arial" panose="020B0604020202020204" pitchFamily="34" charset="0"/>
-            </a:endParaRPr>
-          </a:p>
-        </p:txBody>
-      </p:sp>
-      <p:cxnSp>
-        <p:nvCxnSpPr>
-          <p:cNvPr id="9" name="Straight Arrow Connector 8">
-            <a:extLst>
-              <a:ext uri="{FF2B5EF4-FFF2-40B4-BE49-F238E27FC236}">
-                <a16:creationId xmlns:a16="http://schemas.microsoft.com/office/drawing/2014/main" id="{98BB43F2-4809-4212-8CBE-AA79B44CEEBC}"/>
-              </a:ext>
-            </a:extLst>
-          </p:cNvPr>
-          <p:cNvCxnSpPr/>
-          <p:nvPr/>
-        </p:nvCxnSpPr>
-        <p:spPr>
-          <a:xfrm>
-            <a:off x="3408218" y="6115860"/>
-            <a:ext cx="1664050" cy="0"/>
-          </a:xfrm>
-          <a:prstGeom prst="straightConnector1">
-            <a:avLst/>
-          </a:prstGeom>
-          <a:ln w="76200">
-            <a:tailEnd type="triangle"/>
-          </a:ln>
-        </p:spPr>
-        <p:style>
-          <a:lnRef idx="1">
-            <a:schemeClr val="accent1"/>
-          </a:lnRef>
-          <a:fillRef idx="0">
-            <a:schemeClr val="accent1"/>
-          </a:fillRef>
-          <a:effectRef idx="0">
-            <a:schemeClr val="accent1"/>
-          </a:effectRef>
-          <a:fontRef idx="minor">
-            <a:schemeClr val="tx1"/>
-          </a:fontRef>
-        </p:style>
-      </p:cxnSp>
-    </p:spTree>
-    <p:extLst>
-      <p:ext uri="{BB962C8B-B14F-4D97-AF65-F5344CB8AC3E}">
-        <p14:creationId xmlns:p14="http://schemas.microsoft.com/office/powerpoint/2010/main" val="2706542876"/>
-      </p:ext>
-    </p:extLst>
-  </p:cSld>
-  <p:clrMapOvr>
-    <a:masterClrMapping/>
-  </p:clrMapOvr>
-</p:sld>
-</file>
-
-<file path=ppt/slides/slide9.xml><?xml version="1.0" encoding="utf-8"?>
-<p:sld xmlns:a="http://schemas.openxmlformats.org/drawingml/2006/main" xmlns:r="http://schemas.openxmlformats.org/officeDocument/2006/relationships" xmlns:p="http://schemas.openxmlformats.org/presentationml/2006/main">
-  <p:cSld>
-    <p:spTree>
-      <p:nvGrpSpPr>
-        <p:cNvPr id="1" name=""/>
-        <p:cNvGrpSpPr/>
-        <p:nvPr/>
-      </p:nvGrpSpPr>
-      <p:grpSpPr>
-        <a:xfrm>
-          <a:off x="0" y="0"/>
-          <a:ext cx="0" cy="0"/>
-          <a:chOff x="0" y="0"/>
-          <a:chExt cx="0" cy="0"/>
-        </a:xfrm>
-      </p:grpSpPr>
-      <p:sp>
-        <p:nvSpPr>
-          <p:cNvPr id="2" name="Title 1">
-            <a:extLst>
-              <a:ext uri="{FF2B5EF4-FFF2-40B4-BE49-F238E27FC236}">
-                <a16:creationId xmlns:a16="http://schemas.microsoft.com/office/drawing/2014/main" id="{771FA61A-2BA4-485A-8AE8-DB17B19874F3}"/>
-              </a:ext>
-            </a:extLst>
-          </p:cNvPr>
-          <p:cNvSpPr>
-            <a:spLocks noGrp="1"/>
-          </p:cNvSpPr>
-          <p:nvPr>
-            <p:ph type="title"/>
-          </p:nvPr>
-        </p:nvSpPr>
-        <p:spPr/>
-        <p:txBody>
-          <a:bodyPr/>
-          <a:lstStyle/>
-          <a:p>
-            <a:r>
-              <a:rPr lang="en-IN" dirty="0"/>
-              <a:t>Dependent files</a:t>
-            </a:r>
-          </a:p>
-        </p:txBody>
-      </p:sp>
-      <p:sp>
-        <p:nvSpPr>
-          <p:cNvPr id="3" name="Content Placeholder 2">
-            <a:extLst>
-              <a:ext uri="{FF2B5EF4-FFF2-40B4-BE49-F238E27FC236}">
-                <a16:creationId xmlns:a16="http://schemas.microsoft.com/office/drawing/2014/main" id="{9D8AA3D5-F986-4550-A7FF-B47A49670AEC}"/>
-              </a:ext>
-            </a:extLst>
-          </p:cNvPr>
-          <p:cNvSpPr>
-            <a:spLocks noGrp="1"/>
-          </p:cNvSpPr>
-          <p:nvPr>
-            <p:ph idx="1"/>
-          </p:nvPr>
-        </p:nvSpPr>
-        <p:spPr>
-          <a:xfrm>
-            <a:off x="838200" y="1690689"/>
-            <a:ext cx="10515600" cy="4245878"/>
-          </a:xfrm>
-        </p:spPr>
-        <p:txBody>
-          <a:bodyPr>
-            <a:normAutofit fontScale="47500" lnSpcReduction="20000"/>
-          </a:bodyPr>
-          <a:lstStyle/>
-          <a:p>
-            <a:r>
-              <a:rPr lang="en-IN" dirty="0">
-                <a:latin typeface="Arial" panose="020B0604020202020204" pitchFamily="34" charset="0"/>
-                <a:cs typeface="Arial" panose="020B0604020202020204" pitchFamily="34" charset="0"/>
-              </a:rPr>
-              <a:t>Based on Weka tool</a:t>
-            </a:r>
-          </a:p>
-          <a:p>
-            <a:endParaRPr lang="en-IN" dirty="0">
-              <a:latin typeface="Arial" panose="020B0604020202020204" pitchFamily="34" charset="0"/>
-              <a:cs typeface="Arial" panose="020B0604020202020204" pitchFamily="34" charset="0"/>
-            </a:endParaRPr>
-          </a:p>
-          <a:p>
-            <a:r>
-              <a:rPr lang="en-IN" dirty="0">
-                <a:latin typeface="Arial" panose="020B0604020202020204" pitchFamily="34" charset="0"/>
-                <a:cs typeface="Arial" panose="020B0604020202020204" pitchFamily="34" charset="0"/>
-              </a:rPr>
-              <a:t>Developed and tried on CentOS</a:t>
-            </a:r>
-          </a:p>
-          <a:p>
-            <a:endParaRPr lang="en-IN" dirty="0">
-              <a:latin typeface="Arial" panose="020B0604020202020204" pitchFamily="34" charset="0"/>
-              <a:cs typeface="Arial" panose="020B0604020202020204" pitchFamily="34" charset="0"/>
-            </a:endParaRPr>
-          </a:p>
-          <a:p>
-            <a:r>
-              <a:rPr lang="en-IN" dirty="0">
-                <a:latin typeface="Arial" panose="020B0604020202020204" pitchFamily="34" charset="0"/>
-                <a:cs typeface="Arial" panose="020B0604020202020204" pitchFamily="34" charset="0"/>
-              </a:rPr>
-              <a:t>Dependent files</a:t>
-            </a:r>
-          </a:p>
-          <a:p>
-            <a:pPr lvl="1"/>
-            <a:r>
-              <a:rPr lang="en-IN" dirty="0">
-                <a:latin typeface="Arial" panose="020B0604020202020204" pitchFamily="34" charset="0"/>
-                <a:cs typeface="Arial" panose="020B0604020202020204" pitchFamily="34" charset="0"/>
-              </a:rPr>
-              <a:t>Weka core: weka.jar, mtj.jar</a:t>
-            </a:r>
-          </a:p>
-          <a:p>
-            <a:pPr lvl="1"/>
-            <a:r>
-              <a:rPr lang="en-IN" dirty="0">
-                <a:latin typeface="Arial" panose="020B0604020202020204" pitchFamily="34" charset="0"/>
-                <a:cs typeface="Arial" panose="020B0604020202020204" pitchFamily="34" charset="0"/>
-              </a:rPr>
-              <a:t>Weka packages which are not part of core and have to be installed separately</a:t>
-            </a:r>
-          </a:p>
-          <a:p>
-            <a:pPr lvl="2"/>
-            <a:r>
-              <a:rPr lang="en-IN" dirty="0">
-                <a:latin typeface="Arial" panose="020B0604020202020204" pitchFamily="34" charset="0"/>
-                <a:cs typeface="Arial" panose="020B0604020202020204" pitchFamily="34" charset="0"/>
-              </a:rPr>
-              <a:t>isotonicRegression.jar, leastMedSquared.jar, paceRegression.jar, RBFNetwork.jar</a:t>
-            </a:r>
-          </a:p>
-          <a:p>
-            <a:pPr lvl="1"/>
-            <a:r>
-              <a:rPr lang="en-IN" dirty="0">
-                <a:latin typeface="Arial" panose="020B0604020202020204" pitchFamily="34" charset="0"/>
-                <a:cs typeface="Arial" panose="020B0604020202020204" pitchFamily="34" charset="0"/>
-              </a:rPr>
-              <a:t>Apache: commons-cli-1.4.jar, commons-csv-1.5.jar, commons-math3-3.6.1.jar</a:t>
-            </a:r>
-          </a:p>
-          <a:p>
-            <a:pPr lvl="1"/>
-            <a:r>
-              <a:rPr lang="en-IN" dirty="0">
-                <a:latin typeface="Arial" panose="020B0604020202020204" pitchFamily="34" charset="0"/>
-                <a:cs typeface="Arial" panose="020B0604020202020204" pitchFamily="34" charset="0"/>
-              </a:rPr>
-              <a:t>Custom</a:t>
-            </a:r>
-            <a:r>
-              <a:rPr lang="en-IN" b="1" dirty="0">
-                <a:latin typeface="Arial" panose="020B0604020202020204" pitchFamily="34" charset="0"/>
-                <a:cs typeface="Arial" panose="020B0604020202020204" pitchFamily="34" charset="0"/>
-              </a:rPr>
-              <a:t>: model-eval.jar*</a:t>
-            </a:r>
-            <a:endParaRPr lang="en-IN" dirty="0">
-              <a:latin typeface="Arial" panose="020B0604020202020204" pitchFamily="34" charset="0"/>
-              <a:cs typeface="Arial" panose="020B0604020202020204" pitchFamily="34" charset="0"/>
-            </a:endParaRPr>
-          </a:p>
-          <a:p>
-            <a:endParaRPr lang="en-IN" dirty="0">
-              <a:latin typeface="Arial" panose="020B0604020202020204" pitchFamily="34" charset="0"/>
-              <a:cs typeface="Arial" panose="020B0604020202020204" pitchFamily="34" charset="0"/>
-            </a:endParaRPr>
-          </a:p>
-          <a:p>
-            <a:r>
-              <a:rPr lang="en-IN" dirty="0">
-                <a:latin typeface="Arial" panose="020B0604020202020204" pitchFamily="34" charset="0"/>
-                <a:cs typeface="Arial" panose="020B0604020202020204" pitchFamily="34" charset="0"/>
-              </a:rPr>
-              <a:t>Make changes in CLAZZ_PATH variable (present inside scripts) as applicable.</a:t>
-            </a:r>
-          </a:p>
-          <a:p>
-            <a:pPr lvl="1"/>
-            <a:r>
-              <a:rPr lang="en-IN" dirty="0">
-                <a:latin typeface="Arial" panose="020B0604020202020204" pitchFamily="34" charset="0"/>
-                <a:cs typeface="Arial" panose="020B0604020202020204" pitchFamily="34" charset="0"/>
-              </a:rPr>
-              <a:t>CLAZZ_PATH="-cp /home/</a:t>
-            </a:r>
-            <a:r>
-              <a:rPr lang="en-IN" dirty="0" err="1">
-                <a:latin typeface="Arial" panose="020B0604020202020204" pitchFamily="34" charset="0"/>
-                <a:cs typeface="Arial" panose="020B0604020202020204" pitchFamily="34" charset="0"/>
-              </a:rPr>
-              <a:t>magellan</a:t>
-            </a:r>
-            <a:r>
-              <a:rPr lang="en-IN" dirty="0">
-                <a:latin typeface="Arial" panose="020B0604020202020204" pitchFamily="34" charset="0"/>
-                <a:cs typeface="Arial" panose="020B0604020202020204" pitchFamily="34" charset="0"/>
-              </a:rPr>
-              <a:t>/weka-3-8-1/weka.jar:/home/</a:t>
-            </a:r>
-            <a:r>
-              <a:rPr lang="en-IN" dirty="0" err="1">
-                <a:latin typeface="Arial" panose="020B0604020202020204" pitchFamily="34" charset="0"/>
-                <a:cs typeface="Arial" panose="020B0604020202020204" pitchFamily="34" charset="0"/>
-              </a:rPr>
-              <a:t>magellan</a:t>
-            </a:r>
-            <a:r>
-              <a:rPr lang="en-IN" dirty="0">
-                <a:latin typeface="Arial" panose="020B0604020202020204" pitchFamily="34" charset="0"/>
-                <a:cs typeface="Arial" panose="020B0604020202020204" pitchFamily="34" charset="0"/>
-              </a:rPr>
-              <a:t>/weka-3-8-1/mtj.jar:/home/</a:t>
-            </a:r>
-            <a:r>
-              <a:rPr lang="en-IN" dirty="0" err="1">
-                <a:latin typeface="Arial" panose="020B0604020202020204" pitchFamily="34" charset="0"/>
-                <a:cs typeface="Arial" panose="020B0604020202020204" pitchFamily="34" charset="0"/>
-              </a:rPr>
-              <a:t>magellan</a:t>
-            </a:r>
-            <a:r>
-              <a:rPr lang="en-IN" dirty="0">
-                <a:latin typeface="Arial" panose="020B0604020202020204" pitchFamily="34" charset="0"/>
-                <a:cs typeface="Arial" panose="020B0604020202020204" pitchFamily="34" charset="0"/>
-              </a:rPr>
-              <a:t>/weka-3-8-1/model-eval.jar:/home/</a:t>
-            </a:r>
-            <a:r>
-              <a:rPr lang="en-IN" dirty="0" err="1">
-                <a:latin typeface="Arial" panose="020B0604020202020204" pitchFamily="34" charset="0"/>
-                <a:cs typeface="Arial" panose="020B0604020202020204" pitchFamily="34" charset="0"/>
-              </a:rPr>
-              <a:t>magellan</a:t>
-            </a:r>
-            <a:r>
-              <a:rPr lang="en-IN" dirty="0">
-                <a:latin typeface="Arial" panose="020B0604020202020204" pitchFamily="34" charset="0"/>
-                <a:cs typeface="Arial" panose="020B0604020202020204" pitchFamily="34" charset="0"/>
-              </a:rPr>
-              <a:t>/jars/commons-cli-1.4.jar:/home/</a:t>
-            </a:r>
-            <a:r>
-              <a:rPr lang="en-IN" dirty="0" err="1">
-                <a:latin typeface="Arial" panose="020B0604020202020204" pitchFamily="34" charset="0"/>
-                <a:cs typeface="Arial" panose="020B0604020202020204" pitchFamily="34" charset="0"/>
-              </a:rPr>
-              <a:t>magellan</a:t>
-            </a:r>
-            <a:r>
-              <a:rPr lang="en-IN" dirty="0">
-                <a:latin typeface="Arial" panose="020B0604020202020204" pitchFamily="34" charset="0"/>
-                <a:cs typeface="Arial" panose="020B0604020202020204" pitchFamily="34" charset="0"/>
-              </a:rPr>
-              <a:t>/jars/commons-csv-1.5.jar:/home/</a:t>
-            </a:r>
-            <a:r>
-              <a:rPr lang="en-IN" dirty="0" err="1">
-                <a:latin typeface="Arial" panose="020B0604020202020204" pitchFamily="34" charset="0"/>
-                <a:cs typeface="Arial" panose="020B0604020202020204" pitchFamily="34" charset="0"/>
-              </a:rPr>
-              <a:t>magellan</a:t>
-            </a:r>
-            <a:r>
-              <a:rPr lang="en-IN" dirty="0">
-                <a:latin typeface="Arial" panose="020B0604020202020204" pitchFamily="34" charset="0"/>
-                <a:cs typeface="Arial" panose="020B0604020202020204" pitchFamily="34" charset="0"/>
-              </a:rPr>
-              <a:t>/jars/commons-math3-3.6.1.jar:/home/</a:t>
-            </a:r>
-            <a:r>
-              <a:rPr lang="en-IN" dirty="0" err="1">
-                <a:latin typeface="Arial" panose="020B0604020202020204" pitchFamily="34" charset="0"/>
-                <a:cs typeface="Arial" panose="020B0604020202020204" pitchFamily="34" charset="0"/>
-              </a:rPr>
-              <a:t>magellan</a:t>
-            </a:r>
-            <a:r>
-              <a:rPr lang="en-IN" dirty="0">
-                <a:latin typeface="Arial" panose="020B0604020202020204" pitchFamily="34" charset="0"/>
-                <a:cs typeface="Arial" panose="020B0604020202020204" pitchFamily="34" charset="0"/>
-              </a:rPr>
-              <a:t>/</a:t>
-            </a:r>
-            <a:r>
-              <a:rPr lang="en-IN" dirty="0" err="1">
-                <a:latin typeface="Arial" panose="020B0604020202020204" pitchFamily="34" charset="0"/>
-                <a:cs typeface="Arial" panose="020B0604020202020204" pitchFamily="34" charset="0"/>
-              </a:rPr>
-              <a:t>wekafiles</a:t>
-            </a:r>
-            <a:r>
-              <a:rPr lang="en-IN" dirty="0">
-                <a:latin typeface="Arial" panose="020B0604020202020204" pitchFamily="34" charset="0"/>
-                <a:cs typeface="Arial" panose="020B0604020202020204" pitchFamily="34" charset="0"/>
-              </a:rPr>
-              <a:t>/packages/</a:t>
-            </a:r>
-            <a:r>
-              <a:rPr lang="en-IN" dirty="0" err="1">
-                <a:latin typeface="Arial" panose="020B0604020202020204" pitchFamily="34" charset="0"/>
-                <a:cs typeface="Arial" panose="020B0604020202020204" pitchFamily="34" charset="0"/>
-              </a:rPr>
-              <a:t>isotonicRegression</a:t>
-            </a:r>
-            <a:r>
-              <a:rPr lang="en-IN" dirty="0">
-                <a:latin typeface="Arial" panose="020B0604020202020204" pitchFamily="34" charset="0"/>
-                <a:cs typeface="Arial" panose="020B0604020202020204" pitchFamily="34" charset="0"/>
-              </a:rPr>
-              <a:t>/isotonicRegression.jar:/home/</a:t>
-            </a:r>
-            <a:r>
-              <a:rPr lang="en-IN" dirty="0" err="1">
-                <a:latin typeface="Arial" panose="020B0604020202020204" pitchFamily="34" charset="0"/>
-                <a:cs typeface="Arial" panose="020B0604020202020204" pitchFamily="34" charset="0"/>
-              </a:rPr>
-              <a:t>magellan</a:t>
-            </a:r>
-            <a:r>
-              <a:rPr lang="en-IN" dirty="0">
-                <a:latin typeface="Arial" panose="020B0604020202020204" pitchFamily="34" charset="0"/>
-                <a:cs typeface="Arial" panose="020B0604020202020204" pitchFamily="34" charset="0"/>
-              </a:rPr>
-              <a:t>/</a:t>
-            </a:r>
-            <a:r>
-              <a:rPr lang="en-IN" dirty="0" err="1">
-                <a:latin typeface="Arial" panose="020B0604020202020204" pitchFamily="34" charset="0"/>
-                <a:cs typeface="Arial" panose="020B0604020202020204" pitchFamily="34" charset="0"/>
-              </a:rPr>
-              <a:t>wekafiles</a:t>
-            </a:r>
-            <a:r>
-              <a:rPr lang="en-IN" dirty="0">
-                <a:latin typeface="Arial" panose="020B0604020202020204" pitchFamily="34" charset="0"/>
-                <a:cs typeface="Arial" panose="020B0604020202020204" pitchFamily="34" charset="0"/>
-              </a:rPr>
-              <a:t>/packages/</a:t>
-            </a:r>
-            <a:r>
-              <a:rPr lang="en-IN" dirty="0" err="1">
-                <a:latin typeface="Arial" panose="020B0604020202020204" pitchFamily="34" charset="0"/>
-                <a:cs typeface="Arial" panose="020B0604020202020204" pitchFamily="34" charset="0"/>
-              </a:rPr>
-              <a:t>leastMedSquared</a:t>
-            </a:r>
-            <a:r>
-              <a:rPr lang="en-IN" dirty="0">
-                <a:latin typeface="Arial" panose="020B0604020202020204" pitchFamily="34" charset="0"/>
-                <a:cs typeface="Arial" panose="020B0604020202020204" pitchFamily="34" charset="0"/>
-              </a:rPr>
-              <a:t>/leastMedSquared.jar:/home/</a:t>
-            </a:r>
-            <a:r>
-              <a:rPr lang="en-IN" dirty="0" err="1">
-                <a:latin typeface="Arial" panose="020B0604020202020204" pitchFamily="34" charset="0"/>
-                <a:cs typeface="Arial" panose="020B0604020202020204" pitchFamily="34" charset="0"/>
-              </a:rPr>
-              <a:t>magellan</a:t>
-            </a:r>
-            <a:r>
-              <a:rPr lang="en-IN" dirty="0">
-                <a:latin typeface="Arial" panose="020B0604020202020204" pitchFamily="34" charset="0"/>
-                <a:cs typeface="Arial" panose="020B0604020202020204" pitchFamily="34" charset="0"/>
-              </a:rPr>
-              <a:t>/</a:t>
-            </a:r>
-            <a:r>
-              <a:rPr lang="en-IN" dirty="0" err="1">
-                <a:latin typeface="Arial" panose="020B0604020202020204" pitchFamily="34" charset="0"/>
-                <a:cs typeface="Arial" panose="020B0604020202020204" pitchFamily="34" charset="0"/>
-              </a:rPr>
-              <a:t>wekafiles</a:t>
-            </a:r>
-            <a:r>
-              <a:rPr lang="en-IN" dirty="0">
-                <a:latin typeface="Arial" panose="020B0604020202020204" pitchFamily="34" charset="0"/>
-                <a:cs typeface="Arial" panose="020B0604020202020204" pitchFamily="34" charset="0"/>
-              </a:rPr>
-              <a:t>/packages/</a:t>
-            </a:r>
-            <a:r>
-              <a:rPr lang="en-IN" dirty="0" err="1">
-                <a:latin typeface="Arial" panose="020B0604020202020204" pitchFamily="34" charset="0"/>
-                <a:cs typeface="Arial" panose="020B0604020202020204" pitchFamily="34" charset="0"/>
-              </a:rPr>
-              <a:t>paceRegression</a:t>
-            </a:r>
-            <a:r>
-              <a:rPr lang="en-IN" dirty="0">
-                <a:latin typeface="Arial" panose="020B0604020202020204" pitchFamily="34" charset="0"/>
-                <a:cs typeface="Arial" panose="020B0604020202020204" pitchFamily="34" charset="0"/>
-              </a:rPr>
-              <a:t>/paceRegression.jar:/home/</a:t>
-            </a:r>
-            <a:r>
-              <a:rPr lang="en-IN" dirty="0" err="1">
-                <a:latin typeface="Arial" panose="020B0604020202020204" pitchFamily="34" charset="0"/>
-                <a:cs typeface="Arial" panose="020B0604020202020204" pitchFamily="34" charset="0"/>
-              </a:rPr>
-              <a:t>magellan</a:t>
-            </a:r>
-            <a:r>
-              <a:rPr lang="en-IN" dirty="0">
-                <a:latin typeface="Arial" panose="020B0604020202020204" pitchFamily="34" charset="0"/>
-                <a:cs typeface="Arial" panose="020B0604020202020204" pitchFamily="34" charset="0"/>
-              </a:rPr>
-              <a:t>/</a:t>
-            </a:r>
-            <a:r>
-              <a:rPr lang="en-IN" dirty="0" err="1">
-                <a:latin typeface="Arial" panose="020B0604020202020204" pitchFamily="34" charset="0"/>
-                <a:cs typeface="Arial" panose="020B0604020202020204" pitchFamily="34" charset="0"/>
-              </a:rPr>
-              <a:t>wekafiles</a:t>
-            </a:r>
-            <a:r>
-              <a:rPr lang="en-IN" dirty="0">
-                <a:latin typeface="Arial" panose="020B0604020202020204" pitchFamily="34" charset="0"/>
-                <a:cs typeface="Arial" panose="020B0604020202020204" pitchFamily="34" charset="0"/>
-              </a:rPr>
-              <a:t>/packages/</a:t>
-            </a:r>
-            <a:r>
-              <a:rPr lang="en-IN" dirty="0" err="1">
-                <a:latin typeface="Arial" panose="020B0604020202020204" pitchFamily="34" charset="0"/>
-                <a:cs typeface="Arial" panose="020B0604020202020204" pitchFamily="34" charset="0"/>
-              </a:rPr>
-              <a:t>RBFNetwork</a:t>
-            </a:r>
-            <a:r>
-              <a:rPr lang="en-IN" dirty="0">
-                <a:latin typeface="Arial" panose="020B0604020202020204" pitchFamily="34" charset="0"/>
-                <a:cs typeface="Arial" panose="020B0604020202020204" pitchFamily="34" charset="0"/>
-              </a:rPr>
-              <a:t>/RBFNetwork.jar"</a:t>
-            </a:r>
-          </a:p>
-          <a:p>
-            <a:endParaRPr lang="en-IN" dirty="0">
-              <a:latin typeface="Arial" panose="020B0604020202020204" pitchFamily="34" charset="0"/>
-              <a:cs typeface="Arial" panose="020B0604020202020204" pitchFamily="34" charset="0"/>
-            </a:endParaRPr>
-          </a:p>
-          <a:p>
-            <a:endParaRPr lang="en-IN" dirty="0">
-              <a:latin typeface="Arial" panose="020B0604020202020204" pitchFamily="34" charset="0"/>
-              <a:cs typeface="Arial" panose="020B0604020202020204" pitchFamily="34" charset="0"/>
-            </a:endParaRPr>
-          </a:p>
-          <a:p>
-            <a:r>
-              <a:rPr lang="en-IN" b="1" dirty="0">
-                <a:latin typeface="Arial" panose="020B0604020202020204" pitchFamily="34" charset="0"/>
-                <a:cs typeface="Arial" panose="020B0604020202020204" pitchFamily="34" charset="0"/>
-              </a:rPr>
-              <a:t>*model-eval.jar </a:t>
-            </a:r>
-            <a:r>
-              <a:rPr lang="en-IN" dirty="0">
-                <a:latin typeface="Arial" panose="020B0604020202020204" pitchFamily="34" charset="0"/>
-                <a:cs typeface="Arial" panose="020B0604020202020204" pitchFamily="34" charset="0"/>
-              </a:rPr>
-              <a:t>is a custom Java application</a:t>
-            </a:r>
-          </a:p>
-          <a:p>
-            <a:endParaRPr lang="en-IN" dirty="0">
-              <a:latin typeface="Arial" panose="020B0604020202020204" pitchFamily="34" charset="0"/>
-              <a:cs typeface="Arial" panose="020B0604020202020204" pitchFamily="34" charset="0"/>
-            </a:endParaRPr>
-          </a:p>
-          <a:p>
-            <a:endParaRPr lang="en-IN" dirty="0"/>
-          </a:p>
-        </p:txBody>
-      </p:sp>
-    </p:spTree>
-    <p:extLst>
-      <p:ext uri="{BB962C8B-B14F-4D97-AF65-F5344CB8AC3E}">
-        <p14:creationId xmlns:p14="http://schemas.microsoft.com/office/powerpoint/2010/main" val="206125894"/>
       </p:ext>
     </p:extLst>
   </p:cSld>
@@ -22221,4 +25656,299 @@
     </a:ext>
   </a:extLst>
 </a:theme>
+</file>
+
+<file path=ppt/theme/theme2.xml><?xml version="1.0" encoding="utf-8"?>
+<a:theme xmlns:a="http://schemas.openxmlformats.org/drawingml/2006/main" name="Office Theme">
+  <a:themeElements>
+    <a:clrScheme name="Office">
+      <a:dk1>
+        <a:sysClr val="windowText" lastClr="000000"/>
+      </a:dk1>
+      <a:lt1>
+        <a:sysClr val="window" lastClr="FFFFFF"/>
+      </a:lt1>
+      <a:dk2>
+        <a:srgbClr val="44546A"/>
+      </a:dk2>
+      <a:lt2>
+        <a:srgbClr val="E7E6E6"/>
+      </a:lt2>
+      <a:accent1>
+        <a:srgbClr val="4472C4"/>
+      </a:accent1>
+      <a:accent2>
+        <a:srgbClr val="ED7D31"/>
+      </a:accent2>
+      <a:accent3>
+        <a:srgbClr val="A5A5A5"/>
+      </a:accent3>
+      <a:accent4>
+        <a:srgbClr val="FFC000"/>
+      </a:accent4>
+      <a:accent5>
+        <a:srgbClr val="5B9BD5"/>
+      </a:accent5>
+      <a:accent6>
+        <a:srgbClr val="70AD47"/>
+      </a:accent6>
+      <a:hlink>
+        <a:srgbClr val="0563C1"/>
+      </a:hlink>
+      <a:folHlink>
+        <a:srgbClr val="954F72"/>
+      </a:folHlink>
+    </a:clrScheme>
+    <a:fontScheme name="Office">
+      <a:majorFont>
+        <a:latin typeface="Calibri Light" panose="020F0302020204030204"/>
+        <a:ea typeface=""/>
+        <a:cs typeface=""/>
+        <a:font script="Jpan" typeface="游ゴシック Light"/>
+        <a:font script="Hang" typeface="맑은 고딕"/>
+        <a:font script="Hans" typeface="等线 Light"/>
+        <a:font script="Hant" typeface="新細明體"/>
+        <a:font script="Arab" typeface="Times New Roman"/>
+        <a:font script="Hebr" typeface="Times New Roman"/>
+        <a:font script="Thai" typeface="Angsana New"/>
+        <a:font script="Ethi" typeface="Nyala"/>
+        <a:font script="Beng" typeface="Vrinda"/>
+        <a:font script="Gujr" typeface="Shruti"/>
+        <a:font script="Khmr" typeface="MoolBoran"/>
+        <a:font script="Knda" typeface="Tunga"/>
+        <a:font script="Guru" typeface="Raavi"/>
+        <a:font script="Cans" typeface="Euphemia"/>
+        <a:font script="Cher" typeface="Plantagenet Cherokee"/>
+        <a:font script="Yiii" typeface="Microsoft Yi Baiti"/>
+        <a:font script="Tibt" typeface="Microsoft Himalaya"/>
+        <a:font script="Thaa" typeface="MV Boli"/>
+        <a:font script="Deva" typeface="Mangal"/>
+        <a:font script="Telu" typeface="Gautami"/>
+        <a:font script="Taml" typeface="Latha"/>
+        <a:font script="Syrc" typeface="Estrangelo Edessa"/>
+        <a:font script="Orya" typeface="Kalinga"/>
+        <a:font script="Mlym" typeface="Kartika"/>
+        <a:font script="Laoo" typeface="DokChampa"/>
+        <a:font script="Sinh" typeface="Iskoola Pota"/>
+        <a:font script="Mong" typeface="Mongolian Baiti"/>
+        <a:font script="Viet" typeface="Times New Roman"/>
+        <a:font script="Uigh" typeface="Microsoft Uighur"/>
+        <a:font script="Geor" typeface="Sylfaen"/>
+        <a:font script="Armn" typeface="Arial"/>
+        <a:font script="Bugi" typeface="Leelawadee UI"/>
+        <a:font script="Bopo" typeface="Microsoft JhengHei"/>
+        <a:font script="Java" typeface="Javanese Text"/>
+        <a:font script="Lisu" typeface="Segoe UI"/>
+        <a:font script="Mymr" typeface="Myanmar Text"/>
+        <a:font script="Nkoo" typeface="Ebrima"/>
+        <a:font script="Olck" typeface="Nirmala UI"/>
+        <a:font script="Osma" typeface="Ebrima"/>
+        <a:font script="Phag" typeface="Phagspa"/>
+        <a:font script="Syrn" typeface="Estrangelo Edessa"/>
+        <a:font script="Syrj" typeface="Estrangelo Edessa"/>
+        <a:font script="Syre" typeface="Estrangelo Edessa"/>
+        <a:font script="Sora" typeface="Nirmala UI"/>
+        <a:font script="Tale" typeface="Microsoft Tai Le"/>
+        <a:font script="Talu" typeface="Microsoft New Tai Lue"/>
+        <a:font script="Tfng" typeface="Ebrima"/>
+      </a:majorFont>
+      <a:minorFont>
+        <a:latin typeface="Calibri" panose="020F0502020204030204"/>
+        <a:ea typeface=""/>
+        <a:cs typeface=""/>
+        <a:font script="Jpan" typeface="游ゴシック"/>
+        <a:font script="Hang" typeface="맑은 고딕"/>
+        <a:font script="Hans" typeface="等线"/>
+        <a:font script="Hant" typeface="新細明體"/>
+        <a:font script="Arab" typeface="Arial"/>
+        <a:font script="Hebr" typeface="Arial"/>
+        <a:font script="Thai" typeface="Cordia New"/>
+        <a:font script="Ethi" typeface="Nyala"/>
+        <a:font script="Beng" typeface="Vrinda"/>
+        <a:font script="Gujr" typeface="Shruti"/>
+        <a:font script="Khmr" typeface="DaunPenh"/>
+        <a:font script="Knda" typeface="Tunga"/>
+        <a:font script="Guru" typeface="Raavi"/>
+        <a:font script="Cans" typeface="Euphemia"/>
+        <a:font script="Cher" typeface="Plantagenet Cherokee"/>
+        <a:font script="Yiii" typeface="Microsoft Yi Baiti"/>
+        <a:font script="Tibt" typeface="Microsoft Himalaya"/>
+        <a:font script="Thaa" typeface="MV Boli"/>
+        <a:font script="Deva" typeface="Mangal"/>
+        <a:font script="Telu" typeface="Gautami"/>
+        <a:font script="Taml" typeface="Latha"/>
+        <a:font script="Syrc" typeface="Estrangelo Edessa"/>
+        <a:font script="Orya" typeface="Kalinga"/>
+        <a:font script="Mlym" typeface="Kartika"/>
+        <a:font script="Laoo" typeface="DokChampa"/>
+        <a:font script="Sinh" typeface="Iskoola Pota"/>
+        <a:font script="Mong" typeface="Mongolian Baiti"/>
+        <a:font script="Viet" typeface="Arial"/>
+        <a:font script="Uigh" typeface="Microsoft Uighur"/>
+        <a:font script="Geor" typeface="Sylfaen"/>
+        <a:font script="Armn" typeface="Arial"/>
+        <a:font script="Bugi" typeface="Leelawadee UI"/>
+        <a:font script="Bopo" typeface="Microsoft JhengHei"/>
+        <a:font script="Java" typeface="Javanese Text"/>
+        <a:font script="Lisu" typeface="Segoe UI"/>
+        <a:font script="Mymr" typeface="Myanmar Text"/>
+        <a:font script="Nkoo" typeface="Ebrima"/>
+        <a:font script="Olck" typeface="Nirmala UI"/>
+        <a:font script="Osma" typeface="Ebrima"/>
+        <a:font script="Phag" typeface="Phagspa"/>
+        <a:font script="Syrn" typeface="Estrangelo Edessa"/>
+        <a:font script="Syrj" typeface="Estrangelo Edessa"/>
+        <a:font script="Syre" typeface="Estrangelo Edessa"/>
+        <a:font script="Sora" typeface="Nirmala UI"/>
+        <a:font script="Tale" typeface="Microsoft Tai Le"/>
+        <a:font script="Talu" typeface="Microsoft New Tai Lue"/>
+        <a:font script="Tfng" typeface="Ebrima"/>
+      </a:minorFont>
+    </a:fontScheme>
+    <a:fmtScheme name="Office">
+      <a:fillStyleLst>
+        <a:solidFill>
+          <a:schemeClr val="phClr"/>
+        </a:solidFill>
+        <a:gradFill rotWithShape="1">
+          <a:gsLst>
+            <a:gs pos="0">
+              <a:schemeClr val="phClr">
+                <a:lumMod val="110000"/>
+                <a:satMod val="105000"/>
+                <a:tint val="67000"/>
+              </a:schemeClr>
+            </a:gs>
+            <a:gs pos="50000">
+              <a:schemeClr val="phClr">
+                <a:lumMod val="105000"/>
+                <a:satMod val="103000"/>
+                <a:tint val="73000"/>
+              </a:schemeClr>
+            </a:gs>
+            <a:gs pos="100000">
+              <a:schemeClr val="phClr">
+                <a:lumMod val="105000"/>
+                <a:satMod val="109000"/>
+                <a:tint val="81000"/>
+              </a:schemeClr>
+            </a:gs>
+          </a:gsLst>
+          <a:lin ang="5400000" scaled="0"/>
+        </a:gradFill>
+        <a:gradFill rotWithShape="1">
+          <a:gsLst>
+            <a:gs pos="0">
+              <a:schemeClr val="phClr">
+                <a:satMod val="103000"/>
+                <a:lumMod val="102000"/>
+                <a:tint val="94000"/>
+              </a:schemeClr>
+            </a:gs>
+            <a:gs pos="50000">
+              <a:schemeClr val="phClr">
+                <a:satMod val="110000"/>
+                <a:lumMod val="100000"/>
+                <a:shade val="100000"/>
+              </a:schemeClr>
+            </a:gs>
+            <a:gs pos="100000">
+              <a:schemeClr val="phClr">
+                <a:lumMod val="99000"/>
+                <a:satMod val="120000"/>
+                <a:shade val="78000"/>
+              </a:schemeClr>
+            </a:gs>
+          </a:gsLst>
+          <a:lin ang="5400000" scaled="0"/>
+        </a:gradFill>
+      </a:fillStyleLst>
+      <a:lnStyleLst>
+        <a:ln w="6350" cap="flat" cmpd="sng" algn="ctr">
+          <a:solidFill>
+            <a:schemeClr val="phClr"/>
+          </a:solidFill>
+          <a:prstDash val="solid"/>
+          <a:miter lim="800000"/>
+        </a:ln>
+        <a:ln w="12700" cap="flat" cmpd="sng" algn="ctr">
+          <a:solidFill>
+            <a:schemeClr val="phClr"/>
+          </a:solidFill>
+          <a:prstDash val="solid"/>
+          <a:miter lim="800000"/>
+        </a:ln>
+        <a:ln w="19050" cap="flat" cmpd="sng" algn="ctr">
+          <a:solidFill>
+            <a:schemeClr val="phClr"/>
+          </a:solidFill>
+          <a:prstDash val="solid"/>
+          <a:miter lim="800000"/>
+        </a:ln>
+      </a:lnStyleLst>
+      <a:effectStyleLst>
+        <a:effectStyle>
+          <a:effectLst/>
+        </a:effectStyle>
+        <a:effectStyle>
+          <a:effectLst/>
+        </a:effectStyle>
+        <a:effectStyle>
+          <a:effectLst>
+            <a:outerShdw blurRad="57150" dist="19050" dir="5400000" algn="ctr" rotWithShape="0">
+              <a:srgbClr val="000000">
+                <a:alpha val="63000"/>
+              </a:srgbClr>
+            </a:outerShdw>
+          </a:effectLst>
+        </a:effectStyle>
+      </a:effectStyleLst>
+      <a:bgFillStyleLst>
+        <a:solidFill>
+          <a:schemeClr val="phClr"/>
+        </a:solidFill>
+        <a:solidFill>
+          <a:schemeClr val="phClr">
+            <a:tint val="95000"/>
+            <a:satMod val="170000"/>
+          </a:schemeClr>
+        </a:solidFill>
+        <a:gradFill rotWithShape="1">
+          <a:gsLst>
+            <a:gs pos="0">
+              <a:schemeClr val="phClr">
+                <a:tint val="93000"/>
+                <a:satMod val="150000"/>
+                <a:shade val="98000"/>
+                <a:lumMod val="102000"/>
+              </a:schemeClr>
+            </a:gs>
+            <a:gs pos="50000">
+              <a:schemeClr val="phClr">
+                <a:tint val="98000"/>
+                <a:satMod val="130000"/>
+                <a:shade val="90000"/>
+                <a:lumMod val="103000"/>
+              </a:schemeClr>
+            </a:gs>
+            <a:gs pos="100000">
+              <a:schemeClr val="phClr">
+                <a:shade val="63000"/>
+                <a:satMod val="120000"/>
+              </a:schemeClr>
+            </a:gs>
+          </a:gsLst>
+          <a:lin ang="5400000" scaled="0"/>
+        </a:gradFill>
+      </a:bgFillStyleLst>
+    </a:fmtScheme>
+  </a:themeElements>
+  <a:objectDefaults/>
+  <a:extraClrSchemeLst/>
+  <a:extLst>
+    <a:ext uri="{05A4C25C-085E-4340-85A3-A5531E510DB2}">
+      <thm15:themeFamily xmlns:thm15="http://schemas.microsoft.com/office/thememl/2012/main" name="Office Theme" id="{62F939B6-93AF-4DB8-9C6B-D6C7DFDC589F}" vid="{4A3C46E8-61CC-4603-A589-7422A47A8E4A}"/>
+    </a:ext>
+  </a:extLst>
+</a:theme>
 </file>